--- a/Presentation/Presentation_FINAL_DRAFT.pptx
+++ b/Presentation/Presentation_FINAL_DRAFT.pptx
@@ -5,41 +5,59 @@
     <p:sldMasterId id="2147483662" r:id="rId1"/>
   </p:sldMasterIdLst>
   <p:notesMasterIdLst>
-    <p:notesMasterId r:id="rId5"/>
+    <p:notesMasterId r:id="rId16"/>
   </p:notesMasterIdLst>
   <p:sldIdLst>
     <p:sldId id="256" r:id="rId2"/>
-    <p:sldId id="257" r:id="rId3"/>
-    <p:sldId id="258" r:id="rId4"/>
+    <p:sldId id="260" r:id="rId3"/>
+    <p:sldId id="261" r:id="rId4"/>
+    <p:sldId id="271" r:id="rId5"/>
+    <p:sldId id="272" r:id="rId6"/>
+    <p:sldId id="273" r:id="rId7"/>
+    <p:sldId id="274" r:id="rId8"/>
+    <p:sldId id="266" r:id="rId9"/>
+    <p:sldId id="267" r:id="rId10"/>
+    <p:sldId id="268" r:id="rId11"/>
+    <p:sldId id="269" r:id="rId12"/>
+    <p:sldId id="270" r:id="rId13"/>
+    <p:sldId id="258" r:id="rId14"/>
+    <p:sldId id="259" r:id="rId15"/>
   </p:sldIdLst>
   <p:sldSz cx="9144000" cy="5143500" type="screen16x9"/>
   <p:notesSz cx="6858000" cy="9144000"/>
   <p:embeddedFontLst>
     <p:embeddedFont>
+      <p:font typeface="Times" panose="02020603050405020304" pitchFamily="18" charset="0"/>
+      <p:regular r:id="rId17"/>
+      <p:bold r:id="rId18"/>
+      <p:italic r:id="rId19"/>
+      <p:boldItalic r:id="rId20"/>
+    </p:embeddedFont>
+    <p:embeddedFont>
+      <p:font typeface="Calibri Light" panose="020F0302020204030204" pitchFamily="34" charset="0"/>
+      <p:regular r:id="rId21"/>
+      <p:italic r:id="rId22"/>
+    </p:embeddedFont>
+    <p:embeddedFont>
       <p:font typeface="Montserrat Medium" panose="020B0604020202020204" charset="0"/>
-      <p:regular r:id="rId6"/>
-      <p:bold r:id="rId7"/>
-      <p:italic r:id="rId8"/>
-      <p:boldItalic r:id="rId9"/>
+      <p:regular r:id="rId23"/>
+      <p:bold r:id="rId24"/>
+      <p:italic r:id="rId25"/>
+      <p:boldItalic r:id="rId26"/>
+    </p:embeddedFont>
+    <p:embeddedFont>
+      <p:font typeface="Montserrat" panose="020B0604020202020204" charset="0"/>
+      <p:regular r:id="rId27"/>
+      <p:bold r:id="rId28"/>
+      <p:italic r:id="rId29"/>
+      <p:boldItalic r:id="rId30"/>
     </p:embeddedFont>
     <p:embeddedFont>
       <p:font typeface="Calibri" panose="020F0502020204030204" pitchFamily="34" charset="0"/>
-      <p:regular r:id="rId10"/>
-      <p:bold r:id="rId11"/>
-      <p:italic r:id="rId12"/>
-      <p:boldItalic r:id="rId13"/>
-    </p:embeddedFont>
-    <p:embeddedFont>
-      <p:font typeface="Montserrat" panose="020B0604020202020204" charset="0"/>
-      <p:regular r:id="rId14"/>
-      <p:bold r:id="rId15"/>
-      <p:italic r:id="rId16"/>
-      <p:boldItalic r:id="rId17"/>
-    </p:embeddedFont>
-    <p:embeddedFont>
-      <p:font typeface="Calibri Light" panose="020F0302020204030204" pitchFamily="34" charset="0"/>
-      <p:regular r:id="rId18"/>
-      <p:italic r:id="rId19"/>
+      <p:regular r:id="rId31"/>
+      <p:bold r:id="rId32"/>
+      <p:italic r:id="rId33"/>
+      <p:boldItalic r:id="rId34"/>
     </p:embeddedFont>
   </p:embeddedFontLst>
   <p:defaultTextStyle>
@@ -272,8 +290,11 @@
     </a:lvl9pPr>
   </p:defaultTextStyle>
   <p:extLst>
+    <p:ext uri="{EFAFB233-063F-42B5-8137-9DF3F51BA10A}">
+      <p15:sldGuideLst xmlns:p15="http://schemas.microsoft.com/office/powerpoint/2012/main"/>
+    </p:ext>
     <p:ext uri="GoogleSlidesCustomDataVersion2">
-      <go:slidesCustomData xmlns:go="http://customooxmlschemas.google.com/" xmlns:ahyp="http://schemas.microsoft.com/office/drawing/2018/hyperlinkcolor" xmlns:p15="http://schemas.microsoft.com/office/powerpoint/2012/main" xmlns:p14="http://schemas.microsoft.com/office/powerpoint/2010/main" xmlns:com="http://schemas.openxmlformats.org/drawingml/2006/compatibility" xmlns:pvml="urn:schemas-microsoft-com:office:powerpoint" xmlns:v="urn:schemas-microsoft-com:vml" xmlns:o="urn:schemas-microsoft-com:office:office" xmlns:dgm="http://schemas.openxmlformats.org/drawingml/2006/diagram" xmlns:c="http://schemas.openxmlformats.org/drawingml/2006/chart" xmlns:mv="urn:schemas-microsoft-com:mac:vml" xmlns:mc="http://schemas.openxmlformats.org/markup-compatibility/2006" xmlns="" r:id="rId31" roundtripDataSignature="AMtx7mhgpbhf3U/UBlUGG60SKwoBnxqdfw=="/>
+      <go:slidesCustomData xmlns="" xmlns:mc="http://schemas.openxmlformats.org/markup-compatibility/2006" xmlns:mv="urn:schemas-microsoft-com:mac:vml" xmlns:c="http://schemas.openxmlformats.org/drawingml/2006/chart" xmlns:dgm="http://schemas.openxmlformats.org/drawingml/2006/diagram" xmlns:o="urn:schemas-microsoft-com:office:office" xmlns:v="urn:schemas-microsoft-com:vml" xmlns:pvml="urn:schemas-microsoft-com:office:powerpoint" xmlns:com="http://schemas.openxmlformats.org/drawingml/2006/compatibility" xmlns:p14="http://schemas.microsoft.com/office/powerpoint/2010/main" xmlns:p15="http://schemas.microsoft.com/office/powerpoint/2012/main" xmlns:ahyp="http://schemas.microsoft.com/office/drawing/2018/hyperlinkcolor" xmlns:go="http://customooxmlschemas.google.com/" r:id="rId35" roundtripDataSignature="AMtx7mhgpbhf3U/UBlUGG60SKwoBnxqdfw=="/>
     </p:ext>
   </p:extLst>
 </p:presentation>
@@ -981,6 +1002,1205 @@
     <p:extLst>
       <p:ext uri="{BB962C8B-B14F-4D97-AF65-F5344CB8AC3E}">
         <p14:creationId xmlns:p14="http://schemas.microsoft.com/office/powerpoint/2010/main" val="279427986"/>
+      </p:ext>
+    </p:extLst>
+  </p:cSld>
+  <p:clrMapOvr>
+    <a:masterClrMapping/>
+  </p:clrMapOvr>
+</p:notes>
+</file>
+
+<file path=ppt/notesSlides/notesSlide10.xml><?xml version="1.0" encoding="utf-8"?>
+<p:notes xmlns:a="http://schemas.openxmlformats.org/drawingml/2006/main" xmlns:r="http://schemas.openxmlformats.org/officeDocument/2006/relationships" xmlns:p="http://schemas.openxmlformats.org/presentationml/2006/main" showMasterSp="0" showMasterPhAnim="0">
+  <p:cSld>
+    <p:spTree>
+      <p:nvGrpSpPr>
+        <p:cNvPr id="1" name="Shape 186"/>
+        <p:cNvGrpSpPr/>
+        <p:nvPr/>
+      </p:nvGrpSpPr>
+      <p:grpSpPr>
+        <a:xfrm>
+          <a:off x="0" y="0"/>
+          <a:ext cx="0" cy="0"/>
+          <a:chOff x="0" y="0"/>
+          <a:chExt cx="0" cy="0"/>
+        </a:xfrm>
+      </p:grpSpPr>
+      <p:sp>
+        <p:nvSpPr>
+          <p:cNvPr id="187" name="Google Shape;187;p11:notes"/>
+          <p:cNvSpPr txBox="1">
+            <a:spLocks noGrp="1"/>
+          </p:cNvSpPr>
+          <p:nvPr>
+            <p:ph type="body" idx="1"/>
+          </p:nvPr>
+        </p:nvSpPr>
+        <p:spPr>
+          <a:xfrm>
+            <a:off x="685800" y="4343400"/>
+            <a:ext cx="5486400" cy="4114800"/>
+          </a:xfrm>
+          <a:prstGeom prst="rect">
+            <a:avLst/>
+          </a:prstGeom>
+        </p:spPr>
+        <p:txBody>
+          <a:bodyPr spcFirstLastPara="1" wrap="square" lIns="91425" tIns="45700" rIns="91425" bIns="45700" anchor="t" anchorCtr="0">
+            <a:noAutofit/>
+          </a:bodyPr>
+          <a:lstStyle/>
+          <a:p>
+            <a:pPr marL="0" lvl="0" indent="0" algn="l" rtl="0">
+              <a:spcBef>
+                <a:spcPts val="0"/>
+              </a:spcBef>
+              <a:spcAft>
+                <a:spcPts val="0"/>
+              </a:spcAft>
+              <a:buNone/>
+            </a:pPr>
+            <a:endParaRPr/>
+          </a:p>
+        </p:txBody>
+      </p:sp>
+      <p:sp>
+        <p:nvSpPr>
+          <p:cNvPr id="188" name="Google Shape;188;p11:notes"/>
+          <p:cNvSpPr>
+            <a:spLocks noGrp="1" noRot="1" noChangeAspect="1"/>
+          </p:cNvSpPr>
+          <p:nvPr>
+            <p:ph type="sldImg" idx="2"/>
+          </p:nvPr>
+        </p:nvSpPr>
+        <p:spPr>
+          <a:xfrm>
+            <a:off x="381000" y="685800"/>
+            <a:ext cx="6096000" cy="3429000"/>
+          </a:xfrm>
+          <a:custGeom>
+            <a:avLst/>
+            <a:gdLst/>
+            <a:ahLst/>
+            <a:cxnLst/>
+            <a:rect l="l" t="t" r="r" b="b"/>
+            <a:pathLst>
+              <a:path w="120000" h="120000" extrusionOk="0">
+                <a:moveTo>
+                  <a:pt x="0" y="0"/>
+                </a:moveTo>
+                <a:lnTo>
+                  <a:pt x="120000" y="0"/>
+                </a:lnTo>
+                <a:lnTo>
+                  <a:pt x="120000" y="120000"/>
+                </a:lnTo>
+                <a:lnTo>
+                  <a:pt x="0" y="120000"/>
+                </a:lnTo>
+                <a:close/>
+              </a:path>
+            </a:pathLst>
+          </a:custGeom>
+        </p:spPr>
+      </p:sp>
+    </p:spTree>
+    <p:extLst>
+      <p:ext uri="{BB962C8B-B14F-4D97-AF65-F5344CB8AC3E}">
+        <p14:creationId xmlns:p14="http://schemas.microsoft.com/office/powerpoint/2010/main" val="3799466928"/>
+      </p:ext>
+    </p:extLst>
+  </p:cSld>
+  <p:clrMapOvr>
+    <a:masterClrMapping/>
+  </p:clrMapOvr>
+</p:notes>
+</file>
+
+<file path=ppt/notesSlides/notesSlide11.xml><?xml version="1.0" encoding="utf-8"?>
+<p:notes xmlns:a="http://schemas.openxmlformats.org/drawingml/2006/main" xmlns:r="http://schemas.openxmlformats.org/officeDocument/2006/relationships" xmlns:p="http://schemas.openxmlformats.org/presentationml/2006/main" showMasterSp="0" showMasterPhAnim="0">
+  <p:cSld>
+    <p:spTree>
+      <p:nvGrpSpPr>
+        <p:cNvPr id="1" name="Shape 186"/>
+        <p:cNvGrpSpPr/>
+        <p:nvPr/>
+      </p:nvGrpSpPr>
+      <p:grpSpPr>
+        <a:xfrm>
+          <a:off x="0" y="0"/>
+          <a:ext cx="0" cy="0"/>
+          <a:chOff x="0" y="0"/>
+          <a:chExt cx="0" cy="0"/>
+        </a:xfrm>
+      </p:grpSpPr>
+      <p:sp>
+        <p:nvSpPr>
+          <p:cNvPr id="187" name="Google Shape;187;p11:notes"/>
+          <p:cNvSpPr txBox="1">
+            <a:spLocks noGrp="1"/>
+          </p:cNvSpPr>
+          <p:nvPr>
+            <p:ph type="body" idx="1"/>
+          </p:nvPr>
+        </p:nvSpPr>
+        <p:spPr>
+          <a:xfrm>
+            <a:off x="685800" y="4343400"/>
+            <a:ext cx="5486400" cy="4114800"/>
+          </a:xfrm>
+          <a:prstGeom prst="rect">
+            <a:avLst/>
+          </a:prstGeom>
+        </p:spPr>
+        <p:txBody>
+          <a:bodyPr spcFirstLastPara="1" wrap="square" lIns="91425" tIns="45700" rIns="91425" bIns="45700" anchor="t" anchorCtr="0">
+            <a:noAutofit/>
+          </a:bodyPr>
+          <a:lstStyle/>
+          <a:p>
+            <a:pPr marL="0" lvl="0" indent="0" algn="l" rtl="0">
+              <a:spcBef>
+                <a:spcPts val="0"/>
+              </a:spcBef>
+              <a:spcAft>
+                <a:spcPts val="0"/>
+              </a:spcAft>
+              <a:buNone/>
+            </a:pPr>
+            <a:endParaRPr/>
+          </a:p>
+        </p:txBody>
+      </p:sp>
+      <p:sp>
+        <p:nvSpPr>
+          <p:cNvPr id="188" name="Google Shape;188;p11:notes"/>
+          <p:cNvSpPr>
+            <a:spLocks noGrp="1" noRot="1" noChangeAspect="1"/>
+          </p:cNvSpPr>
+          <p:nvPr>
+            <p:ph type="sldImg" idx="2"/>
+          </p:nvPr>
+        </p:nvSpPr>
+        <p:spPr>
+          <a:xfrm>
+            <a:off x="381000" y="685800"/>
+            <a:ext cx="6096000" cy="3429000"/>
+          </a:xfrm>
+          <a:custGeom>
+            <a:avLst/>
+            <a:gdLst/>
+            <a:ahLst/>
+            <a:cxnLst/>
+            <a:rect l="l" t="t" r="r" b="b"/>
+            <a:pathLst>
+              <a:path w="120000" h="120000" extrusionOk="0">
+                <a:moveTo>
+                  <a:pt x="0" y="0"/>
+                </a:moveTo>
+                <a:lnTo>
+                  <a:pt x="120000" y="0"/>
+                </a:lnTo>
+                <a:lnTo>
+                  <a:pt x="120000" y="120000"/>
+                </a:lnTo>
+                <a:lnTo>
+                  <a:pt x="0" y="120000"/>
+                </a:lnTo>
+                <a:close/>
+              </a:path>
+            </a:pathLst>
+          </a:custGeom>
+        </p:spPr>
+      </p:sp>
+    </p:spTree>
+    <p:extLst>
+      <p:ext uri="{BB962C8B-B14F-4D97-AF65-F5344CB8AC3E}">
+        <p14:creationId xmlns:p14="http://schemas.microsoft.com/office/powerpoint/2010/main" val="1302646025"/>
+      </p:ext>
+    </p:extLst>
+  </p:cSld>
+  <p:clrMapOvr>
+    <a:masterClrMapping/>
+  </p:clrMapOvr>
+</p:notes>
+</file>
+
+<file path=ppt/notesSlides/notesSlide12.xml><?xml version="1.0" encoding="utf-8"?>
+<p:notes xmlns:a="http://schemas.openxmlformats.org/drawingml/2006/main" xmlns:r="http://schemas.openxmlformats.org/officeDocument/2006/relationships" xmlns:p="http://schemas.openxmlformats.org/presentationml/2006/main" showMasterSp="0" showMasterPhAnim="0">
+  <p:cSld>
+    <p:spTree>
+      <p:nvGrpSpPr>
+        <p:cNvPr id="1" name="Shape 196"/>
+        <p:cNvGrpSpPr/>
+        <p:nvPr/>
+      </p:nvGrpSpPr>
+      <p:grpSpPr>
+        <a:xfrm>
+          <a:off x="0" y="0"/>
+          <a:ext cx="0" cy="0"/>
+          <a:chOff x="0" y="0"/>
+          <a:chExt cx="0" cy="0"/>
+        </a:xfrm>
+      </p:grpSpPr>
+      <p:sp>
+        <p:nvSpPr>
+          <p:cNvPr id="197" name="Google Shape;197;p12:notes"/>
+          <p:cNvSpPr txBox="1">
+            <a:spLocks noGrp="1"/>
+          </p:cNvSpPr>
+          <p:nvPr>
+            <p:ph type="body" idx="1"/>
+          </p:nvPr>
+        </p:nvSpPr>
+        <p:spPr>
+          <a:xfrm>
+            <a:off x="685800" y="4343400"/>
+            <a:ext cx="5486400" cy="4114800"/>
+          </a:xfrm>
+          <a:prstGeom prst="rect">
+            <a:avLst/>
+          </a:prstGeom>
+        </p:spPr>
+        <p:txBody>
+          <a:bodyPr spcFirstLastPara="1" wrap="square" lIns="91425" tIns="45700" rIns="91425" bIns="45700" anchor="t" anchorCtr="0">
+            <a:noAutofit/>
+          </a:bodyPr>
+          <a:lstStyle/>
+          <a:p>
+            <a:pPr marL="0" lvl="0" indent="0" algn="l" rtl="0">
+              <a:spcBef>
+                <a:spcPts val="0"/>
+              </a:spcBef>
+              <a:spcAft>
+                <a:spcPts val="0"/>
+              </a:spcAft>
+              <a:buNone/>
+            </a:pPr>
+            <a:endParaRPr/>
+          </a:p>
+        </p:txBody>
+      </p:sp>
+      <p:sp>
+        <p:nvSpPr>
+          <p:cNvPr id="198" name="Google Shape;198;p12:notes"/>
+          <p:cNvSpPr>
+            <a:spLocks noGrp="1" noRot="1" noChangeAspect="1"/>
+          </p:cNvSpPr>
+          <p:nvPr>
+            <p:ph type="sldImg" idx="2"/>
+          </p:nvPr>
+        </p:nvSpPr>
+        <p:spPr>
+          <a:xfrm>
+            <a:off x="381000" y="685800"/>
+            <a:ext cx="6096000" cy="3429000"/>
+          </a:xfrm>
+          <a:custGeom>
+            <a:avLst/>
+            <a:gdLst/>
+            <a:ahLst/>
+            <a:cxnLst/>
+            <a:rect l="l" t="t" r="r" b="b"/>
+            <a:pathLst>
+              <a:path w="120000" h="120000" extrusionOk="0">
+                <a:moveTo>
+                  <a:pt x="0" y="0"/>
+                </a:moveTo>
+                <a:lnTo>
+                  <a:pt x="120000" y="0"/>
+                </a:lnTo>
+                <a:lnTo>
+                  <a:pt x="120000" y="120000"/>
+                </a:lnTo>
+                <a:lnTo>
+                  <a:pt x="0" y="120000"/>
+                </a:lnTo>
+                <a:close/>
+              </a:path>
+            </a:pathLst>
+          </a:custGeom>
+        </p:spPr>
+      </p:sp>
+    </p:spTree>
+    <p:extLst>
+      <p:ext uri="{BB962C8B-B14F-4D97-AF65-F5344CB8AC3E}">
+        <p14:creationId xmlns:p14="http://schemas.microsoft.com/office/powerpoint/2010/main" val="1642130835"/>
+      </p:ext>
+    </p:extLst>
+  </p:cSld>
+  <p:clrMapOvr>
+    <a:masterClrMapping/>
+  </p:clrMapOvr>
+</p:notes>
+</file>
+
+<file path=ppt/notesSlides/notesSlide2.xml><?xml version="1.0" encoding="utf-8"?>
+<p:notes xmlns:a="http://schemas.openxmlformats.org/drawingml/2006/main" xmlns:r="http://schemas.openxmlformats.org/officeDocument/2006/relationships" xmlns:p="http://schemas.openxmlformats.org/presentationml/2006/main" showMasterSp="0" showMasterPhAnim="0">
+  <p:cSld>
+    <p:spTree>
+      <p:nvGrpSpPr>
+        <p:cNvPr id="1" name="Shape 95"/>
+        <p:cNvGrpSpPr/>
+        <p:nvPr/>
+      </p:nvGrpSpPr>
+      <p:grpSpPr>
+        <a:xfrm>
+          <a:off x="0" y="0"/>
+          <a:ext cx="0" cy="0"/>
+          <a:chOff x="0" y="0"/>
+          <a:chExt cx="0" cy="0"/>
+        </a:xfrm>
+      </p:grpSpPr>
+      <p:sp>
+        <p:nvSpPr>
+          <p:cNvPr id="96" name="Google Shape;96;p2:notes"/>
+          <p:cNvSpPr txBox="1">
+            <a:spLocks noGrp="1"/>
+          </p:cNvSpPr>
+          <p:nvPr>
+            <p:ph type="body" idx="1"/>
+          </p:nvPr>
+        </p:nvSpPr>
+        <p:spPr>
+          <a:xfrm>
+            <a:off x="685800" y="4343400"/>
+            <a:ext cx="5486400" cy="4114800"/>
+          </a:xfrm>
+          <a:prstGeom prst="rect">
+            <a:avLst/>
+          </a:prstGeom>
+        </p:spPr>
+        <p:txBody>
+          <a:bodyPr spcFirstLastPara="1" wrap="square" lIns="91425" tIns="45700" rIns="91425" bIns="45700" anchor="t" anchorCtr="0">
+            <a:noAutofit/>
+          </a:bodyPr>
+          <a:lstStyle/>
+          <a:p>
+            <a:pPr marL="0" lvl="0" indent="0" algn="l" rtl="0">
+              <a:spcBef>
+                <a:spcPts val="0"/>
+              </a:spcBef>
+              <a:spcAft>
+                <a:spcPts val="0"/>
+              </a:spcAft>
+              <a:buNone/>
+            </a:pPr>
+            <a:endParaRPr/>
+          </a:p>
+        </p:txBody>
+      </p:sp>
+      <p:sp>
+        <p:nvSpPr>
+          <p:cNvPr id="97" name="Google Shape;97;p2:notes"/>
+          <p:cNvSpPr>
+            <a:spLocks noGrp="1" noRot="1" noChangeAspect="1"/>
+          </p:cNvSpPr>
+          <p:nvPr>
+            <p:ph type="sldImg" idx="2"/>
+          </p:nvPr>
+        </p:nvSpPr>
+        <p:spPr>
+          <a:xfrm>
+            <a:off x="381000" y="685800"/>
+            <a:ext cx="6096000" cy="3429000"/>
+          </a:xfrm>
+          <a:custGeom>
+            <a:avLst/>
+            <a:gdLst/>
+            <a:ahLst/>
+            <a:cxnLst/>
+            <a:rect l="l" t="t" r="r" b="b"/>
+            <a:pathLst>
+              <a:path w="120000" h="120000" extrusionOk="0">
+                <a:moveTo>
+                  <a:pt x="0" y="0"/>
+                </a:moveTo>
+                <a:lnTo>
+                  <a:pt x="120000" y="0"/>
+                </a:lnTo>
+                <a:lnTo>
+                  <a:pt x="120000" y="120000"/>
+                </a:lnTo>
+                <a:lnTo>
+                  <a:pt x="0" y="120000"/>
+                </a:lnTo>
+                <a:close/>
+              </a:path>
+            </a:pathLst>
+          </a:custGeom>
+        </p:spPr>
+      </p:sp>
+    </p:spTree>
+    <p:extLst>
+      <p:ext uri="{BB962C8B-B14F-4D97-AF65-F5344CB8AC3E}">
+        <p14:creationId xmlns:p14="http://schemas.microsoft.com/office/powerpoint/2010/main" val="1268853900"/>
+      </p:ext>
+    </p:extLst>
+  </p:cSld>
+  <p:clrMapOvr>
+    <a:masterClrMapping/>
+  </p:clrMapOvr>
+</p:notes>
+</file>
+
+<file path=ppt/notesSlides/notesSlide3.xml><?xml version="1.0" encoding="utf-8"?>
+<p:notes xmlns:a="http://schemas.openxmlformats.org/drawingml/2006/main" xmlns:r="http://schemas.openxmlformats.org/officeDocument/2006/relationships" xmlns:p="http://schemas.openxmlformats.org/presentationml/2006/main" showMasterSp="0" showMasterPhAnim="0">
+  <p:cSld>
+    <p:spTree>
+      <p:nvGrpSpPr>
+        <p:cNvPr id="1" name="Shape 105"/>
+        <p:cNvGrpSpPr/>
+        <p:nvPr/>
+      </p:nvGrpSpPr>
+      <p:grpSpPr>
+        <a:xfrm>
+          <a:off x="0" y="0"/>
+          <a:ext cx="0" cy="0"/>
+          <a:chOff x="0" y="0"/>
+          <a:chExt cx="0" cy="0"/>
+        </a:xfrm>
+      </p:grpSpPr>
+      <p:sp>
+        <p:nvSpPr>
+          <p:cNvPr id="106" name="Google Shape;106;p3:notes"/>
+          <p:cNvSpPr txBox="1">
+            <a:spLocks noGrp="1"/>
+          </p:cNvSpPr>
+          <p:nvPr>
+            <p:ph type="body" idx="1"/>
+          </p:nvPr>
+        </p:nvSpPr>
+        <p:spPr>
+          <a:xfrm>
+            <a:off x="685800" y="4343400"/>
+            <a:ext cx="5486400" cy="4114800"/>
+          </a:xfrm>
+          <a:prstGeom prst="rect">
+            <a:avLst/>
+          </a:prstGeom>
+        </p:spPr>
+        <p:txBody>
+          <a:bodyPr spcFirstLastPara="1" wrap="square" lIns="91425" tIns="45700" rIns="91425" bIns="45700" anchor="t" anchorCtr="0">
+            <a:noAutofit/>
+          </a:bodyPr>
+          <a:lstStyle/>
+          <a:p>
+            <a:pPr marL="0" lvl="0" indent="0" algn="l" rtl="0">
+              <a:spcBef>
+                <a:spcPts val="0"/>
+              </a:spcBef>
+              <a:spcAft>
+                <a:spcPts val="0"/>
+              </a:spcAft>
+              <a:buNone/>
+            </a:pPr>
+            <a:endParaRPr/>
+          </a:p>
+        </p:txBody>
+      </p:sp>
+      <p:sp>
+        <p:nvSpPr>
+          <p:cNvPr id="107" name="Google Shape;107;p3:notes"/>
+          <p:cNvSpPr>
+            <a:spLocks noGrp="1" noRot="1" noChangeAspect="1"/>
+          </p:cNvSpPr>
+          <p:nvPr>
+            <p:ph type="sldImg" idx="2"/>
+          </p:nvPr>
+        </p:nvSpPr>
+        <p:spPr>
+          <a:xfrm>
+            <a:off x="381000" y="685800"/>
+            <a:ext cx="6096000" cy="3429000"/>
+          </a:xfrm>
+          <a:custGeom>
+            <a:avLst/>
+            <a:gdLst/>
+            <a:ahLst/>
+            <a:cxnLst/>
+            <a:rect l="l" t="t" r="r" b="b"/>
+            <a:pathLst>
+              <a:path w="120000" h="120000" extrusionOk="0">
+                <a:moveTo>
+                  <a:pt x="0" y="0"/>
+                </a:moveTo>
+                <a:lnTo>
+                  <a:pt x="120000" y="0"/>
+                </a:lnTo>
+                <a:lnTo>
+                  <a:pt x="120000" y="120000"/>
+                </a:lnTo>
+                <a:lnTo>
+                  <a:pt x="0" y="120000"/>
+                </a:lnTo>
+                <a:close/>
+              </a:path>
+            </a:pathLst>
+          </a:custGeom>
+        </p:spPr>
+      </p:sp>
+    </p:spTree>
+    <p:extLst>
+      <p:ext uri="{BB962C8B-B14F-4D97-AF65-F5344CB8AC3E}">
+        <p14:creationId xmlns:p14="http://schemas.microsoft.com/office/powerpoint/2010/main" val="4025540336"/>
+      </p:ext>
+    </p:extLst>
+  </p:cSld>
+  <p:clrMapOvr>
+    <a:masterClrMapping/>
+  </p:clrMapOvr>
+</p:notes>
+</file>
+
+<file path=ppt/notesSlides/notesSlide4.xml><?xml version="1.0" encoding="utf-8"?>
+<p:notes xmlns:a="http://schemas.openxmlformats.org/drawingml/2006/main" xmlns:r="http://schemas.openxmlformats.org/officeDocument/2006/relationships" xmlns:p="http://schemas.openxmlformats.org/presentationml/2006/main" showMasterSp="0" showMasterPhAnim="0">
+  <p:cSld>
+    <p:spTree>
+      <p:nvGrpSpPr>
+        <p:cNvPr id="1" name="Shape 105"/>
+        <p:cNvGrpSpPr/>
+        <p:nvPr/>
+      </p:nvGrpSpPr>
+      <p:grpSpPr>
+        <a:xfrm>
+          <a:off x="0" y="0"/>
+          <a:ext cx="0" cy="0"/>
+          <a:chOff x="0" y="0"/>
+          <a:chExt cx="0" cy="0"/>
+        </a:xfrm>
+      </p:grpSpPr>
+      <p:sp>
+        <p:nvSpPr>
+          <p:cNvPr id="106" name="Google Shape;106;p3:notes"/>
+          <p:cNvSpPr txBox="1">
+            <a:spLocks noGrp="1"/>
+          </p:cNvSpPr>
+          <p:nvPr>
+            <p:ph type="body" idx="1"/>
+          </p:nvPr>
+        </p:nvSpPr>
+        <p:spPr>
+          <a:xfrm>
+            <a:off x="685800" y="4343400"/>
+            <a:ext cx="5486400" cy="4114800"/>
+          </a:xfrm>
+          <a:prstGeom prst="rect">
+            <a:avLst/>
+          </a:prstGeom>
+        </p:spPr>
+        <p:txBody>
+          <a:bodyPr spcFirstLastPara="1" wrap="square" lIns="91425" tIns="45700" rIns="91425" bIns="45700" anchor="t" anchorCtr="0">
+            <a:noAutofit/>
+          </a:bodyPr>
+          <a:lstStyle/>
+          <a:p>
+            <a:pPr marL="0" lvl="0" indent="0" algn="l" rtl="0">
+              <a:spcBef>
+                <a:spcPts val="0"/>
+              </a:spcBef>
+              <a:spcAft>
+                <a:spcPts val="0"/>
+              </a:spcAft>
+              <a:buNone/>
+            </a:pPr>
+            <a:endParaRPr/>
+          </a:p>
+        </p:txBody>
+      </p:sp>
+      <p:sp>
+        <p:nvSpPr>
+          <p:cNvPr id="107" name="Google Shape;107;p3:notes"/>
+          <p:cNvSpPr>
+            <a:spLocks noGrp="1" noRot="1" noChangeAspect="1"/>
+          </p:cNvSpPr>
+          <p:nvPr>
+            <p:ph type="sldImg" idx="2"/>
+          </p:nvPr>
+        </p:nvSpPr>
+        <p:spPr>
+          <a:xfrm>
+            <a:off x="381000" y="685800"/>
+            <a:ext cx="6096000" cy="3429000"/>
+          </a:xfrm>
+          <a:custGeom>
+            <a:avLst/>
+            <a:gdLst/>
+            <a:ahLst/>
+            <a:cxnLst/>
+            <a:rect l="l" t="t" r="r" b="b"/>
+            <a:pathLst>
+              <a:path w="120000" h="120000" extrusionOk="0">
+                <a:moveTo>
+                  <a:pt x="0" y="0"/>
+                </a:moveTo>
+                <a:lnTo>
+                  <a:pt x="120000" y="0"/>
+                </a:lnTo>
+                <a:lnTo>
+                  <a:pt x="120000" y="120000"/>
+                </a:lnTo>
+                <a:lnTo>
+                  <a:pt x="0" y="120000"/>
+                </a:lnTo>
+                <a:close/>
+              </a:path>
+            </a:pathLst>
+          </a:custGeom>
+        </p:spPr>
+      </p:sp>
+    </p:spTree>
+    <p:extLst>
+      <p:ext uri="{BB962C8B-B14F-4D97-AF65-F5344CB8AC3E}">
+        <p14:creationId xmlns:p14="http://schemas.microsoft.com/office/powerpoint/2010/main" val="3948618302"/>
+      </p:ext>
+    </p:extLst>
+  </p:cSld>
+  <p:clrMapOvr>
+    <a:masterClrMapping/>
+  </p:clrMapOvr>
+</p:notes>
+</file>
+
+<file path=ppt/notesSlides/notesSlide5.xml><?xml version="1.0" encoding="utf-8"?>
+<p:notes xmlns:a="http://schemas.openxmlformats.org/drawingml/2006/main" xmlns:r="http://schemas.openxmlformats.org/officeDocument/2006/relationships" xmlns:p="http://schemas.openxmlformats.org/presentationml/2006/main" showMasterSp="0" showMasterPhAnim="0">
+  <p:cSld>
+    <p:spTree>
+      <p:nvGrpSpPr>
+        <p:cNvPr id="1" name="Shape 105"/>
+        <p:cNvGrpSpPr/>
+        <p:nvPr/>
+      </p:nvGrpSpPr>
+      <p:grpSpPr>
+        <a:xfrm>
+          <a:off x="0" y="0"/>
+          <a:ext cx="0" cy="0"/>
+          <a:chOff x="0" y="0"/>
+          <a:chExt cx="0" cy="0"/>
+        </a:xfrm>
+      </p:grpSpPr>
+      <p:sp>
+        <p:nvSpPr>
+          <p:cNvPr id="106" name="Google Shape;106;p3:notes"/>
+          <p:cNvSpPr txBox="1">
+            <a:spLocks noGrp="1"/>
+          </p:cNvSpPr>
+          <p:nvPr>
+            <p:ph type="body" idx="1"/>
+          </p:nvPr>
+        </p:nvSpPr>
+        <p:spPr>
+          <a:xfrm>
+            <a:off x="685800" y="4343400"/>
+            <a:ext cx="5486400" cy="4114800"/>
+          </a:xfrm>
+          <a:prstGeom prst="rect">
+            <a:avLst/>
+          </a:prstGeom>
+        </p:spPr>
+        <p:txBody>
+          <a:bodyPr spcFirstLastPara="1" wrap="square" lIns="91425" tIns="45700" rIns="91425" bIns="45700" anchor="t" anchorCtr="0">
+            <a:noAutofit/>
+          </a:bodyPr>
+          <a:lstStyle/>
+          <a:p>
+            <a:pPr marL="0" lvl="0" indent="0" algn="l" rtl="0">
+              <a:spcBef>
+                <a:spcPts val="0"/>
+              </a:spcBef>
+              <a:spcAft>
+                <a:spcPts val="0"/>
+              </a:spcAft>
+              <a:buNone/>
+            </a:pPr>
+            <a:endParaRPr/>
+          </a:p>
+        </p:txBody>
+      </p:sp>
+      <p:sp>
+        <p:nvSpPr>
+          <p:cNvPr id="107" name="Google Shape;107;p3:notes"/>
+          <p:cNvSpPr>
+            <a:spLocks noGrp="1" noRot="1" noChangeAspect="1"/>
+          </p:cNvSpPr>
+          <p:nvPr>
+            <p:ph type="sldImg" idx="2"/>
+          </p:nvPr>
+        </p:nvSpPr>
+        <p:spPr>
+          <a:xfrm>
+            <a:off x="381000" y="685800"/>
+            <a:ext cx="6096000" cy="3429000"/>
+          </a:xfrm>
+          <a:custGeom>
+            <a:avLst/>
+            <a:gdLst/>
+            <a:ahLst/>
+            <a:cxnLst/>
+            <a:rect l="l" t="t" r="r" b="b"/>
+            <a:pathLst>
+              <a:path w="120000" h="120000" extrusionOk="0">
+                <a:moveTo>
+                  <a:pt x="0" y="0"/>
+                </a:moveTo>
+                <a:lnTo>
+                  <a:pt x="120000" y="0"/>
+                </a:lnTo>
+                <a:lnTo>
+                  <a:pt x="120000" y="120000"/>
+                </a:lnTo>
+                <a:lnTo>
+                  <a:pt x="0" y="120000"/>
+                </a:lnTo>
+                <a:close/>
+              </a:path>
+            </a:pathLst>
+          </a:custGeom>
+        </p:spPr>
+      </p:sp>
+    </p:spTree>
+    <p:extLst>
+      <p:ext uri="{BB962C8B-B14F-4D97-AF65-F5344CB8AC3E}">
+        <p14:creationId xmlns:p14="http://schemas.microsoft.com/office/powerpoint/2010/main" val="3252588920"/>
+      </p:ext>
+    </p:extLst>
+  </p:cSld>
+  <p:clrMapOvr>
+    <a:masterClrMapping/>
+  </p:clrMapOvr>
+</p:notes>
+</file>
+
+<file path=ppt/notesSlides/notesSlide6.xml><?xml version="1.0" encoding="utf-8"?>
+<p:notes xmlns:a="http://schemas.openxmlformats.org/drawingml/2006/main" xmlns:r="http://schemas.openxmlformats.org/officeDocument/2006/relationships" xmlns:p="http://schemas.openxmlformats.org/presentationml/2006/main" showMasterSp="0" showMasterPhAnim="0">
+  <p:cSld>
+    <p:spTree>
+      <p:nvGrpSpPr>
+        <p:cNvPr id="1" name="Shape 105"/>
+        <p:cNvGrpSpPr/>
+        <p:nvPr/>
+      </p:nvGrpSpPr>
+      <p:grpSpPr>
+        <a:xfrm>
+          <a:off x="0" y="0"/>
+          <a:ext cx="0" cy="0"/>
+          <a:chOff x="0" y="0"/>
+          <a:chExt cx="0" cy="0"/>
+        </a:xfrm>
+      </p:grpSpPr>
+      <p:sp>
+        <p:nvSpPr>
+          <p:cNvPr id="106" name="Google Shape;106;p3:notes"/>
+          <p:cNvSpPr txBox="1">
+            <a:spLocks noGrp="1"/>
+          </p:cNvSpPr>
+          <p:nvPr>
+            <p:ph type="body" idx="1"/>
+          </p:nvPr>
+        </p:nvSpPr>
+        <p:spPr>
+          <a:xfrm>
+            <a:off x="685800" y="4343400"/>
+            <a:ext cx="5486400" cy="4114800"/>
+          </a:xfrm>
+          <a:prstGeom prst="rect">
+            <a:avLst/>
+          </a:prstGeom>
+        </p:spPr>
+        <p:txBody>
+          <a:bodyPr spcFirstLastPara="1" wrap="square" lIns="91425" tIns="45700" rIns="91425" bIns="45700" anchor="t" anchorCtr="0">
+            <a:noAutofit/>
+          </a:bodyPr>
+          <a:lstStyle/>
+          <a:p>
+            <a:pPr marL="0" lvl="0" indent="0" algn="l" rtl="0">
+              <a:spcBef>
+                <a:spcPts val="0"/>
+              </a:spcBef>
+              <a:spcAft>
+                <a:spcPts val="0"/>
+              </a:spcAft>
+              <a:buNone/>
+            </a:pPr>
+            <a:endParaRPr/>
+          </a:p>
+        </p:txBody>
+      </p:sp>
+      <p:sp>
+        <p:nvSpPr>
+          <p:cNvPr id="107" name="Google Shape;107;p3:notes"/>
+          <p:cNvSpPr>
+            <a:spLocks noGrp="1" noRot="1" noChangeAspect="1"/>
+          </p:cNvSpPr>
+          <p:nvPr>
+            <p:ph type="sldImg" idx="2"/>
+          </p:nvPr>
+        </p:nvSpPr>
+        <p:spPr>
+          <a:xfrm>
+            <a:off x="381000" y="685800"/>
+            <a:ext cx="6096000" cy="3429000"/>
+          </a:xfrm>
+          <a:custGeom>
+            <a:avLst/>
+            <a:gdLst/>
+            <a:ahLst/>
+            <a:cxnLst/>
+            <a:rect l="l" t="t" r="r" b="b"/>
+            <a:pathLst>
+              <a:path w="120000" h="120000" extrusionOk="0">
+                <a:moveTo>
+                  <a:pt x="0" y="0"/>
+                </a:moveTo>
+                <a:lnTo>
+                  <a:pt x="120000" y="0"/>
+                </a:lnTo>
+                <a:lnTo>
+                  <a:pt x="120000" y="120000"/>
+                </a:lnTo>
+                <a:lnTo>
+                  <a:pt x="0" y="120000"/>
+                </a:lnTo>
+                <a:close/>
+              </a:path>
+            </a:pathLst>
+          </a:custGeom>
+        </p:spPr>
+      </p:sp>
+    </p:spTree>
+    <p:extLst>
+      <p:ext uri="{BB962C8B-B14F-4D97-AF65-F5344CB8AC3E}">
+        <p14:creationId xmlns:p14="http://schemas.microsoft.com/office/powerpoint/2010/main" val="1615936708"/>
+      </p:ext>
+    </p:extLst>
+  </p:cSld>
+  <p:clrMapOvr>
+    <a:masterClrMapping/>
+  </p:clrMapOvr>
+</p:notes>
+</file>
+
+<file path=ppt/notesSlides/notesSlide7.xml><?xml version="1.0" encoding="utf-8"?>
+<p:notes xmlns:a="http://schemas.openxmlformats.org/drawingml/2006/main" xmlns:r="http://schemas.openxmlformats.org/officeDocument/2006/relationships" xmlns:p="http://schemas.openxmlformats.org/presentationml/2006/main" showMasterSp="0" showMasterPhAnim="0">
+  <p:cSld>
+    <p:spTree>
+      <p:nvGrpSpPr>
+        <p:cNvPr id="1" name="Shape 105"/>
+        <p:cNvGrpSpPr/>
+        <p:nvPr/>
+      </p:nvGrpSpPr>
+      <p:grpSpPr>
+        <a:xfrm>
+          <a:off x="0" y="0"/>
+          <a:ext cx="0" cy="0"/>
+          <a:chOff x="0" y="0"/>
+          <a:chExt cx="0" cy="0"/>
+        </a:xfrm>
+      </p:grpSpPr>
+      <p:sp>
+        <p:nvSpPr>
+          <p:cNvPr id="106" name="Google Shape;106;p3:notes"/>
+          <p:cNvSpPr txBox="1">
+            <a:spLocks noGrp="1"/>
+          </p:cNvSpPr>
+          <p:nvPr>
+            <p:ph type="body" idx="1"/>
+          </p:nvPr>
+        </p:nvSpPr>
+        <p:spPr>
+          <a:xfrm>
+            <a:off x="685800" y="4343400"/>
+            <a:ext cx="5486400" cy="4114800"/>
+          </a:xfrm>
+          <a:prstGeom prst="rect">
+            <a:avLst/>
+          </a:prstGeom>
+        </p:spPr>
+        <p:txBody>
+          <a:bodyPr spcFirstLastPara="1" wrap="square" lIns="91425" tIns="45700" rIns="91425" bIns="45700" anchor="t" anchorCtr="0">
+            <a:noAutofit/>
+          </a:bodyPr>
+          <a:lstStyle/>
+          <a:p>
+            <a:pPr marL="0" lvl="0" indent="0" algn="l" rtl="0">
+              <a:spcBef>
+                <a:spcPts val="0"/>
+              </a:spcBef>
+              <a:spcAft>
+                <a:spcPts val="0"/>
+              </a:spcAft>
+              <a:buNone/>
+            </a:pPr>
+            <a:endParaRPr/>
+          </a:p>
+        </p:txBody>
+      </p:sp>
+      <p:sp>
+        <p:nvSpPr>
+          <p:cNvPr id="107" name="Google Shape;107;p3:notes"/>
+          <p:cNvSpPr>
+            <a:spLocks noGrp="1" noRot="1" noChangeAspect="1"/>
+          </p:cNvSpPr>
+          <p:nvPr>
+            <p:ph type="sldImg" idx="2"/>
+          </p:nvPr>
+        </p:nvSpPr>
+        <p:spPr>
+          <a:xfrm>
+            <a:off x="381000" y="685800"/>
+            <a:ext cx="6096000" cy="3429000"/>
+          </a:xfrm>
+          <a:custGeom>
+            <a:avLst/>
+            <a:gdLst/>
+            <a:ahLst/>
+            <a:cxnLst/>
+            <a:rect l="l" t="t" r="r" b="b"/>
+            <a:pathLst>
+              <a:path w="120000" h="120000" extrusionOk="0">
+                <a:moveTo>
+                  <a:pt x="0" y="0"/>
+                </a:moveTo>
+                <a:lnTo>
+                  <a:pt x="120000" y="0"/>
+                </a:lnTo>
+                <a:lnTo>
+                  <a:pt x="120000" y="120000"/>
+                </a:lnTo>
+                <a:lnTo>
+                  <a:pt x="0" y="120000"/>
+                </a:lnTo>
+                <a:close/>
+              </a:path>
+            </a:pathLst>
+          </a:custGeom>
+        </p:spPr>
+      </p:sp>
+    </p:spTree>
+    <p:extLst>
+      <p:ext uri="{BB962C8B-B14F-4D97-AF65-F5344CB8AC3E}">
+        <p14:creationId xmlns:p14="http://schemas.microsoft.com/office/powerpoint/2010/main" val="512410789"/>
+      </p:ext>
+    </p:extLst>
+  </p:cSld>
+  <p:clrMapOvr>
+    <a:masterClrMapping/>
+  </p:clrMapOvr>
+</p:notes>
+</file>
+
+<file path=ppt/notesSlides/notesSlide8.xml><?xml version="1.0" encoding="utf-8"?>
+<p:notes xmlns:a="http://schemas.openxmlformats.org/drawingml/2006/main" xmlns:r="http://schemas.openxmlformats.org/officeDocument/2006/relationships" xmlns:p="http://schemas.openxmlformats.org/presentationml/2006/main" showMasterSp="0" showMasterPhAnim="0">
+  <p:cSld>
+    <p:spTree>
+      <p:nvGrpSpPr>
+        <p:cNvPr id="1" name="Shape 166"/>
+        <p:cNvGrpSpPr/>
+        <p:nvPr/>
+      </p:nvGrpSpPr>
+      <p:grpSpPr>
+        <a:xfrm>
+          <a:off x="0" y="0"/>
+          <a:ext cx="0" cy="0"/>
+          <a:chOff x="0" y="0"/>
+          <a:chExt cx="0" cy="0"/>
+        </a:xfrm>
+      </p:grpSpPr>
+      <p:sp>
+        <p:nvSpPr>
+          <p:cNvPr id="167" name="Google Shape;167;p9:notes"/>
+          <p:cNvSpPr txBox="1">
+            <a:spLocks noGrp="1"/>
+          </p:cNvSpPr>
+          <p:nvPr>
+            <p:ph type="body" idx="1"/>
+          </p:nvPr>
+        </p:nvSpPr>
+        <p:spPr>
+          <a:xfrm>
+            <a:off x="685800" y="4343400"/>
+            <a:ext cx="5486400" cy="4114800"/>
+          </a:xfrm>
+          <a:prstGeom prst="rect">
+            <a:avLst/>
+          </a:prstGeom>
+        </p:spPr>
+        <p:txBody>
+          <a:bodyPr spcFirstLastPara="1" wrap="square" lIns="91425" tIns="45700" rIns="91425" bIns="45700" anchor="t" anchorCtr="0">
+            <a:noAutofit/>
+          </a:bodyPr>
+          <a:lstStyle/>
+          <a:p>
+            <a:pPr marL="0" lvl="0" indent="0" algn="l" rtl="0">
+              <a:spcBef>
+                <a:spcPts val="0"/>
+              </a:spcBef>
+              <a:spcAft>
+                <a:spcPts val="0"/>
+              </a:spcAft>
+              <a:buNone/>
+            </a:pPr>
+            <a:endParaRPr/>
+          </a:p>
+        </p:txBody>
+      </p:sp>
+      <p:sp>
+        <p:nvSpPr>
+          <p:cNvPr id="168" name="Google Shape;168;p9:notes"/>
+          <p:cNvSpPr>
+            <a:spLocks noGrp="1" noRot="1" noChangeAspect="1"/>
+          </p:cNvSpPr>
+          <p:nvPr>
+            <p:ph type="sldImg" idx="2"/>
+          </p:nvPr>
+        </p:nvSpPr>
+        <p:spPr>
+          <a:xfrm>
+            <a:off x="381000" y="685800"/>
+            <a:ext cx="6096000" cy="3429000"/>
+          </a:xfrm>
+          <a:custGeom>
+            <a:avLst/>
+            <a:gdLst/>
+            <a:ahLst/>
+            <a:cxnLst/>
+            <a:rect l="l" t="t" r="r" b="b"/>
+            <a:pathLst>
+              <a:path w="120000" h="120000" extrusionOk="0">
+                <a:moveTo>
+                  <a:pt x="0" y="0"/>
+                </a:moveTo>
+                <a:lnTo>
+                  <a:pt x="120000" y="0"/>
+                </a:lnTo>
+                <a:lnTo>
+                  <a:pt x="120000" y="120000"/>
+                </a:lnTo>
+                <a:lnTo>
+                  <a:pt x="0" y="120000"/>
+                </a:lnTo>
+                <a:close/>
+              </a:path>
+            </a:pathLst>
+          </a:custGeom>
+        </p:spPr>
+      </p:sp>
+    </p:spTree>
+    <p:extLst>
+      <p:ext uri="{BB962C8B-B14F-4D97-AF65-F5344CB8AC3E}">
+        <p14:creationId xmlns:p14="http://schemas.microsoft.com/office/powerpoint/2010/main" val="3443963375"/>
+      </p:ext>
+    </p:extLst>
+  </p:cSld>
+  <p:clrMapOvr>
+    <a:masterClrMapping/>
+  </p:clrMapOvr>
+</p:notes>
+</file>
+
+<file path=ppt/notesSlides/notesSlide9.xml><?xml version="1.0" encoding="utf-8"?>
+<p:notes xmlns:a="http://schemas.openxmlformats.org/drawingml/2006/main" xmlns:r="http://schemas.openxmlformats.org/officeDocument/2006/relationships" xmlns:p="http://schemas.openxmlformats.org/presentationml/2006/main" showMasterSp="0" showMasterPhAnim="0">
+  <p:cSld>
+    <p:spTree>
+      <p:nvGrpSpPr>
+        <p:cNvPr id="1" name="Shape 156"/>
+        <p:cNvGrpSpPr/>
+        <p:nvPr/>
+      </p:nvGrpSpPr>
+      <p:grpSpPr>
+        <a:xfrm>
+          <a:off x="0" y="0"/>
+          <a:ext cx="0" cy="0"/>
+          <a:chOff x="0" y="0"/>
+          <a:chExt cx="0" cy="0"/>
+        </a:xfrm>
+      </p:grpSpPr>
+      <p:sp>
+        <p:nvSpPr>
+          <p:cNvPr id="157" name="Google Shape;157;p8:notes"/>
+          <p:cNvSpPr txBox="1">
+            <a:spLocks noGrp="1"/>
+          </p:cNvSpPr>
+          <p:nvPr>
+            <p:ph type="body" idx="1"/>
+          </p:nvPr>
+        </p:nvSpPr>
+        <p:spPr>
+          <a:xfrm>
+            <a:off x="685800" y="4343400"/>
+            <a:ext cx="5486400" cy="4114800"/>
+          </a:xfrm>
+          <a:prstGeom prst="rect">
+            <a:avLst/>
+          </a:prstGeom>
+        </p:spPr>
+        <p:txBody>
+          <a:bodyPr spcFirstLastPara="1" wrap="square" lIns="91425" tIns="45700" rIns="91425" bIns="45700" anchor="t" anchorCtr="0">
+            <a:noAutofit/>
+          </a:bodyPr>
+          <a:lstStyle/>
+          <a:p>
+            <a:pPr marL="0" lvl="0" indent="0" algn="l" rtl="0">
+              <a:spcBef>
+                <a:spcPts val="0"/>
+              </a:spcBef>
+              <a:spcAft>
+                <a:spcPts val="0"/>
+              </a:spcAft>
+              <a:buNone/>
+            </a:pPr>
+            <a:endParaRPr/>
+          </a:p>
+        </p:txBody>
+      </p:sp>
+      <p:sp>
+        <p:nvSpPr>
+          <p:cNvPr id="158" name="Google Shape;158;p8:notes"/>
+          <p:cNvSpPr>
+            <a:spLocks noGrp="1" noRot="1" noChangeAspect="1"/>
+          </p:cNvSpPr>
+          <p:nvPr>
+            <p:ph type="sldImg" idx="2"/>
+          </p:nvPr>
+        </p:nvSpPr>
+        <p:spPr>
+          <a:xfrm>
+            <a:off x="381000" y="685800"/>
+            <a:ext cx="6096000" cy="3429000"/>
+          </a:xfrm>
+          <a:custGeom>
+            <a:avLst/>
+            <a:gdLst/>
+            <a:ahLst/>
+            <a:cxnLst/>
+            <a:rect l="l" t="t" r="r" b="b"/>
+            <a:pathLst>
+              <a:path w="120000" h="120000" extrusionOk="0">
+                <a:moveTo>
+                  <a:pt x="0" y="0"/>
+                </a:moveTo>
+                <a:lnTo>
+                  <a:pt x="120000" y="0"/>
+                </a:lnTo>
+                <a:lnTo>
+                  <a:pt x="120000" y="120000"/>
+                </a:lnTo>
+                <a:lnTo>
+                  <a:pt x="0" y="120000"/>
+                </a:lnTo>
+                <a:close/>
+              </a:path>
+            </a:pathLst>
+          </a:custGeom>
+        </p:spPr>
+      </p:sp>
+    </p:spTree>
+    <p:extLst>
+      <p:ext uri="{BB962C8B-B14F-4D97-AF65-F5344CB8AC3E}">
+        <p14:creationId xmlns:p14="http://schemas.microsoft.com/office/powerpoint/2010/main" val="3678687114"/>
       </p:ext>
     </p:extLst>
   </p:cSld>
@@ -5025,19 +6245,7 @@
                 <a:cs typeface="Montserrat Medium"/>
                 <a:sym typeface="Montserrat Medium"/>
               </a:rPr>
-              <a:t>017</a:t>
-            </a:r>
-            <a:r>
-              <a:rPr lang="en-US" dirty="0" smtClean="0">
-                <a:solidFill>
-                  <a:schemeClr val="dk1"/>
-                </a:solidFill>
-                <a:latin typeface="Montserrat Medium"/>
-                <a:ea typeface="Montserrat Medium"/>
-                <a:cs typeface="Montserrat Medium"/>
-                <a:sym typeface="Montserrat Medium"/>
-              </a:rPr>
-              <a:t>)</a:t>
+              <a:t>017)</a:t>
             </a:r>
           </a:p>
           <a:p>
@@ -5638,8 +6846,8 @@
         </p:nvSpPr>
         <p:spPr>
           <a:xfrm>
-            <a:off x="2083850" y="378475"/>
-            <a:ext cx="6579900" cy="354000"/>
+            <a:off x="2083850" y="378474"/>
+            <a:ext cx="6579900" cy="1084565"/>
           </a:xfrm>
           <a:prstGeom prst="rect">
             <a:avLst/>
@@ -5665,7 +6873,7 @@
               <a:buNone/>
             </a:pPr>
             <a:r>
-              <a:rPr lang="en-US" sz="1900" b="1">
+              <a:rPr lang="en-US" sz="1900" b="1" dirty="0">
                 <a:latin typeface="Montserrat"/>
                 <a:ea typeface="Montserrat"/>
                 <a:cs typeface="Montserrat"/>
@@ -5673,7 +6881,7 @@
               </a:rPr>
               <a:t>DAYANANDA SAGAR COLLEGE OF ENGINEERING</a:t>
             </a:r>
-            <a:endParaRPr sz="1900" b="1">
+            <a:endParaRPr sz="1900" b="1" dirty="0">
               <a:latin typeface="Montserrat"/>
               <a:ea typeface="Montserrat"/>
               <a:cs typeface="Montserrat"/>
@@ -5691,15 +6899,42 @@
               <a:buNone/>
             </a:pPr>
             <a:r>
-              <a:rPr lang="en-US">
+              <a:rPr lang="en-US" dirty="0" err="1">
                 <a:latin typeface="Montserrat Medium"/>
                 <a:ea typeface="Montserrat Medium"/>
                 <a:cs typeface="Montserrat Medium"/>
                 <a:sym typeface="Montserrat Medium"/>
               </a:rPr>
-              <a:t>Malleshwara Hills, Kumarswamy Layout, Bangalore - 560111</a:t>
-            </a:r>
-            <a:endParaRPr>
+              <a:t>Malleshwara</a:t>
+            </a:r>
+            <a:r>
+              <a:rPr lang="en-US" dirty="0">
+                <a:latin typeface="Montserrat Medium"/>
+                <a:ea typeface="Montserrat Medium"/>
+                <a:cs typeface="Montserrat Medium"/>
+                <a:sym typeface="Montserrat Medium"/>
+              </a:rPr>
+              <a:t> Hills, </a:t>
+            </a:r>
+            <a:r>
+              <a:rPr lang="en-US" dirty="0" err="1">
+                <a:latin typeface="Montserrat Medium"/>
+                <a:ea typeface="Montserrat Medium"/>
+                <a:cs typeface="Montserrat Medium"/>
+                <a:sym typeface="Montserrat Medium"/>
+              </a:rPr>
+              <a:t>Kumarswamy</a:t>
+            </a:r>
+            <a:r>
+              <a:rPr lang="en-US" dirty="0">
+                <a:latin typeface="Montserrat Medium"/>
+                <a:ea typeface="Montserrat Medium"/>
+                <a:cs typeface="Montserrat Medium"/>
+                <a:sym typeface="Montserrat Medium"/>
+              </a:rPr>
+              <a:t> Layout, Bangalore - 560111</a:t>
+            </a:r>
+            <a:endParaRPr dirty="0">
               <a:latin typeface="Montserrat Medium"/>
               <a:ea typeface="Montserrat Medium"/>
               <a:cs typeface="Montserrat Medium"/>
@@ -5717,7 +6952,7 @@
               <a:buNone/>
             </a:pPr>
             <a:r>
-              <a:rPr lang="en-US" sz="1700" b="1">
+              <a:rPr lang="en-US" sz="1700" b="1" dirty="0">
                 <a:latin typeface="Montserrat"/>
                 <a:ea typeface="Montserrat"/>
                 <a:cs typeface="Montserrat"/>
@@ -5725,7 +6960,7 @@
               </a:rPr>
               <a:t>Department of Information Science and Engineering</a:t>
             </a:r>
-            <a:endParaRPr sz="1700" b="1">
+            <a:endParaRPr sz="1700" b="1" dirty="0">
               <a:latin typeface="Montserrat"/>
               <a:ea typeface="Montserrat"/>
               <a:cs typeface="Montserrat"/>
@@ -5742,7 +6977,710 @@
 </p:sld>
 </file>
 
-<file path=ppt/slides/slide2.xml><?xml version="1.0" encoding="utf-8"?>
+<file path=ppt/slides/slide10.xml><?xml version="1.0" encoding="utf-8"?>
+<p:sld xmlns:a="http://schemas.openxmlformats.org/drawingml/2006/main" xmlns:r="http://schemas.openxmlformats.org/officeDocument/2006/relationships" xmlns:p="http://schemas.openxmlformats.org/presentationml/2006/main">
+  <p:cSld>
+    <p:spTree>
+      <p:nvGrpSpPr>
+        <p:cNvPr id="1" name="Shape 189"/>
+        <p:cNvGrpSpPr/>
+        <p:nvPr/>
+      </p:nvGrpSpPr>
+      <p:grpSpPr>
+        <a:xfrm>
+          <a:off x="0" y="0"/>
+          <a:ext cx="0" cy="0"/>
+          <a:chOff x="0" y="0"/>
+          <a:chExt cx="0" cy="0"/>
+        </a:xfrm>
+      </p:grpSpPr>
+      <p:sp>
+        <p:nvSpPr>
+          <p:cNvPr id="190" name="Google Shape;190;p23"/>
+          <p:cNvSpPr txBox="1">
+            <a:spLocks noGrp="1"/>
+          </p:cNvSpPr>
+          <p:nvPr>
+            <p:ph type="title"/>
+          </p:nvPr>
+        </p:nvSpPr>
+        <p:spPr>
+          <a:xfrm>
+            <a:off x="1428750" y="1543050"/>
+            <a:ext cx="6172200" cy="514350"/>
+          </a:xfrm>
+          <a:prstGeom prst="rect">
+            <a:avLst/>
+          </a:prstGeom>
+          <a:noFill/>
+          <a:ln>
+            <a:noFill/>
+          </a:ln>
+        </p:spPr>
+        <p:txBody>
+          <a:bodyPr spcFirstLastPara="1" vert="horz" wrap="square" lIns="68569" tIns="34275" rIns="68569" bIns="34275" rtlCol="0" anchor="ctr" anchorCtr="0">
+            <a:normAutofit/>
+          </a:bodyPr>
+          <a:lstStyle/>
+          <a:p>
+            <a:pPr algn="ctr">
+              <a:spcBef>
+                <a:spcPts val="0"/>
+              </a:spcBef>
+              <a:buClr>
+                <a:schemeClr val="dk1"/>
+              </a:buClr>
+              <a:buSzPts val="3200"/>
+            </a:pPr>
+            <a:r>
+              <a:rPr lang="en-US" sz="2400"/>
+              <a:t>           CONCLUSION</a:t>
+            </a:r>
+            <a:endParaRPr sz="2400"/>
+          </a:p>
+        </p:txBody>
+      </p:sp>
+      <p:sp>
+        <p:nvSpPr>
+          <p:cNvPr id="193" name="Google Shape;193;p23"/>
+          <p:cNvSpPr txBox="1">
+            <a:spLocks noGrp="1"/>
+          </p:cNvSpPr>
+          <p:nvPr>
+            <p:ph type="sldNum" idx="12"/>
+          </p:nvPr>
+        </p:nvSpPr>
+        <p:spPr>
+          <a:xfrm>
+            <a:off x="6057900" y="4767263"/>
+            <a:ext cx="1600200" cy="273844"/>
+          </a:xfrm>
+          <a:prstGeom prst="rect">
+            <a:avLst/>
+          </a:prstGeom>
+          <a:noFill/>
+          <a:ln>
+            <a:noFill/>
+          </a:ln>
+        </p:spPr>
+        <p:txBody>
+          <a:bodyPr spcFirstLastPara="1" vert="horz" wrap="square" lIns="68569" tIns="34275" rIns="68569" bIns="34275" rtlCol="0" anchor="ctr" anchorCtr="0">
+            <a:noAutofit/>
+          </a:bodyPr>
+          <a:lstStyle/>
+          <a:p>
+            <a:fld id="{00000000-1234-1234-1234-123412341234}" type="slidenum">
+              <a:rPr lang="en-US"/>
+              <a:pPr/>
+              <a:t>10</a:t>
+            </a:fld>
+            <a:endParaRPr/>
+          </a:p>
+        </p:txBody>
+      </p:sp>
+      <p:sp>
+        <p:nvSpPr>
+          <p:cNvPr id="194" name="Google Shape;194;p23"/>
+          <p:cNvSpPr txBox="1"/>
+          <p:nvPr/>
+        </p:nvSpPr>
+        <p:spPr>
+          <a:xfrm>
+            <a:off x="1485900" y="2286000"/>
+            <a:ext cx="6172200" cy="2343150"/>
+          </a:xfrm>
+          <a:prstGeom prst="rect">
+            <a:avLst/>
+          </a:prstGeom>
+          <a:noFill/>
+          <a:ln>
+            <a:noFill/>
+          </a:ln>
+        </p:spPr>
+        <p:txBody>
+          <a:bodyPr spcFirstLastPara="1" wrap="square" lIns="68569" tIns="34275" rIns="68569" bIns="34275" anchor="t" anchorCtr="0">
+            <a:normAutofit/>
+          </a:bodyPr>
+          <a:lstStyle/>
+          <a:p>
+            <a:pPr marL="257175" indent="-257175">
+              <a:buClr>
+                <a:schemeClr val="dk1"/>
+              </a:buClr>
+              <a:buSzPts val="3200"/>
+            </a:pPr>
+            <a:endParaRPr sz="2400">
+              <a:solidFill>
+                <a:schemeClr val="dk1"/>
+              </a:solidFill>
+              <a:latin typeface="Calibri"/>
+              <a:ea typeface="Calibri"/>
+              <a:cs typeface="Calibri"/>
+              <a:sym typeface="Calibri"/>
+            </a:endParaRPr>
+          </a:p>
+        </p:txBody>
+      </p:sp>
+      <p:sp>
+        <p:nvSpPr>
+          <p:cNvPr id="195" name="Google Shape;195;p23"/>
+          <p:cNvSpPr txBox="1"/>
+          <p:nvPr/>
+        </p:nvSpPr>
+        <p:spPr>
+          <a:xfrm>
+            <a:off x="1543050" y="3486150"/>
+            <a:ext cx="6172200" cy="571500"/>
+          </a:xfrm>
+          <a:prstGeom prst="rect">
+            <a:avLst/>
+          </a:prstGeom>
+          <a:noFill/>
+          <a:ln>
+            <a:noFill/>
+          </a:ln>
+        </p:spPr>
+        <p:txBody>
+          <a:bodyPr spcFirstLastPara="1" wrap="square" lIns="68569" tIns="34275" rIns="68569" bIns="34275" anchor="ctr" anchorCtr="0">
+            <a:normAutofit/>
+          </a:bodyPr>
+          <a:lstStyle/>
+          <a:p>
+            <a:pPr>
+              <a:buClr>
+                <a:schemeClr val="dk1"/>
+              </a:buClr>
+              <a:buSzPts val="3200"/>
+            </a:pPr>
+            <a:endParaRPr sz="2400">
+              <a:solidFill>
+                <a:schemeClr val="dk1"/>
+              </a:solidFill>
+              <a:latin typeface="Calibri"/>
+              <a:ea typeface="Calibri"/>
+              <a:cs typeface="Calibri"/>
+              <a:sym typeface="Calibri"/>
+            </a:endParaRPr>
+          </a:p>
+        </p:txBody>
+      </p:sp>
+      <p:pic>
+        <p:nvPicPr>
+          <p:cNvPr id="8" name="Picture 7" descr="C:\Users\KrupaShankari\Downloads\Revised_ISE_Logo.png"/>
+          <p:cNvPicPr/>
+          <p:nvPr/>
+        </p:nvPicPr>
+        <p:blipFill>
+          <a:blip r:embed="rId3" cstate="print">
+            <a:extLst>
+              <a:ext uri="{28A0092B-C50C-407E-A947-70E740481C1C}">
+                <a14:useLocalDpi xmlns:a14="http://schemas.microsoft.com/office/drawing/2010/main" val="0"/>
+              </a:ext>
+            </a:extLst>
+          </a:blip>
+          <a:srcRect/>
+          <a:stretch>
+            <a:fillRect/>
+          </a:stretch>
+        </p:blipFill>
+        <p:spPr bwMode="auto">
+          <a:xfrm>
+            <a:off x="1543929" y="321249"/>
+            <a:ext cx="6045591" cy="1113656"/>
+          </a:xfrm>
+          <a:prstGeom prst="rect">
+            <a:avLst/>
+          </a:prstGeom>
+          <a:noFill/>
+          <a:ln>
+            <a:noFill/>
+          </a:ln>
+        </p:spPr>
+      </p:pic>
+    </p:spTree>
+    <p:extLst>
+      <p:ext uri="{BB962C8B-B14F-4D97-AF65-F5344CB8AC3E}">
+        <p14:creationId xmlns:p14="http://schemas.microsoft.com/office/powerpoint/2010/main" val="3537971770"/>
+      </p:ext>
+    </p:extLst>
+  </p:cSld>
+  <p:clrMapOvr>
+    <a:masterClrMapping/>
+  </p:clrMapOvr>
+</p:sld>
+</file>
+
+<file path=ppt/slides/slide11.xml><?xml version="1.0" encoding="utf-8"?>
+<p:sld xmlns:a="http://schemas.openxmlformats.org/drawingml/2006/main" xmlns:r="http://schemas.openxmlformats.org/officeDocument/2006/relationships" xmlns:p="http://schemas.openxmlformats.org/presentationml/2006/main">
+  <p:cSld>
+    <p:spTree>
+      <p:nvGrpSpPr>
+        <p:cNvPr id="1" name="Shape 189"/>
+        <p:cNvGrpSpPr/>
+        <p:nvPr/>
+      </p:nvGrpSpPr>
+      <p:grpSpPr>
+        <a:xfrm>
+          <a:off x="0" y="0"/>
+          <a:ext cx="0" cy="0"/>
+          <a:chOff x="0" y="0"/>
+          <a:chExt cx="0" cy="0"/>
+        </a:xfrm>
+      </p:grpSpPr>
+      <p:sp>
+        <p:nvSpPr>
+          <p:cNvPr id="190" name="Google Shape;190;p23"/>
+          <p:cNvSpPr txBox="1">
+            <a:spLocks noGrp="1"/>
+          </p:cNvSpPr>
+          <p:nvPr>
+            <p:ph type="title"/>
+          </p:nvPr>
+        </p:nvSpPr>
+        <p:spPr>
+          <a:xfrm>
+            <a:off x="1428750" y="1543050"/>
+            <a:ext cx="6172200" cy="514350"/>
+          </a:xfrm>
+          <a:prstGeom prst="rect">
+            <a:avLst/>
+          </a:prstGeom>
+          <a:noFill/>
+          <a:ln>
+            <a:noFill/>
+          </a:ln>
+        </p:spPr>
+        <p:txBody>
+          <a:bodyPr spcFirstLastPara="1" vert="horz" wrap="square" lIns="68569" tIns="34275" rIns="68569" bIns="34275" rtlCol="0" anchor="ctr" anchorCtr="0">
+            <a:normAutofit/>
+          </a:bodyPr>
+          <a:lstStyle/>
+          <a:p>
+            <a:pPr algn="ctr">
+              <a:spcBef>
+                <a:spcPts val="0"/>
+              </a:spcBef>
+              <a:buClr>
+                <a:schemeClr val="dk1"/>
+              </a:buClr>
+              <a:buSzPts val="3200"/>
+            </a:pPr>
+            <a:r>
+              <a:rPr lang="en-US" sz="2400" dirty="0"/>
+              <a:t>          </a:t>
+            </a:r>
+            <a:r>
+              <a:rPr lang="en-US" sz="2400" dirty="0"/>
+              <a:t>FUTURE ENHANCEMENTS</a:t>
+            </a:r>
+            <a:endParaRPr sz="2400"/>
+          </a:p>
+        </p:txBody>
+      </p:sp>
+      <p:sp>
+        <p:nvSpPr>
+          <p:cNvPr id="193" name="Google Shape;193;p23"/>
+          <p:cNvSpPr txBox="1">
+            <a:spLocks noGrp="1"/>
+          </p:cNvSpPr>
+          <p:nvPr>
+            <p:ph type="sldNum" idx="12"/>
+          </p:nvPr>
+        </p:nvSpPr>
+        <p:spPr>
+          <a:xfrm>
+            <a:off x="6057900" y="4767263"/>
+            <a:ext cx="1600200" cy="273844"/>
+          </a:xfrm>
+          <a:prstGeom prst="rect">
+            <a:avLst/>
+          </a:prstGeom>
+          <a:noFill/>
+          <a:ln>
+            <a:noFill/>
+          </a:ln>
+        </p:spPr>
+        <p:txBody>
+          <a:bodyPr spcFirstLastPara="1" vert="horz" wrap="square" lIns="68569" tIns="34275" rIns="68569" bIns="34275" rtlCol="0" anchor="ctr" anchorCtr="0">
+            <a:noAutofit/>
+          </a:bodyPr>
+          <a:lstStyle/>
+          <a:p>
+            <a:fld id="{00000000-1234-1234-1234-123412341234}" type="slidenum">
+              <a:rPr lang="en-US"/>
+              <a:pPr/>
+              <a:t>11</a:t>
+            </a:fld>
+            <a:endParaRPr/>
+          </a:p>
+        </p:txBody>
+      </p:sp>
+      <p:sp>
+        <p:nvSpPr>
+          <p:cNvPr id="194" name="Google Shape;194;p23"/>
+          <p:cNvSpPr txBox="1"/>
+          <p:nvPr/>
+        </p:nvSpPr>
+        <p:spPr>
+          <a:xfrm>
+            <a:off x="1485900" y="2286000"/>
+            <a:ext cx="6172200" cy="2343150"/>
+          </a:xfrm>
+          <a:prstGeom prst="rect">
+            <a:avLst/>
+          </a:prstGeom>
+          <a:noFill/>
+          <a:ln>
+            <a:noFill/>
+          </a:ln>
+        </p:spPr>
+        <p:txBody>
+          <a:bodyPr spcFirstLastPara="1" wrap="square" lIns="68569" tIns="34275" rIns="68569" bIns="34275" anchor="t" anchorCtr="0">
+            <a:normAutofit/>
+          </a:bodyPr>
+          <a:lstStyle/>
+          <a:p>
+            <a:pPr marL="257175" indent="-257175">
+              <a:buClr>
+                <a:schemeClr val="dk1"/>
+              </a:buClr>
+              <a:buSzPts val="3200"/>
+            </a:pPr>
+            <a:endParaRPr sz="2400">
+              <a:solidFill>
+                <a:schemeClr val="dk1"/>
+              </a:solidFill>
+              <a:latin typeface="Calibri"/>
+              <a:ea typeface="Calibri"/>
+              <a:cs typeface="Calibri"/>
+              <a:sym typeface="Calibri"/>
+            </a:endParaRPr>
+          </a:p>
+        </p:txBody>
+      </p:sp>
+      <p:sp>
+        <p:nvSpPr>
+          <p:cNvPr id="195" name="Google Shape;195;p23"/>
+          <p:cNvSpPr txBox="1"/>
+          <p:nvPr/>
+        </p:nvSpPr>
+        <p:spPr>
+          <a:xfrm>
+            <a:off x="1543050" y="3486150"/>
+            <a:ext cx="6172200" cy="571500"/>
+          </a:xfrm>
+          <a:prstGeom prst="rect">
+            <a:avLst/>
+          </a:prstGeom>
+          <a:noFill/>
+          <a:ln>
+            <a:noFill/>
+          </a:ln>
+        </p:spPr>
+        <p:txBody>
+          <a:bodyPr spcFirstLastPara="1" wrap="square" lIns="68569" tIns="34275" rIns="68569" bIns="34275" anchor="ctr" anchorCtr="0">
+            <a:normAutofit/>
+          </a:bodyPr>
+          <a:lstStyle/>
+          <a:p>
+            <a:pPr>
+              <a:buClr>
+                <a:schemeClr val="dk1"/>
+              </a:buClr>
+              <a:buSzPts val="3200"/>
+            </a:pPr>
+            <a:endParaRPr sz="2400">
+              <a:solidFill>
+                <a:schemeClr val="dk1"/>
+              </a:solidFill>
+              <a:latin typeface="Calibri"/>
+              <a:ea typeface="Calibri"/>
+              <a:cs typeface="Calibri"/>
+              <a:sym typeface="Calibri"/>
+            </a:endParaRPr>
+          </a:p>
+        </p:txBody>
+      </p:sp>
+      <p:pic>
+        <p:nvPicPr>
+          <p:cNvPr id="8" name="Picture 7" descr="C:\Users\KrupaShankari\Downloads\Revised_ISE_Logo.png"/>
+          <p:cNvPicPr/>
+          <p:nvPr/>
+        </p:nvPicPr>
+        <p:blipFill>
+          <a:blip r:embed="rId3" cstate="print">
+            <a:extLst>
+              <a:ext uri="{28A0092B-C50C-407E-A947-70E740481C1C}">
+                <a14:useLocalDpi xmlns:a14="http://schemas.microsoft.com/office/drawing/2010/main" val="0"/>
+              </a:ext>
+            </a:extLst>
+          </a:blip>
+          <a:srcRect/>
+          <a:stretch>
+            <a:fillRect/>
+          </a:stretch>
+        </p:blipFill>
+        <p:spPr bwMode="auto">
+          <a:xfrm>
+            <a:off x="1543929" y="321249"/>
+            <a:ext cx="6045591" cy="1113656"/>
+          </a:xfrm>
+          <a:prstGeom prst="rect">
+            <a:avLst/>
+          </a:prstGeom>
+          <a:noFill/>
+          <a:ln>
+            <a:noFill/>
+          </a:ln>
+        </p:spPr>
+      </p:pic>
+    </p:spTree>
+    <p:extLst>
+      <p:ext uri="{BB962C8B-B14F-4D97-AF65-F5344CB8AC3E}">
+        <p14:creationId xmlns:p14="http://schemas.microsoft.com/office/powerpoint/2010/main" val="2765641510"/>
+      </p:ext>
+    </p:extLst>
+  </p:cSld>
+  <p:clrMapOvr>
+    <a:masterClrMapping/>
+  </p:clrMapOvr>
+</p:sld>
+</file>
+
+<file path=ppt/slides/slide12.xml><?xml version="1.0" encoding="utf-8"?>
+<p:sld xmlns:a="http://schemas.openxmlformats.org/drawingml/2006/main" xmlns:r="http://schemas.openxmlformats.org/officeDocument/2006/relationships" xmlns:p="http://schemas.openxmlformats.org/presentationml/2006/main">
+  <p:cSld>
+    <p:spTree>
+      <p:nvGrpSpPr>
+        <p:cNvPr id="1" name="Shape 199"/>
+        <p:cNvGrpSpPr/>
+        <p:nvPr/>
+      </p:nvGrpSpPr>
+      <p:grpSpPr>
+        <a:xfrm>
+          <a:off x="0" y="0"/>
+          <a:ext cx="0" cy="0"/>
+          <a:chOff x="0" y="0"/>
+          <a:chExt cx="0" cy="0"/>
+        </a:xfrm>
+      </p:grpSpPr>
+      <p:sp>
+        <p:nvSpPr>
+          <p:cNvPr id="200" name="Google Shape;200;p24"/>
+          <p:cNvSpPr txBox="1">
+            <a:spLocks noGrp="1"/>
+          </p:cNvSpPr>
+          <p:nvPr>
+            <p:ph type="title"/>
+          </p:nvPr>
+        </p:nvSpPr>
+        <p:spPr>
+          <a:xfrm>
+            <a:off x="1428750" y="1543050"/>
+            <a:ext cx="6172200" cy="514350"/>
+          </a:xfrm>
+          <a:prstGeom prst="rect">
+            <a:avLst/>
+          </a:prstGeom>
+          <a:noFill/>
+          <a:ln>
+            <a:noFill/>
+          </a:ln>
+        </p:spPr>
+        <p:txBody>
+          <a:bodyPr spcFirstLastPara="1" vert="horz" wrap="square" lIns="68569" tIns="34275" rIns="68569" bIns="34275" rtlCol="0" anchor="ctr" anchorCtr="0">
+            <a:normAutofit/>
+          </a:bodyPr>
+          <a:lstStyle/>
+          <a:p>
+            <a:pPr algn="ctr">
+              <a:spcBef>
+                <a:spcPts val="0"/>
+              </a:spcBef>
+              <a:buClr>
+                <a:schemeClr val="dk1"/>
+              </a:buClr>
+              <a:buSzPts val="3200"/>
+            </a:pPr>
+            <a:r>
+              <a:rPr lang="en-US" sz="2400"/>
+              <a:t>       LEARNING OUTCOMES	</a:t>
+            </a:r>
+            <a:endParaRPr sz="2400"/>
+          </a:p>
+        </p:txBody>
+      </p:sp>
+      <p:sp>
+        <p:nvSpPr>
+          <p:cNvPr id="203" name="Google Shape;203;p24"/>
+          <p:cNvSpPr txBox="1">
+            <a:spLocks noGrp="1"/>
+          </p:cNvSpPr>
+          <p:nvPr>
+            <p:ph type="sldNum" idx="12"/>
+          </p:nvPr>
+        </p:nvSpPr>
+        <p:spPr>
+          <a:xfrm>
+            <a:off x="6057900" y="4767263"/>
+            <a:ext cx="1600200" cy="273844"/>
+          </a:xfrm>
+          <a:prstGeom prst="rect">
+            <a:avLst/>
+          </a:prstGeom>
+          <a:noFill/>
+          <a:ln>
+            <a:noFill/>
+          </a:ln>
+        </p:spPr>
+        <p:txBody>
+          <a:bodyPr spcFirstLastPara="1" vert="horz" wrap="square" lIns="68569" tIns="34275" rIns="68569" bIns="34275" rtlCol="0" anchor="ctr" anchorCtr="0">
+            <a:noAutofit/>
+          </a:bodyPr>
+          <a:lstStyle/>
+          <a:p>
+            <a:fld id="{00000000-1234-1234-1234-123412341234}" type="slidenum">
+              <a:rPr lang="en-US"/>
+              <a:pPr/>
+              <a:t>12</a:t>
+            </a:fld>
+            <a:endParaRPr/>
+          </a:p>
+        </p:txBody>
+      </p:sp>
+      <p:sp>
+        <p:nvSpPr>
+          <p:cNvPr id="204" name="Google Shape;204;p24"/>
+          <p:cNvSpPr txBox="1"/>
+          <p:nvPr/>
+        </p:nvSpPr>
+        <p:spPr>
+          <a:xfrm>
+            <a:off x="1485900" y="2286000"/>
+            <a:ext cx="6172200" cy="2343150"/>
+          </a:xfrm>
+          <a:prstGeom prst="rect">
+            <a:avLst/>
+          </a:prstGeom>
+          <a:noFill/>
+          <a:ln>
+            <a:noFill/>
+          </a:ln>
+        </p:spPr>
+        <p:txBody>
+          <a:bodyPr spcFirstLastPara="1" wrap="square" lIns="68569" tIns="34275" rIns="68569" bIns="34275" anchor="t" anchorCtr="0">
+            <a:normAutofit/>
+          </a:bodyPr>
+          <a:lstStyle/>
+          <a:p>
+            <a:pPr marL="257175" indent="-257175">
+              <a:buClr>
+                <a:schemeClr val="dk1"/>
+              </a:buClr>
+              <a:buSzPts val="3200"/>
+            </a:pPr>
+            <a:endParaRPr sz="2400">
+              <a:solidFill>
+                <a:schemeClr val="dk1"/>
+              </a:solidFill>
+              <a:latin typeface="Calibri"/>
+              <a:ea typeface="Calibri"/>
+              <a:cs typeface="Calibri"/>
+              <a:sym typeface="Calibri"/>
+            </a:endParaRPr>
+          </a:p>
+        </p:txBody>
+      </p:sp>
+      <p:sp>
+        <p:nvSpPr>
+          <p:cNvPr id="205" name="Google Shape;205;p24"/>
+          <p:cNvSpPr txBox="1"/>
+          <p:nvPr/>
+        </p:nvSpPr>
+        <p:spPr>
+          <a:xfrm>
+            <a:off x="1543050" y="3486150"/>
+            <a:ext cx="6172200" cy="571500"/>
+          </a:xfrm>
+          <a:prstGeom prst="rect">
+            <a:avLst/>
+          </a:prstGeom>
+          <a:noFill/>
+          <a:ln>
+            <a:noFill/>
+          </a:ln>
+        </p:spPr>
+        <p:txBody>
+          <a:bodyPr spcFirstLastPara="1" wrap="square" lIns="68569" tIns="34275" rIns="68569" bIns="34275" anchor="ctr" anchorCtr="0">
+            <a:normAutofit/>
+          </a:bodyPr>
+          <a:lstStyle/>
+          <a:p>
+            <a:pPr>
+              <a:buClr>
+                <a:schemeClr val="dk1"/>
+              </a:buClr>
+              <a:buSzPts val="3200"/>
+            </a:pPr>
+            <a:endParaRPr sz="2400">
+              <a:solidFill>
+                <a:schemeClr val="dk1"/>
+              </a:solidFill>
+              <a:latin typeface="Calibri"/>
+              <a:ea typeface="Calibri"/>
+              <a:cs typeface="Calibri"/>
+              <a:sym typeface="Calibri"/>
+            </a:endParaRPr>
+          </a:p>
+        </p:txBody>
+      </p:sp>
+      <p:pic>
+        <p:nvPicPr>
+          <p:cNvPr id="8" name="Picture 7" descr="C:\Users\KrupaShankari\Downloads\Revised_ISE_Logo.png"/>
+          <p:cNvPicPr/>
+          <p:nvPr/>
+        </p:nvPicPr>
+        <p:blipFill>
+          <a:blip r:embed="rId3" cstate="print">
+            <a:extLst>
+              <a:ext uri="{28A0092B-C50C-407E-A947-70E740481C1C}">
+                <a14:useLocalDpi xmlns:a14="http://schemas.microsoft.com/office/drawing/2010/main" val="0"/>
+              </a:ext>
+            </a:extLst>
+          </a:blip>
+          <a:srcRect/>
+          <a:stretch>
+            <a:fillRect/>
+          </a:stretch>
+        </p:blipFill>
+        <p:spPr bwMode="auto">
+          <a:xfrm>
+            <a:off x="1543929" y="321249"/>
+            <a:ext cx="6045591" cy="1113656"/>
+          </a:xfrm>
+          <a:prstGeom prst="rect">
+            <a:avLst/>
+          </a:prstGeom>
+          <a:noFill/>
+          <a:ln>
+            <a:noFill/>
+          </a:ln>
+        </p:spPr>
+      </p:pic>
+    </p:spTree>
+    <p:extLst>
+      <p:ext uri="{BB962C8B-B14F-4D97-AF65-F5344CB8AC3E}">
+        <p14:creationId xmlns:p14="http://schemas.microsoft.com/office/powerpoint/2010/main" val="1360470918"/>
+      </p:ext>
+    </p:extLst>
+  </p:cSld>
+  <p:clrMapOvr>
+    <a:masterClrMapping/>
+  </p:clrMapOvr>
+</p:sld>
+</file>
+
+<file path=ppt/slides/slide13.xml><?xml version="1.0" encoding="utf-8"?>
 <p:sld xmlns:a="http://schemas.openxmlformats.org/drawingml/2006/main" xmlns:r="http://schemas.openxmlformats.org/officeDocument/2006/relationships" xmlns:p="http://schemas.openxmlformats.org/presentationml/2006/main">
   <p:cSld>
     <p:spTree>
@@ -5759,20 +7697,443 @@
           <a:chExt cx="0" cy="0"/>
         </a:xfrm>
       </p:grpSpPr>
+      <p:sp>
+        <p:nvSpPr>
+          <p:cNvPr id="3" name="Google Shape;93;p1"/>
+          <p:cNvSpPr txBox="1"/>
+          <p:nvPr/>
+        </p:nvSpPr>
+        <p:spPr>
+          <a:xfrm>
+            <a:off x="1759912" y="270447"/>
+            <a:ext cx="5515800" cy="477013"/>
+          </a:xfrm>
+          <a:prstGeom prst="rect">
+            <a:avLst/>
+          </a:prstGeom>
+          <a:noFill/>
+          <a:ln>
+            <a:noFill/>
+          </a:ln>
+        </p:spPr>
+        <p:txBody>
+          <a:bodyPr spcFirstLastPara="1" wrap="square" lIns="91425" tIns="45700" rIns="91425" bIns="45700" anchor="t" anchorCtr="0">
+            <a:spAutoFit/>
+          </a:bodyPr>
+          <a:lstStyle/>
+          <a:p>
+            <a:pPr marL="0" marR="0" lvl="0" indent="0" algn="ctr" rtl="0">
+              <a:lnSpc>
+                <a:spcPct val="100000"/>
+              </a:lnSpc>
+              <a:spcBef>
+                <a:spcPts val="0"/>
+              </a:spcBef>
+              <a:spcAft>
+                <a:spcPts val="0"/>
+              </a:spcAft>
+              <a:buNone/>
+            </a:pPr>
+            <a:r>
+              <a:rPr lang="en-IN" sz="2500" b="1" i="0" u="none" strike="noStrike" cap="none" dirty="0" smtClean="0">
+                <a:solidFill>
+                  <a:schemeClr val="dk1"/>
+                </a:solidFill>
+                <a:latin typeface="Montserrat"/>
+                <a:ea typeface="Montserrat"/>
+                <a:cs typeface="Montserrat"/>
+                <a:sym typeface="Montserrat"/>
+              </a:rPr>
+              <a:t>References</a:t>
+            </a:r>
+          </a:p>
+        </p:txBody>
+      </p:sp>
+      <p:sp>
+        <p:nvSpPr>
+          <p:cNvPr id="4" name="Rectangle 3"/>
+          <p:cNvSpPr/>
+          <p:nvPr/>
+        </p:nvSpPr>
+        <p:spPr>
+          <a:xfrm>
+            <a:off x="132079" y="1232463"/>
+            <a:ext cx="8771466" cy="3226524"/>
+          </a:xfrm>
+          <a:prstGeom prst="rect">
+            <a:avLst/>
+          </a:prstGeom>
+        </p:spPr>
+        <p:txBody>
+          <a:bodyPr wrap="square">
+            <a:spAutoFit/>
+          </a:bodyPr>
+          <a:lstStyle/>
+          <a:p>
+            <a:pPr marL="914400" marR="247650" indent="-457200" algn="just">
+              <a:lnSpc>
+                <a:spcPct val="150000"/>
+              </a:lnSpc>
+              <a:spcBef>
+                <a:spcPts val="1000"/>
+              </a:spcBef>
+            </a:pPr>
+            <a:r>
+              <a:rPr lang="en-US" sz="1200" dirty="0">
+                <a:latin typeface="Times New Roman" panose="02020603050405020304" pitchFamily="18" charset="0"/>
+                <a:ea typeface="Times" panose="02020603050405020304" pitchFamily="18" charset="0"/>
+                <a:cs typeface="Times New Roman" panose="02020603050405020304" pitchFamily="18" charset="0"/>
+              </a:rPr>
+              <a:t>[1</a:t>
+            </a:r>
+            <a:r>
+              <a:rPr lang="en-US" sz="1200" dirty="0" smtClean="0">
+                <a:latin typeface="Times New Roman" panose="02020603050405020304" pitchFamily="18" charset="0"/>
+                <a:ea typeface="Times" panose="02020603050405020304" pitchFamily="18" charset="0"/>
+                <a:cs typeface="Times New Roman" panose="02020603050405020304" pitchFamily="18" charset="0"/>
+              </a:rPr>
+              <a:t>] </a:t>
+            </a:r>
+            <a:r>
+              <a:rPr lang="en-US" sz="1200" dirty="0">
+                <a:latin typeface="Times New Roman" panose="02020603050405020304" pitchFamily="18" charset="0"/>
+                <a:ea typeface="Times" panose="02020603050405020304" pitchFamily="18" charset="0"/>
+                <a:cs typeface="Times New Roman" panose="02020603050405020304" pitchFamily="18" charset="0"/>
+              </a:rPr>
+              <a:t>L. </a:t>
+            </a:r>
+            <a:r>
+              <a:rPr lang="en-US" sz="1200" dirty="0" err="1">
+                <a:latin typeface="Times New Roman" panose="02020603050405020304" pitchFamily="18" charset="0"/>
+                <a:ea typeface="Times" panose="02020603050405020304" pitchFamily="18" charset="0"/>
+                <a:cs typeface="Times New Roman" panose="02020603050405020304" pitchFamily="18" charset="0"/>
+              </a:rPr>
+              <a:t>Rajendran</a:t>
+            </a:r>
+            <a:r>
+              <a:rPr lang="en-US" sz="1200" dirty="0">
+                <a:latin typeface="Times New Roman" panose="02020603050405020304" pitchFamily="18" charset="0"/>
+                <a:ea typeface="Times" panose="02020603050405020304" pitchFamily="18" charset="0"/>
+                <a:cs typeface="Times New Roman" panose="02020603050405020304" pitchFamily="18" charset="0"/>
+              </a:rPr>
+              <a:t> , "Real-Time Adaptive Traffic Control System For Smart Cities," International Conference on Computer Communication and Informatics (ICCCI) (IEEE), pp. 1-6, </a:t>
+            </a:r>
+            <a:r>
+              <a:rPr lang="en-US" sz="1200" dirty="0" err="1" smtClean="0">
+                <a:latin typeface="Times New Roman" panose="02020603050405020304" pitchFamily="18" charset="0"/>
+                <a:ea typeface="Times" panose="02020603050405020304" pitchFamily="18" charset="0"/>
+                <a:cs typeface="Times New Roman" panose="02020603050405020304" pitchFamily="18" charset="0"/>
+              </a:rPr>
+              <a:t>doi</a:t>
+            </a:r>
+            <a:r>
+              <a:rPr lang="en-US" sz="1200" dirty="0" smtClean="0">
+                <a:latin typeface="Times New Roman" panose="02020603050405020304" pitchFamily="18" charset="0"/>
+                <a:ea typeface="Times" panose="02020603050405020304" pitchFamily="18" charset="0"/>
+                <a:cs typeface="Times New Roman" panose="02020603050405020304" pitchFamily="18" charset="0"/>
+              </a:rPr>
+              <a:t>: 10.1109/ICCCI50826.2021.9402597</a:t>
+            </a:r>
+            <a:r>
+              <a:rPr lang="en-US" sz="1200" dirty="0">
+                <a:latin typeface="Times New Roman" panose="02020603050405020304" pitchFamily="18" charset="0"/>
+                <a:ea typeface="Times" panose="02020603050405020304" pitchFamily="18" charset="0"/>
+                <a:cs typeface="Times New Roman" panose="02020603050405020304" pitchFamily="18" charset="0"/>
+              </a:rPr>
+              <a:t>, March 2021</a:t>
+            </a:r>
+            <a:r>
+              <a:rPr lang="en-US" sz="1200" dirty="0" smtClean="0">
+                <a:latin typeface="Times New Roman" panose="02020603050405020304" pitchFamily="18" charset="0"/>
+                <a:ea typeface="Times" panose="02020603050405020304" pitchFamily="18" charset="0"/>
+                <a:cs typeface="Times New Roman" panose="02020603050405020304" pitchFamily="18" charset="0"/>
+              </a:rPr>
+              <a:t>.</a:t>
+            </a:r>
+            <a:endParaRPr lang="en-US" sz="1200" dirty="0">
+              <a:latin typeface="Times New Roman" panose="02020603050405020304" pitchFamily="18" charset="0"/>
+              <a:ea typeface="Open Sans"/>
+              <a:cs typeface="Times New Roman" panose="02020603050405020304" pitchFamily="18" charset="0"/>
+            </a:endParaRPr>
+          </a:p>
+          <a:p>
+            <a:pPr marL="914400" marR="247650" indent="-457200" algn="just">
+              <a:lnSpc>
+                <a:spcPct val="150000"/>
+              </a:lnSpc>
+              <a:spcBef>
+                <a:spcPts val="1000"/>
+              </a:spcBef>
+            </a:pPr>
+            <a:r>
+              <a:rPr lang="en-US" sz="1200" dirty="0">
+                <a:latin typeface="Times New Roman" panose="02020603050405020304" pitchFamily="18" charset="0"/>
+                <a:ea typeface="Times" panose="02020603050405020304" pitchFamily="18" charset="0"/>
+                <a:cs typeface="Times New Roman" panose="02020603050405020304" pitchFamily="18" charset="0"/>
+              </a:rPr>
+              <a:t>[2] Sharon, G. Alleviating Road Traffic Congestion with Artificial Intelligence. In IJCAI (pp. 4965-4969), June 2021</a:t>
+            </a:r>
+            <a:r>
+              <a:rPr lang="en-US" sz="1200" dirty="0" smtClean="0">
+                <a:latin typeface="Times New Roman" panose="02020603050405020304" pitchFamily="18" charset="0"/>
+                <a:ea typeface="Times" panose="02020603050405020304" pitchFamily="18" charset="0"/>
+                <a:cs typeface="Times New Roman" panose="02020603050405020304" pitchFamily="18" charset="0"/>
+              </a:rPr>
+              <a:t>.</a:t>
+            </a:r>
+          </a:p>
+          <a:p>
+            <a:pPr marL="914400" marR="247650" indent="-457200" algn="just">
+              <a:lnSpc>
+                <a:spcPct val="150000"/>
+              </a:lnSpc>
+              <a:spcBef>
+                <a:spcPts val="1000"/>
+              </a:spcBef>
+            </a:pPr>
+            <a:r>
+              <a:rPr lang="en-US" sz="1200" dirty="0" smtClean="0">
+                <a:latin typeface="Times New Roman" panose="02020603050405020304" pitchFamily="18" charset="0"/>
+                <a:ea typeface="Open Sans"/>
+                <a:cs typeface="Times New Roman" panose="02020603050405020304" pitchFamily="18" charset="0"/>
+              </a:rPr>
+              <a:t>[3] Jiang</a:t>
+            </a:r>
+            <a:r>
+              <a:rPr lang="en-US" sz="1200" dirty="0">
+                <a:latin typeface="Times New Roman" panose="02020603050405020304" pitchFamily="18" charset="0"/>
+                <a:ea typeface="Open Sans"/>
+                <a:cs typeface="Times New Roman" panose="02020603050405020304" pitchFamily="18" charset="0"/>
+              </a:rPr>
+              <a:t>, </a:t>
+            </a:r>
+            <a:r>
+              <a:rPr lang="en-US" sz="1200" dirty="0" err="1">
+                <a:latin typeface="Times New Roman" panose="02020603050405020304" pitchFamily="18" charset="0"/>
+                <a:ea typeface="Open Sans"/>
+                <a:cs typeface="Times New Roman" panose="02020603050405020304" pitchFamily="18" charset="0"/>
+              </a:rPr>
+              <a:t>Peiyuan</a:t>
+            </a:r>
+            <a:r>
+              <a:rPr lang="en-US" sz="1200" dirty="0">
+                <a:latin typeface="Times New Roman" panose="02020603050405020304" pitchFamily="18" charset="0"/>
+                <a:ea typeface="Open Sans"/>
+                <a:cs typeface="Times New Roman" panose="02020603050405020304" pitchFamily="18" charset="0"/>
+              </a:rPr>
+              <a:t>, et al. "A Review of Yolo algorithm developments." </a:t>
+            </a:r>
+            <a:r>
+              <a:rPr lang="en-US" sz="1200" dirty="0" err="1">
+                <a:latin typeface="Times New Roman" panose="02020603050405020304" pitchFamily="18" charset="0"/>
+                <a:ea typeface="Open Sans"/>
+                <a:cs typeface="Times New Roman" panose="02020603050405020304" pitchFamily="18" charset="0"/>
+              </a:rPr>
+              <a:t>Procedia</a:t>
+            </a:r>
+            <a:r>
+              <a:rPr lang="en-US" sz="1200" dirty="0">
+                <a:latin typeface="Times New Roman" panose="02020603050405020304" pitchFamily="18" charset="0"/>
+                <a:ea typeface="Open Sans"/>
+                <a:cs typeface="Times New Roman" panose="02020603050405020304" pitchFamily="18" charset="0"/>
+              </a:rPr>
+              <a:t> Computer Science 199 (2022): 1066-1073</a:t>
+            </a:r>
+            <a:r>
+              <a:rPr lang="en-US" sz="1200" dirty="0" smtClean="0">
+                <a:latin typeface="Times New Roman" panose="02020603050405020304" pitchFamily="18" charset="0"/>
+                <a:ea typeface="Open Sans"/>
+                <a:cs typeface="Times New Roman" panose="02020603050405020304" pitchFamily="18" charset="0"/>
+              </a:rPr>
+              <a:t>.</a:t>
+            </a:r>
+            <a:endParaRPr lang="en-US" sz="1200" dirty="0">
+              <a:latin typeface="Times New Roman" panose="02020603050405020304" pitchFamily="18" charset="0"/>
+              <a:ea typeface="Open Sans"/>
+              <a:cs typeface="Times New Roman" panose="02020603050405020304" pitchFamily="18" charset="0"/>
+            </a:endParaRPr>
+          </a:p>
+          <a:p>
+            <a:pPr marL="914400" marR="247650" indent="-457200" algn="just">
+              <a:lnSpc>
+                <a:spcPct val="150000"/>
+              </a:lnSpc>
+              <a:spcBef>
+                <a:spcPts val="1000"/>
+              </a:spcBef>
+            </a:pPr>
+            <a:r>
+              <a:rPr lang="en-US" sz="1200" dirty="0" smtClean="0">
+                <a:latin typeface="Times New Roman" panose="02020603050405020304" pitchFamily="18" charset="0"/>
+                <a:ea typeface="Open Sans"/>
+                <a:cs typeface="Times New Roman" panose="02020603050405020304" pitchFamily="18" charset="0"/>
+              </a:rPr>
+              <a:t>[4] Kong</a:t>
+            </a:r>
+            <a:r>
+              <a:rPr lang="en-US" sz="1200" dirty="0">
+                <a:latin typeface="Times New Roman" panose="02020603050405020304" pitchFamily="18" charset="0"/>
+                <a:ea typeface="Open Sans"/>
+                <a:cs typeface="Times New Roman" panose="02020603050405020304" pitchFamily="18" charset="0"/>
+              </a:rPr>
+              <a:t>, </a:t>
+            </a:r>
+            <a:r>
+              <a:rPr lang="en-US" sz="1200" dirty="0" err="1">
+                <a:latin typeface="Times New Roman" panose="02020603050405020304" pitchFamily="18" charset="0"/>
+                <a:ea typeface="Open Sans"/>
+                <a:cs typeface="Times New Roman" panose="02020603050405020304" pitchFamily="18" charset="0"/>
+              </a:rPr>
+              <a:t>Xiangjie</a:t>
+            </a:r>
+            <a:r>
+              <a:rPr lang="en-US" sz="1200" dirty="0">
+                <a:latin typeface="Times New Roman" panose="02020603050405020304" pitchFamily="18" charset="0"/>
+                <a:ea typeface="Open Sans"/>
+                <a:cs typeface="Times New Roman" panose="02020603050405020304" pitchFamily="18" charset="0"/>
+              </a:rPr>
+              <a:t>, et al. "Urban traffic congestion estimation and prediction based on floating car trajectory data." Future Generation Computer Systems 61 (2016): </a:t>
+            </a:r>
+            <a:r>
+              <a:rPr lang="en-US" sz="1200" dirty="0" smtClean="0">
+                <a:latin typeface="Times New Roman" panose="02020603050405020304" pitchFamily="18" charset="0"/>
+                <a:ea typeface="Open Sans"/>
+                <a:cs typeface="Times New Roman" panose="02020603050405020304" pitchFamily="18" charset="0"/>
+              </a:rPr>
+              <a:t>97-107</a:t>
+            </a:r>
+            <a:endParaRPr lang="en-US" sz="1200" dirty="0">
+              <a:latin typeface="Times New Roman" panose="02020603050405020304" pitchFamily="18" charset="0"/>
+              <a:ea typeface="Open Sans"/>
+              <a:cs typeface="Times New Roman" panose="02020603050405020304" pitchFamily="18" charset="0"/>
+            </a:endParaRPr>
+          </a:p>
+          <a:p>
+            <a:pPr marL="914400" marR="247650" indent="-457200" algn="just">
+              <a:lnSpc>
+                <a:spcPct val="150000"/>
+              </a:lnSpc>
+              <a:spcBef>
+                <a:spcPts val="1000"/>
+              </a:spcBef>
+            </a:pPr>
+            <a:r>
+              <a:rPr lang="en-US" sz="1200" dirty="0" smtClean="0">
+                <a:latin typeface="Times New Roman" panose="02020603050405020304" pitchFamily="18" charset="0"/>
+                <a:ea typeface="Times" panose="02020603050405020304" pitchFamily="18" charset="0"/>
+                <a:cs typeface="Times New Roman" panose="02020603050405020304" pitchFamily="18" charset="0"/>
+              </a:rPr>
+              <a:t>[5] </a:t>
+            </a:r>
+            <a:r>
+              <a:rPr lang="en-US" sz="1200" dirty="0" err="1">
+                <a:latin typeface="Times New Roman" panose="02020603050405020304" pitchFamily="18" charset="0"/>
+                <a:ea typeface="Times" panose="02020603050405020304" pitchFamily="18" charset="0"/>
+                <a:cs typeface="Times New Roman" panose="02020603050405020304" pitchFamily="18" charset="0"/>
+              </a:rPr>
+              <a:t>Arnott</a:t>
+            </a:r>
+            <a:r>
+              <a:rPr lang="en-US" sz="1200" dirty="0">
+                <a:latin typeface="Times New Roman" panose="02020603050405020304" pitchFamily="18" charset="0"/>
+                <a:ea typeface="Times" panose="02020603050405020304" pitchFamily="18" charset="0"/>
+                <a:cs typeface="Times New Roman" panose="02020603050405020304" pitchFamily="18" charset="0"/>
+              </a:rPr>
+              <a:t>, R., &amp; Small, K. The economics of traffic congestion. American Scientist, 82(5), 446-455. </a:t>
+            </a:r>
+            <a:r>
+              <a:rPr lang="en-US" sz="1200" dirty="0" smtClean="0">
+                <a:latin typeface="Times New Roman" panose="02020603050405020304" pitchFamily="18" charset="0"/>
+                <a:ea typeface="Times" panose="02020603050405020304" pitchFamily="18" charset="0"/>
+                <a:cs typeface="Times New Roman" panose="02020603050405020304" pitchFamily="18" charset="0"/>
+              </a:rPr>
+              <a:t>1994.</a:t>
+            </a:r>
+            <a:endParaRPr lang="en-US" sz="1200" dirty="0">
+              <a:latin typeface="Times New Roman" panose="02020603050405020304" pitchFamily="18" charset="0"/>
+              <a:ea typeface="Times" panose="02020603050405020304" pitchFamily="18" charset="0"/>
+              <a:cs typeface="Times New Roman" panose="02020603050405020304" pitchFamily="18" charset="0"/>
+            </a:endParaRPr>
+          </a:p>
+          <a:p>
+            <a:pPr marL="914400" marR="247650" indent="-457200" algn="just">
+              <a:lnSpc>
+                <a:spcPct val="150000"/>
+              </a:lnSpc>
+              <a:spcBef>
+                <a:spcPts val="1000"/>
+              </a:spcBef>
+            </a:pPr>
+            <a:r>
+              <a:rPr lang="en-US" sz="1200" dirty="0" smtClean="0">
+                <a:latin typeface="Times New Roman" panose="02020603050405020304" pitchFamily="18" charset="0"/>
+                <a:ea typeface="Times" panose="02020603050405020304" pitchFamily="18" charset="0"/>
+                <a:cs typeface="Times New Roman" panose="02020603050405020304" pitchFamily="18" charset="0"/>
+              </a:rPr>
+              <a:t>[6] </a:t>
+            </a:r>
+            <a:r>
+              <a:rPr lang="en-US" sz="1200" dirty="0" err="1">
+                <a:latin typeface="Times New Roman" panose="02020603050405020304" pitchFamily="18" charset="0"/>
+                <a:ea typeface="Times" panose="02020603050405020304" pitchFamily="18" charset="0"/>
+                <a:cs typeface="Times New Roman" panose="02020603050405020304" pitchFamily="18" charset="0"/>
+              </a:rPr>
+              <a:t>Mihir</a:t>
+            </a:r>
+            <a:r>
+              <a:rPr lang="en-US" sz="1200" dirty="0">
+                <a:latin typeface="Times New Roman" panose="02020603050405020304" pitchFamily="18" charset="0"/>
+                <a:ea typeface="Times" panose="02020603050405020304" pitchFamily="18" charset="0"/>
+                <a:cs typeface="Times New Roman" panose="02020603050405020304" pitchFamily="18" charset="0"/>
+              </a:rPr>
+              <a:t> Gandhi. </a:t>
+            </a:r>
+            <a:r>
+              <a:rPr lang="en-US" sz="1200" i="1" dirty="0">
+                <a:latin typeface="Times New Roman" panose="02020603050405020304" pitchFamily="18" charset="0"/>
+                <a:ea typeface="Times" panose="02020603050405020304" pitchFamily="18" charset="0"/>
+                <a:cs typeface="Times New Roman" panose="02020603050405020304" pitchFamily="18" charset="0"/>
+              </a:rPr>
+              <a:t>Smart Control of Traffic Light System using Artificial Intelligence</a:t>
+            </a:r>
+            <a:r>
+              <a:rPr lang="en-US" sz="1200" dirty="0">
+                <a:latin typeface="Times New Roman" panose="02020603050405020304" pitchFamily="18" charset="0"/>
+                <a:ea typeface="Times" panose="02020603050405020304" pitchFamily="18" charset="0"/>
+                <a:cs typeface="Times New Roman" panose="02020603050405020304" pitchFamily="18" charset="0"/>
+              </a:rPr>
+              <a:t> [Video]. YouTube. https://youtu.be/OssY5pzOyo0. May 2020</a:t>
+            </a:r>
+            <a:endParaRPr lang="en-US" sz="1200" dirty="0">
+              <a:effectLst/>
+              <a:latin typeface="Times New Roman" panose="02020603050405020304" pitchFamily="18" charset="0"/>
+              <a:ea typeface="Open Sans"/>
+              <a:cs typeface="Times New Roman" panose="02020603050405020304" pitchFamily="18" charset="0"/>
+            </a:endParaRPr>
+          </a:p>
+        </p:txBody>
+      </p:sp>
     </p:spTree>
     <p:extLst>
       <p:ext uri="{BB962C8B-B14F-4D97-AF65-F5344CB8AC3E}">
-        <p14:creationId xmlns:p14="http://schemas.microsoft.com/office/powerpoint/2010/main" val="24112167"/>
+        <p14:creationId xmlns:p14="http://schemas.microsoft.com/office/powerpoint/2010/main" val="3364439372"/>
       </p:ext>
     </p:extLst>
   </p:cSld>
   <p:clrMapOvr>
     <a:masterClrMapping/>
   </p:clrMapOvr>
+  <p:timing>
+    <p:tnLst>
+      <p:par>
+        <p:cTn id="1" dur="indefinite" restart="never" nodeType="tmRoot"/>
+      </p:par>
+    </p:tnLst>
+  </p:timing>
 </p:sld>
 </file>
 
-<file path=ppt/slides/slide3.xml><?xml version="1.0" encoding="utf-8"?>
+<file path=ppt/slides/slide14.xml><?xml version="1.0" encoding="utf-8"?>
 <p:sld xmlns:a="http://schemas.openxmlformats.org/drawingml/2006/main" xmlns:r="http://schemas.openxmlformats.org/officeDocument/2006/relationships" xmlns:p="http://schemas.openxmlformats.org/presentationml/2006/main">
   <p:cSld>
     <p:spTree>
@@ -5791,20 +8152,65 @@
       </p:grpSpPr>
       <p:sp>
         <p:nvSpPr>
-          <p:cNvPr id="2" name="Slide Number Placeholder 1"/>
+          <p:cNvPr id="2" name="Title 1"/>
           <p:cNvSpPr>
             <a:spLocks noGrp="1"/>
           </p:cNvSpPr>
           <p:nvPr>
-            <p:ph type="sldNum" sz="quarter" idx="12"/>
-          </p:nvPr>
-        </p:nvSpPr>
-        <p:spPr/>
-        <p:txBody>
-          <a:bodyPr/>
+            <p:ph type="title"/>
+          </p:nvPr>
+        </p:nvSpPr>
+        <p:spPr>
+          <a:xfrm>
+            <a:off x="682836" y="2475178"/>
+            <a:ext cx="7886700" cy="994172"/>
+          </a:xfrm>
+        </p:spPr>
+        <p:txBody>
+          <a:bodyPr>
+            <a:noAutofit/>
+          </a:bodyPr>
           <a:lstStyle/>
           <a:p>
-            <a:pPr marL="0" lvl="0" indent="0" algn="r" rtl="0">
+            <a:pPr algn="ctr"/>
+            <a:r>
+              <a:rPr lang="en-IN" sz="8800" b="1" dirty="0" smtClean="0">
+                <a:latin typeface="Montserrat" panose="020B0604020202020204" charset="0"/>
+              </a:rPr>
+              <a:t>Thank You</a:t>
+            </a:r>
+            <a:endParaRPr lang="en-US" sz="8800" b="1" dirty="0">
+              <a:latin typeface="Montserrat" panose="020B0604020202020204" charset="0"/>
+            </a:endParaRPr>
+          </a:p>
+        </p:txBody>
+      </p:sp>
+      <p:sp>
+        <p:nvSpPr>
+          <p:cNvPr id="4" name="Google Shape;98;p1"/>
+          <p:cNvSpPr txBox="1"/>
+          <p:nvPr/>
+        </p:nvSpPr>
+        <p:spPr>
+          <a:xfrm>
+            <a:off x="1243957" y="208678"/>
+            <a:ext cx="6579900" cy="1084565"/>
+          </a:xfrm>
+          <a:prstGeom prst="rect">
+            <a:avLst/>
+          </a:prstGeom>
+          <a:noFill/>
+          <a:ln>
+            <a:noFill/>
+          </a:ln>
+        </p:spPr>
+        <p:txBody>
+          <a:bodyPr spcFirstLastPara="1" wrap="square" lIns="91425" tIns="91425" rIns="91425" bIns="91425" anchor="t" anchorCtr="0">
+            <a:noAutofit/>
+          </a:bodyPr>
+          <a:lstStyle/>
+          <a:p>
+            <a:pPr marL="0" lvl="0" indent="0" algn="l" rtl="0">
               <a:spcBef>
                 <a:spcPts val="0"/>
               </a:spcBef>
@@ -5813,18 +8219,1625 @@
               </a:spcAft>
               <a:buNone/>
             </a:pPr>
-            <a:fld id="{00000000-1234-1234-1234-123412341234}" type="slidenum">
-              <a:rPr lang="en-US" smtClean="0"/>
-              <a:t>3</a:t>
-            </a:fld>
-            <a:endParaRPr lang="en-US"/>
-          </a:p>
-        </p:txBody>
-      </p:sp>
+            <a:r>
+              <a:rPr lang="en-US" sz="1200" b="1" dirty="0">
+                <a:solidFill>
+                  <a:schemeClr val="tx1">
+                    <a:lumMod val="65000"/>
+                    <a:lumOff val="35000"/>
+                  </a:schemeClr>
+                </a:solidFill>
+                <a:latin typeface="Montserrat"/>
+                <a:ea typeface="Montserrat"/>
+                <a:cs typeface="Montserrat"/>
+                <a:sym typeface="Montserrat"/>
+              </a:rPr>
+              <a:t>DAYANANDA SAGAR COLLEGE OF ENGINEERING</a:t>
+            </a:r>
+            <a:endParaRPr sz="1200" b="1" dirty="0">
+              <a:solidFill>
+                <a:schemeClr val="tx1">
+                  <a:lumMod val="65000"/>
+                  <a:lumOff val="35000"/>
+                </a:schemeClr>
+              </a:solidFill>
+              <a:latin typeface="Montserrat"/>
+              <a:ea typeface="Montserrat"/>
+              <a:cs typeface="Montserrat"/>
+              <a:sym typeface="Montserrat"/>
+            </a:endParaRPr>
+          </a:p>
+          <a:p>
+            <a:pPr marL="0" lvl="0" indent="0" algn="l" rtl="0">
+              <a:spcBef>
+                <a:spcPts val="0"/>
+              </a:spcBef>
+              <a:spcAft>
+                <a:spcPts val="0"/>
+              </a:spcAft>
+              <a:buNone/>
+            </a:pPr>
+            <a:r>
+              <a:rPr lang="en-US" sz="1000" dirty="0" err="1">
+                <a:solidFill>
+                  <a:schemeClr val="tx1">
+                    <a:lumMod val="65000"/>
+                    <a:lumOff val="35000"/>
+                  </a:schemeClr>
+                </a:solidFill>
+                <a:latin typeface="Montserrat Medium"/>
+                <a:ea typeface="Montserrat Medium"/>
+                <a:cs typeface="Montserrat Medium"/>
+                <a:sym typeface="Montserrat Medium"/>
+              </a:rPr>
+              <a:t>Malleshwara</a:t>
+            </a:r>
+            <a:r>
+              <a:rPr lang="en-US" sz="1000" dirty="0">
+                <a:solidFill>
+                  <a:schemeClr val="tx1">
+                    <a:lumMod val="65000"/>
+                    <a:lumOff val="35000"/>
+                  </a:schemeClr>
+                </a:solidFill>
+                <a:latin typeface="Montserrat Medium"/>
+                <a:ea typeface="Montserrat Medium"/>
+                <a:cs typeface="Montserrat Medium"/>
+                <a:sym typeface="Montserrat Medium"/>
+              </a:rPr>
+              <a:t> Hills, </a:t>
+            </a:r>
+            <a:r>
+              <a:rPr lang="en-US" sz="1000" dirty="0" err="1">
+                <a:solidFill>
+                  <a:schemeClr val="tx1">
+                    <a:lumMod val="65000"/>
+                    <a:lumOff val="35000"/>
+                  </a:schemeClr>
+                </a:solidFill>
+                <a:latin typeface="Montserrat Medium"/>
+                <a:ea typeface="Montserrat Medium"/>
+                <a:cs typeface="Montserrat Medium"/>
+                <a:sym typeface="Montserrat Medium"/>
+              </a:rPr>
+              <a:t>Kumarswamy</a:t>
+            </a:r>
+            <a:r>
+              <a:rPr lang="en-US" sz="1000" dirty="0">
+                <a:solidFill>
+                  <a:schemeClr val="tx1">
+                    <a:lumMod val="65000"/>
+                    <a:lumOff val="35000"/>
+                  </a:schemeClr>
+                </a:solidFill>
+                <a:latin typeface="Montserrat Medium"/>
+                <a:ea typeface="Montserrat Medium"/>
+                <a:cs typeface="Montserrat Medium"/>
+                <a:sym typeface="Montserrat Medium"/>
+              </a:rPr>
+              <a:t> Layout, Bangalore - 560111</a:t>
+            </a:r>
+            <a:endParaRPr sz="1000" dirty="0">
+              <a:solidFill>
+                <a:schemeClr val="tx1">
+                  <a:lumMod val="65000"/>
+                  <a:lumOff val="35000"/>
+                </a:schemeClr>
+              </a:solidFill>
+              <a:latin typeface="Montserrat Medium"/>
+              <a:ea typeface="Montserrat Medium"/>
+              <a:cs typeface="Montserrat Medium"/>
+              <a:sym typeface="Montserrat Medium"/>
+            </a:endParaRPr>
+          </a:p>
+          <a:p>
+            <a:pPr marL="0" lvl="0" indent="0" algn="l" rtl="0">
+              <a:spcBef>
+                <a:spcPts val="0"/>
+              </a:spcBef>
+              <a:spcAft>
+                <a:spcPts val="0"/>
+              </a:spcAft>
+              <a:buNone/>
+            </a:pPr>
+            <a:r>
+              <a:rPr lang="en-US" sz="1100" dirty="0">
+                <a:solidFill>
+                  <a:schemeClr val="tx1">
+                    <a:lumMod val="65000"/>
+                    <a:lumOff val="35000"/>
+                  </a:schemeClr>
+                </a:solidFill>
+                <a:latin typeface="Montserrat"/>
+                <a:ea typeface="Montserrat"/>
+                <a:cs typeface="Montserrat"/>
+                <a:sym typeface="Montserrat"/>
+              </a:rPr>
+              <a:t>Department of Information Science and Engineering</a:t>
+            </a:r>
+            <a:endParaRPr sz="1100" dirty="0">
+              <a:solidFill>
+                <a:schemeClr val="tx1">
+                  <a:lumMod val="65000"/>
+                  <a:lumOff val="35000"/>
+                </a:schemeClr>
+              </a:solidFill>
+              <a:latin typeface="Montserrat"/>
+              <a:ea typeface="Montserrat"/>
+              <a:cs typeface="Montserrat"/>
+              <a:sym typeface="Montserrat"/>
+            </a:endParaRPr>
+          </a:p>
+        </p:txBody>
+      </p:sp>
+      <p:pic>
+        <p:nvPicPr>
+          <p:cNvPr id="5" name="Google Shape;97;p1"/>
+          <p:cNvPicPr preferRelativeResize="0"/>
+          <p:nvPr/>
+        </p:nvPicPr>
+        <p:blipFill>
+          <a:blip r:embed="rId2">
+            <a:alphaModFix/>
+          </a:blip>
+          <a:stretch>
+            <a:fillRect/>
+          </a:stretch>
+        </p:blipFill>
+        <p:spPr>
+          <a:xfrm>
+            <a:off x="377048" y="208678"/>
+            <a:ext cx="754098" cy="746362"/>
+          </a:xfrm>
+          <a:prstGeom prst="rect">
+            <a:avLst/>
+          </a:prstGeom>
+          <a:noFill/>
+          <a:ln>
+            <a:noFill/>
+          </a:ln>
+        </p:spPr>
+      </p:pic>
     </p:spTree>
     <p:extLst>
       <p:ext uri="{BB962C8B-B14F-4D97-AF65-F5344CB8AC3E}">
-        <p14:creationId xmlns:p14="http://schemas.microsoft.com/office/powerpoint/2010/main" val="3364439372"/>
+        <p14:creationId xmlns:p14="http://schemas.microsoft.com/office/powerpoint/2010/main" val="1678983773"/>
+      </p:ext>
+    </p:extLst>
+  </p:cSld>
+  <p:clrMapOvr>
+    <a:masterClrMapping/>
+  </p:clrMapOvr>
+  <p:timing>
+    <p:tnLst>
+      <p:par>
+        <p:cTn id="1" dur="indefinite" restart="never" nodeType="tmRoot"/>
+      </p:par>
+    </p:tnLst>
+  </p:timing>
+</p:sld>
+</file>
+
+<file path=ppt/slides/slide2.xml><?xml version="1.0" encoding="utf-8"?>
+<p:sld xmlns:a="http://schemas.openxmlformats.org/drawingml/2006/main" xmlns:r="http://schemas.openxmlformats.org/officeDocument/2006/relationships" xmlns:p="http://schemas.openxmlformats.org/presentationml/2006/main">
+  <p:cSld>
+    <p:spTree>
+      <p:nvGrpSpPr>
+        <p:cNvPr id="1" name="Shape 98"/>
+        <p:cNvGrpSpPr/>
+        <p:nvPr/>
+      </p:nvGrpSpPr>
+      <p:grpSpPr>
+        <a:xfrm>
+          <a:off x="0" y="0"/>
+          <a:ext cx="0" cy="0"/>
+          <a:chOff x="0" y="0"/>
+          <a:chExt cx="0" cy="0"/>
+        </a:xfrm>
+      </p:grpSpPr>
+      <p:sp>
+        <p:nvSpPr>
+          <p:cNvPr id="99" name="Google Shape;99;p14"/>
+          <p:cNvSpPr txBox="1">
+            <a:spLocks noGrp="1"/>
+          </p:cNvSpPr>
+          <p:nvPr>
+            <p:ph type="title"/>
+          </p:nvPr>
+        </p:nvSpPr>
+        <p:spPr>
+          <a:xfrm>
+            <a:off x="1543050" y="392906"/>
+            <a:ext cx="6172200" cy="514350"/>
+          </a:xfrm>
+          <a:prstGeom prst="rect">
+            <a:avLst/>
+          </a:prstGeom>
+          <a:noFill/>
+          <a:ln>
+            <a:noFill/>
+          </a:ln>
+        </p:spPr>
+        <p:txBody>
+          <a:bodyPr spcFirstLastPara="1" vert="horz" wrap="square" lIns="68569" tIns="34275" rIns="68569" bIns="34275" rtlCol="0" anchor="ctr" anchorCtr="0">
+            <a:normAutofit/>
+          </a:bodyPr>
+          <a:lstStyle/>
+          <a:p>
+            <a:pPr algn="ctr">
+              <a:spcBef>
+                <a:spcPts val="0"/>
+              </a:spcBef>
+              <a:buClr>
+                <a:schemeClr val="dk1"/>
+              </a:buClr>
+              <a:buSzPts val="3200"/>
+            </a:pPr>
+            <a:r>
+              <a:rPr lang="en-US" sz="2400" b="1" dirty="0">
+                <a:latin typeface="Montserrat" panose="020B0604020202020204" charset="0"/>
+              </a:rPr>
+              <a:t>ABSTRACT</a:t>
+            </a:r>
+            <a:endParaRPr sz="2400" b="1" dirty="0">
+              <a:latin typeface="Montserrat" panose="020B0604020202020204" charset="0"/>
+            </a:endParaRPr>
+          </a:p>
+        </p:txBody>
+      </p:sp>
+      <p:sp>
+        <p:nvSpPr>
+          <p:cNvPr id="104" name="Google Shape;104;p14"/>
+          <p:cNvSpPr txBox="1"/>
+          <p:nvPr/>
+        </p:nvSpPr>
+        <p:spPr>
+          <a:xfrm>
+            <a:off x="1543050" y="3486150"/>
+            <a:ext cx="6172200" cy="571500"/>
+          </a:xfrm>
+          <a:prstGeom prst="rect">
+            <a:avLst/>
+          </a:prstGeom>
+          <a:noFill/>
+          <a:ln>
+            <a:noFill/>
+          </a:ln>
+        </p:spPr>
+        <p:txBody>
+          <a:bodyPr spcFirstLastPara="1" wrap="square" lIns="68569" tIns="34275" rIns="68569" bIns="34275" anchor="ctr" anchorCtr="0">
+            <a:normAutofit/>
+          </a:bodyPr>
+          <a:lstStyle/>
+          <a:p>
+            <a:pPr>
+              <a:buClr>
+                <a:schemeClr val="dk1"/>
+              </a:buClr>
+              <a:buSzPts val="3200"/>
+            </a:pPr>
+            <a:endParaRPr sz="2400">
+              <a:solidFill>
+                <a:schemeClr val="dk1"/>
+              </a:solidFill>
+              <a:latin typeface="Calibri"/>
+              <a:ea typeface="Calibri"/>
+              <a:cs typeface="Calibri"/>
+              <a:sym typeface="Calibri"/>
+            </a:endParaRPr>
+          </a:p>
+        </p:txBody>
+      </p:sp>
+      <p:sp>
+        <p:nvSpPr>
+          <p:cNvPr id="2" name="Rectangle 1"/>
+          <p:cNvSpPr/>
+          <p:nvPr/>
+        </p:nvSpPr>
+        <p:spPr>
+          <a:xfrm>
+            <a:off x="514350" y="1595437"/>
+            <a:ext cx="8229600" cy="2462213"/>
+          </a:xfrm>
+          <a:prstGeom prst="rect">
+            <a:avLst/>
+          </a:prstGeom>
+        </p:spPr>
+        <p:txBody>
+          <a:bodyPr wrap="square">
+            <a:spAutoFit/>
+          </a:bodyPr>
+          <a:lstStyle/>
+          <a:p>
+            <a:pPr marL="457200" marR="190500" algn="just">
+              <a:spcBef>
+                <a:spcPts val="1000"/>
+              </a:spcBef>
+            </a:pPr>
+            <a:r>
+              <a:rPr lang="en-US" dirty="0">
+                <a:latin typeface="Times New Roman" panose="02020603050405020304" pitchFamily="18" charset="0"/>
+                <a:ea typeface="Open Sans"/>
+                <a:cs typeface="Open Sans"/>
+              </a:rPr>
+              <a:t>The optimization of the existing traffic light system represents a critical step toward mitigating urban traffic-related issues. By integrating advanced methodologies and technologies discussed in [1], we aim to alleviate the challenges posed by the conventional traffic control system. The inadequacies of the current system become evident in its limited adaptability to real-time traffic conditions and its lack of consideration for various factors such as traffic volume, patterns, and emergency vehicle prioritization. This deficiency leads to prolonged travel times for commuters and jeopardizes the timely response of emergency services, potentially endangering lives. Our project introduces a dynamic traffic management approach, utilizing real-time data to adjust signal timings according to the changing traffic density. By doing so, we anticipate a significant reduction in traffic, shorter travel durations, and an overall enhancement in the quality of life for urban residents. The project's positive outcomes extend beyond individual commuters to encompass the broader community and local </a:t>
+            </a:r>
+            <a:r>
+              <a:rPr lang="en-US" dirty="0" smtClean="0">
+                <a:latin typeface="Times New Roman" panose="02020603050405020304" pitchFamily="18" charset="0"/>
+                <a:ea typeface="Open Sans"/>
+                <a:cs typeface="Open Sans"/>
+              </a:rPr>
+              <a:t>authorities</a:t>
+            </a:r>
+            <a:endParaRPr lang="en-US" sz="1200" dirty="0">
+              <a:effectLst/>
+              <a:latin typeface="Open Sans"/>
+              <a:ea typeface="Open Sans"/>
+              <a:cs typeface="Open Sans"/>
+            </a:endParaRPr>
+          </a:p>
+        </p:txBody>
+      </p:sp>
+    </p:spTree>
+    <p:extLst>
+      <p:ext uri="{BB962C8B-B14F-4D97-AF65-F5344CB8AC3E}">
+        <p14:creationId xmlns:p14="http://schemas.microsoft.com/office/powerpoint/2010/main" val="551971054"/>
+      </p:ext>
+    </p:extLst>
+  </p:cSld>
+  <p:clrMapOvr>
+    <a:masterClrMapping/>
+  </p:clrMapOvr>
+</p:sld>
+</file>
+
+<file path=ppt/slides/slide3.xml><?xml version="1.0" encoding="utf-8"?>
+<p:sld xmlns:a="http://schemas.openxmlformats.org/drawingml/2006/main" xmlns:r="http://schemas.openxmlformats.org/officeDocument/2006/relationships" xmlns:p="http://schemas.openxmlformats.org/presentationml/2006/main">
+  <p:cSld>
+    <p:spTree>
+      <p:nvGrpSpPr>
+        <p:cNvPr id="1" name="Shape 108"/>
+        <p:cNvGrpSpPr/>
+        <p:nvPr/>
+      </p:nvGrpSpPr>
+      <p:grpSpPr>
+        <a:xfrm>
+          <a:off x="0" y="0"/>
+          <a:ext cx="0" cy="0"/>
+          <a:chOff x="0" y="0"/>
+          <a:chExt cx="0" cy="0"/>
+        </a:xfrm>
+      </p:grpSpPr>
+      <p:sp>
+        <p:nvSpPr>
+          <p:cNvPr id="109" name="Google Shape;109;p15"/>
+          <p:cNvSpPr txBox="1">
+            <a:spLocks noGrp="1"/>
+          </p:cNvSpPr>
+          <p:nvPr>
+            <p:ph type="title"/>
+          </p:nvPr>
+        </p:nvSpPr>
+        <p:spPr>
+          <a:xfrm>
+            <a:off x="1543050" y="367295"/>
+            <a:ext cx="6172200" cy="514350"/>
+          </a:xfrm>
+          <a:prstGeom prst="rect">
+            <a:avLst/>
+          </a:prstGeom>
+          <a:noFill/>
+          <a:ln>
+            <a:noFill/>
+          </a:ln>
+        </p:spPr>
+        <p:txBody>
+          <a:bodyPr spcFirstLastPara="1" vert="horz" wrap="square" lIns="68569" tIns="34275" rIns="68569" bIns="34275" rtlCol="0" anchor="ctr" anchorCtr="0">
+            <a:normAutofit/>
+          </a:bodyPr>
+          <a:lstStyle/>
+          <a:p>
+            <a:pPr algn="ctr">
+              <a:spcBef>
+                <a:spcPts val="0"/>
+              </a:spcBef>
+              <a:buClr>
+                <a:schemeClr val="dk1"/>
+              </a:buClr>
+              <a:buSzPts val="3200"/>
+            </a:pPr>
+            <a:r>
+              <a:rPr lang="en-US" sz="2400" b="1" dirty="0">
+                <a:latin typeface="Montserrat" panose="020B0604020202020204" charset="0"/>
+              </a:rPr>
+              <a:t>INTRODUCTION</a:t>
+            </a:r>
+            <a:endParaRPr sz="2400" b="1" dirty="0">
+              <a:latin typeface="Montserrat" panose="020B0604020202020204" charset="0"/>
+            </a:endParaRPr>
+          </a:p>
+        </p:txBody>
+      </p:sp>
+      <p:sp>
+        <p:nvSpPr>
+          <p:cNvPr id="113" name="Google Shape;113;p15"/>
+          <p:cNvSpPr txBox="1"/>
+          <p:nvPr/>
+        </p:nvSpPr>
+        <p:spPr>
+          <a:xfrm>
+            <a:off x="1188297" y="1493626"/>
+            <a:ext cx="7007437" cy="2343150"/>
+          </a:xfrm>
+          <a:prstGeom prst="rect">
+            <a:avLst/>
+          </a:prstGeom>
+          <a:noFill/>
+          <a:ln>
+            <a:noFill/>
+          </a:ln>
+        </p:spPr>
+        <p:txBody>
+          <a:bodyPr spcFirstLastPara="1" wrap="square" lIns="68569" tIns="34275" rIns="68569" bIns="34275" anchor="t" anchorCtr="0">
+            <a:noAutofit/>
+          </a:bodyPr>
+          <a:lstStyle/>
+          <a:p>
+            <a:pPr algn="just"/>
+            <a:r>
+              <a:rPr lang="en-US" dirty="0">
+                <a:latin typeface="Times New Roman" panose="02020603050405020304" pitchFamily="18" charset="0"/>
+                <a:cs typeface="Times New Roman" panose="02020603050405020304" pitchFamily="18" charset="0"/>
+              </a:rPr>
+              <a:t>The number of vehicles on the road are increasing day by day so it is important to manage the traffic flow efficiently in order to utilize the existing road capacity in the best way possible. Developing a smart traffic management system to optimize traffic flow, reduce congestion, while minimizing the travel time and maximizing mobility. Installation of traffic signals can actually cause a deterioration in overall safety of intersections. Time traffic signals can cause a situation of deadlock. Metro cities and many majorly populated cities have traffic signals at very short distances which prevent the smooth flow of traffic. Severe traffic can cause phantom traffic jams. The present automated traffic control systems work on time-based algorithms. Each lane is allotted a fixed time for traffic to clear off, the times may be equal for all lanes or based on the average vehicle density.</a:t>
+            </a:r>
+          </a:p>
+          <a:p>
+            <a:pPr algn="just"/>
+            <a:r>
+              <a:rPr lang="en-US" dirty="0">
+                <a:latin typeface="Times New Roman" panose="02020603050405020304" pitchFamily="18" charset="0"/>
+                <a:cs typeface="Times New Roman" panose="02020603050405020304" pitchFamily="18" charset="0"/>
+              </a:rPr>
+              <a:t> </a:t>
+            </a:r>
+          </a:p>
+        </p:txBody>
+      </p:sp>
+      <p:sp>
+        <p:nvSpPr>
+          <p:cNvPr id="114" name="Google Shape;114;p15"/>
+          <p:cNvSpPr txBox="1"/>
+          <p:nvPr/>
+        </p:nvSpPr>
+        <p:spPr>
+          <a:xfrm>
+            <a:off x="1543050" y="3486150"/>
+            <a:ext cx="6172200" cy="571500"/>
+          </a:xfrm>
+          <a:prstGeom prst="rect">
+            <a:avLst/>
+          </a:prstGeom>
+          <a:noFill/>
+          <a:ln>
+            <a:noFill/>
+          </a:ln>
+        </p:spPr>
+        <p:txBody>
+          <a:bodyPr spcFirstLastPara="1" wrap="square" lIns="68569" tIns="34275" rIns="68569" bIns="34275" anchor="ctr" anchorCtr="0">
+            <a:normAutofit/>
+          </a:bodyPr>
+          <a:lstStyle/>
+          <a:p>
+            <a:pPr>
+              <a:buClr>
+                <a:schemeClr val="dk1"/>
+              </a:buClr>
+              <a:buSzPts val="3200"/>
+            </a:pPr>
+            <a:endParaRPr sz="2400">
+              <a:solidFill>
+                <a:schemeClr val="dk1"/>
+              </a:solidFill>
+              <a:latin typeface="Calibri"/>
+              <a:ea typeface="Calibri"/>
+              <a:cs typeface="Calibri"/>
+              <a:sym typeface="Calibri"/>
+            </a:endParaRPr>
+          </a:p>
+        </p:txBody>
+      </p:sp>
+    </p:spTree>
+    <p:extLst>
+      <p:ext uri="{BB962C8B-B14F-4D97-AF65-F5344CB8AC3E}">
+        <p14:creationId xmlns:p14="http://schemas.microsoft.com/office/powerpoint/2010/main" val="3435843968"/>
+      </p:ext>
+    </p:extLst>
+  </p:cSld>
+  <p:clrMapOvr>
+    <a:masterClrMapping/>
+  </p:clrMapOvr>
+</p:sld>
+</file>
+
+<file path=ppt/slides/slide4.xml><?xml version="1.0" encoding="utf-8"?>
+<p:sld xmlns:a="http://schemas.openxmlformats.org/drawingml/2006/main" xmlns:r="http://schemas.openxmlformats.org/officeDocument/2006/relationships" xmlns:p="http://schemas.openxmlformats.org/presentationml/2006/main">
+  <p:cSld>
+    <p:spTree>
+      <p:nvGrpSpPr>
+        <p:cNvPr id="1" name="Shape 108"/>
+        <p:cNvGrpSpPr/>
+        <p:nvPr/>
+      </p:nvGrpSpPr>
+      <p:grpSpPr>
+        <a:xfrm>
+          <a:off x="0" y="0"/>
+          <a:ext cx="0" cy="0"/>
+          <a:chOff x="0" y="0"/>
+          <a:chExt cx="0" cy="0"/>
+        </a:xfrm>
+      </p:grpSpPr>
+      <p:sp>
+        <p:nvSpPr>
+          <p:cNvPr id="109" name="Google Shape;109;p15"/>
+          <p:cNvSpPr txBox="1">
+            <a:spLocks noGrp="1"/>
+          </p:cNvSpPr>
+          <p:nvPr>
+            <p:ph type="title"/>
+          </p:nvPr>
+        </p:nvSpPr>
+        <p:spPr>
+          <a:xfrm>
+            <a:off x="1543050" y="367295"/>
+            <a:ext cx="6172200" cy="514350"/>
+          </a:xfrm>
+          <a:prstGeom prst="rect">
+            <a:avLst/>
+          </a:prstGeom>
+          <a:noFill/>
+          <a:ln>
+            <a:noFill/>
+          </a:ln>
+        </p:spPr>
+        <p:txBody>
+          <a:bodyPr spcFirstLastPara="1" vert="horz" wrap="square" lIns="68569" tIns="34275" rIns="68569" bIns="34275" rtlCol="0" anchor="ctr" anchorCtr="0">
+            <a:normAutofit/>
+          </a:bodyPr>
+          <a:lstStyle/>
+          <a:p>
+            <a:pPr algn="ctr">
+              <a:spcBef>
+                <a:spcPts val="0"/>
+              </a:spcBef>
+              <a:buClr>
+                <a:schemeClr val="dk1"/>
+              </a:buClr>
+              <a:buSzPts val="3200"/>
+            </a:pPr>
+            <a:r>
+              <a:rPr lang="en-US" sz="2400" b="1" dirty="0">
+                <a:latin typeface="Montserrat" panose="020B0604020202020204" charset="0"/>
+              </a:rPr>
+              <a:t>MOTIVATION</a:t>
+            </a:r>
+            <a:endParaRPr sz="2400" b="1" dirty="0">
+              <a:latin typeface="Montserrat" panose="020B0604020202020204" charset="0"/>
+            </a:endParaRPr>
+          </a:p>
+        </p:txBody>
+      </p:sp>
+      <p:sp>
+        <p:nvSpPr>
+          <p:cNvPr id="113" name="Google Shape;113;p15"/>
+          <p:cNvSpPr txBox="1"/>
+          <p:nvPr/>
+        </p:nvSpPr>
+        <p:spPr>
+          <a:xfrm>
+            <a:off x="1125431" y="1400493"/>
+            <a:ext cx="7007437" cy="2564024"/>
+          </a:xfrm>
+          <a:prstGeom prst="rect">
+            <a:avLst/>
+          </a:prstGeom>
+          <a:noFill/>
+          <a:ln>
+            <a:noFill/>
+          </a:ln>
+        </p:spPr>
+        <p:txBody>
+          <a:bodyPr spcFirstLastPara="1" wrap="square" lIns="68569" tIns="34275" rIns="68569" bIns="34275" anchor="t" anchorCtr="0">
+            <a:noAutofit/>
+          </a:bodyPr>
+          <a:lstStyle/>
+          <a:p>
+            <a:pPr algn="just"/>
+            <a:r>
+              <a:rPr lang="en-US" dirty="0"/>
+              <a:t>The motivation behind embarking on this project is multi-faceted, stemming from both personal and societal aspirations. As technology continues to shape our world, it becomes imperative to leverage its power to address pressing urban challenges like traffic problems. Here are some key reasons driving our enthusiasm for this </a:t>
+            </a:r>
+            <a:r>
+              <a:rPr lang="en-US" dirty="0" smtClean="0"/>
+              <a:t>project</a:t>
+            </a:r>
+          </a:p>
+          <a:p>
+            <a:pPr marL="285750" indent="-285750" algn="just">
+              <a:buFont typeface="Arial" panose="020B0604020202020204" pitchFamily="34" charset="0"/>
+              <a:buChar char="•"/>
+            </a:pPr>
+            <a:endParaRPr lang="en-US" dirty="0"/>
+          </a:p>
+          <a:p>
+            <a:pPr marL="285750" lvl="0" indent="-285750" algn="just">
+              <a:buFont typeface="Arial" panose="020B0604020202020204" pitchFamily="34" charset="0"/>
+              <a:buChar char="•"/>
+            </a:pPr>
+            <a:r>
+              <a:rPr lang="en-US" dirty="0"/>
+              <a:t>Exploration of AI and Applied Machine Learning: We're eager to delve into the world of AI and Machine Learning, particularly in computer vision and object detection, to address urban challenges like traffic issues</a:t>
+            </a:r>
+            <a:r>
+              <a:rPr lang="en-US" dirty="0" smtClean="0"/>
+              <a:t>.</a:t>
+            </a:r>
+          </a:p>
+          <a:p>
+            <a:pPr marL="285750" lvl="0" indent="-285750" algn="just">
+              <a:buFont typeface="Arial" panose="020B0604020202020204" pitchFamily="34" charset="0"/>
+              <a:buChar char="•"/>
+            </a:pPr>
+            <a:endParaRPr lang="en-US" dirty="0"/>
+          </a:p>
+          <a:p>
+            <a:pPr marL="285750" indent="-285750" algn="just">
+              <a:buFont typeface="Arial" panose="020B0604020202020204" pitchFamily="34" charset="0"/>
+              <a:buChar char="•"/>
+            </a:pPr>
+            <a:r>
+              <a:rPr lang="en-US" dirty="0"/>
+              <a:t>Real-world Application of Technical Skills: We aim to apply our theoretical knowledge in practical ways, using AI-based traffic management to make a meaningful impact on the lives of city residents.</a:t>
+            </a:r>
+            <a:endParaRPr lang="en-US" dirty="0">
+              <a:latin typeface="Times New Roman" panose="02020603050405020304" pitchFamily="18" charset="0"/>
+              <a:cs typeface="Times New Roman" panose="02020603050405020304" pitchFamily="18" charset="0"/>
+            </a:endParaRPr>
+          </a:p>
+        </p:txBody>
+      </p:sp>
+      <p:sp>
+        <p:nvSpPr>
+          <p:cNvPr id="114" name="Google Shape;114;p15"/>
+          <p:cNvSpPr txBox="1"/>
+          <p:nvPr/>
+        </p:nvSpPr>
+        <p:spPr>
+          <a:xfrm>
+            <a:off x="1543050" y="3486150"/>
+            <a:ext cx="6172200" cy="571500"/>
+          </a:xfrm>
+          <a:prstGeom prst="rect">
+            <a:avLst/>
+          </a:prstGeom>
+          <a:noFill/>
+          <a:ln>
+            <a:noFill/>
+          </a:ln>
+        </p:spPr>
+        <p:txBody>
+          <a:bodyPr spcFirstLastPara="1" wrap="square" lIns="68569" tIns="34275" rIns="68569" bIns="34275" anchor="ctr" anchorCtr="0">
+            <a:normAutofit/>
+          </a:bodyPr>
+          <a:lstStyle/>
+          <a:p>
+            <a:pPr>
+              <a:buClr>
+                <a:schemeClr val="dk1"/>
+              </a:buClr>
+              <a:buSzPts val="3200"/>
+            </a:pPr>
+            <a:endParaRPr sz="2400">
+              <a:solidFill>
+                <a:schemeClr val="dk1"/>
+              </a:solidFill>
+              <a:latin typeface="Calibri"/>
+              <a:ea typeface="Calibri"/>
+              <a:cs typeface="Calibri"/>
+              <a:sym typeface="Calibri"/>
+            </a:endParaRPr>
+          </a:p>
+        </p:txBody>
+      </p:sp>
+    </p:spTree>
+    <p:extLst>
+      <p:ext uri="{BB962C8B-B14F-4D97-AF65-F5344CB8AC3E}">
+        <p14:creationId xmlns:p14="http://schemas.microsoft.com/office/powerpoint/2010/main" val="1844443925"/>
+      </p:ext>
+    </p:extLst>
+  </p:cSld>
+  <p:clrMapOvr>
+    <a:masterClrMapping/>
+  </p:clrMapOvr>
+</p:sld>
+</file>
+
+<file path=ppt/slides/slide5.xml><?xml version="1.0" encoding="utf-8"?>
+<p:sld xmlns:a="http://schemas.openxmlformats.org/drawingml/2006/main" xmlns:r="http://schemas.openxmlformats.org/officeDocument/2006/relationships" xmlns:p="http://schemas.openxmlformats.org/presentationml/2006/main">
+  <p:cSld>
+    <p:spTree>
+      <p:nvGrpSpPr>
+        <p:cNvPr id="1" name="Shape 108"/>
+        <p:cNvGrpSpPr/>
+        <p:nvPr/>
+      </p:nvGrpSpPr>
+      <p:grpSpPr>
+        <a:xfrm>
+          <a:off x="0" y="0"/>
+          <a:ext cx="0" cy="0"/>
+          <a:chOff x="0" y="0"/>
+          <a:chExt cx="0" cy="0"/>
+        </a:xfrm>
+      </p:grpSpPr>
+      <p:sp>
+        <p:nvSpPr>
+          <p:cNvPr id="109" name="Google Shape;109;p15"/>
+          <p:cNvSpPr txBox="1">
+            <a:spLocks noGrp="1"/>
+          </p:cNvSpPr>
+          <p:nvPr>
+            <p:ph type="title"/>
+          </p:nvPr>
+        </p:nvSpPr>
+        <p:spPr>
+          <a:xfrm>
+            <a:off x="1543050" y="367295"/>
+            <a:ext cx="6172200" cy="514350"/>
+          </a:xfrm>
+          <a:prstGeom prst="rect">
+            <a:avLst/>
+          </a:prstGeom>
+          <a:noFill/>
+          <a:ln>
+            <a:noFill/>
+          </a:ln>
+        </p:spPr>
+        <p:txBody>
+          <a:bodyPr spcFirstLastPara="1" vert="horz" wrap="square" lIns="68569" tIns="34275" rIns="68569" bIns="34275" rtlCol="0" anchor="ctr" anchorCtr="0">
+            <a:normAutofit/>
+          </a:bodyPr>
+          <a:lstStyle/>
+          <a:p>
+            <a:pPr algn="ctr">
+              <a:spcBef>
+                <a:spcPts val="0"/>
+              </a:spcBef>
+              <a:buClr>
+                <a:schemeClr val="dk1"/>
+              </a:buClr>
+              <a:buSzPts val="3200"/>
+            </a:pPr>
+            <a:r>
+              <a:rPr lang="en-IN" sz="2400" b="1" dirty="0" smtClean="0">
+                <a:latin typeface="Montserrat" panose="020B0604020202020204" charset="0"/>
+              </a:rPr>
+              <a:t>PROBLEM DEFINATION</a:t>
+            </a:r>
+            <a:endParaRPr sz="2400" b="1" dirty="0">
+              <a:latin typeface="Montserrat" panose="020B0604020202020204" charset="0"/>
+            </a:endParaRPr>
+          </a:p>
+        </p:txBody>
+      </p:sp>
+      <p:sp>
+        <p:nvSpPr>
+          <p:cNvPr id="113" name="Google Shape;113;p15"/>
+          <p:cNvSpPr txBox="1"/>
+          <p:nvPr/>
+        </p:nvSpPr>
+        <p:spPr>
+          <a:xfrm>
+            <a:off x="1210098" y="2001626"/>
+            <a:ext cx="7007437" cy="1459547"/>
+          </a:xfrm>
+          <a:prstGeom prst="rect">
+            <a:avLst/>
+          </a:prstGeom>
+          <a:noFill/>
+          <a:ln>
+            <a:noFill/>
+          </a:ln>
+        </p:spPr>
+        <p:txBody>
+          <a:bodyPr spcFirstLastPara="1" wrap="square" lIns="68569" tIns="34275" rIns="68569" bIns="34275" anchor="t" anchorCtr="0">
+            <a:noAutofit/>
+          </a:bodyPr>
+          <a:lstStyle/>
+          <a:p>
+            <a:pPr algn="just"/>
+            <a:r>
+              <a:rPr lang="en-US" dirty="0"/>
+              <a:t>Developing a smart traffic management system </a:t>
+            </a:r>
+            <a:r>
+              <a:rPr lang="en-US" dirty="0" smtClean="0"/>
+              <a:t>to optimize </a:t>
+            </a:r>
+            <a:r>
+              <a:rPr lang="en-US" dirty="0"/>
+              <a:t>traffic </a:t>
+            </a:r>
+            <a:r>
+              <a:rPr lang="en-US" dirty="0" smtClean="0"/>
+              <a:t>flow, </a:t>
+            </a:r>
+            <a:r>
+              <a:rPr lang="en-US" dirty="0"/>
+              <a:t>while minimizing the travel time and maximizing mobility. The problem at hand is to design and implement a solution that effectively reduces traffic congestion. The solution should focus on minimizing </a:t>
+            </a:r>
+            <a:r>
+              <a:rPr lang="en-US" dirty="0" smtClean="0"/>
+              <a:t>traffic </a:t>
+            </a:r>
+            <a:r>
+              <a:rPr lang="en-US" dirty="0"/>
+              <a:t>delays, improving travel times, reducing environmental impact, and enhancing overall urban mobility</a:t>
+            </a:r>
+            <a:r>
+              <a:rPr lang="en-US" dirty="0" smtClean="0"/>
+              <a:t>. While making the system </a:t>
+            </a:r>
+            <a:r>
+              <a:rPr lang="en-IN" dirty="0" smtClean="0"/>
+              <a:t>practical</a:t>
+            </a:r>
+            <a:r>
+              <a:rPr lang="en-US" dirty="0" smtClean="0"/>
+              <a:t> to install on real traffic signals</a:t>
+            </a:r>
+            <a:endParaRPr lang="en-US" dirty="0"/>
+          </a:p>
+        </p:txBody>
+      </p:sp>
+    </p:spTree>
+    <p:extLst>
+      <p:ext uri="{BB962C8B-B14F-4D97-AF65-F5344CB8AC3E}">
+        <p14:creationId xmlns:p14="http://schemas.microsoft.com/office/powerpoint/2010/main" val="4111061722"/>
+      </p:ext>
+    </p:extLst>
+  </p:cSld>
+  <p:clrMapOvr>
+    <a:masterClrMapping/>
+  </p:clrMapOvr>
+</p:sld>
+</file>
+
+<file path=ppt/slides/slide6.xml><?xml version="1.0" encoding="utf-8"?>
+<p:sld xmlns:a="http://schemas.openxmlformats.org/drawingml/2006/main" xmlns:r="http://schemas.openxmlformats.org/officeDocument/2006/relationships" xmlns:p="http://schemas.openxmlformats.org/presentationml/2006/main">
+  <p:cSld>
+    <p:spTree>
+      <p:nvGrpSpPr>
+        <p:cNvPr id="1" name="Shape 108"/>
+        <p:cNvGrpSpPr/>
+        <p:nvPr/>
+      </p:nvGrpSpPr>
+      <p:grpSpPr>
+        <a:xfrm>
+          <a:off x="0" y="0"/>
+          <a:ext cx="0" cy="0"/>
+          <a:chOff x="0" y="0"/>
+          <a:chExt cx="0" cy="0"/>
+        </a:xfrm>
+      </p:grpSpPr>
+      <p:sp>
+        <p:nvSpPr>
+          <p:cNvPr id="109" name="Google Shape;109;p15"/>
+          <p:cNvSpPr txBox="1">
+            <a:spLocks noGrp="1"/>
+          </p:cNvSpPr>
+          <p:nvPr>
+            <p:ph type="title"/>
+          </p:nvPr>
+        </p:nvSpPr>
+        <p:spPr>
+          <a:xfrm>
+            <a:off x="1543050" y="367295"/>
+            <a:ext cx="6172200" cy="514350"/>
+          </a:xfrm>
+          <a:prstGeom prst="rect">
+            <a:avLst/>
+          </a:prstGeom>
+          <a:noFill/>
+          <a:ln>
+            <a:noFill/>
+          </a:ln>
+        </p:spPr>
+        <p:txBody>
+          <a:bodyPr spcFirstLastPara="1" vert="horz" wrap="square" lIns="68569" tIns="34275" rIns="68569" bIns="34275" rtlCol="0" anchor="ctr" anchorCtr="0">
+            <a:normAutofit/>
+          </a:bodyPr>
+          <a:lstStyle/>
+          <a:p>
+            <a:pPr algn="ctr">
+              <a:spcBef>
+                <a:spcPts val="0"/>
+              </a:spcBef>
+              <a:buClr>
+                <a:schemeClr val="dk1"/>
+              </a:buClr>
+              <a:buSzPts val="3200"/>
+            </a:pPr>
+            <a:r>
+              <a:rPr lang="en-IN" sz="2400" b="1" dirty="0" smtClean="0">
+                <a:latin typeface="Montserrat" panose="020B0604020202020204" charset="0"/>
+              </a:rPr>
+              <a:t>PROBLEM DEFINATION</a:t>
+            </a:r>
+            <a:endParaRPr sz="2400" b="1" dirty="0">
+              <a:latin typeface="Montserrat" panose="020B0604020202020204" charset="0"/>
+            </a:endParaRPr>
+          </a:p>
+        </p:txBody>
+      </p:sp>
+      <p:sp>
+        <p:nvSpPr>
+          <p:cNvPr id="113" name="Google Shape;113;p15"/>
+          <p:cNvSpPr txBox="1"/>
+          <p:nvPr/>
+        </p:nvSpPr>
+        <p:spPr>
+          <a:xfrm>
+            <a:off x="1210098" y="2001626"/>
+            <a:ext cx="7007437" cy="1459547"/>
+          </a:xfrm>
+          <a:prstGeom prst="rect">
+            <a:avLst/>
+          </a:prstGeom>
+          <a:noFill/>
+          <a:ln>
+            <a:noFill/>
+          </a:ln>
+        </p:spPr>
+        <p:txBody>
+          <a:bodyPr spcFirstLastPara="1" wrap="square" lIns="68569" tIns="34275" rIns="68569" bIns="34275" anchor="t" anchorCtr="0">
+            <a:noAutofit/>
+          </a:bodyPr>
+          <a:lstStyle/>
+          <a:p>
+            <a:pPr algn="just"/>
+            <a:r>
+              <a:rPr lang="en-US" dirty="0"/>
+              <a:t>Developing a smart traffic management system </a:t>
+            </a:r>
+            <a:r>
+              <a:rPr lang="en-US" dirty="0" smtClean="0"/>
+              <a:t>to optimize </a:t>
+            </a:r>
+            <a:r>
+              <a:rPr lang="en-US" dirty="0"/>
+              <a:t>traffic </a:t>
+            </a:r>
+            <a:r>
+              <a:rPr lang="en-US" dirty="0" smtClean="0"/>
+              <a:t>flow, </a:t>
+            </a:r>
+            <a:r>
+              <a:rPr lang="en-US" dirty="0"/>
+              <a:t>while minimizing the travel time and maximizing mobility. The problem at hand is to design and implement a solution that effectively reduces traffic congestion. The solution should focus on minimizing </a:t>
+            </a:r>
+            <a:r>
+              <a:rPr lang="en-US" dirty="0" smtClean="0"/>
+              <a:t>traffic </a:t>
+            </a:r>
+            <a:r>
+              <a:rPr lang="en-US" dirty="0"/>
+              <a:t>delays, improving travel times, reducing environmental impact, and enhancing overall urban mobility</a:t>
+            </a:r>
+            <a:r>
+              <a:rPr lang="en-US" dirty="0" smtClean="0"/>
+              <a:t>. While making the system </a:t>
+            </a:r>
+            <a:r>
+              <a:rPr lang="en-IN" dirty="0" smtClean="0"/>
+              <a:t>practical</a:t>
+            </a:r>
+            <a:r>
+              <a:rPr lang="en-US" dirty="0" smtClean="0"/>
+              <a:t> to install on real traffic signals</a:t>
+            </a:r>
+            <a:endParaRPr lang="en-US" dirty="0"/>
+          </a:p>
+        </p:txBody>
+      </p:sp>
+    </p:spTree>
+    <p:extLst>
+      <p:ext uri="{BB962C8B-B14F-4D97-AF65-F5344CB8AC3E}">
+        <p14:creationId xmlns:p14="http://schemas.microsoft.com/office/powerpoint/2010/main" val="1970704321"/>
+      </p:ext>
+    </p:extLst>
+  </p:cSld>
+  <p:clrMapOvr>
+    <a:masterClrMapping/>
+  </p:clrMapOvr>
+</p:sld>
+</file>
+
+<file path=ppt/slides/slide7.xml><?xml version="1.0" encoding="utf-8"?>
+<p:sld xmlns:a="http://schemas.openxmlformats.org/drawingml/2006/main" xmlns:r="http://schemas.openxmlformats.org/officeDocument/2006/relationships" xmlns:p="http://schemas.openxmlformats.org/presentationml/2006/main">
+  <p:cSld>
+    <p:spTree>
+      <p:nvGrpSpPr>
+        <p:cNvPr id="1" name="Shape 108"/>
+        <p:cNvGrpSpPr/>
+        <p:nvPr/>
+      </p:nvGrpSpPr>
+      <p:grpSpPr>
+        <a:xfrm>
+          <a:off x="0" y="0"/>
+          <a:ext cx="0" cy="0"/>
+          <a:chOff x="0" y="0"/>
+          <a:chExt cx="0" cy="0"/>
+        </a:xfrm>
+      </p:grpSpPr>
+      <p:sp>
+        <p:nvSpPr>
+          <p:cNvPr id="109" name="Google Shape;109;p15"/>
+          <p:cNvSpPr txBox="1">
+            <a:spLocks noGrp="1"/>
+          </p:cNvSpPr>
+          <p:nvPr>
+            <p:ph type="title"/>
+          </p:nvPr>
+        </p:nvSpPr>
+        <p:spPr>
+          <a:xfrm>
+            <a:off x="1543050" y="367295"/>
+            <a:ext cx="6172200" cy="514350"/>
+          </a:xfrm>
+          <a:prstGeom prst="rect">
+            <a:avLst/>
+          </a:prstGeom>
+          <a:noFill/>
+          <a:ln>
+            <a:noFill/>
+          </a:ln>
+        </p:spPr>
+        <p:txBody>
+          <a:bodyPr spcFirstLastPara="1" vert="horz" wrap="square" lIns="68569" tIns="34275" rIns="68569" bIns="34275" rtlCol="0" anchor="ctr" anchorCtr="0">
+            <a:normAutofit/>
+          </a:bodyPr>
+          <a:lstStyle/>
+          <a:p>
+            <a:pPr algn="ctr">
+              <a:spcBef>
+                <a:spcPts val="0"/>
+              </a:spcBef>
+              <a:buClr>
+                <a:schemeClr val="dk1"/>
+              </a:buClr>
+              <a:buSzPts val="3200"/>
+            </a:pPr>
+            <a:r>
+              <a:rPr lang="en-IN" sz="2400" b="1" dirty="0" smtClean="0">
+                <a:latin typeface="Montserrat" panose="020B0604020202020204" charset="0"/>
+              </a:rPr>
+              <a:t>OUR SOLUTION</a:t>
+            </a:r>
+            <a:endParaRPr sz="2400" b="1" dirty="0">
+              <a:latin typeface="Montserrat" panose="020B0604020202020204" charset="0"/>
+            </a:endParaRPr>
+          </a:p>
+        </p:txBody>
+      </p:sp>
+      <p:sp>
+        <p:nvSpPr>
+          <p:cNvPr id="113" name="Google Shape;113;p15"/>
+          <p:cNvSpPr txBox="1"/>
+          <p:nvPr/>
+        </p:nvSpPr>
+        <p:spPr>
+          <a:xfrm>
+            <a:off x="1210098" y="2001626"/>
+            <a:ext cx="7007437" cy="1459547"/>
+          </a:xfrm>
+          <a:prstGeom prst="rect">
+            <a:avLst/>
+          </a:prstGeom>
+          <a:noFill/>
+          <a:ln>
+            <a:noFill/>
+          </a:ln>
+        </p:spPr>
+        <p:txBody>
+          <a:bodyPr spcFirstLastPara="1" wrap="square" lIns="68569" tIns="34275" rIns="68569" bIns="34275" anchor="t" anchorCtr="0">
+            <a:noAutofit/>
+          </a:bodyPr>
+          <a:lstStyle/>
+          <a:p>
+            <a:pPr algn="just"/>
+            <a:endParaRPr lang="en-US" dirty="0"/>
+          </a:p>
+        </p:txBody>
+      </p:sp>
+    </p:spTree>
+    <p:extLst>
+      <p:ext uri="{BB962C8B-B14F-4D97-AF65-F5344CB8AC3E}">
+        <p14:creationId xmlns:p14="http://schemas.microsoft.com/office/powerpoint/2010/main" val="952469774"/>
+      </p:ext>
+    </p:extLst>
+  </p:cSld>
+  <p:clrMapOvr>
+    <a:masterClrMapping/>
+  </p:clrMapOvr>
+</p:sld>
+</file>
+
+<file path=ppt/slides/slide8.xml><?xml version="1.0" encoding="utf-8"?>
+<p:sld xmlns:a="http://schemas.openxmlformats.org/drawingml/2006/main" xmlns:r="http://schemas.openxmlformats.org/officeDocument/2006/relationships" xmlns:p="http://schemas.openxmlformats.org/presentationml/2006/main">
+  <p:cSld>
+    <p:spTree>
+      <p:nvGrpSpPr>
+        <p:cNvPr id="1" name="Shape 169"/>
+        <p:cNvGrpSpPr/>
+        <p:nvPr/>
+      </p:nvGrpSpPr>
+      <p:grpSpPr>
+        <a:xfrm>
+          <a:off x="0" y="0"/>
+          <a:ext cx="0" cy="0"/>
+          <a:chOff x="0" y="0"/>
+          <a:chExt cx="0" cy="0"/>
+        </a:xfrm>
+      </p:grpSpPr>
+      <p:sp>
+        <p:nvSpPr>
+          <p:cNvPr id="170" name="Google Shape;170;p21"/>
+          <p:cNvSpPr txBox="1">
+            <a:spLocks noGrp="1"/>
+          </p:cNvSpPr>
+          <p:nvPr>
+            <p:ph type="title"/>
+          </p:nvPr>
+        </p:nvSpPr>
+        <p:spPr>
+          <a:xfrm>
+            <a:off x="1428750" y="1543050"/>
+            <a:ext cx="6172200" cy="514350"/>
+          </a:xfrm>
+          <a:prstGeom prst="rect">
+            <a:avLst/>
+          </a:prstGeom>
+          <a:noFill/>
+          <a:ln>
+            <a:noFill/>
+          </a:ln>
+        </p:spPr>
+        <p:txBody>
+          <a:bodyPr spcFirstLastPara="1" vert="horz" wrap="square" lIns="68569" tIns="34275" rIns="68569" bIns="34275" rtlCol="0" anchor="ctr" anchorCtr="0">
+            <a:normAutofit/>
+          </a:bodyPr>
+          <a:lstStyle/>
+          <a:p>
+            <a:pPr algn="ctr">
+              <a:spcBef>
+                <a:spcPts val="0"/>
+              </a:spcBef>
+              <a:buClr>
+                <a:schemeClr val="dk1"/>
+              </a:buClr>
+              <a:buSzPts val="3200"/>
+            </a:pPr>
+            <a:r>
+              <a:rPr lang="en-US" sz="2400" dirty="0"/>
+              <a:t>          FLOW CHART	/ ALGORITHM</a:t>
+            </a:r>
+            <a:endParaRPr sz="2400" dirty="0"/>
+          </a:p>
+        </p:txBody>
+      </p:sp>
+      <p:sp>
+        <p:nvSpPr>
+          <p:cNvPr id="173" name="Google Shape;173;p21"/>
+          <p:cNvSpPr txBox="1">
+            <a:spLocks noGrp="1"/>
+          </p:cNvSpPr>
+          <p:nvPr>
+            <p:ph type="sldNum" idx="12"/>
+          </p:nvPr>
+        </p:nvSpPr>
+        <p:spPr>
+          <a:xfrm>
+            <a:off x="6057900" y="4767263"/>
+            <a:ext cx="1600200" cy="273844"/>
+          </a:xfrm>
+          <a:prstGeom prst="rect">
+            <a:avLst/>
+          </a:prstGeom>
+          <a:noFill/>
+          <a:ln>
+            <a:noFill/>
+          </a:ln>
+        </p:spPr>
+        <p:txBody>
+          <a:bodyPr spcFirstLastPara="1" vert="horz" wrap="square" lIns="68569" tIns="34275" rIns="68569" bIns="34275" rtlCol="0" anchor="ctr" anchorCtr="0">
+            <a:noAutofit/>
+          </a:bodyPr>
+          <a:lstStyle/>
+          <a:p>
+            <a:fld id="{00000000-1234-1234-1234-123412341234}" type="slidenum">
+              <a:rPr lang="en-US"/>
+              <a:pPr/>
+              <a:t>8</a:t>
+            </a:fld>
+            <a:endParaRPr/>
+          </a:p>
+        </p:txBody>
+      </p:sp>
+      <p:sp>
+        <p:nvSpPr>
+          <p:cNvPr id="174" name="Google Shape;174;p21"/>
+          <p:cNvSpPr txBox="1"/>
+          <p:nvPr/>
+        </p:nvSpPr>
+        <p:spPr>
+          <a:xfrm>
+            <a:off x="1485900" y="2286000"/>
+            <a:ext cx="6172200" cy="2343150"/>
+          </a:xfrm>
+          <a:prstGeom prst="rect">
+            <a:avLst/>
+          </a:prstGeom>
+          <a:noFill/>
+          <a:ln>
+            <a:noFill/>
+          </a:ln>
+        </p:spPr>
+        <p:txBody>
+          <a:bodyPr spcFirstLastPara="1" wrap="square" lIns="68569" tIns="34275" rIns="68569" bIns="34275" anchor="t" anchorCtr="0">
+            <a:normAutofit/>
+          </a:bodyPr>
+          <a:lstStyle/>
+          <a:p>
+            <a:pPr marL="257175" indent="-257175">
+              <a:buClr>
+                <a:schemeClr val="dk1"/>
+              </a:buClr>
+              <a:buSzPts val="3200"/>
+            </a:pPr>
+            <a:endParaRPr sz="2400">
+              <a:solidFill>
+                <a:schemeClr val="dk1"/>
+              </a:solidFill>
+              <a:latin typeface="Calibri"/>
+              <a:ea typeface="Calibri"/>
+              <a:cs typeface="Calibri"/>
+              <a:sym typeface="Calibri"/>
+            </a:endParaRPr>
+          </a:p>
+        </p:txBody>
+      </p:sp>
+      <p:sp>
+        <p:nvSpPr>
+          <p:cNvPr id="175" name="Google Shape;175;p21"/>
+          <p:cNvSpPr txBox="1"/>
+          <p:nvPr/>
+        </p:nvSpPr>
+        <p:spPr>
+          <a:xfrm>
+            <a:off x="1543050" y="3486150"/>
+            <a:ext cx="6172200" cy="571500"/>
+          </a:xfrm>
+          <a:prstGeom prst="rect">
+            <a:avLst/>
+          </a:prstGeom>
+          <a:noFill/>
+          <a:ln>
+            <a:noFill/>
+          </a:ln>
+        </p:spPr>
+        <p:txBody>
+          <a:bodyPr spcFirstLastPara="1" wrap="square" lIns="68569" tIns="34275" rIns="68569" bIns="34275" anchor="ctr" anchorCtr="0">
+            <a:normAutofit/>
+          </a:bodyPr>
+          <a:lstStyle/>
+          <a:p>
+            <a:pPr>
+              <a:buClr>
+                <a:schemeClr val="dk1"/>
+              </a:buClr>
+              <a:buSzPts val="3200"/>
+            </a:pPr>
+            <a:endParaRPr sz="2400">
+              <a:solidFill>
+                <a:schemeClr val="dk1"/>
+              </a:solidFill>
+              <a:latin typeface="Calibri"/>
+              <a:ea typeface="Calibri"/>
+              <a:cs typeface="Calibri"/>
+              <a:sym typeface="Calibri"/>
+            </a:endParaRPr>
+          </a:p>
+        </p:txBody>
+      </p:sp>
+      <p:pic>
+        <p:nvPicPr>
+          <p:cNvPr id="8" name="Picture 7" descr="C:\Users\KrupaShankari\Downloads\Revised_ISE_Logo.png"/>
+          <p:cNvPicPr/>
+          <p:nvPr/>
+        </p:nvPicPr>
+        <p:blipFill>
+          <a:blip r:embed="rId3" cstate="print">
+            <a:extLst>
+              <a:ext uri="{28A0092B-C50C-407E-A947-70E740481C1C}">
+                <a14:useLocalDpi xmlns:a14="http://schemas.microsoft.com/office/drawing/2010/main" val="0"/>
+              </a:ext>
+            </a:extLst>
+          </a:blip>
+          <a:srcRect/>
+          <a:stretch>
+            <a:fillRect/>
+          </a:stretch>
+        </p:blipFill>
+        <p:spPr bwMode="auto">
+          <a:xfrm>
+            <a:off x="1543929" y="321249"/>
+            <a:ext cx="6045591" cy="1113656"/>
+          </a:xfrm>
+          <a:prstGeom prst="rect">
+            <a:avLst/>
+          </a:prstGeom>
+          <a:noFill/>
+          <a:ln>
+            <a:noFill/>
+          </a:ln>
+        </p:spPr>
+      </p:pic>
+    </p:spTree>
+    <p:extLst>
+      <p:ext uri="{BB962C8B-B14F-4D97-AF65-F5344CB8AC3E}">
+        <p14:creationId xmlns:p14="http://schemas.microsoft.com/office/powerpoint/2010/main" val="1277506396"/>
+      </p:ext>
+    </p:extLst>
+  </p:cSld>
+  <p:clrMapOvr>
+    <a:masterClrMapping/>
+  </p:clrMapOvr>
+</p:sld>
+</file>
+
+<file path=ppt/slides/slide9.xml><?xml version="1.0" encoding="utf-8"?>
+<p:sld xmlns:a="http://schemas.openxmlformats.org/drawingml/2006/main" xmlns:r="http://schemas.openxmlformats.org/officeDocument/2006/relationships" xmlns:p="http://schemas.openxmlformats.org/presentationml/2006/main">
+  <p:cSld>
+    <p:spTree>
+      <p:nvGrpSpPr>
+        <p:cNvPr id="1" name="Shape 159"/>
+        <p:cNvGrpSpPr/>
+        <p:nvPr/>
+      </p:nvGrpSpPr>
+      <p:grpSpPr>
+        <a:xfrm>
+          <a:off x="0" y="0"/>
+          <a:ext cx="0" cy="0"/>
+          <a:chOff x="0" y="0"/>
+          <a:chExt cx="0" cy="0"/>
+        </a:xfrm>
+      </p:grpSpPr>
+      <p:sp>
+        <p:nvSpPr>
+          <p:cNvPr id="160" name="Google Shape;160;p20"/>
+          <p:cNvSpPr txBox="1">
+            <a:spLocks noGrp="1"/>
+          </p:cNvSpPr>
+          <p:nvPr>
+            <p:ph type="title"/>
+          </p:nvPr>
+        </p:nvSpPr>
+        <p:spPr>
+          <a:xfrm>
+            <a:off x="1428750" y="1543050"/>
+            <a:ext cx="6172200" cy="514350"/>
+          </a:xfrm>
+          <a:prstGeom prst="rect">
+            <a:avLst/>
+          </a:prstGeom>
+          <a:noFill/>
+          <a:ln>
+            <a:noFill/>
+          </a:ln>
+        </p:spPr>
+        <p:txBody>
+          <a:bodyPr spcFirstLastPara="1" vert="horz" wrap="square" lIns="68569" tIns="34275" rIns="68569" bIns="34275" rtlCol="0" anchor="ctr" anchorCtr="0">
+            <a:normAutofit/>
+          </a:bodyPr>
+          <a:lstStyle/>
+          <a:p>
+            <a:pPr algn="ctr">
+              <a:spcBef>
+                <a:spcPts val="0"/>
+              </a:spcBef>
+              <a:buClr>
+                <a:schemeClr val="dk1"/>
+              </a:buClr>
+              <a:buSzPts val="3200"/>
+            </a:pPr>
+            <a:r>
+              <a:rPr lang="en-US" sz="2400" dirty="0"/>
+              <a:t>      </a:t>
+            </a:r>
+            <a:r>
+              <a:rPr lang="en-US" sz="2400" dirty="0"/>
+              <a:t>RESULTS</a:t>
+            </a:r>
+            <a:r>
+              <a:rPr lang="en-US" sz="2400" dirty="0"/>
+              <a:t>	</a:t>
+            </a:r>
+            <a:endParaRPr sz="2400" dirty="0"/>
+          </a:p>
+        </p:txBody>
+      </p:sp>
+      <p:sp>
+        <p:nvSpPr>
+          <p:cNvPr id="163" name="Google Shape;163;p20"/>
+          <p:cNvSpPr txBox="1">
+            <a:spLocks noGrp="1"/>
+          </p:cNvSpPr>
+          <p:nvPr>
+            <p:ph type="sldNum" idx="12"/>
+          </p:nvPr>
+        </p:nvSpPr>
+        <p:spPr>
+          <a:xfrm>
+            <a:off x="6057900" y="4767263"/>
+            <a:ext cx="1600200" cy="273844"/>
+          </a:xfrm>
+          <a:prstGeom prst="rect">
+            <a:avLst/>
+          </a:prstGeom>
+          <a:noFill/>
+          <a:ln>
+            <a:noFill/>
+          </a:ln>
+        </p:spPr>
+        <p:txBody>
+          <a:bodyPr spcFirstLastPara="1" vert="horz" wrap="square" lIns="68569" tIns="34275" rIns="68569" bIns="34275" rtlCol="0" anchor="ctr" anchorCtr="0">
+            <a:noAutofit/>
+          </a:bodyPr>
+          <a:lstStyle/>
+          <a:p>
+            <a:fld id="{00000000-1234-1234-1234-123412341234}" type="slidenum">
+              <a:rPr lang="en-US"/>
+              <a:pPr/>
+              <a:t>9</a:t>
+            </a:fld>
+            <a:endParaRPr/>
+          </a:p>
+        </p:txBody>
+      </p:sp>
+      <p:sp>
+        <p:nvSpPr>
+          <p:cNvPr id="164" name="Google Shape;164;p20"/>
+          <p:cNvSpPr txBox="1"/>
+          <p:nvPr/>
+        </p:nvSpPr>
+        <p:spPr>
+          <a:xfrm>
+            <a:off x="1485900" y="2286000"/>
+            <a:ext cx="6172200" cy="2343150"/>
+          </a:xfrm>
+          <a:prstGeom prst="rect">
+            <a:avLst/>
+          </a:prstGeom>
+          <a:noFill/>
+          <a:ln>
+            <a:noFill/>
+          </a:ln>
+        </p:spPr>
+        <p:txBody>
+          <a:bodyPr spcFirstLastPara="1" wrap="square" lIns="68569" tIns="34275" rIns="68569" bIns="34275" anchor="t" anchorCtr="0">
+            <a:normAutofit/>
+          </a:bodyPr>
+          <a:lstStyle/>
+          <a:p>
+            <a:pPr marL="257175" indent="-257175">
+              <a:buClr>
+                <a:schemeClr val="dk1"/>
+              </a:buClr>
+              <a:buSzPts val="3200"/>
+            </a:pPr>
+            <a:endParaRPr sz="2400">
+              <a:solidFill>
+                <a:schemeClr val="dk1"/>
+              </a:solidFill>
+              <a:latin typeface="Calibri"/>
+              <a:ea typeface="Calibri"/>
+              <a:cs typeface="Calibri"/>
+              <a:sym typeface="Calibri"/>
+            </a:endParaRPr>
+          </a:p>
+        </p:txBody>
+      </p:sp>
+      <p:sp>
+        <p:nvSpPr>
+          <p:cNvPr id="165" name="Google Shape;165;p20"/>
+          <p:cNvSpPr txBox="1"/>
+          <p:nvPr/>
+        </p:nvSpPr>
+        <p:spPr>
+          <a:xfrm>
+            <a:off x="1543050" y="3486150"/>
+            <a:ext cx="6172200" cy="571500"/>
+          </a:xfrm>
+          <a:prstGeom prst="rect">
+            <a:avLst/>
+          </a:prstGeom>
+          <a:noFill/>
+          <a:ln>
+            <a:noFill/>
+          </a:ln>
+        </p:spPr>
+        <p:txBody>
+          <a:bodyPr spcFirstLastPara="1" wrap="square" lIns="68569" tIns="34275" rIns="68569" bIns="34275" anchor="ctr" anchorCtr="0">
+            <a:normAutofit/>
+          </a:bodyPr>
+          <a:lstStyle/>
+          <a:p>
+            <a:pPr>
+              <a:buClr>
+                <a:schemeClr val="dk1"/>
+              </a:buClr>
+              <a:buSzPts val="3200"/>
+            </a:pPr>
+            <a:endParaRPr sz="2400">
+              <a:solidFill>
+                <a:schemeClr val="dk1"/>
+              </a:solidFill>
+              <a:latin typeface="Calibri"/>
+              <a:ea typeface="Calibri"/>
+              <a:cs typeface="Calibri"/>
+              <a:sym typeface="Calibri"/>
+            </a:endParaRPr>
+          </a:p>
+        </p:txBody>
+      </p:sp>
+      <p:pic>
+        <p:nvPicPr>
+          <p:cNvPr id="8" name="Picture 7" descr="C:\Users\KrupaShankari\Downloads\Revised_ISE_Logo.png"/>
+          <p:cNvPicPr/>
+          <p:nvPr/>
+        </p:nvPicPr>
+        <p:blipFill>
+          <a:blip r:embed="rId3" cstate="print">
+            <a:extLst>
+              <a:ext uri="{28A0092B-C50C-407E-A947-70E740481C1C}">
+                <a14:useLocalDpi xmlns:a14="http://schemas.microsoft.com/office/drawing/2010/main" val="0"/>
+              </a:ext>
+            </a:extLst>
+          </a:blip>
+          <a:srcRect/>
+          <a:stretch>
+            <a:fillRect/>
+          </a:stretch>
+        </p:blipFill>
+        <p:spPr bwMode="auto">
+          <a:xfrm>
+            <a:off x="1543929" y="332491"/>
+            <a:ext cx="6045591" cy="1113656"/>
+          </a:xfrm>
+          <a:prstGeom prst="rect">
+            <a:avLst/>
+          </a:prstGeom>
+          <a:noFill/>
+          <a:ln>
+            <a:noFill/>
+          </a:ln>
+        </p:spPr>
+      </p:pic>
+    </p:spTree>
+    <p:extLst>
+      <p:ext uri="{BB962C8B-B14F-4D97-AF65-F5344CB8AC3E}">
+        <p14:creationId xmlns:p14="http://schemas.microsoft.com/office/powerpoint/2010/main" val="1211255944"/>
       </p:ext>
     </p:extLst>
   </p:cSld>

--- a/Presentation/Presentation_FINAL_DRAFT.pptx
+++ b/Presentation/Presentation_FINAL_DRAFT.pptx
@@ -19,7 +19,7 @@
     <p:sldId id="267" r:id="rId10"/>
     <p:sldId id="268" r:id="rId11"/>
     <p:sldId id="269" r:id="rId12"/>
-    <p:sldId id="270" r:id="rId13"/>
+    <p:sldId id="275" r:id="rId13"/>
     <p:sldId id="258" r:id="rId14"/>
     <p:sldId id="259" r:id="rId15"/>
   </p:sldIdLst>
@@ -27,37 +27,42 @@
   <p:notesSz cx="6858000" cy="9144000"/>
   <p:embeddedFontLst>
     <p:embeddedFont>
-      <p:font typeface="Times" panose="02020603050405020304" pitchFamily="18" charset="0"/>
+      <p:font typeface="Calibri Light" panose="020F0302020204030204" pitchFamily="34" charset="0"/>
       <p:regular r:id="rId17"/>
-      <p:bold r:id="rId18"/>
-      <p:italic r:id="rId19"/>
-      <p:boldItalic r:id="rId20"/>
+      <p:italic r:id="rId18"/>
     </p:embeddedFont>
     <p:embeddedFont>
-      <p:font typeface="Calibri Light" panose="020F0302020204030204" pitchFamily="34" charset="0"/>
-      <p:regular r:id="rId21"/>
-      <p:italic r:id="rId22"/>
+      <p:font typeface="Montserrat" panose="020B0604020202020204" charset="0"/>
+      <p:regular r:id="rId19"/>
+      <p:bold r:id="rId20"/>
+      <p:italic r:id="rId21"/>
+      <p:boldItalic r:id="rId22"/>
     </p:embeddedFont>
     <p:embeddedFont>
-      <p:font typeface="Montserrat Medium" panose="020B0604020202020204" charset="0"/>
+      <p:font typeface="Calibri" panose="020F0502020204030204" pitchFamily="34" charset="0"/>
       <p:regular r:id="rId23"/>
       <p:bold r:id="rId24"/>
       <p:italic r:id="rId25"/>
       <p:boldItalic r:id="rId26"/>
     </p:embeddedFont>
     <p:embeddedFont>
-      <p:font typeface="Montserrat" panose="020B0604020202020204" charset="0"/>
+      <p:font typeface="Montserrat Medium" panose="020B0604020202020204" charset="0"/>
       <p:regular r:id="rId27"/>
       <p:bold r:id="rId28"/>
       <p:italic r:id="rId29"/>
       <p:boldItalic r:id="rId30"/>
     </p:embeddedFont>
     <p:embeddedFont>
-      <p:font typeface="Calibri" panose="020F0502020204030204" pitchFamily="34" charset="0"/>
+      <p:font typeface="Times" panose="02020603050405020304" pitchFamily="18" charset="0"/>
       <p:regular r:id="rId31"/>
       <p:bold r:id="rId32"/>
       <p:italic r:id="rId33"/>
       <p:boldItalic r:id="rId34"/>
+    </p:embeddedFont>
+    <p:embeddedFont>
+      <p:font typeface="Open Sans" pitchFamily="2" charset="0"/>
+      <p:regular r:id="rId35"/>
+      <p:bold r:id="rId36"/>
     </p:embeddedFont>
   </p:embeddedFontLst>
   <p:defaultTextStyle>
@@ -294,7 +299,7 @@
       <p15:sldGuideLst xmlns:p15="http://schemas.microsoft.com/office/powerpoint/2012/main"/>
     </p:ext>
     <p:ext uri="GoogleSlidesCustomDataVersion2">
-      <go:slidesCustomData xmlns="" xmlns:mc="http://schemas.openxmlformats.org/markup-compatibility/2006" xmlns:mv="urn:schemas-microsoft-com:mac:vml" xmlns:c="http://schemas.openxmlformats.org/drawingml/2006/chart" xmlns:dgm="http://schemas.openxmlformats.org/drawingml/2006/diagram" xmlns:o="urn:schemas-microsoft-com:office:office" xmlns:v="urn:schemas-microsoft-com:vml" xmlns:pvml="urn:schemas-microsoft-com:office:powerpoint" xmlns:com="http://schemas.openxmlformats.org/drawingml/2006/compatibility" xmlns:p14="http://schemas.microsoft.com/office/powerpoint/2010/main" xmlns:p15="http://schemas.microsoft.com/office/powerpoint/2012/main" xmlns:ahyp="http://schemas.microsoft.com/office/drawing/2018/hyperlinkcolor" xmlns:go="http://customooxmlschemas.google.com/" r:id="rId35" roundtripDataSignature="AMtx7mhgpbhf3U/UBlUGG60SKwoBnxqdfw=="/>
+      <go:slidesCustomData xmlns:go="http://customooxmlschemas.google.com/" xmlns:ahyp="http://schemas.microsoft.com/office/drawing/2018/hyperlinkcolor" xmlns:p15="http://schemas.microsoft.com/office/powerpoint/2012/main" xmlns:p14="http://schemas.microsoft.com/office/powerpoint/2010/main" xmlns:com="http://schemas.openxmlformats.org/drawingml/2006/compatibility" xmlns:pvml="urn:schemas-microsoft-com:office:powerpoint" xmlns:v="urn:schemas-microsoft-com:vml" xmlns:o="urn:schemas-microsoft-com:office:office" xmlns:dgm="http://schemas.openxmlformats.org/drawingml/2006/diagram" xmlns:c="http://schemas.openxmlformats.org/drawingml/2006/chart" xmlns:mv="urn:schemas-microsoft-com:mac:vml" xmlns:mc="http://schemas.openxmlformats.org/markup-compatibility/2006" xmlns="" r:id="rId37" roundtripDataSignature="AMtx7mhgpbhf3U/UBlUGG60SKwoBnxqdfw=="/>
     </p:ext>
   </p:extLst>
 </p:presentation>
@@ -1234,7 +1239,7 @@
   <p:cSld>
     <p:spTree>
       <p:nvGrpSpPr>
-        <p:cNvPr id="1" name="Shape 196"/>
+        <p:cNvPr id="1" name="Shape 105"/>
         <p:cNvGrpSpPr/>
         <p:nvPr/>
       </p:nvGrpSpPr>
@@ -1248,7 +1253,7 @@
       </p:grpSpPr>
       <p:sp>
         <p:nvSpPr>
-          <p:cNvPr id="197" name="Google Shape;197;p12:notes"/>
+          <p:cNvPr id="106" name="Google Shape;106;p3:notes"/>
           <p:cNvSpPr txBox="1">
             <a:spLocks noGrp="1"/>
           </p:cNvSpPr>
@@ -1286,7 +1291,7 @@
       </p:sp>
       <p:sp>
         <p:nvSpPr>
-          <p:cNvPr id="198" name="Google Shape;198;p12:notes"/>
+          <p:cNvPr id="107" name="Google Shape;107;p3:notes"/>
           <p:cNvSpPr>
             <a:spLocks noGrp="1" noRot="1" noChangeAspect="1"/>
           </p:cNvSpPr>
@@ -1328,7 +1333,7 @@
     </p:spTree>
     <p:extLst>
       <p:ext uri="{BB962C8B-B14F-4D97-AF65-F5344CB8AC3E}">
-        <p14:creationId xmlns:p14="http://schemas.microsoft.com/office/powerpoint/2010/main" val="1642130835"/>
+        <p14:creationId xmlns:p14="http://schemas.microsoft.com/office/powerpoint/2010/main" val="2547749462"/>
       </p:ext>
     </p:extLst>
   </p:cSld>
@@ -6974,6 +6979,13 @@
   <p:clrMapOvr>
     <a:masterClrMapping/>
   </p:clrMapOvr>
+  <p:timing>
+    <p:tnLst>
+      <p:par>
+        <p:cTn id="1" dur="indefinite" restart="never" nodeType="tmRoot"/>
+      </p:par>
+    </p:tnLst>
+  </p:timing>
 </p:sld>
 </file>
 
@@ -6996,52 +7008,6 @@
       </p:grpSpPr>
       <p:sp>
         <p:nvSpPr>
-          <p:cNvPr id="190" name="Google Shape;190;p23"/>
-          <p:cNvSpPr txBox="1">
-            <a:spLocks noGrp="1"/>
-          </p:cNvSpPr>
-          <p:nvPr>
-            <p:ph type="title"/>
-          </p:nvPr>
-        </p:nvSpPr>
-        <p:spPr>
-          <a:xfrm>
-            <a:off x="1428750" y="1543050"/>
-            <a:ext cx="6172200" cy="514350"/>
-          </a:xfrm>
-          <a:prstGeom prst="rect">
-            <a:avLst/>
-          </a:prstGeom>
-          <a:noFill/>
-          <a:ln>
-            <a:noFill/>
-          </a:ln>
-        </p:spPr>
-        <p:txBody>
-          <a:bodyPr spcFirstLastPara="1" vert="horz" wrap="square" lIns="68569" tIns="34275" rIns="68569" bIns="34275" rtlCol="0" anchor="ctr" anchorCtr="0">
-            <a:normAutofit/>
-          </a:bodyPr>
-          <a:lstStyle/>
-          <a:p>
-            <a:pPr algn="ctr">
-              <a:spcBef>
-                <a:spcPts val="0"/>
-              </a:spcBef>
-              <a:buClr>
-                <a:schemeClr val="dk1"/>
-              </a:buClr>
-              <a:buSzPts val="3200"/>
-            </a:pPr>
-            <a:r>
-              <a:rPr lang="en-US" sz="2400"/>
-              <a:t>           CONCLUSION</a:t>
-            </a:r>
-            <a:endParaRPr sz="2400"/>
-          </a:p>
-        </p:txBody>
-      </p:sp>
-      <p:sp>
-        <p:nvSpPr>
           <p:cNvPr id="193" name="Google Shape;193;p23"/>
           <p:cNvSpPr txBox="1">
             <a:spLocks noGrp="1"/>
@@ -7075,49 +7041,6 @@
               <a:t>10</a:t>
             </a:fld>
             <a:endParaRPr/>
-          </a:p>
-        </p:txBody>
-      </p:sp>
-      <p:sp>
-        <p:nvSpPr>
-          <p:cNvPr id="194" name="Google Shape;194;p23"/>
-          <p:cNvSpPr txBox="1"/>
-          <p:nvPr/>
-        </p:nvSpPr>
-        <p:spPr>
-          <a:xfrm>
-            <a:off x="1485900" y="2286000"/>
-            <a:ext cx="6172200" cy="2343150"/>
-          </a:xfrm>
-          <a:prstGeom prst="rect">
-            <a:avLst/>
-          </a:prstGeom>
-          <a:noFill/>
-          <a:ln>
-            <a:noFill/>
-          </a:ln>
-        </p:spPr>
-        <p:txBody>
-          <a:bodyPr spcFirstLastPara="1" wrap="square" lIns="68569" tIns="34275" rIns="68569" bIns="34275" anchor="t" anchorCtr="0">
-            <a:normAutofit/>
-          </a:bodyPr>
-          <a:lstStyle/>
-          <a:p>
-            <a:pPr marL="257175" indent="-257175">
-              <a:buClr>
-                <a:schemeClr val="dk1"/>
-              </a:buClr>
-              <a:buSzPts val="3200"/>
-            </a:pPr>
-            <a:endParaRPr sz="2400">
-              <a:solidFill>
-                <a:schemeClr val="dk1"/>
-              </a:solidFill>
-              <a:latin typeface="Calibri"/>
-              <a:ea typeface="Calibri"/>
-              <a:cs typeface="Calibri"/>
-              <a:sym typeface="Calibri"/>
-            </a:endParaRPr>
           </a:p>
         </p:txBody>
       </p:sp>
@@ -7164,29 +7087,20 @@
           </a:p>
         </p:txBody>
       </p:sp>
-      <p:pic>
-        <p:nvPicPr>
-          <p:cNvPr id="8" name="Picture 7" descr="C:\Users\KrupaShankari\Downloads\Revised_ISE_Logo.png"/>
-          <p:cNvPicPr/>
-          <p:nvPr/>
-        </p:nvPicPr>
-        <p:blipFill>
-          <a:blip r:embed="rId3" cstate="print">
-            <a:extLst>
-              <a:ext uri="{28A0092B-C50C-407E-A947-70E740481C1C}">
-                <a14:useLocalDpi xmlns:a14="http://schemas.microsoft.com/office/drawing/2010/main" val="0"/>
-              </a:ext>
-            </a:extLst>
-          </a:blip>
-          <a:srcRect/>
-          <a:stretch>
-            <a:fillRect/>
-          </a:stretch>
-        </p:blipFill>
-        <p:spPr bwMode="auto">
+      <p:sp>
+        <p:nvSpPr>
+          <p:cNvPr id="9" name="Google Shape;109;p15"/>
+          <p:cNvSpPr txBox="1">
+            <a:spLocks noGrp="1"/>
+          </p:cNvSpPr>
+          <p:nvPr>
+            <p:ph type="title"/>
+          </p:nvPr>
+        </p:nvSpPr>
+        <p:spPr>
           <a:xfrm>
-            <a:off x="1543929" y="321249"/>
-            <a:ext cx="6045591" cy="1113656"/>
+            <a:off x="1543050" y="367295"/>
+            <a:ext cx="6172200" cy="514350"/>
           </a:xfrm>
           <a:prstGeom prst="rect">
             <a:avLst/>
@@ -7196,7 +7110,160 @@
             <a:noFill/>
           </a:ln>
         </p:spPr>
-      </p:pic>
+        <p:txBody>
+          <a:bodyPr spcFirstLastPara="1" vert="horz" wrap="square" lIns="68569" tIns="34275" rIns="68569" bIns="34275" rtlCol="0" anchor="ctr" anchorCtr="0">
+            <a:normAutofit/>
+          </a:bodyPr>
+          <a:lstStyle/>
+          <a:p>
+            <a:pPr algn="ctr">
+              <a:spcBef>
+                <a:spcPts val="0"/>
+              </a:spcBef>
+              <a:buClr>
+                <a:schemeClr val="dk1"/>
+              </a:buClr>
+              <a:buSzPts val="3200"/>
+            </a:pPr>
+            <a:r>
+              <a:rPr lang="en-IN" sz="2400" b="1" dirty="0" smtClean="0">
+                <a:latin typeface="Montserrat" panose="020B0604020202020204" charset="0"/>
+              </a:rPr>
+              <a:t>CONCLUSION </a:t>
+            </a:r>
+            <a:endParaRPr sz="2400" b="1" dirty="0">
+              <a:latin typeface="Montserrat" panose="020B0604020202020204" charset="0"/>
+            </a:endParaRPr>
+          </a:p>
+        </p:txBody>
+      </p:sp>
+      <p:sp>
+        <p:nvSpPr>
+          <p:cNvPr id="3" name="Rectangle 2"/>
+          <p:cNvSpPr/>
+          <p:nvPr/>
+        </p:nvSpPr>
+        <p:spPr>
+          <a:xfrm>
+            <a:off x="663151" y="1474764"/>
+            <a:ext cx="7931997" cy="2693045"/>
+          </a:xfrm>
+          <a:prstGeom prst="rect">
+            <a:avLst/>
+          </a:prstGeom>
+        </p:spPr>
+        <p:txBody>
+          <a:bodyPr wrap="square">
+            <a:spAutoFit/>
+          </a:bodyPr>
+          <a:lstStyle/>
+          <a:p>
+            <a:pPr marL="457200" marR="361950" algn="just">
+              <a:spcBef>
+                <a:spcPts val="1000"/>
+              </a:spcBef>
+            </a:pPr>
+            <a:r>
+              <a:rPr lang="en-US" sz="1200" dirty="0">
+                <a:latin typeface="Times New Roman" panose="02020603050405020304" pitchFamily="18" charset="0"/>
+                <a:ea typeface="Times" panose="02020603050405020304" pitchFamily="18" charset="0"/>
+                <a:cs typeface="Times New Roman" panose="02020603050405020304" pitchFamily="18" charset="0"/>
+              </a:rPr>
+              <a:t>The proposed system sets the green signal time adaptively according to the traffic density at the signal and ensures that the direction with more traffic is allotted a green signal for a longer duration of time as compared to the direction with lesser traffic. This will lower the unwanted delays, and delays, and reduce congestion and waiting time which in turn will reduce the fuel consumption and pollution</a:t>
+            </a:r>
+            <a:r>
+              <a:rPr lang="en-US" sz="1200" dirty="0" smtClean="0">
+                <a:latin typeface="Times New Roman" panose="02020603050405020304" pitchFamily="18" charset="0"/>
+                <a:ea typeface="Times" panose="02020603050405020304" pitchFamily="18" charset="0"/>
+                <a:cs typeface="Times New Roman" panose="02020603050405020304" pitchFamily="18" charset="0"/>
+              </a:rPr>
+              <a:t>.</a:t>
+            </a:r>
+            <a:endParaRPr lang="en-US" sz="1200" dirty="0">
+              <a:latin typeface="Times New Roman" panose="02020603050405020304" pitchFamily="18" charset="0"/>
+              <a:ea typeface="Open Sans" pitchFamily="2" charset="0"/>
+              <a:cs typeface="Times New Roman" panose="02020603050405020304" pitchFamily="18" charset="0"/>
+            </a:endParaRPr>
+          </a:p>
+          <a:p>
+            <a:pPr marL="457200" marR="361950" algn="just">
+              <a:spcBef>
+                <a:spcPts val="1000"/>
+              </a:spcBef>
+            </a:pPr>
+            <a:r>
+              <a:rPr lang="en-US" sz="1200" dirty="0">
+                <a:latin typeface="Times New Roman" panose="02020603050405020304" pitchFamily="18" charset="0"/>
+                <a:ea typeface="Times" panose="02020603050405020304" pitchFamily="18" charset="0"/>
+                <a:cs typeface="Times New Roman" panose="02020603050405020304" pitchFamily="18" charset="0"/>
+              </a:rPr>
+              <a:t>The new system is expected to shows much improvement over the current system in terms of the number of vehicles crossing the intersection, which is a significant improvement. This system can thus be integrated with the CCTV cameras in major cities in order to facilitate better management of traffic</a:t>
+            </a:r>
+            <a:r>
+              <a:rPr lang="en-US" sz="1200" dirty="0" smtClean="0">
+                <a:latin typeface="Times New Roman" panose="02020603050405020304" pitchFamily="18" charset="0"/>
+                <a:ea typeface="Times" panose="02020603050405020304" pitchFamily="18" charset="0"/>
+                <a:cs typeface="Times New Roman" panose="02020603050405020304" pitchFamily="18" charset="0"/>
+              </a:rPr>
+              <a:t>.</a:t>
+            </a:r>
+            <a:endParaRPr lang="en-US" sz="1200" dirty="0">
+              <a:latin typeface="Times New Roman" panose="02020603050405020304" pitchFamily="18" charset="0"/>
+              <a:ea typeface="Open Sans" pitchFamily="2" charset="0"/>
+              <a:cs typeface="Times New Roman" panose="02020603050405020304" pitchFamily="18" charset="0"/>
+            </a:endParaRPr>
+          </a:p>
+          <a:p>
+            <a:pPr marL="457200" marR="361950" algn="just">
+              <a:spcBef>
+                <a:spcPts val="1000"/>
+              </a:spcBef>
+            </a:pPr>
+            <a:r>
+              <a:rPr lang="en-US" sz="1200" dirty="0">
+                <a:latin typeface="Times New Roman" panose="02020603050405020304" pitchFamily="18" charset="0"/>
+                <a:ea typeface="Times" panose="02020603050405020304" pitchFamily="18" charset="0"/>
+                <a:cs typeface="Times New Roman" panose="02020603050405020304" pitchFamily="18" charset="0"/>
+              </a:rPr>
+              <a:t>The solutions explored in the project span a wide spectrum, from short-term interventions like optimizing traffic signals timings to long-term strategies like promoting sustainable transportation modes and urban planning revisions</a:t>
+            </a:r>
+            <a:r>
+              <a:rPr lang="en-US" sz="1200" dirty="0" smtClean="0">
+                <a:latin typeface="Times New Roman" panose="02020603050405020304" pitchFamily="18" charset="0"/>
+                <a:ea typeface="Times" panose="02020603050405020304" pitchFamily="18" charset="0"/>
+                <a:cs typeface="Times New Roman" panose="02020603050405020304" pitchFamily="18" charset="0"/>
+              </a:rPr>
+              <a:t>.</a:t>
+            </a:r>
+            <a:endParaRPr lang="en-US" sz="1200" dirty="0">
+              <a:latin typeface="Times New Roman" panose="02020603050405020304" pitchFamily="18" charset="0"/>
+              <a:ea typeface="Open Sans" pitchFamily="2" charset="0"/>
+              <a:cs typeface="Times New Roman" panose="02020603050405020304" pitchFamily="18" charset="0"/>
+            </a:endParaRPr>
+          </a:p>
+          <a:p>
+            <a:pPr marL="457200" marR="361950" algn="just">
+              <a:spcBef>
+                <a:spcPts val="1000"/>
+              </a:spcBef>
+            </a:pPr>
+            <a:r>
+              <a:rPr lang="en-US" sz="1200" dirty="0">
+                <a:latin typeface="Times New Roman" panose="02020603050405020304" pitchFamily="18" charset="0"/>
+                <a:ea typeface="Times" panose="02020603050405020304" pitchFamily="18" charset="0"/>
+                <a:cs typeface="Times New Roman" panose="02020603050405020304" pitchFamily="18" charset="0"/>
+              </a:rPr>
+              <a:t>The project has significant impacts on traffic congestion, ranging from increased travel times and decreased productivity to heightened pollution levels and compromised public safety.</a:t>
+            </a:r>
+            <a:endParaRPr lang="en-US" sz="1200" dirty="0">
+              <a:effectLst/>
+              <a:latin typeface="Times New Roman" panose="02020603050405020304" pitchFamily="18" charset="0"/>
+              <a:ea typeface="Open Sans" pitchFamily="2" charset="0"/>
+              <a:cs typeface="Times New Roman" panose="02020603050405020304" pitchFamily="18" charset="0"/>
+            </a:endParaRPr>
+          </a:p>
+        </p:txBody>
+      </p:sp>
     </p:spTree>
     <p:extLst>
       <p:ext uri="{BB962C8B-B14F-4D97-AF65-F5344CB8AC3E}">
@@ -7207,6 +7274,13 @@
   <p:clrMapOvr>
     <a:masterClrMapping/>
   </p:clrMapOvr>
+  <p:timing>
+    <p:tnLst>
+      <p:par>
+        <p:cTn id="1" dur="indefinite" restart="never" nodeType="tmRoot"/>
+      </p:par>
+    </p:tnLst>
+  </p:timing>
 </p:sld>
 </file>
 
@@ -7229,56 +7303,6 @@
       </p:grpSpPr>
       <p:sp>
         <p:nvSpPr>
-          <p:cNvPr id="190" name="Google Shape;190;p23"/>
-          <p:cNvSpPr txBox="1">
-            <a:spLocks noGrp="1"/>
-          </p:cNvSpPr>
-          <p:nvPr>
-            <p:ph type="title"/>
-          </p:nvPr>
-        </p:nvSpPr>
-        <p:spPr>
-          <a:xfrm>
-            <a:off x="1428750" y="1543050"/>
-            <a:ext cx="6172200" cy="514350"/>
-          </a:xfrm>
-          <a:prstGeom prst="rect">
-            <a:avLst/>
-          </a:prstGeom>
-          <a:noFill/>
-          <a:ln>
-            <a:noFill/>
-          </a:ln>
-        </p:spPr>
-        <p:txBody>
-          <a:bodyPr spcFirstLastPara="1" vert="horz" wrap="square" lIns="68569" tIns="34275" rIns="68569" bIns="34275" rtlCol="0" anchor="ctr" anchorCtr="0">
-            <a:normAutofit/>
-          </a:bodyPr>
-          <a:lstStyle/>
-          <a:p>
-            <a:pPr algn="ctr">
-              <a:spcBef>
-                <a:spcPts val="0"/>
-              </a:spcBef>
-              <a:buClr>
-                <a:schemeClr val="dk1"/>
-              </a:buClr>
-              <a:buSzPts val="3200"/>
-            </a:pPr>
-            <a:r>
-              <a:rPr lang="en-US" sz="2400" dirty="0"/>
-              <a:t>          </a:t>
-            </a:r>
-            <a:r>
-              <a:rPr lang="en-US" sz="2400" dirty="0"/>
-              <a:t>FUTURE ENHANCEMENTS</a:t>
-            </a:r>
-            <a:endParaRPr sz="2400"/>
-          </a:p>
-        </p:txBody>
-      </p:sp>
-      <p:sp>
-        <p:nvSpPr>
           <p:cNvPr id="193" name="Google Shape;193;p23"/>
           <p:cNvSpPr txBox="1">
             <a:spLocks noGrp="1"/>
@@ -7312,49 +7336,6 @@
               <a:t>11</a:t>
             </a:fld>
             <a:endParaRPr/>
-          </a:p>
-        </p:txBody>
-      </p:sp>
-      <p:sp>
-        <p:nvSpPr>
-          <p:cNvPr id="194" name="Google Shape;194;p23"/>
-          <p:cNvSpPr txBox="1"/>
-          <p:nvPr/>
-        </p:nvSpPr>
-        <p:spPr>
-          <a:xfrm>
-            <a:off x="1485900" y="2286000"/>
-            <a:ext cx="6172200" cy="2343150"/>
-          </a:xfrm>
-          <a:prstGeom prst="rect">
-            <a:avLst/>
-          </a:prstGeom>
-          <a:noFill/>
-          <a:ln>
-            <a:noFill/>
-          </a:ln>
-        </p:spPr>
-        <p:txBody>
-          <a:bodyPr spcFirstLastPara="1" wrap="square" lIns="68569" tIns="34275" rIns="68569" bIns="34275" anchor="t" anchorCtr="0">
-            <a:normAutofit/>
-          </a:bodyPr>
-          <a:lstStyle/>
-          <a:p>
-            <a:pPr marL="257175" indent="-257175">
-              <a:buClr>
-                <a:schemeClr val="dk1"/>
-              </a:buClr>
-              <a:buSzPts val="3200"/>
-            </a:pPr>
-            <a:endParaRPr sz="2400">
-              <a:solidFill>
-                <a:schemeClr val="dk1"/>
-              </a:solidFill>
-              <a:latin typeface="Calibri"/>
-              <a:ea typeface="Calibri"/>
-              <a:cs typeface="Calibri"/>
-              <a:sym typeface="Calibri"/>
-            </a:endParaRPr>
           </a:p>
         </p:txBody>
       </p:sp>
@@ -7401,29 +7382,232 @@
           </a:p>
         </p:txBody>
       </p:sp>
-      <p:pic>
-        <p:nvPicPr>
-          <p:cNvPr id="8" name="Picture 7" descr="C:\Users\KrupaShankari\Downloads\Revised_ISE_Logo.png"/>
-          <p:cNvPicPr/>
+      <p:sp>
+        <p:nvSpPr>
+          <p:cNvPr id="2" name="Rectangle 1"/>
+          <p:cNvSpPr/>
           <p:nvPr/>
-        </p:nvPicPr>
-        <p:blipFill>
-          <a:blip r:embed="rId3" cstate="print">
-            <a:extLst>
-              <a:ext uri="{28A0092B-C50C-407E-A947-70E740481C1C}">
-                <a14:useLocalDpi xmlns:a14="http://schemas.microsoft.com/office/drawing/2010/main" val="0"/>
-              </a:ext>
-            </a:extLst>
-          </a:blip>
-          <a:srcRect/>
-          <a:stretch>
-            <a:fillRect/>
-          </a:stretch>
-        </p:blipFill>
-        <p:spPr bwMode="auto">
+        </p:nvSpPr>
+        <p:spPr>
           <a:xfrm>
-            <a:off x="1543929" y="321249"/>
-            <a:ext cx="6045591" cy="1113656"/>
+            <a:off x="534670" y="1564660"/>
+            <a:ext cx="8188960" cy="2492990"/>
+          </a:xfrm>
+          <a:prstGeom prst="rect">
+            <a:avLst/>
+          </a:prstGeom>
+        </p:spPr>
+        <p:txBody>
+          <a:bodyPr wrap="square">
+            <a:spAutoFit/>
+          </a:bodyPr>
+          <a:lstStyle/>
+          <a:p>
+            <a:pPr marL="342900" lvl="0" indent="-342900" algn="just">
+              <a:spcBef>
+                <a:spcPts val="1000"/>
+              </a:spcBef>
+              <a:buFont typeface="+mj-lt"/>
+              <a:buAutoNum type="arabicPeriod"/>
+            </a:pPr>
+            <a:r>
+              <a:rPr lang="en-US" sz="1200" dirty="0">
+                <a:latin typeface="Times New Roman" panose="02020603050405020304" pitchFamily="18" charset="0"/>
+                <a:ea typeface="Times New Roman" panose="02020603050405020304" pitchFamily="18" charset="0"/>
+                <a:cs typeface="Times New Roman" panose="02020603050405020304" pitchFamily="18" charset="0"/>
+              </a:rPr>
+              <a:t>Testing on Raspberry Pi: Extending the practical application of the traffic management system, it is essential to test and optimize its performance on hardware like Raspberry </a:t>
+            </a:r>
+            <a:r>
+              <a:rPr lang="en-US" sz="1200" dirty="0" smtClean="0">
+                <a:latin typeface="Times New Roman" panose="02020603050405020304" pitchFamily="18" charset="0"/>
+                <a:ea typeface="Times New Roman" panose="02020603050405020304" pitchFamily="18" charset="0"/>
+                <a:cs typeface="Times New Roman" panose="02020603050405020304" pitchFamily="18" charset="0"/>
+              </a:rPr>
+              <a:t>Pi.</a:t>
+            </a:r>
+            <a:endParaRPr lang="en-US" sz="1200" dirty="0">
+              <a:latin typeface="Times New Roman" panose="02020603050405020304" pitchFamily="18" charset="0"/>
+              <a:ea typeface="Open Sans" pitchFamily="2" charset="0"/>
+              <a:cs typeface="Times New Roman" panose="02020603050405020304" pitchFamily="18" charset="0"/>
+            </a:endParaRPr>
+          </a:p>
+          <a:p>
+            <a:pPr marL="342900" lvl="0" indent="-342900" algn="just">
+              <a:buFont typeface="+mj-lt"/>
+              <a:buAutoNum type="arabicPeriod"/>
+            </a:pPr>
+            <a:r>
+              <a:rPr lang="en-US" sz="1200" dirty="0" smtClean="0">
+                <a:latin typeface="Times New Roman" panose="02020603050405020304" pitchFamily="18" charset="0"/>
+                <a:ea typeface="Times New Roman" panose="02020603050405020304" pitchFamily="18" charset="0"/>
+                <a:cs typeface="Times New Roman" panose="02020603050405020304" pitchFamily="18" charset="0"/>
+              </a:rPr>
+              <a:t>Improved </a:t>
+            </a:r>
+            <a:r>
+              <a:rPr lang="en-US" sz="1200" dirty="0">
+                <a:latin typeface="Times New Roman" panose="02020603050405020304" pitchFamily="18" charset="0"/>
+                <a:ea typeface="Times New Roman" panose="02020603050405020304" pitchFamily="18" charset="0"/>
+                <a:cs typeface="Times New Roman" panose="02020603050405020304" pitchFamily="18" charset="0"/>
+              </a:rPr>
+              <a:t>Nighttime Accuracy with Thermal/IR Cameras: Enhancing the system's performance during nighttime or low-visibility conditions is critical. Integrating thermal or infrared (IR) cameras can provide better recognition of vehicles and pedestrians in the </a:t>
+            </a:r>
+            <a:r>
+              <a:rPr lang="en-US" sz="1200" dirty="0" smtClean="0">
+                <a:latin typeface="Times New Roman" panose="02020603050405020304" pitchFamily="18" charset="0"/>
+                <a:ea typeface="Times New Roman" panose="02020603050405020304" pitchFamily="18" charset="0"/>
+                <a:cs typeface="Times New Roman" panose="02020603050405020304" pitchFamily="18" charset="0"/>
+              </a:rPr>
+              <a:t>dark.</a:t>
+            </a:r>
+            <a:endParaRPr lang="en-US" sz="1200" dirty="0" smtClean="0">
+              <a:latin typeface="Times New Roman" panose="02020603050405020304" pitchFamily="18" charset="0"/>
+              <a:ea typeface="Open Sans" pitchFamily="2" charset="0"/>
+              <a:cs typeface="Times New Roman" panose="02020603050405020304" pitchFamily="18" charset="0"/>
+            </a:endParaRPr>
+          </a:p>
+          <a:p>
+            <a:pPr marL="342900" lvl="0" indent="-342900" algn="just">
+              <a:buFont typeface="+mj-lt"/>
+              <a:buAutoNum type="arabicPeriod"/>
+            </a:pPr>
+            <a:r>
+              <a:rPr lang="en-US" sz="1200" dirty="0" smtClean="0">
+                <a:latin typeface="Times New Roman" panose="02020603050405020304" pitchFamily="18" charset="0"/>
+                <a:ea typeface="Times New Roman" panose="02020603050405020304" pitchFamily="18" charset="0"/>
+                <a:cs typeface="Times New Roman" panose="02020603050405020304" pitchFamily="18" charset="0"/>
+              </a:rPr>
+              <a:t>Data </a:t>
+            </a:r>
+            <a:r>
+              <a:rPr lang="en-US" sz="1200" dirty="0">
+                <a:latin typeface="Times New Roman" panose="02020603050405020304" pitchFamily="18" charset="0"/>
+                <a:ea typeface="Times New Roman" panose="02020603050405020304" pitchFamily="18" charset="0"/>
+                <a:cs typeface="Times New Roman" panose="02020603050405020304" pitchFamily="18" charset="0"/>
+              </a:rPr>
+              <a:t>Encryption for Network Security: As data communication is integral to the system's functionality, implementing strong data encryption protocols is vital. Ensure that all data transmitted over the network is encrypted </a:t>
+            </a:r>
+            <a:endParaRPr lang="en-US" sz="1200" dirty="0">
+              <a:latin typeface="Times New Roman" panose="02020603050405020304" pitchFamily="18" charset="0"/>
+              <a:ea typeface="Open Sans" pitchFamily="2" charset="0"/>
+              <a:cs typeface="Times New Roman" panose="02020603050405020304" pitchFamily="18" charset="0"/>
+            </a:endParaRPr>
+          </a:p>
+          <a:p>
+            <a:pPr marL="342900" lvl="0" indent="-342900" algn="just">
+              <a:buFont typeface="+mj-lt"/>
+              <a:buAutoNum type="arabicPeriod"/>
+            </a:pPr>
+            <a:r>
+              <a:rPr lang="en-US" sz="1200" dirty="0">
+                <a:latin typeface="Times New Roman" panose="02020603050405020304" pitchFamily="18" charset="0"/>
+                <a:ea typeface="Times New Roman" panose="02020603050405020304" pitchFamily="18" charset="0"/>
+                <a:cs typeface="Times New Roman" panose="02020603050405020304" pitchFamily="18" charset="0"/>
+              </a:rPr>
+              <a:t>Port Scanning for Network Discovery: To enhance the system's network capabilities, consider implementing port scanning functionality. This feature allows the system to actively discover and identify available ports on the network</a:t>
+            </a:r>
+            <a:r>
+              <a:rPr lang="en-US" sz="1200" dirty="0" smtClean="0">
+                <a:latin typeface="Times New Roman" panose="02020603050405020304" pitchFamily="18" charset="0"/>
+                <a:ea typeface="Times New Roman" panose="02020603050405020304" pitchFamily="18" charset="0"/>
+                <a:cs typeface="Times New Roman" panose="02020603050405020304" pitchFamily="18" charset="0"/>
+              </a:rPr>
+              <a:t>.</a:t>
+            </a:r>
+            <a:endParaRPr lang="en-US" sz="1200" dirty="0">
+              <a:latin typeface="Times New Roman" panose="02020603050405020304" pitchFamily="18" charset="0"/>
+              <a:ea typeface="Open Sans" pitchFamily="2" charset="0"/>
+              <a:cs typeface="Times New Roman" panose="02020603050405020304" pitchFamily="18" charset="0"/>
+            </a:endParaRPr>
+          </a:p>
+          <a:p>
+            <a:pPr marL="342900" lvl="0" indent="-342900" algn="just">
+              <a:buFont typeface="+mj-lt"/>
+              <a:buAutoNum type="arabicPeriod"/>
+            </a:pPr>
+            <a:r>
+              <a:rPr lang="en-US" sz="1200" dirty="0">
+                <a:latin typeface="Times New Roman" panose="02020603050405020304" pitchFamily="18" charset="0"/>
+                <a:ea typeface="Times New Roman" panose="02020603050405020304" pitchFamily="18" charset="0"/>
+                <a:cs typeface="Times New Roman" panose="02020603050405020304" pitchFamily="18" charset="0"/>
+              </a:rPr>
+              <a:t>Expansion to Multiple Junctions: Scaling the system's deployment to cover additional junctions and intersections is a logical step for urban traffic management. Expanding the system's coverage to multiple junctions (5, 6, or more</a:t>
+            </a:r>
+            <a:r>
+              <a:rPr lang="en-US" sz="1200" dirty="0" smtClean="0">
+                <a:latin typeface="Times New Roman" panose="02020603050405020304" pitchFamily="18" charset="0"/>
+                <a:ea typeface="Times New Roman" panose="02020603050405020304" pitchFamily="18" charset="0"/>
+                <a:cs typeface="Times New Roman" panose="02020603050405020304" pitchFamily="18" charset="0"/>
+              </a:rPr>
+              <a:t>)  </a:t>
+            </a:r>
+            <a:endParaRPr lang="en-US" sz="1200" dirty="0" smtClean="0">
+              <a:latin typeface="Times New Roman" panose="02020603050405020304" pitchFamily="18" charset="0"/>
+              <a:ea typeface="Open Sans" pitchFamily="2" charset="0"/>
+              <a:cs typeface="Times New Roman" panose="02020603050405020304" pitchFamily="18" charset="0"/>
+            </a:endParaRPr>
+          </a:p>
+          <a:p>
+            <a:pPr marL="342900" lvl="0" indent="-342900" algn="just">
+              <a:buFont typeface="+mj-lt"/>
+              <a:buAutoNum type="arabicPeriod"/>
+            </a:pPr>
+            <a:r>
+              <a:rPr lang="en-US" sz="1200" dirty="0" smtClean="0">
+                <a:latin typeface="Times New Roman" panose="02020603050405020304" pitchFamily="18" charset="0"/>
+                <a:ea typeface="Times New Roman" panose="02020603050405020304" pitchFamily="18" charset="0"/>
+                <a:cs typeface="Times New Roman" panose="02020603050405020304" pitchFamily="18" charset="0"/>
+              </a:rPr>
+              <a:t>Mutual </a:t>
+            </a:r>
+            <a:r>
+              <a:rPr lang="en-US" sz="1200" dirty="0">
+                <a:latin typeface="Times New Roman" panose="02020603050405020304" pitchFamily="18" charset="0"/>
+                <a:ea typeface="Times New Roman" panose="02020603050405020304" pitchFamily="18" charset="0"/>
+                <a:cs typeface="Times New Roman" panose="02020603050405020304" pitchFamily="18" charset="0"/>
+              </a:rPr>
+              <a:t>Execution: To enhance the system's robustness and reliability, consider implementing mutual execution with a tool like </a:t>
+            </a:r>
+            <a:r>
+              <a:rPr lang="en-US" sz="1200" dirty="0" err="1">
+                <a:latin typeface="Times New Roman" panose="02020603050405020304" pitchFamily="18" charset="0"/>
+                <a:ea typeface="Times New Roman" panose="02020603050405020304" pitchFamily="18" charset="0"/>
+                <a:cs typeface="Times New Roman" panose="02020603050405020304" pitchFamily="18" charset="0"/>
+              </a:rPr>
+              <a:t>Siphomore</a:t>
+            </a:r>
+            <a:r>
+              <a:rPr lang="en-US" sz="1200" dirty="0">
+                <a:latin typeface="Times New Roman" panose="02020603050405020304" pitchFamily="18" charset="0"/>
+                <a:ea typeface="Times New Roman" panose="02020603050405020304" pitchFamily="18" charset="0"/>
+                <a:cs typeface="Times New Roman" panose="02020603050405020304" pitchFamily="18" charset="0"/>
+              </a:rPr>
+              <a:t>. This would ensure that there is no conflict during writing files on network.</a:t>
+            </a:r>
+            <a:endParaRPr lang="en-US" sz="1200" dirty="0">
+              <a:effectLst/>
+              <a:latin typeface="Times New Roman" panose="02020603050405020304" pitchFamily="18" charset="0"/>
+              <a:ea typeface="Open Sans" pitchFamily="2" charset="0"/>
+              <a:cs typeface="Times New Roman" panose="02020603050405020304" pitchFamily="18" charset="0"/>
+            </a:endParaRPr>
+          </a:p>
+        </p:txBody>
+      </p:sp>
+      <p:sp>
+        <p:nvSpPr>
+          <p:cNvPr id="9" name="Google Shape;109;p15"/>
+          <p:cNvSpPr txBox="1">
+            <a:spLocks noGrp="1"/>
+          </p:cNvSpPr>
+          <p:nvPr>
+            <p:ph type="title"/>
+          </p:nvPr>
+        </p:nvSpPr>
+        <p:spPr>
+          <a:xfrm>
+            <a:off x="1543050" y="367295"/>
+            <a:ext cx="6172200" cy="514350"/>
           </a:xfrm>
           <a:prstGeom prst="rect">
             <a:avLst/>
@@ -7433,7 +7617,33 @@
             <a:noFill/>
           </a:ln>
         </p:spPr>
-      </p:pic>
+        <p:txBody>
+          <a:bodyPr spcFirstLastPara="1" vert="horz" wrap="square" lIns="68569" tIns="34275" rIns="68569" bIns="34275" rtlCol="0" anchor="ctr" anchorCtr="0">
+            <a:normAutofit/>
+          </a:bodyPr>
+          <a:lstStyle/>
+          <a:p>
+            <a:pPr algn="ctr">
+              <a:spcBef>
+                <a:spcPts val="0"/>
+              </a:spcBef>
+              <a:buClr>
+                <a:schemeClr val="dk1"/>
+              </a:buClr>
+              <a:buSzPts val="3200"/>
+            </a:pPr>
+            <a:r>
+              <a:rPr lang="en-IN" sz="2400" b="1" dirty="0" smtClean="0">
+                <a:latin typeface="Montserrat" panose="020B0604020202020204" charset="0"/>
+              </a:rPr>
+              <a:t>FUTURE ENHANCEMENTS</a:t>
+            </a:r>
+            <a:endParaRPr sz="2400" b="1" dirty="0">
+              <a:latin typeface="Montserrat" panose="020B0604020202020204" charset="0"/>
+            </a:endParaRPr>
+          </a:p>
+        </p:txBody>
+      </p:sp>
     </p:spTree>
     <p:extLst>
       <p:ext uri="{BB962C8B-B14F-4D97-AF65-F5344CB8AC3E}">
@@ -7444,6 +7654,13 @@
   <p:clrMapOvr>
     <a:masterClrMapping/>
   </p:clrMapOvr>
+  <p:timing>
+    <p:tnLst>
+      <p:par>
+        <p:cTn id="1" dur="indefinite" restart="never" nodeType="tmRoot"/>
+      </p:par>
+    </p:tnLst>
+  </p:timing>
 </p:sld>
 </file>
 
@@ -7452,7 +7669,7 @@
   <p:cSld>
     <p:spTree>
       <p:nvGrpSpPr>
-        <p:cNvPr id="1" name="Shape 199"/>
+        <p:cNvPr id="1" name="Shape 108"/>
         <p:cNvGrpSpPr/>
         <p:nvPr/>
       </p:nvGrpSpPr>
@@ -7466,7 +7683,7 @@
       </p:grpSpPr>
       <p:sp>
         <p:nvSpPr>
-          <p:cNvPr id="200" name="Google Shape;200;p24"/>
+          <p:cNvPr id="109" name="Google Shape;109;p15"/>
           <p:cNvSpPr txBox="1">
             <a:spLocks noGrp="1"/>
           </p:cNvSpPr>
@@ -7476,7 +7693,7 @@
         </p:nvSpPr>
         <p:spPr>
           <a:xfrm>
-            <a:off x="1428750" y="1543050"/>
+            <a:off x="1543050" y="367295"/>
             <a:ext cx="6172200" cy="514350"/>
           </a:xfrm>
           <a:prstGeom prst="rect">
@@ -7503,180 +7720,263 @@
               <a:buSzPts val="3200"/>
             </a:pPr>
             <a:r>
-              <a:rPr lang="en-US" sz="2400"/>
-              <a:t>       LEARNING OUTCOMES	</a:t>
-            </a:r>
-            <a:endParaRPr sz="2400"/>
-          </a:p>
-        </p:txBody>
-      </p:sp>
-      <p:sp>
-        <p:nvSpPr>
-          <p:cNvPr id="203" name="Google Shape;203;p24"/>
-          <p:cNvSpPr txBox="1">
-            <a:spLocks noGrp="1"/>
-          </p:cNvSpPr>
-          <p:nvPr>
-            <p:ph type="sldNum" idx="12"/>
-          </p:nvPr>
+              <a:rPr lang="en-IN" sz="2400" b="1" dirty="0" smtClean="0">
+                <a:latin typeface="Montserrat" panose="020B0604020202020204" charset="0"/>
+              </a:rPr>
+              <a:t>LEARNING OUTCOMES</a:t>
+            </a:r>
+            <a:endParaRPr sz="2400" b="1" dirty="0">
+              <a:latin typeface="Montserrat" panose="020B0604020202020204" charset="0"/>
+            </a:endParaRPr>
+          </a:p>
+        </p:txBody>
+      </p:sp>
+      <p:sp>
+        <p:nvSpPr>
+          <p:cNvPr id="2" name="Rectangle 1"/>
+          <p:cNvSpPr/>
+          <p:nvPr/>
         </p:nvSpPr>
         <p:spPr>
           <a:xfrm>
-            <a:off x="6057900" y="4767263"/>
-            <a:ext cx="1600200" cy="273844"/>
+            <a:off x="856827" y="1267725"/>
+            <a:ext cx="6756823" cy="2708434"/>
           </a:xfrm>
           <a:prstGeom prst="rect">
             <a:avLst/>
           </a:prstGeom>
-          <a:noFill/>
-          <a:ln>
-            <a:noFill/>
-          </a:ln>
         </p:spPr>
         <p:txBody>
-          <a:bodyPr spcFirstLastPara="1" vert="horz" wrap="square" lIns="68569" tIns="34275" rIns="68569" bIns="34275" rtlCol="0" anchor="ctr" anchorCtr="0">
-            <a:noAutofit/>
+          <a:bodyPr wrap="square">
+            <a:spAutoFit/>
           </a:bodyPr>
           <a:lstStyle/>
           <a:p>
-            <a:fld id="{00000000-1234-1234-1234-123412341234}" type="slidenum">
-              <a:rPr lang="en-US"/>
-              <a:pPr/>
-              <a:t>12</a:t>
-            </a:fld>
-            <a:endParaRPr/>
-          </a:p>
-        </p:txBody>
-      </p:sp>
-      <p:sp>
-        <p:nvSpPr>
-          <p:cNvPr id="204" name="Google Shape;204;p24"/>
-          <p:cNvSpPr txBox="1"/>
-          <p:nvPr/>
-        </p:nvSpPr>
-        <p:spPr>
-          <a:xfrm>
-            <a:off x="1485900" y="2286000"/>
-            <a:ext cx="6172200" cy="2343150"/>
-          </a:xfrm>
-          <a:prstGeom prst="rect">
-            <a:avLst/>
-          </a:prstGeom>
-          <a:noFill/>
-          <a:ln>
-            <a:noFill/>
-          </a:ln>
-        </p:spPr>
-        <p:txBody>
-          <a:bodyPr spcFirstLastPara="1" wrap="square" lIns="68569" tIns="34275" rIns="68569" bIns="34275" anchor="t" anchorCtr="0">
-            <a:normAutofit/>
-          </a:bodyPr>
-          <a:lstStyle/>
-          <a:p>
-            <a:pPr marL="257175" indent="-257175">
-              <a:buClr>
-                <a:schemeClr val="dk1"/>
-              </a:buClr>
-              <a:buSzPts val="3200"/>
+            <a:pPr marR="361950" algn="just">
+              <a:spcBef>
+                <a:spcPts val="1000"/>
+              </a:spcBef>
             </a:pPr>
-            <a:endParaRPr sz="2400">
-              <a:solidFill>
-                <a:schemeClr val="dk1"/>
-              </a:solidFill>
-              <a:latin typeface="Calibri"/>
-              <a:ea typeface="Calibri"/>
-              <a:cs typeface="Calibri"/>
-              <a:sym typeface="Calibri"/>
+            <a:r>
+              <a:rPr lang="en-US" sz="1200" dirty="0">
+                <a:latin typeface="Times New Roman" panose="02020603050405020304" pitchFamily="18" charset="0"/>
+                <a:ea typeface="Times" panose="02020603050405020304" pitchFamily="18" charset="0"/>
+              </a:rPr>
+              <a:t> </a:t>
+            </a:r>
+            <a:endParaRPr lang="en-US" sz="1200" dirty="0">
+              <a:latin typeface="Open Sans" pitchFamily="2" charset="0"/>
+              <a:ea typeface="Open Sans" pitchFamily="2" charset="0"/>
             </a:endParaRPr>
           </a:p>
-        </p:txBody>
-      </p:sp>
-      <p:sp>
-        <p:nvSpPr>
-          <p:cNvPr id="205" name="Google Shape;205;p24"/>
-          <p:cNvSpPr txBox="1"/>
-          <p:nvPr/>
-        </p:nvSpPr>
-        <p:spPr>
-          <a:xfrm>
-            <a:off x="1543050" y="3486150"/>
-            <a:ext cx="6172200" cy="571500"/>
-          </a:xfrm>
-          <a:prstGeom prst="rect">
-            <a:avLst/>
-          </a:prstGeom>
-          <a:noFill/>
-          <a:ln>
-            <a:noFill/>
-          </a:ln>
-        </p:spPr>
-        <p:txBody>
-          <a:bodyPr spcFirstLastPara="1" wrap="square" lIns="68569" tIns="34275" rIns="68569" bIns="34275" anchor="ctr" anchorCtr="0">
-            <a:normAutofit/>
-          </a:bodyPr>
-          <a:lstStyle/>
-          <a:p>
-            <a:pPr>
-              <a:buClr>
-                <a:schemeClr val="dk1"/>
-              </a:buClr>
-              <a:buSzPts val="3200"/>
+          <a:p>
+            <a:pPr marL="342900" marR="361950" lvl="0" indent="-342900" algn="just" fontAlgn="base">
+              <a:spcBef>
+                <a:spcPts val="1000"/>
+              </a:spcBef>
+              <a:buSzPts val="1400"/>
+              <a:buFont typeface="Arial" panose="020B0604020202020204" pitchFamily="34" charset="0"/>
+              <a:buChar char="•"/>
             </a:pPr>
-            <a:endParaRPr sz="2400">
-              <a:solidFill>
-                <a:schemeClr val="dk1"/>
-              </a:solidFill>
-              <a:latin typeface="Calibri"/>
-              <a:ea typeface="Calibri"/>
-              <a:cs typeface="Calibri"/>
-              <a:sym typeface="Calibri"/>
+            <a:r>
+              <a:rPr lang="en-US" sz="1200" dirty="0">
+                <a:latin typeface="Times New Roman" panose="02020603050405020304" pitchFamily="18" charset="0"/>
+                <a:ea typeface="Times" panose="02020603050405020304" pitchFamily="18" charset="0"/>
+                <a:cs typeface="Arial" panose="020B0604020202020204" pitchFamily="34" charset="0"/>
+              </a:rPr>
+              <a:t>Environmental </a:t>
+            </a:r>
+            <a:r>
+              <a:rPr lang="en-US" sz="1200" dirty="0" smtClean="0">
+                <a:latin typeface="Times New Roman" panose="02020603050405020304" pitchFamily="18" charset="0"/>
+                <a:ea typeface="Times" panose="02020603050405020304" pitchFamily="18" charset="0"/>
+                <a:cs typeface="Arial" panose="020B0604020202020204" pitchFamily="34" charset="0"/>
+              </a:rPr>
+              <a:t>Awareness</a:t>
+            </a:r>
+            <a:endParaRPr lang="en-US" sz="1200" dirty="0">
+              <a:latin typeface="Open Sans" pitchFamily="2" charset="0"/>
+              <a:ea typeface="Open Sans" pitchFamily="2" charset="0"/>
             </a:endParaRPr>
           </a:p>
-        </p:txBody>
-      </p:sp>
-      <p:pic>
-        <p:nvPicPr>
-          <p:cNvPr id="8" name="Picture 7" descr="C:\Users\KrupaShankari\Downloads\Revised_ISE_Logo.png"/>
-          <p:cNvPicPr/>
-          <p:nvPr/>
-        </p:nvPicPr>
-        <p:blipFill>
-          <a:blip r:embed="rId3" cstate="print">
-            <a:extLst>
-              <a:ext uri="{28A0092B-C50C-407E-A947-70E740481C1C}">
-                <a14:useLocalDpi xmlns:a14="http://schemas.microsoft.com/office/drawing/2010/main" val="0"/>
-              </a:ext>
-            </a:extLst>
-          </a:blip>
-          <a:srcRect/>
-          <a:stretch>
-            <a:fillRect/>
-          </a:stretch>
-        </p:blipFill>
-        <p:spPr bwMode="auto">
-          <a:xfrm>
-            <a:off x="1543929" y="321249"/>
-            <a:ext cx="6045591" cy="1113656"/>
-          </a:xfrm>
-          <a:prstGeom prst="rect">
-            <a:avLst/>
-          </a:prstGeom>
-          <a:noFill/>
-          <a:ln>
-            <a:noFill/>
-          </a:ln>
-        </p:spPr>
-      </p:pic>
+          <a:p>
+            <a:pPr marL="342900" marR="361950" lvl="0" indent="-342900" algn="just" fontAlgn="base">
+              <a:spcBef>
+                <a:spcPts val="1000"/>
+              </a:spcBef>
+              <a:buSzPts val="1400"/>
+              <a:buFont typeface="Arial" panose="020B0604020202020204" pitchFamily="34" charset="0"/>
+              <a:buChar char="•"/>
+            </a:pPr>
+            <a:r>
+              <a:rPr lang="en-US" sz="1200" dirty="0">
+                <a:latin typeface="Times New Roman" panose="02020603050405020304" pitchFamily="18" charset="0"/>
+                <a:ea typeface="Times" panose="02020603050405020304" pitchFamily="18" charset="0"/>
+                <a:cs typeface="Arial" panose="020B0604020202020204" pitchFamily="34" charset="0"/>
+              </a:rPr>
+              <a:t>Evaluation and </a:t>
+            </a:r>
+            <a:r>
+              <a:rPr lang="en-US" sz="1200" dirty="0" smtClean="0">
+                <a:latin typeface="Times New Roman" panose="02020603050405020304" pitchFamily="18" charset="0"/>
+                <a:ea typeface="Times" panose="02020603050405020304" pitchFamily="18" charset="0"/>
+                <a:cs typeface="Arial" panose="020B0604020202020204" pitchFamily="34" charset="0"/>
+              </a:rPr>
+              <a:t>Analysis</a:t>
+            </a:r>
+            <a:endParaRPr lang="en-US" sz="1200" dirty="0">
+              <a:latin typeface="Open Sans" pitchFamily="2" charset="0"/>
+              <a:ea typeface="Open Sans" pitchFamily="2" charset="0"/>
+            </a:endParaRPr>
+          </a:p>
+          <a:p>
+            <a:pPr marL="342900" marR="361950" lvl="0" indent="-342900" algn="just" fontAlgn="base">
+              <a:spcBef>
+                <a:spcPts val="1000"/>
+              </a:spcBef>
+              <a:buSzPts val="1400"/>
+              <a:buFont typeface="Arial" panose="020B0604020202020204" pitchFamily="34" charset="0"/>
+              <a:buChar char="•"/>
+            </a:pPr>
+            <a:r>
+              <a:rPr lang="en-US" sz="1200" dirty="0">
+                <a:latin typeface="Times New Roman" panose="02020603050405020304" pitchFamily="18" charset="0"/>
+                <a:ea typeface="Times" panose="02020603050405020304" pitchFamily="18" charset="0"/>
+                <a:cs typeface="Arial" panose="020B0604020202020204" pitchFamily="34" charset="0"/>
+              </a:rPr>
+              <a:t>Traffic Management </a:t>
+            </a:r>
+            <a:r>
+              <a:rPr lang="en-US" sz="1200" dirty="0" smtClean="0">
+                <a:latin typeface="Times New Roman" panose="02020603050405020304" pitchFamily="18" charset="0"/>
+                <a:ea typeface="Times" panose="02020603050405020304" pitchFamily="18" charset="0"/>
+                <a:cs typeface="Arial" panose="020B0604020202020204" pitchFamily="34" charset="0"/>
+              </a:rPr>
+              <a:t>Future Relevance</a:t>
+            </a:r>
+          </a:p>
+          <a:p>
+            <a:pPr marL="342900" marR="361950" lvl="0" indent="-342900" algn="just" fontAlgn="base">
+              <a:spcBef>
+                <a:spcPts val="1000"/>
+              </a:spcBef>
+              <a:buSzPts val="1400"/>
+              <a:buFont typeface="Arial" panose="020B0604020202020204" pitchFamily="34" charset="0"/>
+              <a:buChar char="•"/>
+            </a:pPr>
+            <a:r>
+              <a:rPr lang="en-US" sz="1200" dirty="0" smtClean="0">
+                <a:latin typeface="Times New Roman" panose="02020603050405020304" pitchFamily="18" charset="0"/>
+                <a:ea typeface="Arial" panose="020B0604020202020204" pitchFamily="34" charset="0"/>
+                <a:cs typeface="Arial" panose="020B0604020202020204" pitchFamily="34" charset="0"/>
+              </a:rPr>
+              <a:t>Using </a:t>
+            </a:r>
+            <a:r>
+              <a:rPr lang="en-US" sz="1200" dirty="0">
+                <a:latin typeface="Times New Roman" panose="02020603050405020304" pitchFamily="18" charset="0"/>
+                <a:ea typeface="Arial" panose="020B0604020202020204" pitchFamily="34" charset="0"/>
+                <a:cs typeface="Arial" panose="020B0604020202020204" pitchFamily="34" charset="0"/>
+              </a:rPr>
+              <a:t>AI Tools </a:t>
+            </a:r>
+            <a:r>
+              <a:rPr lang="en-US" sz="1200" dirty="0" smtClean="0">
+                <a:latin typeface="Times New Roman" panose="02020603050405020304" pitchFamily="18" charset="0"/>
+                <a:ea typeface="Arial" panose="020B0604020202020204" pitchFamily="34" charset="0"/>
+                <a:cs typeface="Arial" panose="020B0604020202020204" pitchFamily="34" charset="0"/>
+              </a:rPr>
+              <a:t>Efficiently</a:t>
+            </a:r>
+          </a:p>
+          <a:p>
+            <a:pPr marL="342900" marR="361950" lvl="0" indent="-342900" algn="just" fontAlgn="base">
+              <a:spcBef>
+                <a:spcPts val="1000"/>
+              </a:spcBef>
+              <a:buSzPts val="1400"/>
+              <a:buFont typeface="Arial" panose="020B0604020202020204" pitchFamily="34" charset="0"/>
+              <a:buChar char="•"/>
+            </a:pPr>
+            <a:r>
+              <a:rPr lang="en-US" sz="1200" dirty="0">
+                <a:latin typeface="Times New Roman" panose="02020603050405020304" pitchFamily="18" charset="0"/>
+                <a:ea typeface="Times" panose="02020603050405020304" pitchFamily="18" charset="0"/>
+                <a:cs typeface="Arial" panose="020B0604020202020204" pitchFamily="34" charset="0"/>
+              </a:rPr>
+              <a:t>P</a:t>
+            </a:r>
+            <a:r>
+              <a:rPr lang="en-US" sz="1200" dirty="0" smtClean="0">
+                <a:latin typeface="Times New Roman" panose="02020603050405020304" pitchFamily="18" charset="0"/>
+                <a:ea typeface="Times" panose="02020603050405020304" pitchFamily="18" charset="0"/>
+                <a:cs typeface="Arial" panose="020B0604020202020204" pitchFamily="34" charset="0"/>
+              </a:rPr>
+              <a:t>articipation </a:t>
+            </a:r>
+            <a:r>
+              <a:rPr lang="en-US" sz="1200" dirty="0">
+                <a:latin typeface="Times New Roman" panose="02020603050405020304" pitchFamily="18" charset="0"/>
+                <a:ea typeface="Times" panose="02020603050405020304" pitchFamily="18" charset="0"/>
+                <a:cs typeface="Arial" panose="020B0604020202020204" pitchFamily="34" charset="0"/>
+              </a:rPr>
+              <a:t>in this project provides a well-rounded learning experience that encompasses technical skills, problem-solving abilities, teamwork, and a broader understanding of urban transportation challenges and solutions</a:t>
+            </a:r>
+            <a:r>
+              <a:rPr lang="en-US" sz="1200" dirty="0" smtClean="0">
+                <a:latin typeface="Times New Roman" panose="02020603050405020304" pitchFamily="18" charset="0"/>
+                <a:ea typeface="Times" panose="02020603050405020304" pitchFamily="18" charset="0"/>
+                <a:cs typeface="Arial" panose="020B0604020202020204" pitchFamily="34" charset="0"/>
+              </a:rPr>
+              <a:t>.</a:t>
+            </a:r>
+            <a:endParaRPr lang="en-US" sz="1200" dirty="0">
+              <a:latin typeface="Open Sans" pitchFamily="2" charset="0"/>
+              <a:ea typeface="Open Sans" pitchFamily="2" charset="0"/>
+            </a:endParaRPr>
+          </a:p>
+          <a:p>
+            <a:pPr marL="342900" marR="361950" lvl="0" indent="-342900" algn="just" fontAlgn="base">
+              <a:spcBef>
+                <a:spcPts val="1000"/>
+              </a:spcBef>
+              <a:buSzPts val="1400"/>
+              <a:buFont typeface="Arial" panose="020B0604020202020204" pitchFamily="34" charset="0"/>
+              <a:buChar char="•"/>
+            </a:pPr>
+            <a:r>
+              <a:rPr lang="en-US" sz="1200" dirty="0">
+                <a:latin typeface="Times New Roman" panose="02020603050405020304" pitchFamily="18" charset="0"/>
+                <a:ea typeface="Times" panose="02020603050405020304" pitchFamily="18" charset="0"/>
+                <a:cs typeface="Arial" panose="020B0604020202020204" pitchFamily="34" charset="0"/>
+              </a:rPr>
+              <a:t>Engaging in a project focused on solutions for traffic congestion using traffic lights can result in several valuable learning outcomes.</a:t>
+            </a:r>
+            <a:endParaRPr lang="en-US" sz="1200" dirty="0">
+              <a:latin typeface="Arial" panose="020B0604020202020204" pitchFamily="34" charset="0"/>
+              <a:ea typeface="Arial" panose="020B0604020202020204" pitchFamily="34" charset="0"/>
+              <a:cs typeface="Arial" panose="020B0604020202020204" pitchFamily="34" charset="0"/>
+            </a:endParaRPr>
+          </a:p>
+        </p:txBody>
+      </p:sp>
     </p:spTree>
     <p:extLst>
       <p:ext uri="{BB962C8B-B14F-4D97-AF65-F5344CB8AC3E}">
-        <p14:creationId xmlns:p14="http://schemas.microsoft.com/office/powerpoint/2010/main" val="1360470918"/>
+        <p14:creationId xmlns:p14="http://schemas.microsoft.com/office/powerpoint/2010/main" val="3927479123"/>
       </p:ext>
     </p:extLst>
   </p:cSld>
   <p:clrMapOvr>
     <a:masterClrMapping/>
   </p:clrMapOvr>
+  <p:timing>
+    <p:tnLst>
+      <p:par>
+        <p:cTn id="1" dur="indefinite" restart="never" nodeType="tmRoot"/>
+      </p:par>
+    </p:tnLst>
+  </p:timing>
 </p:sld>
 </file>
 
@@ -8589,6 +8889,13 @@
   <p:clrMapOvr>
     <a:masterClrMapping/>
   </p:clrMapOvr>
+  <p:timing>
+    <p:tnLst>
+      <p:par>
+        <p:cTn id="1" dur="indefinite" restart="never" nodeType="tmRoot"/>
+      </p:par>
+    </p:tnLst>
+  </p:timing>
 </p:sld>
 </file>
 
@@ -8758,6 +9065,13 @@
   <p:clrMapOvr>
     <a:masterClrMapping/>
   </p:clrMapOvr>
+  <p:timing>
+    <p:tnLst>
+      <p:par>
+        <p:cTn id="1" dur="indefinite" restart="never" nodeType="tmRoot"/>
+      </p:par>
+    </p:tnLst>
+  </p:timing>
 </p:sld>
 </file>
 
@@ -8960,6 +9274,13 @@
   <p:clrMapOvr>
     <a:masterClrMapping/>
   </p:clrMapOvr>
+  <p:timing>
+    <p:tnLst>
+      <p:par>
+        <p:cTn id="1" dur="indefinite" restart="never" nodeType="tmRoot"/>
+      </p:par>
+    </p:tnLst>
+  </p:timing>
 </p:sld>
 </file>
 
@@ -9110,6 +9431,13 @@
   <p:clrMapOvr>
     <a:masterClrMapping/>
   </p:clrMapOvr>
+  <p:timing>
+    <p:tnLst>
+      <p:par>
+        <p:cTn id="1" dur="indefinite" restart="never" nodeType="tmRoot"/>
+      </p:par>
+    </p:tnLst>
+  </p:timing>
 </p:sld>
 </file>
 
@@ -9260,6 +9588,13 @@
   <p:clrMapOvr>
     <a:masterClrMapping/>
   </p:clrMapOvr>
+  <p:timing>
+    <p:tnLst>
+      <p:par>
+        <p:cTn id="1" dur="indefinite" restart="never" nodeType="tmRoot"/>
+      </p:par>
+    </p:tnLst>
+  </p:timing>
 </p:sld>
 </file>
 
@@ -9370,6 +9705,13 @@
   <p:clrMapOvr>
     <a:masterClrMapping/>
   </p:clrMapOvr>
+  <p:timing>
+    <p:tnLst>
+      <p:par>
+        <p:cTn id="1" dur="indefinite" restart="never" nodeType="tmRoot"/>
+      </p:par>
+    </p:tnLst>
+  </p:timing>
 </p:sld>
 </file>
 
@@ -9603,6 +9945,13 @@
   <p:clrMapOvr>
     <a:masterClrMapping/>
   </p:clrMapOvr>
+  <p:timing>
+    <p:tnLst>
+      <p:par>
+        <p:cTn id="1" dur="indefinite" restart="never" nodeType="tmRoot"/>
+      </p:par>
+    </p:tnLst>
+  </p:timing>
 </p:sld>
 </file>
 
@@ -9663,15 +10012,7 @@
             </a:pPr>
             <a:r>
               <a:rPr lang="en-US" sz="2400" dirty="0"/>
-              <a:t>      </a:t>
-            </a:r>
-            <a:r>
-              <a:rPr lang="en-US" sz="2400" dirty="0"/>
-              <a:t>RESULTS</a:t>
-            </a:r>
-            <a:r>
-              <a:rPr lang="en-US" sz="2400" dirty="0"/>
-              <a:t>	</a:t>
+              <a:t>      RESULTS	</a:t>
             </a:r>
             <a:endParaRPr sz="2400" dirty="0"/>
           </a:p>
@@ -9844,6 +10185,13 @@
   <p:clrMapOvr>
     <a:masterClrMapping/>
   </p:clrMapOvr>
+  <p:timing>
+    <p:tnLst>
+      <p:par>
+        <p:cTn id="1" dur="indefinite" restart="never" nodeType="tmRoot"/>
+      </p:par>
+    </p:tnLst>
+  </p:timing>
 </p:sld>
 </file>
 

--- a/Presentation/Presentation_FINAL_DRAFT.pptx
+++ b/Presentation/Presentation_FINAL_DRAFT.pptx
@@ -5,7 +5,7 @@
     <p:sldMasterId id="2147483662" r:id="rId1"/>
   </p:sldMasterIdLst>
   <p:notesMasterIdLst>
-    <p:notesMasterId r:id="rId16"/>
+    <p:notesMasterId r:id="rId17"/>
   </p:notesMasterIdLst>
   <p:sldIdLst>
     <p:sldId id="256" r:id="rId2"/>
@@ -15,54 +15,50 @@
     <p:sldId id="272" r:id="rId6"/>
     <p:sldId id="273" r:id="rId7"/>
     <p:sldId id="274" r:id="rId8"/>
-    <p:sldId id="266" r:id="rId9"/>
-    <p:sldId id="267" r:id="rId10"/>
-    <p:sldId id="268" r:id="rId11"/>
-    <p:sldId id="269" r:id="rId12"/>
-    <p:sldId id="275" r:id="rId13"/>
-    <p:sldId id="258" r:id="rId14"/>
-    <p:sldId id="259" r:id="rId15"/>
+    <p:sldId id="276" r:id="rId9"/>
+    <p:sldId id="266" r:id="rId10"/>
+    <p:sldId id="267" r:id="rId11"/>
+    <p:sldId id="268" r:id="rId12"/>
+    <p:sldId id="269" r:id="rId13"/>
+    <p:sldId id="275" r:id="rId14"/>
+    <p:sldId id="258" r:id="rId15"/>
+    <p:sldId id="259" r:id="rId16"/>
   </p:sldIdLst>
   <p:sldSz cx="9144000" cy="5143500" type="screen16x9"/>
   <p:notesSz cx="6858000" cy="9144000"/>
   <p:embeddedFontLst>
     <p:embeddedFont>
-      <p:font typeface="Calibri Light" panose="020F0302020204030204" pitchFamily="34" charset="0"/>
-      <p:regular r:id="rId17"/>
-      <p:italic r:id="rId18"/>
+      <p:font typeface="Calibri" panose="020F0502020204030204" pitchFamily="34" charset="0"/>
+      <p:regular r:id="rId18"/>
+      <p:bold r:id="rId19"/>
+      <p:italic r:id="rId20"/>
+      <p:boldItalic r:id="rId21"/>
     </p:embeddedFont>
     <p:embeddedFont>
-      <p:font typeface="Montserrat" panose="020B0604020202020204" charset="0"/>
-      <p:regular r:id="rId19"/>
-      <p:bold r:id="rId20"/>
-      <p:italic r:id="rId21"/>
-      <p:boldItalic r:id="rId22"/>
+      <p:font typeface="Calibri Light" panose="020F0302020204030204" pitchFamily="34" charset="0"/>
+      <p:regular r:id="rId22"/>
+      <p:italic r:id="rId23"/>
     </p:embeddedFont>
     <p:embeddedFont>
-      <p:font typeface="Calibri" panose="020F0502020204030204" pitchFamily="34" charset="0"/>
-      <p:regular r:id="rId23"/>
-      <p:bold r:id="rId24"/>
-      <p:italic r:id="rId25"/>
-      <p:boldItalic r:id="rId26"/>
+      <p:font typeface="Montserrat" panose="00000500000000000000" pitchFamily="2" charset="0"/>
+      <p:regular r:id="rId24"/>
+      <p:bold r:id="rId25"/>
+      <p:italic r:id="rId26"/>
+      <p:boldItalic r:id="rId27"/>
     </p:embeddedFont>
     <p:embeddedFont>
-      <p:font typeface="Montserrat Medium" panose="020B0604020202020204" charset="0"/>
-      <p:regular r:id="rId27"/>
-      <p:bold r:id="rId28"/>
-      <p:italic r:id="rId29"/>
-      <p:boldItalic r:id="rId30"/>
+      <p:font typeface="Montserrat Medium" panose="00000600000000000000" pitchFamily="2" charset="0"/>
+      <p:regular r:id="rId28"/>
+      <p:bold r:id="rId29"/>
+      <p:italic r:id="rId30"/>
+      <p:boldItalic r:id="rId31"/>
     </p:embeddedFont>
     <p:embeddedFont>
-      <p:font typeface="Times" panose="02020603050405020304" pitchFamily="18" charset="0"/>
-      <p:regular r:id="rId31"/>
-      <p:bold r:id="rId32"/>
-      <p:italic r:id="rId33"/>
-      <p:boldItalic r:id="rId34"/>
-    </p:embeddedFont>
-    <p:embeddedFont>
-      <p:font typeface="Open Sans" pitchFamily="2" charset="0"/>
-      <p:regular r:id="rId35"/>
-      <p:bold r:id="rId36"/>
+      <p:font typeface="Open Sans" panose="020B0606030504020204" pitchFamily="34" charset="0"/>
+      <p:regular r:id="rId32"/>
+      <p:bold r:id="rId33"/>
+      <p:italic r:id="rId34"/>
+      <p:boldItalic r:id="rId35"/>
     </p:embeddedFont>
   </p:embeddedFontLst>
   <p:defaultTextStyle>
@@ -295,11 +291,38 @@
     </a:lvl9pPr>
   </p:defaultTextStyle>
   <p:extLst>
+    <p:ext uri="{521415D9-36F7-43E2-AB2F-B90AF26B5E84}">
+      <p14:sectionLst xmlns:p14="http://schemas.microsoft.com/office/powerpoint/2010/main">
+        <p14:section name="Default Section" id="{4AEE8118-E6E9-44D9-8EF7-200BFCB25C2F}">
+          <p14:sldIdLst>
+            <p14:sldId id="256"/>
+            <p14:sldId id="260"/>
+            <p14:sldId id="261"/>
+            <p14:sldId id="271"/>
+            <p14:sldId id="272"/>
+            <p14:sldId id="273"/>
+          </p14:sldIdLst>
+        </p14:section>
+        <p14:section name="Untitled Section" id="{24B42EC6-DB88-4865-A835-4BE6B7DF415F}">
+          <p14:sldIdLst>
+            <p14:sldId id="274"/>
+            <p14:sldId id="276"/>
+            <p14:sldId id="266"/>
+            <p14:sldId id="267"/>
+            <p14:sldId id="268"/>
+            <p14:sldId id="269"/>
+            <p14:sldId id="275"/>
+            <p14:sldId id="258"/>
+            <p14:sldId id="259"/>
+          </p14:sldIdLst>
+        </p14:section>
+      </p14:sectionLst>
+    </p:ext>
     <p:ext uri="{EFAFB233-063F-42B5-8137-9DF3F51BA10A}">
       <p15:sldGuideLst xmlns:p15="http://schemas.microsoft.com/office/powerpoint/2012/main"/>
     </p:ext>
     <p:ext uri="GoogleSlidesCustomDataVersion2">
-      <go:slidesCustomData xmlns:go="http://customooxmlschemas.google.com/" xmlns:ahyp="http://schemas.microsoft.com/office/drawing/2018/hyperlinkcolor" xmlns:p15="http://schemas.microsoft.com/office/powerpoint/2012/main" xmlns:p14="http://schemas.microsoft.com/office/powerpoint/2010/main" xmlns:com="http://schemas.openxmlformats.org/drawingml/2006/compatibility" xmlns:pvml="urn:schemas-microsoft-com:office:powerpoint" xmlns:v="urn:schemas-microsoft-com:vml" xmlns:o="urn:schemas-microsoft-com:office:office" xmlns:dgm="http://schemas.openxmlformats.org/drawingml/2006/diagram" xmlns:c="http://schemas.openxmlformats.org/drawingml/2006/chart" xmlns:mv="urn:schemas-microsoft-com:mac:vml" xmlns:mc="http://schemas.openxmlformats.org/markup-compatibility/2006" xmlns="" r:id="rId37" roundtripDataSignature="AMtx7mhgpbhf3U/UBlUGG60SKwoBnxqdfw=="/>
+      <go:slidesCustomData xmlns="" xmlns:mc="http://schemas.openxmlformats.org/markup-compatibility/2006" xmlns:mv="urn:schemas-microsoft-com:mac:vml" xmlns:c="http://schemas.openxmlformats.org/drawingml/2006/chart" xmlns:dgm="http://schemas.openxmlformats.org/drawingml/2006/diagram" xmlns:o="urn:schemas-microsoft-com:office:office" xmlns:v="urn:schemas-microsoft-com:vml" xmlns:pvml="urn:schemas-microsoft-com:office:powerpoint" xmlns:com="http://schemas.openxmlformats.org/drawingml/2006/compatibility" xmlns:p14="http://schemas.microsoft.com/office/powerpoint/2010/main" xmlns:p15="http://schemas.microsoft.com/office/powerpoint/2012/main" xmlns:ahyp="http://schemas.microsoft.com/office/drawing/2018/hyperlinkcolor" xmlns:go="http://customooxmlschemas.google.com/" r:id="rId37" roundtripDataSignature="AMtx7mhgpbhf3U/UBlUGG60SKwoBnxqdfw=="/>
     </p:ext>
   </p:extLst>
 </p:presentation>
@@ -2257,10 +2280,9 @@
           </a:lstStyle>
           <a:p>
             <a:r>
-              <a:rPr lang="en-US" smtClean="0"/>
+              <a:rPr lang="en-US"/>
               <a:t>Click to edit Master title style</a:t>
             </a:r>
-            <a:endParaRPr lang="en-US"/>
           </a:p>
         </p:txBody>
       </p:sp>
@@ -2322,10 +2344,9 @@
           </a:lstStyle>
           <a:p>
             <a:r>
-              <a:rPr lang="en-US" smtClean="0"/>
+              <a:rPr lang="en-US"/>
               <a:t>Click to edit Master subtitle style</a:t>
             </a:r>
-            <a:endParaRPr lang="en-US"/>
           </a:p>
         </p:txBody>
       </p:sp>
@@ -2446,10 +2467,9 @@
           <a:lstStyle/>
           <a:p>
             <a:r>
-              <a:rPr lang="en-US" smtClean="0"/>
+              <a:rPr lang="en-US"/>
               <a:t>Click to edit Master title style</a:t>
             </a:r>
-            <a:endParaRPr lang="en-US"/>
           </a:p>
         </p:txBody>
       </p:sp>
@@ -2470,38 +2490,37 @@
           <a:p>
             <a:pPr lvl="0"/>
             <a:r>
-              <a:rPr lang="en-US" smtClean="0"/>
+              <a:rPr lang="en-US"/>
               <a:t>Click to edit Master text styles</a:t>
             </a:r>
           </a:p>
           <a:p>
             <a:pPr lvl="1"/>
             <a:r>
-              <a:rPr lang="en-US" smtClean="0"/>
+              <a:rPr lang="en-US"/>
               <a:t>Second level</a:t>
             </a:r>
           </a:p>
           <a:p>
             <a:pPr lvl="2"/>
             <a:r>
-              <a:rPr lang="en-US" smtClean="0"/>
+              <a:rPr lang="en-US"/>
               <a:t>Third level</a:t>
             </a:r>
           </a:p>
           <a:p>
             <a:pPr lvl="3"/>
             <a:r>
-              <a:rPr lang="en-US" smtClean="0"/>
+              <a:rPr lang="en-US"/>
               <a:t>Fourth level</a:t>
             </a:r>
           </a:p>
           <a:p>
             <a:pPr lvl="4"/>
             <a:r>
-              <a:rPr lang="en-US" smtClean="0"/>
+              <a:rPr lang="en-US"/>
               <a:t>Fifth level</a:t>
             </a:r>
-            <a:endParaRPr lang="en-US"/>
           </a:p>
         </p:txBody>
       </p:sp>
@@ -2626,10 +2645,9 @@
           <a:lstStyle/>
           <a:p>
             <a:r>
-              <a:rPr lang="en-US" smtClean="0"/>
+              <a:rPr lang="en-US"/>
               <a:t>Click to edit Master title style</a:t>
             </a:r>
-            <a:endParaRPr lang="en-US"/>
           </a:p>
         </p:txBody>
       </p:sp>
@@ -2655,38 +2673,37 @@
           <a:p>
             <a:pPr lvl="0"/>
             <a:r>
-              <a:rPr lang="en-US" smtClean="0"/>
+              <a:rPr lang="en-US"/>
               <a:t>Click to edit Master text styles</a:t>
             </a:r>
           </a:p>
           <a:p>
             <a:pPr lvl="1"/>
             <a:r>
-              <a:rPr lang="en-US" smtClean="0"/>
+              <a:rPr lang="en-US"/>
               <a:t>Second level</a:t>
             </a:r>
           </a:p>
           <a:p>
             <a:pPr lvl="2"/>
             <a:r>
-              <a:rPr lang="en-US" smtClean="0"/>
+              <a:rPr lang="en-US"/>
               <a:t>Third level</a:t>
             </a:r>
           </a:p>
           <a:p>
             <a:pPr lvl="3"/>
             <a:r>
-              <a:rPr lang="en-US" smtClean="0"/>
+              <a:rPr lang="en-US"/>
               <a:t>Fourth level</a:t>
             </a:r>
           </a:p>
           <a:p>
             <a:pPr lvl="4"/>
             <a:r>
-              <a:rPr lang="en-US" smtClean="0"/>
+              <a:rPr lang="en-US"/>
               <a:t>Fifth level</a:t>
             </a:r>
-            <a:endParaRPr lang="en-US"/>
           </a:p>
         </p:txBody>
       </p:sp>
@@ -3551,10 +3568,9 @@
           <a:lstStyle/>
           <a:p>
             <a:r>
-              <a:rPr lang="en-US" smtClean="0"/>
+              <a:rPr lang="en-US"/>
               <a:t>Click to edit Master title style</a:t>
             </a:r>
-            <a:endParaRPr lang="en-US"/>
           </a:p>
         </p:txBody>
       </p:sp>
@@ -3575,38 +3591,37 @@
           <a:p>
             <a:pPr lvl="0"/>
             <a:r>
-              <a:rPr lang="en-US" smtClean="0"/>
+              <a:rPr lang="en-US"/>
               <a:t>Click to edit Master text styles</a:t>
             </a:r>
           </a:p>
           <a:p>
             <a:pPr lvl="1"/>
             <a:r>
-              <a:rPr lang="en-US" smtClean="0"/>
+              <a:rPr lang="en-US"/>
               <a:t>Second level</a:t>
             </a:r>
           </a:p>
           <a:p>
             <a:pPr lvl="2"/>
             <a:r>
-              <a:rPr lang="en-US" smtClean="0"/>
+              <a:rPr lang="en-US"/>
               <a:t>Third level</a:t>
             </a:r>
           </a:p>
           <a:p>
             <a:pPr lvl="3"/>
             <a:r>
-              <a:rPr lang="en-US" smtClean="0"/>
+              <a:rPr lang="en-US"/>
               <a:t>Fourth level</a:t>
             </a:r>
           </a:p>
           <a:p>
             <a:pPr lvl="4"/>
             <a:r>
-              <a:rPr lang="en-US" smtClean="0"/>
+              <a:rPr lang="en-US"/>
               <a:t>Fifth level</a:t>
             </a:r>
-            <a:endParaRPr lang="en-US"/>
           </a:p>
         </p:txBody>
       </p:sp>
@@ -3736,10 +3751,9 @@
           </a:lstStyle>
           <a:p>
             <a:r>
-              <a:rPr lang="en-US" smtClean="0"/>
+              <a:rPr lang="en-US"/>
               <a:t>Click to edit Master title style</a:t>
             </a:r>
-            <a:endParaRPr lang="en-US"/>
           </a:p>
         </p:txBody>
       </p:sp>
@@ -3856,7 +3870,7 @@
           <a:p>
             <a:pPr lvl="0"/>
             <a:r>
-              <a:rPr lang="en-US" smtClean="0"/>
+              <a:rPr lang="en-US"/>
               <a:t>Click to edit Master text styles</a:t>
             </a:r>
           </a:p>
@@ -3978,10 +3992,9 @@
           <a:lstStyle/>
           <a:p>
             <a:r>
-              <a:rPr lang="en-US" smtClean="0"/>
+              <a:rPr lang="en-US"/>
               <a:t>Click to edit Master title style</a:t>
             </a:r>
-            <a:endParaRPr lang="en-US"/>
           </a:p>
         </p:txBody>
       </p:sp>
@@ -4007,38 +4020,37 @@
           <a:p>
             <a:pPr lvl="0"/>
             <a:r>
-              <a:rPr lang="en-US" smtClean="0"/>
+              <a:rPr lang="en-US"/>
               <a:t>Click to edit Master text styles</a:t>
             </a:r>
           </a:p>
           <a:p>
             <a:pPr lvl="1"/>
             <a:r>
-              <a:rPr lang="en-US" smtClean="0"/>
+              <a:rPr lang="en-US"/>
               <a:t>Second level</a:t>
             </a:r>
           </a:p>
           <a:p>
             <a:pPr lvl="2"/>
             <a:r>
-              <a:rPr lang="en-US" smtClean="0"/>
+              <a:rPr lang="en-US"/>
               <a:t>Third level</a:t>
             </a:r>
           </a:p>
           <a:p>
             <a:pPr lvl="3"/>
             <a:r>
-              <a:rPr lang="en-US" smtClean="0"/>
+              <a:rPr lang="en-US"/>
               <a:t>Fourth level</a:t>
             </a:r>
           </a:p>
           <a:p>
             <a:pPr lvl="4"/>
             <a:r>
-              <a:rPr lang="en-US" smtClean="0"/>
+              <a:rPr lang="en-US"/>
               <a:t>Fifth level</a:t>
             </a:r>
-            <a:endParaRPr lang="en-US"/>
           </a:p>
         </p:txBody>
       </p:sp>
@@ -4064,38 +4076,37 @@
           <a:p>
             <a:pPr lvl="0"/>
             <a:r>
-              <a:rPr lang="en-US" smtClean="0"/>
+              <a:rPr lang="en-US"/>
               <a:t>Click to edit Master text styles</a:t>
             </a:r>
           </a:p>
           <a:p>
             <a:pPr lvl="1"/>
             <a:r>
-              <a:rPr lang="en-US" smtClean="0"/>
+              <a:rPr lang="en-US"/>
               <a:t>Second level</a:t>
             </a:r>
           </a:p>
           <a:p>
             <a:pPr lvl="2"/>
             <a:r>
-              <a:rPr lang="en-US" smtClean="0"/>
+              <a:rPr lang="en-US"/>
               <a:t>Third level</a:t>
             </a:r>
           </a:p>
           <a:p>
             <a:pPr lvl="3"/>
             <a:r>
-              <a:rPr lang="en-US" smtClean="0"/>
+              <a:rPr lang="en-US"/>
               <a:t>Fourth level</a:t>
             </a:r>
           </a:p>
           <a:p>
             <a:pPr lvl="4"/>
             <a:r>
-              <a:rPr lang="en-US" smtClean="0"/>
+              <a:rPr lang="en-US"/>
               <a:t>Fifth level</a:t>
             </a:r>
-            <a:endParaRPr lang="en-US"/>
           </a:p>
         </p:txBody>
       </p:sp>
@@ -4220,10 +4231,9 @@
           <a:lstStyle/>
           <a:p>
             <a:r>
-              <a:rPr lang="en-US" smtClean="0"/>
+              <a:rPr lang="en-US"/>
               <a:t>Click to edit Master title style</a:t>
             </a:r>
-            <a:endParaRPr lang="en-US"/>
           </a:p>
         </p:txBody>
       </p:sp>
@@ -4286,7 +4296,7 @@
           <a:p>
             <a:pPr lvl="0"/>
             <a:r>
-              <a:rPr lang="en-US" smtClean="0"/>
+              <a:rPr lang="en-US"/>
               <a:t>Click to edit Master text styles</a:t>
             </a:r>
           </a:p>
@@ -4314,38 +4324,37 @@
           <a:p>
             <a:pPr lvl="0"/>
             <a:r>
-              <a:rPr lang="en-US" smtClean="0"/>
+              <a:rPr lang="en-US"/>
               <a:t>Click to edit Master text styles</a:t>
             </a:r>
           </a:p>
           <a:p>
             <a:pPr lvl="1"/>
             <a:r>
-              <a:rPr lang="en-US" smtClean="0"/>
+              <a:rPr lang="en-US"/>
               <a:t>Second level</a:t>
             </a:r>
           </a:p>
           <a:p>
             <a:pPr lvl="2"/>
             <a:r>
-              <a:rPr lang="en-US" smtClean="0"/>
+              <a:rPr lang="en-US"/>
               <a:t>Third level</a:t>
             </a:r>
           </a:p>
           <a:p>
             <a:pPr lvl="3"/>
             <a:r>
-              <a:rPr lang="en-US" smtClean="0"/>
+              <a:rPr lang="en-US"/>
               <a:t>Fourth level</a:t>
             </a:r>
           </a:p>
           <a:p>
             <a:pPr lvl="4"/>
             <a:r>
-              <a:rPr lang="en-US" smtClean="0"/>
+              <a:rPr lang="en-US"/>
               <a:t>Fifth level</a:t>
             </a:r>
-            <a:endParaRPr lang="en-US"/>
           </a:p>
         </p:txBody>
       </p:sp>
@@ -4408,7 +4417,7 @@
           <a:p>
             <a:pPr lvl="0"/>
             <a:r>
-              <a:rPr lang="en-US" smtClean="0"/>
+              <a:rPr lang="en-US"/>
               <a:t>Click to edit Master text styles</a:t>
             </a:r>
           </a:p>
@@ -4436,38 +4445,37 @@
           <a:p>
             <a:pPr lvl="0"/>
             <a:r>
-              <a:rPr lang="en-US" smtClean="0"/>
+              <a:rPr lang="en-US"/>
               <a:t>Click to edit Master text styles</a:t>
             </a:r>
           </a:p>
           <a:p>
             <a:pPr lvl="1"/>
             <a:r>
-              <a:rPr lang="en-US" smtClean="0"/>
+              <a:rPr lang="en-US"/>
               <a:t>Second level</a:t>
             </a:r>
           </a:p>
           <a:p>
             <a:pPr lvl="2"/>
             <a:r>
-              <a:rPr lang="en-US" smtClean="0"/>
+              <a:rPr lang="en-US"/>
               <a:t>Third level</a:t>
             </a:r>
           </a:p>
           <a:p>
             <a:pPr lvl="3"/>
             <a:r>
-              <a:rPr lang="en-US" smtClean="0"/>
+              <a:rPr lang="en-US"/>
               <a:t>Fourth level</a:t>
             </a:r>
           </a:p>
           <a:p>
             <a:pPr lvl="4"/>
             <a:r>
-              <a:rPr lang="en-US" smtClean="0"/>
+              <a:rPr lang="en-US"/>
               <a:t>Fifth level</a:t>
             </a:r>
-            <a:endParaRPr lang="en-US"/>
           </a:p>
         </p:txBody>
       </p:sp>
@@ -4587,10 +4595,9 @@
           <a:lstStyle/>
           <a:p>
             <a:r>
-              <a:rPr lang="en-US" smtClean="0"/>
+              <a:rPr lang="en-US"/>
               <a:t>Click to edit Master title style</a:t>
             </a:r>
-            <a:endParaRPr lang="en-US"/>
           </a:p>
         </p:txBody>
       </p:sp>
@@ -4819,10 +4826,9 @@
           </a:lstStyle>
           <a:p>
             <a:r>
-              <a:rPr lang="en-US" smtClean="0"/>
+              <a:rPr lang="en-US"/>
               <a:t>Click to edit Master title style</a:t>
             </a:r>
-            <a:endParaRPr lang="en-US"/>
           </a:p>
         </p:txBody>
       </p:sp>
@@ -4876,38 +4882,37 @@
           <a:p>
             <a:pPr lvl="0"/>
             <a:r>
-              <a:rPr lang="en-US" smtClean="0"/>
+              <a:rPr lang="en-US"/>
               <a:t>Click to edit Master text styles</a:t>
             </a:r>
           </a:p>
           <a:p>
             <a:pPr lvl="1"/>
             <a:r>
-              <a:rPr lang="en-US" smtClean="0"/>
+              <a:rPr lang="en-US"/>
               <a:t>Second level</a:t>
             </a:r>
           </a:p>
           <a:p>
             <a:pPr lvl="2"/>
             <a:r>
-              <a:rPr lang="en-US" smtClean="0"/>
+              <a:rPr lang="en-US"/>
               <a:t>Third level</a:t>
             </a:r>
           </a:p>
           <a:p>
             <a:pPr lvl="3"/>
             <a:r>
-              <a:rPr lang="en-US" smtClean="0"/>
+              <a:rPr lang="en-US"/>
               <a:t>Fourth level</a:t>
             </a:r>
           </a:p>
           <a:p>
             <a:pPr lvl="4"/>
             <a:r>
-              <a:rPr lang="en-US" smtClean="0"/>
+              <a:rPr lang="en-US"/>
               <a:t>Fifth level</a:t>
             </a:r>
-            <a:endParaRPr lang="en-US"/>
           </a:p>
         </p:txBody>
       </p:sp>
@@ -4970,7 +4975,7 @@
           <a:p>
             <a:pPr lvl="0"/>
             <a:r>
-              <a:rPr lang="en-US" smtClean="0"/>
+              <a:rPr lang="en-US"/>
               <a:t>Click to edit Master text styles</a:t>
             </a:r>
           </a:p>
@@ -5101,10 +5106,9 @@
           </a:lstStyle>
           <a:p>
             <a:r>
-              <a:rPr lang="en-US" smtClean="0"/>
+              <a:rPr lang="en-US"/>
               <a:t>Click to edit Master title style</a:t>
             </a:r>
-            <a:endParaRPr lang="en-US"/>
           </a:p>
         </p:txBody>
       </p:sp>
@@ -5228,7 +5232,7 @@
           <a:p>
             <a:pPr lvl="0"/>
             <a:r>
-              <a:rPr lang="en-US" smtClean="0"/>
+              <a:rPr lang="en-US"/>
               <a:t>Click to edit Master text styles</a:t>
             </a:r>
           </a:p>
@@ -5365,10 +5369,9 @@
           <a:lstStyle/>
           <a:p>
             <a:r>
-              <a:rPr lang="en-US" smtClean="0"/>
+              <a:rPr lang="en-US"/>
               <a:t>Click to edit Master title style</a:t>
             </a:r>
-            <a:endParaRPr lang="en-US"/>
           </a:p>
         </p:txBody>
       </p:sp>
@@ -5399,38 +5402,37 @@
           <a:p>
             <a:pPr lvl="0"/>
             <a:r>
-              <a:rPr lang="en-US" smtClean="0"/>
+              <a:rPr lang="en-US"/>
               <a:t>Click to edit Master text styles</a:t>
             </a:r>
           </a:p>
           <a:p>
             <a:pPr lvl="1"/>
             <a:r>
-              <a:rPr lang="en-US" smtClean="0"/>
+              <a:rPr lang="en-US"/>
               <a:t>Second level</a:t>
             </a:r>
           </a:p>
           <a:p>
             <a:pPr lvl="2"/>
             <a:r>
-              <a:rPr lang="en-US" smtClean="0"/>
+              <a:rPr lang="en-US"/>
               <a:t>Third level</a:t>
             </a:r>
           </a:p>
           <a:p>
             <a:pPr lvl="3"/>
             <a:r>
-              <a:rPr lang="en-US" smtClean="0"/>
+              <a:rPr lang="en-US"/>
               <a:t>Fourth level</a:t>
             </a:r>
           </a:p>
           <a:p>
             <a:pPr lvl="4"/>
             <a:r>
-              <a:rPr lang="en-US" smtClean="0"/>
+              <a:rPr lang="en-US"/>
               <a:t>Fifth level</a:t>
             </a:r>
-            <a:endParaRPr lang="en-US"/>
           </a:p>
         </p:txBody>
       </p:sp>
@@ -5927,7 +5929,7 @@
               <a:buNone/>
             </a:pPr>
             <a:r>
-              <a:rPr lang="en-US" sz="2500" b="1" i="0" u="none" strike="noStrike" cap="none" dirty="0" smtClean="0">
+              <a:rPr lang="en-US" sz="2500" b="1" i="0" u="none" strike="noStrike" cap="none" dirty="0">
                 <a:solidFill>
                   <a:schemeClr val="dk1"/>
                 </a:solidFill>
@@ -6012,7 +6014,7 @@
               <a:t>ini Project </a:t>
             </a:r>
             <a:r>
-              <a:rPr lang="en-IN" sz="1700" dirty="0" smtClean="0">
+              <a:rPr lang="en-IN" sz="1700" dirty="0">
                 <a:solidFill>
                   <a:schemeClr val="dk1"/>
                 </a:solidFill>
@@ -6129,19 +6131,7 @@
                 <a:cs typeface="Montserrat"/>
                 <a:sym typeface="Montserrat"/>
               </a:rPr>
-              <a:t>Presentation </a:t>
-            </a:r>
-            <a:r>
-              <a:rPr lang="en-US" sz="1800" b="1" i="0" u="none" strike="noStrike" cap="none" dirty="0" smtClean="0">
-                <a:solidFill>
-                  <a:schemeClr val="dk1"/>
-                </a:solidFill>
-                <a:latin typeface="Montserrat"/>
-                <a:ea typeface="Montserrat"/>
-                <a:cs typeface="Montserrat"/>
-                <a:sym typeface="Montserrat"/>
-              </a:rPr>
-              <a:t>By</a:t>
+              <a:t>Presentation By</a:t>
             </a:r>
           </a:p>
           <a:p>
@@ -6214,10 +6204,10 @@
                 <a:cs typeface="Montserrat Medium"/>
                 <a:sym typeface="Montserrat Medium"/>
               </a:rPr>
-              <a:t> </a:t>
-            </a:r>
-            <a:r>
-              <a:rPr lang="en-US" dirty="0" smtClean="0">
+              <a:t> R (</a:t>
+            </a:r>
+            <a:r>
+              <a:rPr lang="en-US" sz="1400" i="0" u="none" strike="noStrike" cap="none" dirty="0">
                 <a:solidFill>
                   <a:schemeClr val="dk1"/>
                 </a:solidFill>
@@ -6226,57 +6216,7 @@
                 <a:cs typeface="Montserrat Medium"/>
                 <a:sym typeface="Montserrat Medium"/>
               </a:rPr>
-              <a:t>R (</a:t>
-            </a:r>
-            <a:r>
-              <a:rPr lang="en-US" sz="1400" i="0" u="none" strike="noStrike" cap="none" dirty="0" smtClean="0">
-                <a:solidFill>
-                  <a:schemeClr val="dk1"/>
-                </a:solidFill>
-                <a:latin typeface="Montserrat Medium"/>
-                <a:ea typeface="Montserrat Medium"/>
-                <a:cs typeface="Montserrat Medium"/>
-                <a:sym typeface="Montserrat Medium"/>
-              </a:rPr>
               <a:t>1DS22IS</a:t>
-            </a:r>
-            <a:r>
-              <a:rPr lang="en-US" dirty="0" smtClean="0">
-                <a:solidFill>
-                  <a:schemeClr val="dk1"/>
-                </a:solidFill>
-                <a:latin typeface="Montserrat Medium"/>
-                <a:ea typeface="Montserrat Medium"/>
-                <a:cs typeface="Montserrat Medium"/>
-                <a:sym typeface="Montserrat Medium"/>
-              </a:rPr>
-              <a:t>017)</a:t>
-            </a:r>
-          </a:p>
-          <a:p>
-            <a:pPr marL="0" marR="0" lvl="0" indent="0" algn="l" rtl="0">
-              <a:lnSpc>
-                <a:spcPct val="100000"/>
-              </a:lnSpc>
-              <a:spcBef>
-                <a:spcPts val="0"/>
-              </a:spcBef>
-              <a:spcAft>
-                <a:spcPts val="0"/>
-              </a:spcAft>
-              <a:buNone/>
-            </a:pPr>
-            <a:r>
-              <a:rPr lang="en-US" sz="1400" i="0" u="none" strike="noStrike" cap="none" dirty="0" smtClean="0">
-                <a:solidFill>
-                  <a:schemeClr val="dk1"/>
-                </a:solidFill>
-                <a:latin typeface="Montserrat Medium"/>
-                <a:ea typeface="Montserrat Medium"/>
-                <a:cs typeface="Montserrat Medium"/>
-                <a:sym typeface="Montserrat Medium"/>
-              </a:rPr>
-              <a:t> </a:t>
             </a:r>
             <a:r>
               <a:rPr lang="en-US" dirty="0">
@@ -6288,10 +6228,24 @@
                 <a:cs typeface="Montserrat Medium"/>
                 <a:sym typeface="Montserrat Medium"/>
               </a:rPr>
-              <a:t>Suvan </a:t>
-            </a:r>
-            <a:r>
-              <a:rPr lang="en-US" dirty="0" smtClean="0">
+              <a:t>017)</a:t>
+            </a:r>
+          </a:p>
+          <a:p>
+            <a:pPr marL="0" marR="0" lvl="0" indent="0" algn="l" rtl="0">
+              <a:lnSpc>
+                <a:spcPct val="100000"/>
+              </a:lnSpc>
+              <a:spcBef>
+                <a:spcPts val="0"/>
+              </a:spcBef>
+              <a:spcAft>
+                <a:spcPts val="0"/>
+              </a:spcAft>
+              <a:buNone/>
+            </a:pPr>
+            <a:r>
+              <a:rPr lang="en-US" sz="1400" i="0" u="none" strike="noStrike" cap="none" dirty="0">
                 <a:solidFill>
                   <a:schemeClr val="dk1"/>
                 </a:solidFill>
@@ -6300,31 +6254,7 @@
                 <a:cs typeface="Montserrat Medium"/>
                 <a:sym typeface="Montserrat Medium"/>
               </a:rPr>
-              <a:t>Banerjee (</a:t>
-            </a:r>
-            <a:r>
-              <a:rPr lang="en-US" sz="1400" i="0" u="none" strike="noStrike" cap="none" dirty="0" smtClean="0">
-                <a:solidFill>
-                  <a:schemeClr val="dk1"/>
-                </a:solidFill>
-                <a:latin typeface="Montserrat Medium"/>
-                <a:ea typeface="Montserrat Medium"/>
-                <a:cs typeface="Montserrat Medium"/>
-                <a:sym typeface="Montserrat Medium"/>
-              </a:rPr>
-              <a:t>1DS22IS1</a:t>
-            </a:r>
-            <a:r>
-              <a:rPr lang="en-US" dirty="0" smtClean="0">
-                <a:solidFill>
-                  <a:schemeClr val="dk1"/>
-                </a:solidFill>
-                <a:latin typeface="Montserrat Medium"/>
-                <a:ea typeface="Montserrat Medium"/>
-                <a:cs typeface="Montserrat Medium"/>
-                <a:sym typeface="Montserrat Medium"/>
-              </a:rPr>
-              <a:t>68</a:t>
+              <a:t> </a:t>
             </a:r>
             <a:r>
               <a:rPr lang="en-US" dirty="0">
@@ -6336,7 +6266,31 @@
                 <a:cs typeface="Montserrat Medium"/>
                 <a:sym typeface="Montserrat Medium"/>
               </a:rPr>
-              <a:t>)</a:t>
+              <a:t>Suvan Banerjee (</a:t>
+            </a:r>
+            <a:r>
+              <a:rPr lang="en-US" sz="1400" i="0" u="none" strike="noStrike" cap="none" dirty="0">
+                <a:solidFill>
+                  <a:schemeClr val="dk1"/>
+                </a:solidFill>
+                <a:latin typeface="Montserrat Medium"/>
+                <a:ea typeface="Montserrat Medium"/>
+                <a:cs typeface="Montserrat Medium"/>
+                <a:sym typeface="Montserrat Medium"/>
+              </a:rPr>
+              <a:t>1DS22IS1</a:t>
+            </a:r>
+            <a:r>
+              <a:rPr lang="en-US" dirty="0">
+                <a:solidFill>
+                  <a:schemeClr val="dk1"/>
+                </a:solidFill>
+                <a:latin typeface="Montserrat Medium"/>
+                <a:ea typeface="Montserrat Medium"/>
+                <a:cs typeface="Montserrat Medium"/>
+                <a:sym typeface="Montserrat Medium"/>
+              </a:rPr>
+              <a:t>68)</a:t>
             </a:r>
             <a:endParaRPr dirty="0">
               <a:solidFill>
@@ -6398,7 +6352,7 @@
               <a:t> S </a:t>
             </a:r>
             <a:r>
-              <a:rPr lang="en-US" dirty="0" err="1" smtClean="0">
+              <a:rPr lang="en-US" dirty="0" err="1">
                 <a:solidFill>
                   <a:schemeClr val="dk1"/>
                 </a:solidFill>
@@ -6410,7 +6364,7 @@
               <a:t>Magadum</a:t>
             </a:r>
             <a:r>
-              <a:rPr lang="en-US" sz="1400" i="0" u="none" strike="noStrike" cap="none" dirty="0" smtClean="0">
+              <a:rPr lang="en-US" sz="1400" i="0" u="none" strike="noStrike" cap="none" dirty="0">
                 <a:solidFill>
                   <a:schemeClr val="dk1"/>
                 </a:solidFill>
@@ -6420,42 +6374,6 @@
                 <a:sym typeface="Montserrat Medium"/>
               </a:rPr>
               <a:t> </a:t>
-            </a:r>
-            <a:r>
-              <a:rPr lang="en-US" dirty="0" smtClean="0">
-                <a:solidFill>
-                  <a:schemeClr val="dk1"/>
-                </a:solidFill>
-                <a:latin typeface="Montserrat Medium"/>
-                <a:ea typeface="Montserrat Medium"/>
-                <a:cs typeface="Montserrat Medium"/>
-                <a:sym typeface="Montserrat Medium"/>
-              </a:rPr>
-              <a:t>(</a:t>
-            </a:r>
-            <a:r>
-              <a:rPr lang="en-US" sz="1400" i="0" u="none" strike="noStrike" cap="none" dirty="0" smtClean="0">
-                <a:solidFill>
-                  <a:schemeClr val="dk1"/>
-                </a:solidFill>
-                <a:latin typeface="Montserrat Medium"/>
-                <a:ea typeface="Montserrat Medium"/>
-                <a:cs typeface="Montserrat Medium"/>
-                <a:sym typeface="Montserrat Medium"/>
-              </a:rPr>
-              <a:t>1DS22IS</a:t>
-            </a:r>
-            <a:r>
-              <a:rPr lang="en-US" dirty="0" smtClean="0">
-                <a:solidFill>
-                  <a:schemeClr val="dk1"/>
-                </a:solidFill>
-                <a:latin typeface="Montserrat Medium"/>
-                <a:ea typeface="Montserrat Medium"/>
-                <a:cs typeface="Montserrat Medium"/>
-                <a:sym typeface="Montserrat Medium"/>
-              </a:rPr>
-              <a:t>177</a:t>
             </a:r>
             <a:r>
               <a:rPr lang="en-US" dirty="0">
@@ -6467,7 +6385,31 @@
                 <a:cs typeface="Montserrat Medium"/>
                 <a:sym typeface="Montserrat Medium"/>
               </a:rPr>
-              <a:t>)</a:t>
+              <a:t>(</a:t>
+            </a:r>
+            <a:r>
+              <a:rPr lang="en-US" sz="1400" i="0" u="none" strike="noStrike" cap="none" dirty="0">
+                <a:solidFill>
+                  <a:schemeClr val="dk1"/>
+                </a:solidFill>
+                <a:latin typeface="Montserrat Medium"/>
+                <a:ea typeface="Montserrat Medium"/>
+                <a:cs typeface="Montserrat Medium"/>
+                <a:sym typeface="Montserrat Medium"/>
+              </a:rPr>
+              <a:t>1DS22IS</a:t>
+            </a:r>
+            <a:r>
+              <a:rPr lang="en-US" dirty="0">
+                <a:solidFill>
+                  <a:schemeClr val="dk1"/>
+                </a:solidFill>
+                <a:latin typeface="Montserrat Medium"/>
+                <a:ea typeface="Montserrat Medium"/>
+                <a:cs typeface="Montserrat Medium"/>
+                <a:sym typeface="Montserrat Medium"/>
+              </a:rPr>
+              <a:t>177)</a:t>
             </a:r>
             <a:endParaRPr dirty="0">
               <a:solidFill>
@@ -6553,7 +6495,7 @@
               <a:t> </a:t>
             </a:r>
             <a:r>
-              <a:rPr lang="en-US" sz="1400" i="0" u="none" strike="noStrike" cap="none" dirty="0" err="1" smtClean="0">
+              <a:rPr lang="en-US" sz="1400" i="0" u="none" strike="noStrike" cap="none" dirty="0" err="1">
                 <a:solidFill>
                   <a:schemeClr val="dk1"/>
                 </a:solidFill>
@@ -6565,7 +6507,7 @@
               <a:t>Balpande</a:t>
             </a:r>
             <a:r>
-              <a:rPr lang="en-US" sz="1400" i="0" u="none" strike="noStrike" cap="none" dirty="0" smtClean="0">
+              <a:rPr lang="en-US" sz="1400" i="0" u="none" strike="noStrike" cap="none" dirty="0">
                 <a:solidFill>
                   <a:schemeClr val="dk1"/>
                 </a:solidFill>
@@ -6577,7 +6519,7 @@
               <a:t> </a:t>
             </a:r>
             <a:r>
-              <a:rPr lang="en-US" dirty="0" smtClean="0">
+              <a:rPr lang="en-US" dirty="0">
                 <a:solidFill>
                   <a:schemeClr val="dk1"/>
                 </a:solidFill>
@@ -6589,7 +6531,7 @@
               <a:t>(</a:t>
             </a:r>
             <a:r>
-              <a:rPr lang="en-US" sz="1400" i="0" u="none" strike="noStrike" cap="none" dirty="0" smtClean="0">
+              <a:rPr lang="en-US" sz="1400" i="0" u="none" strike="noStrike" cap="none" dirty="0">
                 <a:solidFill>
                   <a:schemeClr val="dk1"/>
                 </a:solidFill>
@@ -6979,13 +6921,6 @@
   <p:clrMapOvr>
     <a:masterClrMapping/>
   </p:clrMapOvr>
-  <p:timing>
-    <p:tnLst>
-      <p:par>
-        <p:cTn id="1" dur="indefinite" restart="never" nodeType="tmRoot"/>
-      </p:par>
-    </p:tnLst>
-  </p:timing>
 </p:sld>
 </file>
 
@@ -6994,7 +6929,7 @@
   <p:cSld>
     <p:spTree>
       <p:nvGrpSpPr>
-        <p:cNvPr id="1" name="Shape 189"/>
+        <p:cNvPr id="1" name="Shape 159"/>
         <p:cNvGrpSpPr/>
         <p:nvPr/>
       </p:nvGrpSpPr>
@@ -7008,18 +6943,18 @@
       </p:grpSpPr>
       <p:sp>
         <p:nvSpPr>
-          <p:cNvPr id="193" name="Google Shape;193;p23"/>
+          <p:cNvPr id="160" name="Google Shape;160;p20"/>
           <p:cNvSpPr txBox="1">
             <a:spLocks noGrp="1"/>
           </p:cNvSpPr>
           <p:nvPr>
-            <p:ph type="sldNum" idx="12"/>
+            <p:ph type="title"/>
           </p:nvPr>
         </p:nvSpPr>
         <p:spPr>
           <a:xfrm>
-            <a:off x="6057900" y="4767263"/>
-            <a:ext cx="1600200" cy="273844"/>
+            <a:off x="1428750" y="1543050"/>
+            <a:ext cx="6172200" cy="514350"/>
           </a:xfrm>
           <a:prstGeom prst="rect">
             <a:avLst/>
@@ -7031,6 +6966,52 @@
         </p:spPr>
         <p:txBody>
           <a:bodyPr spcFirstLastPara="1" vert="horz" wrap="square" lIns="68569" tIns="34275" rIns="68569" bIns="34275" rtlCol="0" anchor="ctr" anchorCtr="0">
+            <a:normAutofit/>
+          </a:bodyPr>
+          <a:lstStyle/>
+          <a:p>
+            <a:pPr algn="ctr">
+              <a:spcBef>
+                <a:spcPts val="0"/>
+              </a:spcBef>
+              <a:buClr>
+                <a:schemeClr val="dk1"/>
+              </a:buClr>
+              <a:buSzPts val="3200"/>
+            </a:pPr>
+            <a:r>
+              <a:rPr lang="en-US" sz="2400" dirty="0"/>
+              <a:t>      RESULTS	</a:t>
+            </a:r>
+            <a:endParaRPr sz="2400" dirty="0"/>
+          </a:p>
+        </p:txBody>
+      </p:sp>
+      <p:sp>
+        <p:nvSpPr>
+          <p:cNvPr id="163" name="Google Shape;163;p20"/>
+          <p:cNvSpPr txBox="1">
+            <a:spLocks noGrp="1"/>
+          </p:cNvSpPr>
+          <p:nvPr>
+            <p:ph type="sldNum" idx="12"/>
+          </p:nvPr>
+        </p:nvSpPr>
+        <p:spPr>
+          <a:xfrm>
+            <a:off x="6057900" y="4767263"/>
+            <a:ext cx="1600200" cy="273844"/>
+          </a:xfrm>
+          <a:prstGeom prst="rect">
+            <a:avLst/>
+          </a:prstGeom>
+          <a:noFill/>
+          <a:ln>
+            <a:noFill/>
+          </a:ln>
+        </p:spPr>
+        <p:txBody>
+          <a:bodyPr spcFirstLastPara="1" vert="horz" wrap="square" lIns="68569" tIns="34275" rIns="68569" bIns="34275" rtlCol="0" anchor="ctr" anchorCtr="0">
             <a:noAutofit/>
           </a:bodyPr>
           <a:lstStyle/>
@@ -7046,7 +7027,50 @@
       </p:sp>
       <p:sp>
         <p:nvSpPr>
-          <p:cNvPr id="195" name="Google Shape;195;p23"/>
+          <p:cNvPr id="164" name="Google Shape;164;p20"/>
+          <p:cNvSpPr txBox="1"/>
+          <p:nvPr/>
+        </p:nvSpPr>
+        <p:spPr>
+          <a:xfrm>
+            <a:off x="1485900" y="2286000"/>
+            <a:ext cx="6172200" cy="2343150"/>
+          </a:xfrm>
+          <a:prstGeom prst="rect">
+            <a:avLst/>
+          </a:prstGeom>
+          <a:noFill/>
+          <a:ln>
+            <a:noFill/>
+          </a:ln>
+        </p:spPr>
+        <p:txBody>
+          <a:bodyPr spcFirstLastPara="1" wrap="square" lIns="68569" tIns="34275" rIns="68569" bIns="34275" anchor="t" anchorCtr="0">
+            <a:normAutofit/>
+          </a:bodyPr>
+          <a:lstStyle/>
+          <a:p>
+            <a:pPr marL="257175" indent="-257175">
+              <a:buClr>
+                <a:schemeClr val="dk1"/>
+              </a:buClr>
+              <a:buSzPts val="3200"/>
+            </a:pPr>
+            <a:endParaRPr sz="2400">
+              <a:solidFill>
+                <a:schemeClr val="dk1"/>
+              </a:solidFill>
+              <a:latin typeface="Calibri"/>
+              <a:ea typeface="Calibri"/>
+              <a:cs typeface="Calibri"/>
+              <a:sym typeface="Calibri"/>
+            </a:endParaRPr>
+          </a:p>
+        </p:txBody>
+      </p:sp>
+      <p:sp>
+        <p:nvSpPr>
+          <p:cNvPr id="165" name="Google Shape;165;p20"/>
           <p:cNvSpPr txBox="1"/>
           <p:nvPr/>
         </p:nvSpPr>
@@ -7087,20 +7111,29 @@
           </a:p>
         </p:txBody>
       </p:sp>
-      <p:sp>
-        <p:nvSpPr>
-          <p:cNvPr id="9" name="Google Shape;109;p15"/>
-          <p:cNvSpPr txBox="1">
-            <a:spLocks noGrp="1"/>
-          </p:cNvSpPr>
-          <p:nvPr>
-            <p:ph type="title"/>
-          </p:nvPr>
-        </p:nvSpPr>
-        <p:spPr>
-          <a:xfrm>
-            <a:off x="1543050" y="367295"/>
-            <a:ext cx="6172200" cy="514350"/>
+      <p:pic>
+        <p:nvPicPr>
+          <p:cNvPr id="8" name="Picture 7" descr="C:\Users\KrupaShankari\Downloads\Revised_ISE_Logo.png"/>
+          <p:cNvPicPr/>
+          <p:nvPr/>
+        </p:nvPicPr>
+        <p:blipFill>
+          <a:blip r:embed="rId3" cstate="print">
+            <a:extLst>
+              <a:ext uri="{28A0092B-C50C-407E-A947-70E740481C1C}">
+                <a14:useLocalDpi xmlns:a14="http://schemas.microsoft.com/office/drawing/2010/main" val="0"/>
+              </a:ext>
+            </a:extLst>
+          </a:blip>
+          <a:srcRect/>
+          <a:stretch>
+            <a:fillRect/>
+          </a:stretch>
+        </p:blipFill>
+        <p:spPr bwMode="auto">
+          <a:xfrm>
+            <a:off x="1543929" y="332491"/>
+            <a:ext cx="6045591" cy="1113656"/>
           </a:xfrm>
           <a:prstGeom prst="rect">
             <a:avLst/>
@@ -7110,177 +7143,17 @@
             <a:noFill/>
           </a:ln>
         </p:spPr>
-        <p:txBody>
-          <a:bodyPr spcFirstLastPara="1" vert="horz" wrap="square" lIns="68569" tIns="34275" rIns="68569" bIns="34275" rtlCol="0" anchor="ctr" anchorCtr="0">
-            <a:normAutofit/>
-          </a:bodyPr>
-          <a:lstStyle/>
-          <a:p>
-            <a:pPr algn="ctr">
-              <a:spcBef>
-                <a:spcPts val="0"/>
-              </a:spcBef>
-              <a:buClr>
-                <a:schemeClr val="dk1"/>
-              </a:buClr>
-              <a:buSzPts val="3200"/>
-            </a:pPr>
-            <a:r>
-              <a:rPr lang="en-IN" sz="2400" b="1" dirty="0" smtClean="0">
-                <a:latin typeface="Montserrat" panose="020B0604020202020204" charset="0"/>
-              </a:rPr>
-              <a:t>CONCLUSION </a:t>
-            </a:r>
-            <a:endParaRPr sz="2400" b="1" dirty="0">
-              <a:latin typeface="Montserrat" panose="020B0604020202020204" charset="0"/>
-            </a:endParaRPr>
-          </a:p>
-        </p:txBody>
-      </p:sp>
-      <p:sp>
-        <p:nvSpPr>
-          <p:cNvPr id="3" name="Rectangle 2"/>
-          <p:cNvSpPr/>
-          <p:nvPr/>
-        </p:nvSpPr>
-        <p:spPr>
-          <a:xfrm>
-            <a:off x="663151" y="1474764"/>
-            <a:ext cx="7931997" cy="2693045"/>
-          </a:xfrm>
-          <a:prstGeom prst="rect">
-            <a:avLst/>
-          </a:prstGeom>
-        </p:spPr>
-        <p:txBody>
-          <a:bodyPr wrap="square">
-            <a:spAutoFit/>
-          </a:bodyPr>
-          <a:lstStyle/>
-          <a:p>
-            <a:pPr marL="457200" marR="361950" algn="just">
-              <a:spcBef>
-                <a:spcPts val="1000"/>
-              </a:spcBef>
-            </a:pPr>
-            <a:r>
-              <a:rPr lang="en-US" sz="1200" dirty="0">
-                <a:latin typeface="Times New Roman" panose="02020603050405020304" pitchFamily="18" charset="0"/>
-                <a:ea typeface="Times" panose="02020603050405020304" pitchFamily="18" charset="0"/>
-                <a:cs typeface="Times New Roman" panose="02020603050405020304" pitchFamily="18" charset="0"/>
-              </a:rPr>
-              <a:t>The proposed system sets the green signal time adaptively according to the traffic density at the signal and ensures that the direction with more traffic is allotted a green signal for a longer duration of time as compared to the direction with lesser traffic. This will lower the unwanted delays, and delays, and reduce congestion and waiting time which in turn will reduce the fuel consumption and pollution</a:t>
-            </a:r>
-            <a:r>
-              <a:rPr lang="en-US" sz="1200" dirty="0" smtClean="0">
-                <a:latin typeface="Times New Roman" panose="02020603050405020304" pitchFamily="18" charset="0"/>
-                <a:ea typeface="Times" panose="02020603050405020304" pitchFamily="18" charset="0"/>
-                <a:cs typeface="Times New Roman" panose="02020603050405020304" pitchFamily="18" charset="0"/>
-              </a:rPr>
-              <a:t>.</a:t>
-            </a:r>
-            <a:endParaRPr lang="en-US" sz="1200" dirty="0">
-              <a:latin typeface="Times New Roman" panose="02020603050405020304" pitchFamily="18" charset="0"/>
-              <a:ea typeface="Open Sans" pitchFamily="2" charset="0"/>
-              <a:cs typeface="Times New Roman" panose="02020603050405020304" pitchFamily="18" charset="0"/>
-            </a:endParaRPr>
-          </a:p>
-          <a:p>
-            <a:pPr marL="457200" marR="361950" algn="just">
-              <a:spcBef>
-                <a:spcPts val="1000"/>
-              </a:spcBef>
-            </a:pPr>
-            <a:r>
-              <a:rPr lang="en-US" sz="1200" dirty="0">
-                <a:latin typeface="Times New Roman" panose="02020603050405020304" pitchFamily="18" charset="0"/>
-                <a:ea typeface="Times" panose="02020603050405020304" pitchFamily="18" charset="0"/>
-                <a:cs typeface="Times New Roman" panose="02020603050405020304" pitchFamily="18" charset="0"/>
-              </a:rPr>
-              <a:t>The new system is expected to shows much improvement over the current system in terms of the number of vehicles crossing the intersection, which is a significant improvement. This system can thus be integrated with the CCTV cameras in major cities in order to facilitate better management of traffic</a:t>
-            </a:r>
-            <a:r>
-              <a:rPr lang="en-US" sz="1200" dirty="0" smtClean="0">
-                <a:latin typeface="Times New Roman" panose="02020603050405020304" pitchFamily="18" charset="0"/>
-                <a:ea typeface="Times" panose="02020603050405020304" pitchFamily="18" charset="0"/>
-                <a:cs typeface="Times New Roman" panose="02020603050405020304" pitchFamily="18" charset="0"/>
-              </a:rPr>
-              <a:t>.</a:t>
-            </a:r>
-            <a:endParaRPr lang="en-US" sz="1200" dirty="0">
-              <a:latin typeface="Times New Roman" panose="02020603050405020304" pitchFamily="18" charset="0"/>
-              <a:ea typeface="Open Sans" pitchFamily="2" charset="0"/>
-              <a:cs typeface="Times New Roman" panose="02020603050405020304" pitchFamily="18" charset="0"/>
-            </a:endParaRPr>
-          </a:p>
-          <a:p>
-            <a:pPr marL="457200" marR="361950" algn="just">
-              <a:spcBef>
-                <a:spcPts val="1000"/>
-              </a:spcBef>
-            </a:pPr>
-            <a:r>
-              <a:rPr lang="en-US" sz="1200" dirty="0">
-                <a:latin typeface="Times New Roman" panose="02020603050405020304" pitchFamily="18" charset="0"/>
-                <a:ea typeface="Times" panose="02020603050405020304" pitchFamily="18" charset="0"/>
-                <a:cs typeface="Times New Roman" panose="02020603050405020304" pitchFamily="18" charset="0"/>
-              </a:rPr>
-              <a:t>The solutions explored in the project span a wide spectrum, from short-term interventions like optimizing traffic signals timings to long-term strategies like promoting sustainable transportation modes and urban planning revisions</a:t>
-            </a:r>
-            <a:r>
-              <a:rPr lang="en-US" sz="1200" dirty="0" smtClean="0">
-                <a:latin typeface="Times New Roman" panose="02020603050405020304" pitchFamily="18" charset="0"/>
-                <a:ea typeface="Times" panose="02020603050405020304" pitchFamily="18" charset="0"/>
-                <a:cs typeface="Times New Roman" panose="02020603050405020304" pitchFamily="18" charset="0"/>
-              </a:rPr>
-              <a:t>.</a:t>
-            </a:r>
-            <a:endParaRPr lang="en-US" sz="1200" dirty="0">
-              <a:latin typeface="Times New Roman" panose="02020603050405020304" pitchFamily="18" charset="0"/>
-              <a:ea typeface="Open Sans" pitchFamily="2" charset="0"/>
-              <a:cs typeface="Times New Roman" panose="02020603050405020304" pitchFamily="18" charset="0"/>
-            </a:endParaRPr>
-          </a:p>
-          <a:p>
-            <a:pPr marL="457200" marR="361950" algn="just">
-              <a:spcBef>
-                <a:spcPts val="1000"/>
-              </a:spcBef>
-            </a:pPr>
-            <a:r>
-              <a:rPr lang="en-US" sz="1200" dirty="0">
-                <a:latin typeface="Times New Roman" panose="02020603050405020304" pitchFamily="18" charset="0"/>
-                <a:ea typeface="Times" panose="02020603050405020304" pitchFamily="18" charset="0"/>
-                <a:cs typeface="Times New Roman" panose="02020603050405020304" pitchFamily="18" charset="0"/>
-              </a:rPr>
-              <a:t>The project has significant impacts on traffic congestion, ranging from increased travel times and decreased productivity to heightened pollution levels and compromised public safety.</a:t>
-            </a:r>
-            <a:endParaRPr lang="en-US" sz="1200" dirty="0">
-              <a:effectLst/>
-              <a:latin typeface="Times New Roman" panose="02020603050405020304" pitchFamily="18" charset="0"/>
-              <a:ea typeface="Open Sans" pitchFamily="2" charset="0"/>
-              <a:cs typeface="Times New Roman" panose="02020603050405020304" pitchFamily="18" charset="0"/>
-            </a:endParaRPr>
-          </a:p>
-        </p:txBody>
-      </p:sp>
+      </p:pic>
     </p:spTree>
     <p:extLst>
       <p:ext uri="{BB962C8B-B14F-4D97-AF65-F5344CB8AC3E}">
-        <p14:creationId xmlns:p14="http://schemas.microsoft.com/office/powerpoint/2010/main" val="3537971770"/>
+        <p14:creationId xmlns:p14="http://schemas.microsoft.com/office/powerpoint/2010/main" val="1211255944"/>
       </p:ext>
     </p:extLst>
   </p:cSld>
   <p:clrMapOvr>
     <a:masterClrMapping/>
   </p:clrMapOvr>
-  <p:timing>
-    <p:tnLst>
-      <p:par>
-        <p:cTn id="1" dur="indefinite" restart="never" nodeType="tmRoot"/>
-      </p:par>
-    </p:tnLst>
-  </p:timing>
 </p:sld>
 </file>
 
@@ -7384,6 +7257,270 @@
       </p:sp>
       <p:sp>
         <p:nvSpPr>
+          <p:cNvPr id="9" name="Google Shape;109;p15"/>
+          <p:cNvSpPr txBox="1">
+            <a:spLocks noGrp="1"/>
+          </p:cNvSpPr>
+          <p:nvPr>
+            <p:ph type="title"/>
+          </p:nvPr>
+        </p:nvSpPr>
+        <p:spPr>
+          <a:xfrm>
+            <a:off x="1543050" y="367295"/>
+            <a:ext cx="6172200" cy="514350"/>
+          </a:xfrm>
+          <a:prstGeom prst="rect">
+            <a:avLst/>
+          </a:prstGeom>
+          <a:noFill/>
+          <a:ln>
+            <a:noFill/>
+          </a:ln>
+        </p:spPr>
+        <p:txBody>
+          <a:bodyPr spcFirstLastPara="1" vert="horz" wrap="square" lIns="68569" tIns="34275" rIns="68569" bIns="34275" rtlCol="0" anchor="ctr" anchorCtr="0">
+            <a:normAutofit/>
+          </a:bodyPr>
+          <a:lstStyle/>
+          <a:p>
+            <a:pPr algn="ctr">
+              <a:spcBef>
+                <a:spcPts val="0"/>
+              </a:spcBef>
+              <a:buClr>
+                <a:schemeClr val="dk1"/>
+              </a:buClr>
+              <a:buSzPts val="3200"/>
+            </a:pPr>
+            <a:r>
+              <a:rPr lang="en-IN" sz="2400" b="1" dirty="0">
+                <a:latin typeface="Montserrat" panose="020B0604020202020204" charset="0"/>
+              </a:rPr>
+              <a:t>CONCLUSION </a:t>
+            </a:r>
+            <a:endParaRPr sz="2400" b="1" dirty="0">
+              <a:latin typeface="Montserrat" panose="020B0604020202020204" charset="0"/>
+            </a:endParaRPr>
+          </a:p>
+        </p:txBody>
+      </p:sp>
+      <p:sp>
+        <p:nvSpPr>
+          <p:cNvPr id="3" name="Rectangle 2"/>
+          <p:cNvSpPr/>
+          <p:nvPr/>
+        </p:nvSpPr>
+        <p:spPr>
+          <a:xfrm>
+            <a:off x="663151" y="1474764"/>
+            <a:ext cx="7931997" cy="2693045"/>
+          </a:xfrm>
+          <a:prstGeom prst="rect">
+            <a:avLst/>
+          </a:prstGeom>
+        </p:spPr>
+        <p:txBody>
+          <a:bodyPr wrap="square">
+            <a:spAutoFit/>
+          </a:bodyPr>
+          <a:lstStyle/>
+          <a:p>
+            <a:pPr marL="457200" marR="361950" algn="just">
+              <a:spcBef>
+                <a:spcPts val="1000"/>
+              </a:spcBef>
+            </a:pPr>
+            <a:r>
+              <a:rPr lang="en-US" sz="1200" dirty="0">
+                <a:latin typeface="Times New Roman" panose="02020603050405020304" pitchFamily="18" charset="0"/>
+                <a:ea typeface="Times" panose="02020603050405020304" pitchFamily="18" charset="0"/>
+                <a:cs typeface="Times New Roman" panose="02020603050405020304" pitchFamily="18" charset="0"/>
+              </a:rPr>
+              <a:t>The proposed system sets the green signal time adaptively according to the traffic density at the signal and ensures that the direction with more traffic is allotted a green signal for a longer duration of time as compared to the direction with lesser traffic. This will lower the unwanted delays, and delays, and reduce congestion and waiting time which in turn will reduce the fuel consumption and pollution.</a:t>
+            </a:r>
+            <a:endParaRPr lang="en-US" sz="1200" dirty="0">
+              <a:latin typeface="Times New Roman" panose="02020603050405020304" pitchFamily="18" charset="0"/>
+              <a:ea typeface="Open Sans" pitchFamily="2" charset="0"/>
+              <a:cs typeface="Times New Roman" panose="02020603050405020304" pitchFamily="18" charset="0"/>
+            </a:endParaRPr>
+          </a:p>
+          <a:p>
+            <a:pPr marL="457200" marR="361950" algn="just">
+              <a:spcBef>
+                <a:spcPts val="1000"/>
+              </a:spcBef>
+            </a:pPr>
+            <a:r>
+              <a:rPr lang="en-US" sz="1200" dirty="0">
+                <a:latin typeface="Times New Roman" panose="02020603050405020304" pitchFamily="18" charset="0"/>
+                <a:ea typeface="Times" panose="02020603050405020304" pitchFamily="18" charset="0"/>
+                <a:cs typeface="Times New Roman" panose="02020603050405020304" pitchFamily="18" charset="0"/>
+              </a:rPr>
+              <a:t>The new system is expected to shows much improvement over the current system in terms of the number of vehicles crossing the intersection, which is a significant improvement. This system can thus be integrated with the CCTV cameras in major cities in order to facilitate better management of traffic.</a:t>
+            </a:r>
+            <a:endParaRPr lang="en-US" sz="1200" dirty="0">
+              <a:latin typeface="Times New Roman" panose="02020603050405020304" pitchFamily="18" charset="0"/>
+              <a:ea typeface="Open Sans" pitchFamily="2" charset="0"/>
+              <a:cs typeface="Times New Roman" panose="02020603050405020304" pitchFamily="18" charset="0"/>
+            </a:endParaRPr>
+          </a:p>
+          <a:p>
+            <a:pPr marL="457200" marR="361950" algn="just">
+              <a:spcBef>
+                <a:spcPts val="1000"/>
+              </a:spcBef>
+            </a:pPr>
+            <a:r>
+              <a:rPr lang="en-US" sz="1200" dirty="0">
+                <a:latin typeface="Times New Roman" panose="02020603050405020304" pitchFamily="18" charset="0"/>
+                <a:ea typeface="Times" panose="02020603050405020304" pitchFamily="18" charset="0"/>
+                <a:cs typeface="Times New Roman" panose="02020603050405020304" pitchFamily="18" charset="0"/>
+              </a:rPr>
+              <a:t>The solutions explored in the project span a wide spectrum, from short-term interventions like optimizing traffic signals timings to long-term strategies like promoting sustainable transportation modes and urban planning revisions.</a:t>
+            </a:r>
+            <a:endParaRPr lang="en-US" sz="1200" dirty="0">
+              <a:latin typeface="Times New Roman" panose="02020603050405020304" pitchFamily="18" charset="0"/>
+              <a:ea typeface="Open Sans" pitchFamily="2" charset="0"/>
+              <a:cs typeface="Times New Roman" panose="02020603050405020304" pitchFamily="18" charset="0"/>
+            </a:endParaRPr>
+          </a:p>
+          <a:p>
+            <a:pPr marL="457200" marR="361950" algn="just">
+              <a:spcBef>
+                <a:spcPts val="1000"/>
+              </a:spcBef>
+            </a:pPr>
+            <a:r>
+              <a:rPr lang="en-US" sz="1200" dirty="0">
+                <a:latin typeface="Times New Roman" panose="02020603050405020304" pitchFamily="18" charset="0"/>
+                <a:ea typeface="Times" panose="02020603050405020304" pitchFamily="18" charset="0"/>
+                <a:cs typeface="Times New Roman" panose="02020603050405020304" pitchFamily="18" charset="0"/>
+              </a:rPr>
+              <a:t>The project has significant impacts on traffic congestion, ranging from increased travel times and decreased productivity to heightened pollution levels and compromised public safety.</a:t>
+            </a:r>
+            <a:endParaRPr lang="en-US" sz="1200" dirty="0">
+              <a:effectLst/>
+              <a:latin typeface="Times New Roman" panose="02020603050405020304" pitchFamily="18" charset="0"/>
+              <a:ea typeface="Open Sans" pitchFamily="2" charset="0"/>
+              <a:cs typeface="Times New Roman" panose="02020603050405020304" pitchFamily="18" charset="0"/>
+            </a:endParaRPr>
+          </a:p>
+        </p:txBody>
+      </p:sp>
+    </p:spTree>
+    <p:extLst>
+      <p:ext uri="{BB962C8B-B14F-4D97-AF65-F5344CB8AC3E}">
+        <p14:creationId xmlns:p14="http://schemas.microsoft.com/office/powerpoint/2010/main" val="3537971770"/>
+      </p:ext>
+    </p:extLst>
+  </p:cSld>
+  <p:clrMapOvr>
+    <a:masterClrMapping/>
+  </p:clrMapOvr>
+</p:sld>
+</file>
+
+<file path=ppt/slides/slide12.xml><?xml version="1.0" encoding="utf-8"?>
+<p:sld xmlns:a="http://schemas.openxmlformats.org/drawingml/2006/main" xmlns:r="http://schemas.openxmlformats.org/officeDocument/2006/relationships" xmlns:p="http://schemas.openxmlformats.org/presentationml/2006/main">
+  <p:cSld>
+    <p:spTree>
+      <p:nvGrpSpPr>
+        <p:cNvPr id="1" name="Shape 189"/>
+        <p:cNvGrpSpPr/>
+        <p:nvPr/>
+      </p:nvGrpSpPr>
+      <p:grpSpPr>
+        <a:xfrm>
+          <a:off x="0" y="0"/>
+          <a:ext cx="0" cy="0"/>
+          <a:chOff x="0" y="0"/>
+          <a:chExt cx="0" cy="0"/>
+        </a:xfrm>
+      </p:grpSpPr>
+      <p:sp>
+        <p:nvSpPr>
+          <p:cNvPr id="193" name="Google Shape;193;p23"/>
+          <p:cNvSpPr txBox="1">
+            <a:spLocks noGrp="1"/>
+          </p:cNvSpPr>
+          <p:nvPr>
+            <p:ph type="sldNum" idx="12"/>
+          </p:nvPr>
+        </p:nvSpPr>
+        <p:spPr>
+          <a:xfrm>
+            <a:off x="6057900" y="4767263"/>
+            <a:ext cx="1600200" cy="273844"/>
+          </a:xfrm>
+          <a:prstGeom prst="rect">
+            <a:avLst/>
+          </a:prstGeom>
+          <a:noFill/>
+          <a:ln>
+            <a:noFill/>
+          </a:ln>
+        </p:spPr>
+        <p:txBody>
+          <a:bodyPr spcFirstLastPara="1" vert="horz" wrap="square" lIns="68569" tIns="34275" rIns="68569" bIns="34275" rtlCol="0" anchor="ctr" anchorCtr="0">
+            <a:noAutofit/>
+          </a:bodyPr>
+          <a:lstStyle/>
+          <a:p>
+            <a:fld id="{00000000-1234-1234-1234-123412341234}" type="slidenum">
+              <a:rPr lang="en-US"/>
+              <a:pPr/>
+              <a:t>12</a:t>
+            </a:fld>
+            <a:endParaRPr/>
+          </a:p>
+        </p:txBody>
+      </p:sp>
+      <p:sp>
+        <p:nvSpPr>
+          <p:cNvPr id="195" name="Google Shape;195;p23"/>
+          <p:cNvSpPr txBox="1"/>
+          <p:nvPr/>
+        </p:nvSpPr>
+        <p:spPr>
+          <a:xfrm>
+            <a:off x="1543050" y="3486150"/>
+            <a:ext cx="6172200" cy="571500"/>
+          </a:xfrm>
+          <a:prstGeom prst="rect">
+            <a:avLst/>
+          </a:prstGeom>
+          <a:noFill/>
+          <a:ln>
+            <a:noFill/>
+          </a:ln>
+        </p:spPr>
+        <p:txBody>
+          <a:bodyPr spcFirstLastPara="1" wrap="square" lIns="68569" tIns="34275" rIns="68569" bIns="34275" anchor="ctr" anchorCtr="0">
+            <a:normAutofit/>
+          </a:bodyPr>
+          <a:lstStyle/>
+          <a:p>
+            <a:pPr>
+              <a:buClr>
+                <a:schemeClr val="dk1"/>
+              </a:buClr>
+              <a:buSzPts val="3200"/>
+            </a:pPr>
+            <a:endParaRPr sz="2400">
+              <a:solidFill>
+                <a:schemeClr val="dk1"/>
+              </a:solidFill>
+              <a:latin typeface="Calibri"/>
+              <a:ea typeface="Calibri"/>
+              <a:cs typeface="Calibri"/>
+              <a:sym typeface="Calibri"/>
+            </a:endParaRPr>
+          </a:p>
+        </p:txBody>
+      </p:sp>
+      <p:sp>
+        <p:nvSpPr>
           <p:cNvPr id="2" name="Rectangle 1"/>
           <p:cNvSpPr/>
           <p:nvPr/>
@@ -7416,15 +7553,7 @@
                 <a:ea typeface="Times New Roman" panose="02020603050405020304" pitchFamily="18" charset="0"/>
                 <a:cs typeface="Times New Roman" panose="02020603050405020304" pitchFamily="18" charset="0"/>
               </a:rPr>
-              <a:t>Testing on Raspberry Pi: Extending the practical application of the traffic management system, it is essential to test and optimize its performance on hardware like Raspberry </a:t>
-            </a:r>
-            <a:r>
-              <a:rPr lang="en-US" sz="1200" dirty="0" smtClean="0">
-                <a:latin typeface="Times New Roman" panose="02020603050405020304" pitchFamily="18" charset="0"/>
-                <a:ea typeface="Times New Roman" panose="02020603050405020304" pitchFamily="18" charset="0"/>
-                <a:cs typeface="Times New Roman" panose="02020603050405020304" pitchFamily="18" charset="0"/>
-              </a:rPr>
-              <a:t>Pi.</a:t>
+              <a:t>Testing on Raspberry Pi: Extending the practical application of the traffic management system, it is essential to test and optimize its performance on hardware like Raspberry Pi.</a:t>
             </a:r>
             <a:endParaRPr lang="en-US" sz="1200" dirty="0">
               <a:latin typeface="Times New Roman" panose="02020603050405020304" pitchFamily="18" charset="0"/>
@@ -7438,55 +7567,12 @@
               <a:buAutoNum type="arabicPeriod"/>
             </a:pPr>
             <a:r>
-              <a:rPr lang="en-US" sz="1200" dirty="0" smtClean="0">
-                <a:latin typeface="Times New Roman" panose="02020603050405020304" pitchFamily="18" charset="0"/>
-                <a:ea typeface="Times New Roman" panose="02020603050405020304" pitchFamily="18" charset="0"/>
-                <a:cs typeface="Times New Roman" panose="02020603050405020304" pitchFamily="18" charset="0"/>
-              </a:rPr>
-              <a:t>Improved </a:t>
-            </a:r>
-            <a:r>
               <a:rPr lang="en-US" sz="1200" dirty="0">
                 <a:latin typeface="Times New Roman" panose="02020603050405020304" pitchFamily="18" charset="0"/>
                 <a:ea typeface="Times New Roman" panose="02020603050405020304" pitchFamily="18" charset="0"/>
                 <a:cs typeface="Times New Roman" panose="02020603050405020304" pitchFamily="18" charset="0"/>
               </a:rPr>
-              <a:t>Nighttime Accuracy with Thermal/IR Cameras: Enhancing the system's performance during nighttime or low-visibility conditions is critical. Integrating thermal or infrared (IR) cameras can provide better recognition of vehicles and pedestrians in the </a:t>
-            </a:r>
-            <a:r>
-              <a:rPr lang="en-US" sz="1200" dirty="0" smtClean="0">
-                <a:latin typeface="Times New Roman" panose="02020603050405020304" pitchFamily="18" charset="0"/>
-                <a:ea typeface="Times New Roman" panose="02020603050405020304" pitchFamily="18" charset="0"/>
-                <a:cs typeface="Times New Roman" panose="02020603050405020304" pitchFamily="18" charset="0"/>
-              </a:rPr>
-              <a:t>dark.</a:t>
-            </a:r>
-            <a:endParaRPr lang="en-US" sz="1200" dirty="0" smtClean="0">
-              <a:latin typeface="Times New Roman" panose="02020603050405020304" pitchFamily="18" charset="0"/>
-              <a:ea typeface="Open Sans" pitchFamily="2" charset="0"/>
-              <a:cs typeface="Times New Roman" panose="02020603050405020304" pitchFamily="18" charset="0"/>
-            </a:endParaRPr>
-          </a:p>
-          <a:p>
-            <a:pPr marL="342900" lvl="0" indent="-342900" algn="just">
-              <a:buFont typeface="+mj-lt"/>
-              <a:buAutoNum type="arabicPeriod"/>
-            </a:pPr>
-            <a:r>
-              <a:rPr lang="en-US" sz="1200" dirty="0" smtClean="0">
-                <a:latin typeface="Times New Roman" panose="02020603050405020304" pitchFamily="18" charset="0"/>
-                <a:ea typeface="Times New Roman" panose="02020603050405020304" pitchFamily="18" charset="0"/>
-                <a:cs typeface="Times New Roman" panose="02020603050405020304" pitchFamily="18" charset="0"/>
-              </a:rPr>
-              <a:t>Data </a:t>
-            </a:r>
-            <a:r>
-              <a:rPr lang="en-US" sz="1200" dirty="0">
-                <a:latin typeface="Times New Roman" panose="02020603050405020304" pitchFamily="18" charset="0"/>
-                <a:ea typeface="Times New Roman" panose="02020603050405020304" pitchFamily="18" charset="0"/>
-                <a:cs typeface="Times New Roman" panose="02020603050405020304" pitchFamily="18" charset="0"/>
-              </a:rPr>
-              <a:t>Encryption for Network Security: As data communication is integral to the system's functionality, implementing strong data encryption protocols is vital. Ensure that all data transmitted over the network is encrypted </a:t>
+              <a:t>Improved Nighttime Accuracy with Thermal/IR Cameras: Enhancing the system's performance during nighttime or low-visibility conditions is critical. Integrating thermal or infrared (IR) cameras can provide better recognition of vehicles and pedestrians in the dark.</a:t>
             </a:r>
             <a:endParaRPr lang="en-US" sz="1200" dirty="0">
               <a:latin typeface="Times New Roman" panose="02020603050405020304" pitchFamily="18" charset="0"/>
@@ -7505,15 +7591,7 @@
                 <a:ea typeface="Times New Roman" panose="02020603050405020304" pitchFamily="18" charset="0"/>
                 <a:cs typeface="Times New Roman" panose="02020603050405020304" pitchFamily="18" charset="0"/>
               </a:rPr>
-              <a:t>Port Scanning for Network Discovery: To enhance the system's network capabilities, consider implementing port scanning functionality. This feature allows the system to actively discover and identify available ports on the network</a:t>
-            </a:r>
-            <a:r>
-              <a:rPr lang="en-US" sz="1200" dirty="0" smtClean="0">
-                <a:latin typeface="Times New Roman" panose="02020603050405020304" pitchFamily="18" charset="0"/>
-                <a:ea typeface="Times New Roman" panose="02020603050405020304" pitchFamily="18" charset="0"/>
-                <a:cs typeface="Times New Roman" panose="02020603050405020304" pitchFamily="18" charset="0"/>
-              </a:rPr>
-              <a:t>.</a:t>
+              <a:t>Data Encryption for Network Security: As data communication is integral to the system's functionality, implementing strong data encryption protocols is vital. Ensure that all data transmitted over the network is encrypted </a:t>
             </a:r>
             <a:endParaRPr lang="en-US" sz="1200" dirty="0">
               <a:latin typeface="Times New Roman" panose="02020603050405020304" pitchFamily="18" charset="0"/>
@@ -7532,17 +7610,9 @@
                 <a:ea typeface="Times New Roman" panose="02020603050405020304" pitchFamily="18" charset="0"/>
                 <a:cs typeface="Times New Roman" panose="02020603050405020304" pitchFamily="18" charset="0"/>
               </a:rPr>
-              <a:t>Expansion to Multiple Junctions: Scaling the system's deployment to cover additional junctions and intersections is a logical step for urban traffic management. Expanding the system's coverage to multiple junctions (5, 6, or more</a:t>
-            </a:r>
-            <a:r>
-              <a:rPr lang="en-US" sz="1200" dirty="0" smtClean="0">
-                <a:latin typeface="Times New Roman" panose="02020603050405020304" pitchFamily="18" charset="0"/>
-                <a:ea typeface="Times New Roman" panose="02020603050405020304" pitchFamily="18" charset="0"/>
-                <a:cs typeface="Times New Roman" panose="02020603050405020304" pitchFamily="18" charset="0"/>
-              </a:rPr>
-              <a:t>)  </a:t>
-            </a:r>
-            <a:endParaRPr lang="en-US" sz="1200" dirty="0" smtClean="0">
+              <a:t>Port Scanning for Network Discovery: To enhance the system's network capabilities, consider implementing port scanning functionality. This feature allows the system to actively discover and identify available ports on the network.</a:t>
+            </a:r>
+            <a:endParaRPr lang="en-US" sz="1200" dirty="0">
               <a:latin typeface="Times New Roman" panose="02020603050405020304" pitchFamily="18" charset="0"/>
               <a:ea typeface="Open Sans" pitchFamily="2" charset="0"/>
               <a:cs typeface="Times New Roman" panose="02020603050405020304" pitchFamily="18" charset="0"/>
@@ -7554,20 +7624,31 @@
               <a:buAutoNum type="arabicPeriod"/>
             </a:pPr>
             <a:r>
-              <a:rPr lang="en-US" sz="1200" dirty="0" smtClean="0">
-                <a:latin typeface="Times New Roman" panose="02020603050405020304" pitchFamily="18" charset="0"/>
-                <a:ea typeface="Times New Roman" panose="02020603050405020304" pitchFamily="18" charset="0"/>
-                <a:cs typeface="Times New Roman" panose="02020603050405020304" pitchFamily="18" charset="0"/>
-              </a:rPr>
-              <a:t>Mutual </a:t>
-            </a:r>
-            <a:r>
               <a:rPr lang="en-US" sz="1200" dirty="0">
                 <a:latin typeface="Times New Roman" panose="02020603050405020304" pitchFamily="18" charset="0"/>
                 <a:ea typeface="Times New Roman" panose="02020603050405020304" pitchFamily="18" charset="0"/>
                 <a:cs typeface="Times New Roman" panose="02020603050405020304" pitchFamily="18" charset="0"/>
               </a:rPr>
-              <a:t>Execution: To enhance the system's robustness and reliability, consider implementing mutual execution with a tool like </a:t>
+              <a:t>Expansion to Multiple Junctions: Scaling the system's deployment to cover additional junctions and intersections is a logical step for urban traffic management. Expanding the system's coverage to multiple junctions (5, 6, or more)  </a:t>
+            </a:r>
+            <a:endParaRPr lang="en-US" sz="1200" dirty="0">
+              <a:latin typeface="Times New Roman" panose="02020603050405020304" pitchFamily="18" charset="0"/>
+              <a:ea typeface="Open Sans" pitchFamily="2" charset="0"/>
+              <a:cs typeface="Times New Roman" panose="02020603050405020304" pitchFamily="18" charset="0"/>
+            </a:endParaRPr>
+          </a:p>
+          <a:p>
+            <a:pPr marL="342900" lvl="0" indent="-342900" algn="just">
+              <a:buFont typeface="+mj-lt"/>
+              <a:buAutoNum type="arabicPeriod"/>
+            </a:pPr>
+            <a:r>
+              <a:rPr lang="en-US" sz="1200" dirty="0">
+                <a:latin typeface="Times New Roman" panose="02020603050405020304" pitchFamily="18" charset="0"/>
+                <a:ea typeface="Times New Roman" panose="02020603050405020304" pitchFamily="18" charset="0"/>
+                <a:cs typeface="Times New Roman" panose="02020603050405020304" pitchFamily="18" charset="0"/>
+              </a:rPr>
+              <a:t>Mutual Execution: To enhance the system's robustness and reliability, consider implementing mutual execution with a tool like </a:t>
             </a:r>
             <a:r>
               <a:rPr lang="en-US" sz="1200" dirty="0" err="1">
@@ -7633,7 +7714,7 @@
               <a:buSzPts val="3200"/>
             </a:pPr>
             <a:r>
-              <a:rPr lang="en-IN" sz="2400" b="1" dirty="0" smtClean="0">
+              <a:rPr lang="en-IN" sz="2400" b="1" dirty="0">
                 <a:latin typeface="Montserrat" panose="020B0604020202020204" charset="0"/>
               </a:rPr>
               <a:t>FUTURE ENHANCEMENTS</a:t>
@@ -7654,17 +7735,10 @@
   <p:clrMapOvr>
     <a:masterClrMapping/>
   </p:clrMapOvr>
-  <p:timing>
-    <p:tnLst>
-      <p:par>
-        <p:cTn id="1" dur="indefinite" restart="never" nodeType="tmRoot"/>
-      </p:par>
-    </p:tnLst>
-  </p:timing>
 </p:sld>
 </file>
 
-<file path=ppt/slides/slide12.xml><?xml version="1.0" encoding="utf-8"?>
+<file path=ppt/slides/slide13.xml><?xml version="1.0" encoding="utf-8"?>
 <p:sld xmlns:a="http://schemas.openxmlformats.org/drawingml/2006/main" xmlns:r="http://schemas.openxmlformats.org/officeDocument/2006/relationships" xmlns:p="http://schemas.openxmlformats.org/presentationml/2006/main">
   <p:cSld>
     <p:spTree>
@@ -7720,7 +7794,7 @@
               <a:buSzPts val="3200"/>
             </a:pPr>
             <a:r>
-              <a:rPr lang="en-IN" sz="2400" b="1" dirty="0" smtClean="0">
+              <a:rPr lang="en-IN" sz="2400" b="1" dirty="0">
                 <a:latin typeface="Montserrat" panose="020B0604020202020204" charset="0"/>
               </a:rPr>
               <a:t>LEARNING OUTCOMES</a:t>
@@ -7784,15 +7858,7 @@
                 <a:ea typeface="Times" panose="02020603050405020304" pitchFamily="18" charset="0"/>
                 <a:cs typeface="Arial" panose="020B0604020202020204" pitchFamily="34" charset="0"/>
               </a:rPr>
-              <a:t>Environmental </a:t>
-            </a:r>
-            <a:r>
-              <a:rPr lang="en-US" sz="1200" dirty="0" smtClean="0">
-                <a:latin typeface="Times New Roman" panose="02020603050405020304" pitchFamily="18" charset="0"/>
-                <a:ea typeface="Times" panose="02020603050405020304" pitchFamily="18" charset="0"/>
-                <a:cs typeface="Arial" panose="020B0604020202020204" pitchFamily="34" charset="0"/>
-              </a:rPr>
-              <a:t>Awareness</a:t>
+              <a:t>Environmental Awareness</a:t>
             </a:r>
             <a:endParaRPr lang="en-US" sz="1200" dirty="0">
               <a:latin typeface="Open Sans" pitchFamily="2" charset="0"/>
@@ -7814,15 +7880,7 @@
                 <a:ea typeface="Times" panose="02020603050405020304" pitchFamily="18" charset="0"/>
                 <a:cs typeface="Arial" panose="020B0604020202020204" pitchFamily="34" charset="0"/>
               </a:rPr>
-              <a:t>Evaluation and </a:t>
-            </a:r>
-            <a:r>
-              <a:rPr lang="en-US" sz="1200" dirty="0" smtClean="0">
-                <a:latin typeface="Times New Roman" panose="02020603050405020304" pitchFamily="18" charset="0"/>
-                <a:ea typeface="Times" panose="02020603050405020304" pitchFamily="18" charset="0"/>
-                <a:cs typeface="Arial" panose="020B0604020202020204" pitchFamily="34" charset="0"/>
-              </a:rPr>
-              <a:t>Analysis</a:t>
+              <a:t>Evaluation and Analysis</a:t>
             </a:r>
             <a:endParaRPr lang="en-US" sz="1200" dirty="0">
               <a:latin typeface="Open Sans" pitchFamily="2" charset="0"/>
@@ -7844,15 +7902,7 @@
                 <a:ea typeface="Times" panose="02020603050405020304" pitchFamily="18" charset="0"/>
                 <a:cs typeface="Arial" panose="020B0604020202020204" pitchFamily="34" charset="0"/>
               </a:rPr>
-              <a:t>Traffic Management </a:t>
-            </a:r>
-            <a:r>
-              <a:rPr lang="en-US" sz="1200" dirty="0" smtClean="0">
-                <a:latin typeface="Times New Roman" panose="02020603050405020304" pitchFamily="18" charset="0"/>
-                <a:ea typeface="Times" panose="02020603050405020304" pitchFamily="18" charset="0"/>
-                <a:cs typeface="Arial" panose="020B0604020202020204" pitchFamily="34" charset="0"/>
-              </a:rPr>
-              <a:t>Future Relevance</a:t>
+              <a:t>Traffic Management Future Relevance</a:t>
             </a:r>
           </a:p>
           <a:p>
@@ -7865,28 +7915,12 @@
               <a:buChar char="•"/>
             </a:pPr>
             <a:r>
-              <a:rPr lang="en-US" sz="1200" dirty="0" smtClean="0">
-                <a:latin typeface="Times New Roman" panose="02020603050405020304" pitchFamily="18" charset="0"/>
-                <a:ea typeface="Arial" panose="020B0604020202020204" pitchFamily="34" charset="0"/>
-                <a:cs typeface="Arial" panose="020B0604020202020204" pitchFamily="34" charset="0"/>
-              </a:rPr>
-              <a:t>Using </a:t>
-            </a:r>
-            <a:r>
               <a:rPr lang="en-US" sz="1200" dirty="0">
                 <a:latin typeface="Times New Roman" panose="02020603050405020304" pitchFamily="18" charset="0"/>
                 <a:ea typeface="Arial" panose="020B0604020202020204" pitchFamily="34" charset="0"/>
                 <a:cs typeface="Arial" panose="020B0604020202020204" pitchFamily="34" charset="0"/>
               </a:rPr>
-              <a:t>AI Tools </a:t>
-            </a:r>
-            <a:r>
-              <a:rPr lang="en-US" sz="1200" dirty="0" smtClean="0">
-                <a:latin typeface="Times New Roman" panose="02020603050405020304" pitchFamily="18" charset="0"/>
-                <a:ea typeface="Arial" panose="020B0604020202020204" pitchFamily="34" charset="0"/>
-                <a:cs typeface="Arial" panose="020B0604020202020204" pitchFamily="34" charset="0"/>
-              </a:rPr>
-              <a:t>Efficiently</a:t>
+              <a:t>Using AI Tools Efficiently</a:t>
             </a:r>
           </a:p>
           <a:p>
@@ -7904,31 +7938,7 @@
                 <a:ea typeface="Times" panose="02020603050405020304" pitchFamily="18" charset="0"/>
                 <a:cs typeface="Arial" panose="020B0604020202020204" pitchFamily="34" charset="0"/>
               </a:rPr>
-              <a:t>P</a:t>
-            </a:r>
-            <a:r>
-              <a:rPr lang="en-US" sz="1200" dirty="0" smtClean="0">
-                <a:latin typeface="Times New Roman" panose="02020603050405020304" pitchFamily="18" charset="0"/>
-                <a:ea typeface="Times" panose="02020603050405020304" pitchFamily="18" charset="0"/>
-                <a:cs typeface="Arial" panose="020B0604020202020204" pitchFamily="34" charset="0"/>
-              </a:rPr>
-              <a:t>articipation </a:t>
-            </a:r>
-            <a:r>
-              <a:rPr lang="en-US" sz="1200" dirty="0">
-                <a:latin typeface="Times New Roman" panose="02020603050405020304" pitchFamily="18" charset="0"/>
-                <a:ea typeface="Times" panose="02020603050405020304" pitchFamily="18" charset="0"/>
-                <a:cs typeface="Arial" panose="020B0604020202020204" pitchFamily="34" charset="0"/>
-              </a:rPr>
-              <a:t>in this project provides a well-rounded learning experience that encompasses technical skills, problem-solving abilities, teamwork, and a broader understanding of urban transportation challenges and solutions</a:t>
-            </a:r>
-            <a:r>
-              <a:rPr lang="en-US" sz="1200" dirty="0" smtClean="0">
-                <a:latin typeface="Times New Roman" panose="02020603050405020304" pitchFamily="18" charset="0"/>
-                <a:ea typeface="Times" panose="02020603050405020304" pitchFamily="18" charset="0"/>
-                <a:cs typeface="Arial" panose="020B0604020202020204" pitchFamily="34" charset="0"/>
-              </a:rPr>
-              <a:t>.</a:t>
+              <a:t>Participation in this project provides a well-rounded learning experience that encompasses technical skills, problem-solving abilities, teamwork, and a broader understanding of urban transportation challenges and solutions.</a:t>
             </a:r>
             <a:endParaRPr lang="en-US" sz="1200" dirty="0">
               <a:latin typeface="Open Sans" pitchFamily="2" charset="0"/>
@@ -7970,466 +7980,6 @@
   <p:clrMapOvr>
     <a:masterClrMapping/>
   </p:clrMapOvr>
-  <p:timing>
-    <p:tnLst>
-      <p:par>
-        <p:cTn id="1" dur="indefinite" restart="never" nodeType="tmRoot"/>
-      </p:par>
-    </p:tnLst>
-  </p:timing>
-</p:sld>
-</file>
-
-<file path=ppt/slides/slide13.xml><?xml version="1.0" encoding="utf-8"?>
-<p:sld xmlns:a="http://schemas.openxmlformats.org/drawingml/2006/main" xmlns:r="http://schemas.openxmlformats.org/officeDocument/2006/relationships" xmlns:p="http://schemas.openxmlformats.org/presentationml/2006/main">
-  <p:cSld>
-    <p:spTree>
-      <p:nvGrpSpPr>
-        <p:cNvPr id="1" name=""/>
-        <p:cNvGrpSpPr/>
-        <p:nvPr/>
-      </p:nvGrpSpPr>
-      <p:grpSpPr>
-        <a:xfrm>
-          <a:off x="0" y="0"/>
-          <a:ext cx="0" cy="0"/>
-          <a:chOff x="0" y="0"/>
-          <a:chExt cx="0" cy="0"/>
-        </a:xfrm>
-      </p:grpSpPr>
-      <p:sp>
-        <p:nvSpPr>
-          <p:cNvPr id="3" name="Google Shape;93;p1"/>
-          <p:cNvSpPr txBox="1"/>
-          <p:nvPr/>
-        </p:nvSpPr>
-        <p:spPr>
-          <a:xfrm>
-            <a:off x="1759912" y="270447"/>
-            <a:ext cx="5515800" cy="477013"/>
-          </a:xfrm>
-          <a:prstGeom prst="rect">
-            <a:avLst/>
-          </a:prstGeom>
-          <a:noFill/>
-          <a:ln>
-            <a:noFill/>
-          </a:ln>
-        </p:spPr>
-        <p:txBody>
-          <a:bodyPr spcFirstLastPara="1" wrap="square" lIns="91425" tIns="45700" rIns="91425" bIns="45700" anchor="t" anchorCtr="0">
-            <a:spAutoFit/>
-          </a:bodyPr>
-          <a:lstStyle/>
-          <a:p>
-            <a:pPr marL="0" marR="0" lvl="0" indent="0" algn="ctr" rtl="0">
-              <a:lnSpc>
-                <a:spcPct val="100000"/>
-              </a:lnSpc>
-              <a:spcBef>
-                <a:spcPts val="0"/>
-              </a:spcBef>
-              <a:spcAft>
-                <a:spcPts val="0"/>
-              </a:spcAft>
-              <a:buNone/>
-            </a:pPr>
-            <a:r>
-              <a:rPr lang="en-IN" sz="2500" b="1" i="0" u="none" strike="noStrike" cap="none" dirty="0" smtClean="0">
-                <a:solidFill>
-                  <a:schemeClr val="dk1"/>
-                </a:solidFill>
-                <a:latin typeface="Montserrat"/>
-                <a:ea typeface="Montserrat"/>
-                <a:cs typeface="Montserrat"/>
-                <a:sym typeface="Montserrat"/>
-              </a:rPr>
-              <a:t>References</a:t>
-            </a:r>
-          </a:p>
-        </p:txBody>
-      </p:sp>
-      <p:sp>
-        <p:nvSpPr>
-          <p:cNvPr id="4" name="Rectangle 3"/>
-          <p:cNvSpPr/>
-          <p:nvPr/>
-        </p:nvSpPr>
-        <p:spPr>
-          <a:xfrm>
-            <a:off x="132079" y="1232463"/>
-            <a:ext cx="8771466" cy="3226524"/>
-          </a:xfrm>
-          <a:prstGeom prst="rect">
-            <a:avLst/>
-          </a:prstGeom>
-        </p:spPr>
-        <p:txBody>
-          <a:bodyPr wrap="square">
-            <a:spAutoFit/>
-          </a:bodyPr>
-          <a:lstStyle/>
-          <a:p>
-            <a:pPr marL="914400" marR="247650" indent="-457200" algn="just">
-              <a:lnSpc>
-                <a:spcPct val="150000"/>
-              </a:lnSpc>
-              <a:spcBef>
-                <a:spcPts val="1000"/>
-              </a:spcBef>
-            </a:pPr>
-            <a:r>
-              <a:rPr lang="en-US" sz="1200" dirty="0">
-                <a:latin typeface="Times New Roman" panose="02020603050405020304" pitchFamily="18" charset="0"/>
-                <a:ea typeface="Times" panose="02020603050405020304" pitchFamily="18" charset="0"/>
-                <a:cs typeface="Times New Roman" panose="02020603050405020304" pitchFamily="18" charset="0"/>
-              </a:rPr>
-              <a:t>[1</a:t>
-            </a:r>
-            <a:r>
-              <a:rPr lang="en-US" sz="1200" dirty="0" smtClean="0">
-                <a:latin typeface="Times New Roman" panose="02020603050405020304" pitchFamily="18" charset="0"/>
-                <a:ea typeface="Times" panose="02020603050405020304" pitchFamily="18" charset="0"/>
-                <a:cs typeface="Times New Roman" panose="02020603050405020304" pitchFamily="18" charset="0"/>
-              </a:rPr>
-              <a:t>] </a:t>
-            </a:r>
-            <a:r>
-              <a:rPr lang="en-US" sz="1200" dirty="0">
-                <a:latin typeface="Times New Roman" panose="02020603050405020304" pitchFamily="18" charset="0"/>
-                <a:ea typeface="Times" panose="02020603050405020304" pitchFamily="18" charset="0"/>
-                <a:cs typeface="Times New Roman" panose="02020603050405020304" pitchFamily="18" charset="0"/>
-              </a:rPr>
-              <a:t>L. </a:t>
-            </a:r>
-            <a:r>
-              <a:rPr lang="en-US" sz="1200" dirty="0" err="1">
-                <a:latin typeface="Times New Roman" panose="02020603050405020304" pitchFamily="18" charset="0"/>
-                <a:ea typeface="Times" panose="02020603050405020304" pitchFamily="18" charset="0"/>
-                <a:cs typeface="Times New Roman" panose="02020603050405020304" pitchFamily="18" charset="0"/>
-              </a:rPr>
-              <a:t>Rajendran</a:t>
-            </a:r>
-            <a:r>
-              <a:rPr lang="en-US" sz="1200" dirty="0">
-                <a:latin typeface="Times New Roman" panose="02020603050405020304" pitchFamily="18" charset="0"/>
-                <a:ea typeface="Times" panose="02020603050405020304" pitchFamily="18" charset="0"/>
-                <a:cs typeface="Times New Roman" panose="02020603050405020304" pitchFamily="18" charset="0"/>
-              </a:rPr>
-              <a:t> , "Real-Time Adaptive Traffic Control System For Smart Cities," International Conference on Computer Communication and Informatics (ICCCI) (IEEE), pp. 1-6, </a:t>
-            </a:r>
-            <a:r>
-              <a:rPr lang="en-US" sz="1200" dirty="0" err="1" smtClean="0">
-                <a:latin typeface="Times New Roman" panose="02020603050405020304" pitchFamily="18" charset="0"/>
-                <a:ea typeface="Times" panose="02020603050405020304" pitchFamily="18" charset="0"/>
-                <a:cs typeface="Times New Roman" panose="02020603050405020304" pitchFamily="18" charset="0"/>
-              </a:rPr>
-              <a:t>doi</a:t>
-            </a:r>
-            <a:r>
-              <a:rPr lang="en-US" sz="1200" dirty="0" smtClean="0">
-                <a:latin typeface="Times New Roman" panose="02020603050405020304" pitchFamily="18" charset="0"/>
-                <a:ea typeface="Times" panose="02020603050405020304" pitchFamily="18" charset="0"/>
-                <a:cs typeface="Times New Roman" panose="02020603050405020304" pitchFamily="18" charset="0"/>
-              </a:rPr>
-              <a:t>: 10.1109/ICCCI50826.2021.9402597</a:t>
-            </a:r>
-            <a:r>
-              <a:rPr lang="en-US" sz="1200" dirty="0">
-                <a:latin typeface="Times New Roman" panose="02020603050405020304" pitchFamily="18" charset="0"/>
-                <a:ea typeface="Times" panose="02020603050405020304" pitchFamily="18" charset="0"/>
-                <a:cs typeface="Times New Roman" panose="02020603050405020304" pitchFamily="18" charset="0"/>
-              </a:rPr>
-              <a:t>, March 2021</a:t>
-            </a:r>
-            <a:r>
-              <a:rPr lang="en-US" sz="1200" dirty="0" smtClean="0">
-                <a:latin typeface="Times New Roman" panose="02020603050405020304" pitchFamily="18" charset="0"/>
-                <a:ea typeface="Times" panose="02020603050405020304" pitchFamily="18" charset="0"/>
-                <a:cs typeface="Times New Roman" panose="02020603050405020304" pitchFamily="18" charset="0"/>
-              </a:rPr>
-              <a:t>.</a:t>
-            </a:r>
-            <a:endParaRPr lang="en-US" sz="1200" dirty="0">
-              <a:latin typeface="Times New Roman" panose="02020603050405020304" pitchFamily="18" charset="0"/>
-              <a:ea typeface="Open Sans"/>
-              <a:cs typeface="Times New Roman" panose="02020603050405020304" pitchFamily="18" charset="0"/>
-            </a:endParaRPr>
-          </a:p>
-          <a:p>
-            <a:pPr marL="914400" marR="247650" indent="-457200" algn="just">
-              <a:lnSpc>
-                <a:spcPct val="150000"/>
-              </a:lnSpc>
-              <a:spcBef>
-                <a:spcPts val="1000"/>
-              </a:spcBef>
-            </a:pPr>
-            <a:r>
-              <a:rPr lang="en-US" sz="1200" dirty="0">
-                <a:latin typeface="Times New Roman" panose="02020603050405020304" pitchFamily="18" charset="0"/>
-                <a:ea typeface="Times" panose="02020603050405020304" pitchFamily="18" charset="0"/>
-                <a:cs typeface="Times New Roman" panose="02020603050405020304" pitchFamily="18" charset="0"/>
-              </a:rPr>
-              <a:t>[2] Sharon, G. Alleviating Road Traffic Congestion with Artificial Intelligence. In IJCAI (pp. 4965-4969), June 2021</a:t>
-            </a:r>
-            <a:r>
-              <a:rPr lang="en-US" sz="1200" dirty="0" smtClean="0">
-                <a:latin typeface="Times New Roman" panose="02020603050405020304" pitchFamily="18" charset="0"/>
-                <a:ea typeface="Times" panose="02020603050405020304" pitchFamily="18" charset="0"/>
-                <a:cs typeface="Times New Roman" panose="02020603050405020304" pitchFamily="18" charset="0"/>
-              </a:rPr>
-              <a:t>.</a:t>
-            </a:r>
-          </a:p>
-          <a:p>
-            <a:pPr marL="914400" marR="247650" indent="-457200" algn="just">
-              <a:lnSpc>
-                <a:spcPct val="150000"/>
-              </a:lnSpc>
-              <a:spcBef>
-                <a:spcPts val="1000"/>
-              </a:spcBef>
-            </a:pPr>
-            <a:r>
-              <a:rPr lang="en-US" sz="1200" dirty="0" smtClean="0">
-                <a:latin typeface="Times New Roman" panose="02020603050405020304" pitchFamily="18" charset="0"/>
-                <a:ea typeface="Open Sans"/>
-                <a:cs typeface="Times New Roman" panose="02020603050405020304" pitchFamily="18" charset="0"/>
-              </a:rPr>
-              <a:t>[3] Jiang</a:t>
-            </a:r>
-            <a:r>
-              <a:rPr lang="en-US" sz="1200" dirty="0">
-                <a:latin typeface="Times New Roman" panose="02020603050405020304" pitchFamily="18" charset="0"/>
-                <a:ea typeface="Open Sans"/>
-                <a:cs typeface="Times New Roman" panose="02020603050405020304" pitchFamily="18" charset="0"/>
-              </a:rPr>
-              <a:t>, </a:t>
-            </a:r>
-            <a:r>
-              <a:rPr lang="en-US" sz="1200" dirty="0" err="1">
-                <a:latin typeface="Times New Roman" panose="02020603050405020304" pitchFamily="18" charset="0"/>
-                <a:ea typeface="Open Sans"/>
-                <a:cs typeface="Times New Roman" panose="02020603050405020304" pitchFamily="18" charset="0"/>
-              </a:rPr>
-              <a:t>Peiyuan</a:t>
-            </a:r>
-            <a:r>
-              <a:rPr lang="en-US" sz="1200" dirty="0">
-                <a:latin typeface="Times New Roman" panose="02020603050405020304" pitchFamily="18" charset="0"/>
-                <a:ea typeface="Open Sans"/>
-                <a:cs typeface="Times New Roman" panose="02020603050405020304" pitchFamily="18" charset="0"/>
-              </a:rPr>
-              <a:t>, et al. "A Review of Yolo algorithm developments." </a:t>
-            </a:r>
-            <a:r>
-              <a:rPr lang="en-US" sz="1200" dirty="0" err="1">
-                <a:latin typeface="Times New Roman" panose="02020603050405020304" pitchFamily="18" charset="0"/>
-                <a:ea typeface="Open Sans"/>
-                <a:cs typeface="Times New Roman" panose="02020603050405020304" pitchFamily="18" charset="0"/>
-              </a:rPr>
-              <a:t>Procedia</a:t>
-            </a:r>
-            <a:r>
-              <a:rPr lang="en-US" sz="1200" dirty="0">
-                <a:latin typeface="Times New Roman" panose="02020603050405020304" pitchFamily="18" charset="0"/>
-                <a:ea typeface="Open Sans"/>
-                <a:cs typeface="Times New Roman" panose="02020603050405020304" pitchFamily="18" charset="0"/>
-              </a:rPr>
-              <a:t> Computer Science 199 (2022): 1066-1073</a:t>
-            </a:r>
-            <a:r>
-              <a:rPr lang="en-US" sz="1200" dirty="0" smtClean="0">
-                <a:latin typeface="Times New Roman" panose="02020603050405020304" pitchFamily="18" charset="0"/>
-                <a:ea typeface="Open Sans"/>
-                <a:cs typeface="Times New Roman" panose="02020603050405020304" pitchFamily="18" charset="0"/>
-              </a:rPr>
-              <a:t>.</a:t>
-            </a:r>
-            <a:endParaRPr lang="en-US" sz="1200" dirty="0">
-              <a:latin typeface="Times New Roman" panose="02020603050405020304" pitchFamily="18" charset="0"/>
-              <a:ea typeface="Open Sans"/>
-              <a:cs typeface="Times New Roman" panose="02020603050405020304" pitchFamily="18" charset="0"/>
-            </a:endParaRPr>
-          </a:p>
-          <a:p>
-            <a:pPr marL="914400" marR="247650" indent="-457200" algn="just">
-              <a:lnSpc>
-                <a:spcPct val="150000"/>
-              </a:lnSpc>
-              <a:spcBef>
-                <a:spcPts val="1000"/>
-              </a:spcBef>
-            </a:pPr>
-            <a:r>
-              <a:rPr lang="en-US" sz="1200" dirty="0" smtClean="0">
-                <a:latin typeface="Times New Roman" panose="02020603050405020304" pitchFamily="18" charset="0"/>
-                <a:ea typeface="Open Sans"/>
-                <a:cs typeface="Times New Roman" panose="02020603050405020304" pitchFamily="18" charset="0"/>
-              </a:rPr>
-              <a:t>[4] Kong</a:t>
-            </a:r>
-            <a:r>
-              <a:rPr lang="en-US" sz="1200" dirty="0">
-                <a:latin typeface="Times New Roman" panose="02020603050405020304" pitchFamily="18" charset="0"/>
-                <a:ea typeface="Open Sans"/>
-                <a:cs typeface="Times New Roman" panose="02020603050405020304" pitchFamily="18" charset="0"/>
-              </a:rPr>
-              <a:t>, </a:t>
-            </a:r>
-            <a:r>
-              <a:rPr lang="en-US" sz="1200" dirty="0" err="1">
-                <a:latin typeface="Times New Roman" panose="02020603050405020304" pitchFamily="18" charset="0"/>
-                <a:ea typeface="Open Sans"/>
-                <a:cs typeface="Times New Roman" panose="02020603050405020304" pitchFamily="18" charset="0"/>
-              </a:rPr>
-              <a:t>Xiangjie</a:t>
-            </a:r>
-            <a:r>
-              <a:rPr lang="en-US" sz="1200" dirty="0">
-                <a:latin typeface="Times New Roman" panose="02020603050405020304" pitchFamily="18" charset="0"/>
-                <a:ea typeface="Open Sans"/>
-                <a:cs typeface="Times New Roman" panose="02020603050405020304" pitchFamily="18" charset="0"/>
-              </a:rPr>
-              <a:t>, et al. "Urban traffic congestion estimation and prediction based on floating car trajectory data." Future Generation Computer Systems 61 (2016): </a:t>
-            </a:r>
-            <a:r>
-              <a:rPr lang="en-US" sz="1200" dirty="0" smtClean="0">
-                <a:latin typeface="Times New Roman" panose="02020603050405020304" pitchFamily="18" charset="0"/>
-                <a:ea typeface="Open Sans"/>
-                <a:cs typeface="Times New Roman" panose="02020603050405020304" pitchFamily="18" charset="0"/>
-              </a:rPr>
-              <a:t>97-107</a:t>
-            </a:r>
-            <a:endParaRPr lang="en-US" sz="1200" dirty="0">
-              <a:latin typeface="Times New Roman" panose="02020603050405020304" pitchFamily="18" charset="0"/>
-              <a:ea typeface="Open Sans"/>
-              <a:cs typeface="Times New Roman" panose="02020603050405020304" pitchFamily="18" charset="0"/>
-            </a:endParaRPr>
-          </a:p>
-          <a:p>
-            <a:pPr marL="914400" marR="247650" indent="-457200" algn="just">
-              <a:lnSpc>
-                <a:spcPct val="150000"/>
-              </a:lnSpc>
-              <a:spcBef>
-                <a:spcPts val="1000"/>
-              </a:spcBef>
-            </a:pPr>
-            <a:r>
-              <a:rPr lang="en-US" sz="1200" dirty="0" smtClean="0">
-                <a:latin typeface="Times New Roman" panose="02020603050405020304" pitchFamily="18" charset="0"/>
-                <a:ea typeface="Times" panose="02020603050405020304" pitchFamily="18" charset="0"/>
-                <a:cs typeface="Times New Roman" panose="02020603050405020304" pitchFamily="18" charset="0"/>
-              </a:rPr>
-              <a:t>[5] </a:t>
-            </a:r>
-            <a:r>
-              <a:rPr lang="en-US" sz="1200" dirty="0" err="1">
-                <a:latin typeface="Times New Roman" panose="02020603050405020304" pitchFamily="18" charset="0"/>
-                <a:ea typeface="Times" panose="02020603050405020304" pitchFamily="18" charset="0"/>
-                <a:cs typeface="Times New Roman" panose="02020603050405020304" pitchFamily="18" charset="0"/>
-              </a:rPr>
-              <a:t>Arnott</a:t>
-            </a:r>
-            <a:r>
-              <a:rPr lang="en-US" sz="1200" dirty="0">
-                <a:latin typeface="Times New Roman" panose="02020603050405020304" pitchFamily="18" charset="0"/>
-                <a:ea typeface="Times" panose="02020603050405020304" pitchFamily="18" charset="0"/>
-                <a:cs typeface="Times New Roman" panose="02020603050405020304" pitchFamily="18" charset="0"/>
-              </a:rPr>
-              <a:t>, R., &amp; Small, K. The economics of traffic congestion. American Scientist, 82(5), 446-455. </a:t>
-            </a:r>
-            <a:r>
-              <a:rPr lang="en-US" sz="1200" dirty="0" smtClean="0">
-                <a:latin typeface="Times New Roman" panose="02020603050405020304" pitchFamily="18" charset="0"/>
-                <a:ea typeface="Times" panose="02020603050405020304" pitchFamily="18" charset="0"/>
-                <a:cs typeface="Times New Roman" panose="02020603050405020304" pitchFamily="18" charset="0"/>
-              </a:rPr>
-              <a:t>1994.</a:t>
-            </a:r>
-            <a:endParaRPr lang="en-US" sz="1200" dirty="0">
-              <a:latin typeface="Times New Roman" panose="02020603050405020304" pitchFamily="18" charset="0"/>
-              <a:ea typeface="Times" panose="02020603050405020304" pitchFamily="18" charset="0"/>
-              <a:cs typeface="Times New Roman" panose="02020603050405020304" pitchFamily="18" charset="0"/>
-            </a:endParaRPr>
-          </a:p>
-          <a:p>
-            <a:pPr marL="914400" marR="247650" indent="-457200" algn="just">
-              <a:lnSpc>
-                <a:spcPct val="150000"/>
-              </a:lnSpc>
-              <a:spcBef>
-                <a:spcPts val="1000"/>
-              </a:spcBef>
-            </a:pPr>
-            <a:r>
-              <a:rPr lang="en-US" sz="1200" dirty="0" smtClean="0">
-                <a:latin typeface="Times New Roman" panose="02020603050405020304" pitchFamily="18" charset="0"/>
-                <a:ea typeface="Times" panose="02020603050405020304" pitchFamily="18" charset="0"/>
-                <a:cs typeface="Times New Roman" panose="02020603050405020304" pitchFamily="18" charset="0"/>
-              </a:rPr>
-              <a:t>[6] </a:t>
-            </a:r>
-            <a:r>
-              <a:rPr lang="en-US" sz="1200" dirty="0" err="1">
-                <a:latin typeface="Times New Roman" panose="02020603050405020304" pitchFamily="18" charset="0"/>
-                <a:ea typeface="Times" panose="02020603050405020304" pitchFamily="18" charset="0"/>
-                <a:cs typeface="Times New Roman" panose="02020603050405020304" pitchFamily="18" charset="0"/>
-              </a:rPr>
-              <a:t>Mihir</a:t>
-            </a:r>
-            <a:r>
-              <a:rPr lang="en-US" sz="1200" dirty="0">
-                <a:latin typeface="Times New Roman" panose="02020603050405020304" pitchFamily="18" charset="0"/>
-                <a:ea typeface="Times" panose="02020603050405020304" pitchFamily="18" charset="0"/>
-                <a:cs typeface="Times New Roman" panose="02020603050405020304" pitchFamily="18" charset="0"/>
-              </a:rPr>
-              <a:t> Gandhi. </a:t>
-            </a:r>
-            <a:r>
-              <a:rPr lang="en-US" sz="1200" i="1" dirty="0">
-                <a:latin typeface="Times New Roman" panose="02020603050405020304" pitchFamily="18" charset="0"/>
-                <a:ea typeface="Times" panose="02020603050405020304" pitchFamily="18" charset="0"/>
-                <a:cs typeface="Times New Roman" panose="02020603050405020304" pitchFamily="18" charset="0"/>
-              </a:rPr>
-              <a:t>Smart Control of Traffic Light System using Artificial Intelligence</a:t>
-            </a:r>
-            <a:r>
-              <a:rPr lang="en-US" sz="1200" dirty="0">
-                <a:latin typeface="Times New Roman" panose="02020603050405020304" pitchFamily="18" charset="0"/>
-                <a:ea typeface="Times" panose="02020603050405020304" pitchFamily="18" charset="0"/>
-                <a:cs typeface="Times New Roman" panose="02020603050405020304" pitchFamily="18" charset="0"/>
-              </a:rPr>
-              <a:t> [Video]. YouTube. https://youtu.be/OssY5pzOyo0. May 2020</a:t>
-            </a:r>
-            <a:endParaRPr lang="en-US" sz="1200" dirty="0">
-              <a:effectLst/>
-              <a:latin typeface="Times New Roman" panose="02020603050405020304" pitchFamily="18" charset="0"/>
-              <a:ea typeface="Open Sans"/>
-              <a:cs typeface="Times New Roman" panose="02020603050405020304" pitchFamily="18" charset="0"/>
-            </a:endParaRPr>
-          </a:p>
-        </p:txBody>
-      </p:sp>
-    </p:spTree>
-    <p:extLst>
-      <p:ext uri="{BB962C8B-B14F-4D97-AF65-F5344CB8AC3E}">
-        <p14:creationId xmlns:p14="http://schemas.microsoft.com/office/powerpoint/2010/main" val="3364439372"/>
-      </p:ext>
-    </p:extLst>
-  </p:cSld>
-  <p:clrMapOvr>
-    <a:masterClrMapping/>
-  </p:clrMapOvr>
-  <p:timing>
-    <p:tnLst>
-      <p:par>
-        <p:cTn id="1" dur="indefinite" restart="never" nodeType="tmRoot"/>
-      </p:par>
-    </p:tnLst>
-  </p:timing>
 </p:sld>
 </file>
 
@@ -8452,6 +8002,357 @@
       </p:grpSpPr>
       <p:sp>
         <p:nvSpPr>
+          <p:cNvPr id="3" name="Google Shape;93;p1"/>
+          <p:cNvSpPr txBox="1"/>
+          <p:nvPr/>
+        </p:nvSpPr>
+        <p:spPr>
+          <a:xfrm>
+            <a:off x="1759912" y="270447"/>
+            <a:ext cx="5515800" cy="477013"/>
+          </a:xfrm>
+          <a:prstGeom prst="rect">
+            <a:avLst/>
+          </a:prstGeom>
+          <a:noFill/>
+          <a:ln>
+            <a:noFill/>
+          </a:ln>
+        </p:spPr>
+        <p:txBody>
+          <a:bodyPr spcFirstLastPara="1" wrap="square" lIns="91425" tIns="45700" rIns="91425" bIns="45700" anchor="t" anchorCtr="0">
+            <a:spAutoFit/>
+          </a:bodyPr>
+          <a:lstStyle/>
+          <a:p>
+            <a:pPr marL="0" marR="0" lvl="0" indent="0" algn="ctr" rtl="0">
+              <a:lnSpc>
+                <a:spcPct val="100000"/>
+              </a:lnSpc>
+              <a:spcBef>
+                <a:spcPts val="0"/>
+              </a:spcBef>
+              <a:spcAft>
+                <a:spcPts val="0"/>
+              </a:spcAft>
+              <a:buNone/>
+            </a:pPr>
+            <a:r>
+              <a:rPr lang="en-IN" sz="2500" b="1" i="0" u="none" strike="noStrike" cap="none" dirty="0">
+                <a:solidFill>
+                  <a:schemeClr val="dk1"/>
+                </a:solidFill>
+                <a:latin typeface="Montserrat"/>
+                <a:ea typeface="Montserrat"/>
+                <a:cs typeface="Montserrat"/>
+                <a:sym typeface="Montserrat"/>
+              </a:rPr>
+              <a:t>References</a:t>
+            </a:r>
+          </a:p>
+        </p:txBody>
+      </p:sp>
+      <p:sp>
+        <p:nvSpPr>
+          <p:cNvPr id="4" name="Rectangle 3"/>
+          <p:cNvSpPr/>
+          <p:nvPr/>
+        </p:nvSpPr>
+        <p:spPr>
+          <a:xfrm>
+            <a:off x="132079" y="1232463"/>
+            <a:ext cx="8771466" cy="3226524"/>
+          </a:xfrm>
+          <a:prstGeom prst="rect">
+            <a:avLst/>
+          </a:prstGeom>
+        </p:spPr>
+        <p:txBody>
+          <a:bodyPr wrap="square">
+            <a:spAutoFit/>
+          </a:bodyPr>
+          <a:lstStyle/>
+          <a:p>
+            <a:pPr marL="914400" marR="247650" indent="-457200" algn="just">
+              <a:lnSpc>
+                <a:spcPct val="150000"/>
+              </a:lnSpc>
+              <a:spcBef>
+                <a:spcPts val="1000"/>
+              </a:spcBef>
+            </a:pPr>
+            <a:r>
+              <a:rPr lang="en-US" sz="1200" dirty="0">
+                <a:latin typeface="Times New Roman" panose="02020603050405020304" pitchFamily="18" charset="0"/>
+                <a:ea typeface="Times" panose="02020603050405020304" pitchFamily="18" charset="0"/>
+                <a:cs typeface="Times New Roman" panose="02020603050405020304" pitchFamily="18" charset="0"/>
+              </a:rPr>
+              <a:t>[1] L. </a:t>
+            </a:r>
+            <a:r>
+              <a:rPr lang="en-US" sz="1200" dirty="0" err="1">
+                <a:latin typeface="Times New Roman" panose="02020603050405020304" pitchFamily="18" charset="0"/>
+                <a:ea typeface="Times" panose="02020603050405020304" pitchFamily="18" charset="0"/>
+                <a:cs typeface="Times New Roman" panose="02020603050405020304" pitchFamily="18" charset="0"/>
+              </a:rPr>
+              <a:t>Rajendran</a:t>
+            </a:r>
+            <a:r>
+              <a:rPr lang="en-US" sz="1200" dirty="0">
+                <a:latin typeface="Times New Roman" panose="02020603050405020304" pitchFamily="18" charset="0"/>
+                <a:ea typeface="Times" panose="02020603050405020304" pitchFamily="18" charset="0"/>
+                <a:cs typeface="Times New Roman" panose="02020603050405020304" pitchFamily="18" charset="0"/>
+              </a:rPr>
+              <a:t> , "Real-Time Adaptive Traffic Control System For Smart Cities," International Conference on Computer Communication and Informatics (ICCCI) (IEEE), pp. 1-6, </a:t>
+            </a:r>
+            <a:r>
+              <a:rPr lang="en-US" sz="1200" dirty="0" err="1">
+                <a:latin typeface="Times New Roman" panose="02020603050405020304" pitchFamily="18" charset="0"/>
+                <a:ea typeface="Times" panose="02020603050405020304" pitchFamily="18" charset="0"/>
+                <a:cs typeface="Times New Roman" panose="02020603050405020304" pitchFamily="18" charset="0"/>
+              </a:rPr>
+              <a:t>doi</a:t>
+            </a:r>
+            <a:r>
+              <a:rPr lang="en-US" sz="1200" dirty="0">
+                <a:latin typeface="Times New Roman" panose="02020603050405020304" pitchFamily="18" charset="0"/>
+                <a:ea typeface="Times" panose="02020603050405020304" pitchFamily="18" charset="0"/>
+                <a:cs typeface="Times New Roman" panose="02020603050405020304" pitchFamily="18" charset="0"/>
+              </a:rPr>
+              <a:t>: 10.1109/ICCCI50826.2021.9402597, March 2021.</a:t>
+            </a:r>
+            <a:endParaRPr lang="en-US" sz="1200" dirty="0">
+              <a:latin typeface="Times New Roman" panose="02020603050405020304" pitchFamily="18" charset="0"/>
+              <a:ea typeface="Open Sans"/>
+              <a:cs typeface="Times New Roman" panose="02020603050405020304" pitchFamily="18" charset="0"/>
+            </a:endParaRPr>
+          </a:p>
+          <a:p>
+            <a:pPr marL="914400" marR="247650" indent="-457200" algn="just">
+              <a:lnSpc>
+                <a:spcPct val="150000"/>
+              </a:lnSpc>
+              <a:spcBef>
+                <a:spcPts val="1000"/>
+              </a:spcBef>
+            </a:pPr>
+            <a:r>
+              <a:rPr lang="en-US" sz="1200" dirty="0">
+                <a:latin typeface="Times New Roman" panose="02020603050405020304" pitchFamily="18" charset="0"/>
+                <a:ea typeface="Times" panose="02020603050405020304" pitchFamily="18" charset="0"/>
+                <a:cs typeface="Times New Roman" panose="02020603050405020304" pitchFamily="18" charset="0"/>
+              </a:rPr>
+              <a:t>[2] Sharon, G. Alleviating Road Traffic Congestion with Artificial Intelligence. In IJCAI (pp. 4965-4969), June 2021.</a:t>
+            </a:r>
+          </a:p>
+          <a:p>
+            <a:pPr marL="914400" marR="247650" indent="-457200" algn="just">
+              <a:lnSpc>
+                <a:spcPct val="150000"/>
+              </a:lnSpc>
+              <a:spcBef>
+                <a:spcPts val="1000"/>
+              </a:spcBef>
+            </a:pPr>
+            <a:r>
+              <a:rPr lang="en-US" sz="1200" dirty="0">
+                <a:latin typeface="Times New Roman" panose="02020603050405020304" pitchFamily="18" charset="0"/>
+                <a:ea typeface="Open Sans"/>
+                <a:cs typeface="Times New Roman" panose="02020603050405020304" pitchFamily="18" charset="0"/>
+              </a:rPr>
+              <a:t>[3] Jiang, </a:t>
+            </a:r>
+            <a:r>
+              <a:rPr lang="en-US" sz="1200" dirty="0" err="1">
+                <a:latin typeface="Times New Roman" panose="02020603050405020304" pitchFamily="18" charset="0"/>
+                <a:ea typeface="Open Sans"/>
+                <a:cs typeface="Times New Roman" panose="02020603050405020304" pitchFamily="18" charset="0"/>
+              </a:rPr>
+              <a:t>Peiyuan</a:t>
+            </a:r>
+            <a:r>
+              <a:rPr lang="en-US" sz="1200" dirty="0">
+                <a:latin typeface="Times New Roman" panose="02020603050405020304" pitchFamily="18" charset="0"/>
+                <a:ea typeface="Open Sans"/>
+                <a:cs typeface="Times New Roman" panose="02020603050405020304" pitchFamily="18" charset="0"/>
+              </a:rPr>
+              <a:t>, et al. "A Review of Yolo algorithm developments." </a:t>
+            </a:r>
+            <a:r>
+              <a:rPr lang="en-US" sz="1200" dirty="0" err="1">
+                <a:latin typeface="Times New Roman" panose="02020603050405020304" pitchFamily="18" charset="0"/>
+                <a:ea typeface="Open Sans"/>
+                <a:cs typeface="Times New Roman" panose="02020603050405020304" pitchFamily="18" charset="0"/>
+              </a:rPr>
+              <a:t>Procedia</a:t>
+            </a:r>
+            <a:r>
+              <a:rPr lang="en-US" sz="1200" dirty="0">
+                <a:latin typeface="Times New Roman" panose="02020603050405020304" pitchFamily="18" charset="0"/>
+                <a:ea typeface="Open Sans"/>
+                <a:cs typeface="Times New Roman" panose="02020603050405020304" pitchFamily="18" charset="0"/>
+              </a:rPr>
+              <a:t> Computer Science 199 (2022): 1066-1073.</a:t>
+            </a:r>
+          </a:p>
+          <a:p>
+            <a:pPr marL="914400" marR="247650" indent="-457200" algn="just">
+              <a:lnSpc>
+                <a:spcPct val="150000"/>
+              </a:lnSpc>
+              <a:spcBef>
+                <a:spcPts val="1000"/>
+              </a:spcBef>
+            </a:pPr>
+            <a:r>
+              <a:rPr lang="en-US" sz="1200" dirty="0">
+                <a:latin typeface="Times New Roman" panose="02020603050405020304" pitchFamily="18" charset="0"/>
+                <a:ea typeface="Open Sans"/>
+                <a:cs typeface="Times New Roman" panose="02020603050405020304" pitchFamily="18" charset="0"/>
+              </a:rPr>
+              <a:t>[4] Kong, </a:t>
+            </a:r>
+            <a:r>
+              <a:rPr lang="en-US" sz="1200" dirty="0" err="1">
+                <a:latin typeface="Times New Roman" panose="02020603050405020304" pitchFamily="18" charset="0"/>
+                <a:ea typeface="Open Sans"/>
+                <a:cs typeface="Times New Roman" panose="02020603050405020304" pitchFamily="18" charset="0"/>
+              </a:rPr>
+              <a:t>Xiangjie</a:t>
+            </a:r>
+            <a:r>
+              <a:rPr lang="en-US" sz="1200" dirty="0">
+                <a:latin typeface="Times New Roman" panose="02020603050405020304" pitchFamily="18" charset="0"/>
+                <a:ea typeface="Open Sans"/>
+                <a:cs typeface="Times New Roman" panose="02020603050405020304" pitchFamily="18" charset="0"/>
+              </a:rPr>
+              <a:t>, et al. "Urban traffic congestion estimation and prediction based on floating car trajectory data." Future Generation Computer Systems 61 (2016): 97-107</a:t>
+            </a:r>
+          </a:p>
+          <a:p>
+            <a:pPr marL="914400" marR="247650" indent="-457200" algn="just">
+              <a:lnSpc>
+                <a:spcPct val="150000"/>
+              </a:lnSpc>
+              <a:spcBef>
+                <a:spcPts val="1000"/>
+              </a:spcBef>
+            </a:pPr>
+            <a:r>
+              <a:rPr lang="en-US" sz="1200" dirty="0">
+                <a:latin typeface="Times New Roman" panose="02020603050405020304" pitchFamily="18" charset="0"/>
+                <a:ea typeface="Times" panose="02020603050405020304" pitchFamily="18" charset="0"/>
+                <a:cs typeface="Times New Roman" panose="02020603050405020304" pitchFamily="18" charset="0"/>
+              </a:rPr>
+              <a:t>[5] </a:t>
+            </a:r>
+            <a:r>
+              <a:rPr lang="en-US" sz="1200" dirty="0" err="1">
+                <a:latin typeface="Times New Roman" panose="02020603050405020304" pitchFamily="18" charset="0"/>
+                <a:ea typeface="Times" panose="02020603050405020304" pitchFamily="18" charset="0"/>
+                <a:cs typeface="Times New Roman" panose="02020603050405020304" pitchFamily="18" charset="0"/>
+              </a:rPr>
+              <a:t>Arnott</a:t>
+            </a:r>
+            <a:r>
+              <a:rPr lang="en-US" sz="1200" dirty="0">
+                <a:latin typeface="Times New Roman" panose="02020603050405020304" pitchFamily="18" charset="0"/>
+                <a:ea typeface="Times" panose="02020603050405020304" pitchFamily="18" charset="0"/>
+                <a:cs typeface="Times New Roman" panose="02020603050405020304" pitchFamily="18" charset="0"/>
+              </a:rPr>
+              <a:t>, R., &amp; Small, K. The economics of traffic congestion. American Scientist, 82(5), 446-455. 1994.</a:t>
+            </a:r>
+          </a:p>
+          <a:p>
+            <a:pPr marL="914400" marR="247650" indent="-457200" algn="just">
+              <a:lnSpc>
+                <a:spcPct val="150000"/>
+              </a:lnSpc>
+              <a:spcBef>
+                <a:spcPts val="1000"/>
+              </a:spcBef>
+            </a:pPr>
+            <a:r>
+              <a:rPr lang="en-US" sz="1200" dirty="0">
+                <a:latin typeface="Times New Roman" panose="02020603050405020304" pitchFamily="18" charset="0"/>
+                <a:ea typeface="Times" panose="02020603050405020304" pitchFamily="18" charset="0"/>
+                <a:cs typeface="Times New Roman" panose="02020603050405020304" pitchFamily="18" charset="0"/>
+              </a:rPr>
+              <a:t>[6] </a:t>
+            </a:r>
+            <a:r>
+              <a:rPr lang="en-US" sz="1200" dirty="0" err="1">
+                <a:latin typeface="Times New Roman" panose="02020603050405020304" pitchFamily="18" charset="0"/>
+                <a:ea typeface="Times" panose="02020603050405020304" pitchFamily="18" charset="0"/>
+                <a:cs typeface="Times New Roman" panose="02020603050405020304" pitchFamily="18" charset="0"/>
+              </a:rPr>
+              <a:t>Mihir</a:t>
+            </a:r>
+            <a:r>
+              <a:rPr lang="en-US" sz="1200" dirty="0">
+                <a:latin typeface="Times New Roman" panose="02020603050405020304" pitchFamily="18" charset="0"/>
+                <a:ea typeface="Times" panose="02020603050405020304" pitchFamily="18" charset="0"/>
+                <a:cs typeface="Times New Roman" panose="02020603050405020304" pitchFamily="18" charset="0"/>
+              </a:rPr>
+              <a:t> Gandhi. </a:t>
+            </a:r>
+            <a:r>
+              <a:rPr lang="en-US" sz="1200" i="1" dirty="0">
+                <a:latin typeface="Times New Roman" panose="02020603050405020304" pitchFamily="18" charset="0"/>
+                <a:ea typeface="Times" panose="02020603050405020304" pitchFamily="18" charset="0"/>
+                <a:cs typeface="Times New Roman" panose="02020603050405020304" pitchFamily="18" charset="0"/>
+              </a:rPr>
+              <a:t>Smart Control of Traffic Light System using Artificial Intelligence</a:t>
+            </a:r>
+            <a:r>
+              <a:rPr lang="en-US" sz="1200" dirty="0">
+                <a:latin typeface="Times New Roman" panose="02020603050405020304" pitchFamily="18" charset="0"/>
+                <a:ea typeface="Times" panose="02020603050405020304" pitchFamily="18" charset="0"/>
+                <a:cs typeface="Times New Roman" panose="02020603050405020304" pitchFamily="18" charset="0"/>
+              </a:rPr>
+              <a:t> [Video]. YouTube. https://youtu.be/OssY5pzOyo0. May 2020</a:t>
+            </a:r>
+            <a:endParaRPr lang="en-US" sz="1200" dirty="0">
+              <a:effectLst/>
+              <a:latin typeface="Times New Roman" panose="02020603050405020304" pitchFamily="18" charset="0"/>
+              <a:ea typeface="Open Sans"/>
+              <a:cs typeface="Times New Roman" panose="02020603050405020304" pitchFamily="18" charset="0"/>
+            </a:endParaRPr>
+          </a:p>
+        </p:txBody>
+      </p:sp>
+    </p:spTree>
+    <p:extLst>
+      <p:ext uri="{BB962C8B-B14F-4D97-AF65-F5344CB8AC3E}">
+        <p14:creationId xmlns:p14="http://schemas.microsoft.com/office/powerpoint/2010/main" val="3364439372"/>
+      </p:ext>
+    </p:extLst>
+  </p:cSld>
+  <p:clrMapOvr>
+    <a:masterClrMapping/>
+  </p:clrMapOvr>
+</p:sld>
+</file>
+
+<file path=ppt/slides/slide15.xml><?xml version="1.0" encoding="utf-8"?>
+<p:sld xmlns:a="http://schemas.openxmlformats.org/drawingml/2006/main" xmlns:r="http://schemas.openxmlformats.org/officeDocument/2006/relationships" xmlns:p="http://schemas.openxmlformats.org/presentationml/2006/main">
+  <p:cSld>
+    <p:spTree>
+      <p:nvGrpSpPr>
+        <p:cNvPr id="1" name=""/>
+        <p:cNvGrpSpPr/>
+        <p:nvPr/>
+      </p:nvGrpSpPr>
+      <p:grpSpPr>
+        <a:xfrm>
+          <a:off x="0" y="0"/>
+          <a:ext cx="0" cy="0"/>
+          <a:chOff x="0" y="0"/>
+          <a:chExt cx="0" cy="0"/>
+        </a:xfrm>
+      </p:grpSpPr>
+      <p:sp>
+        <p:nvSpPr>
           <p:cNvPr id="2" name="Title 1"/>
           <p:cNvSpPr>
             <a:spLocks noGrp="1"/>
@@ -8474,7 +8375,7 @@
           <a:p>
             <a:pPr algn="ctr"/>
             <a:r>
-              <a:rPr lang="en-IN" sz="8800" b="1" dirty="0" smtClean="0">
+              <a:rPr lang="en-IN" sz="8800" b="1" dirty="0">
                 <a:latin typeface="Montserrat" panose="020B0604020202020204" charset="0"/>
               </a:rPr>
               <a:t>Thank You</a:t>
@@ -8708,13 +8609,6 @@
   <p:clrMapOvr>
     <a:masterClrMapping/>
   </p:clrMapOvr>
-  <p:timing>
-    <p:tnLst>
-      <p:par>
-        <p:cTn id="1" dur="indefinite" restart="never" nodeType="tmRoot"/>
-      </p:par>
-    </p:tnLst>
-  </p:timing>
 </p:sld>
 </file>
 
@@ -8860,15 +8754,7 @@
                 <a:ea typeface="Open Sans"/>
                 <a:cs typeface="Open Sans"/>
               </a:rPr>
-              <a:t>The optimization of the existing traffic light system represents a critical step toward mitigating urban traffic-related issues. By integrating advanced methodologies and technologies discussed in [1], we aim to alleviate the challenges posed by the conventional traffic control system. The inadequacies of the current system become evident in its limited adaptability to real-time traffic conditions and its lack of consideration for various factors such as traffic volume, patterns, and emergency vehicle prioritization. This deficiency leads to prolonged travel times for commuters and jeopardizes the timely response of emergency services, potentially endangering lives. Our project introduces a dynamic traffic management approach, utilizing real-time data to adjust signal timings according to the changing traffic density. By doing so, we anticipate a significant reduction in traffic, shorter travel durations, and an overall enhancement in the quality of life for urban residents. The project's positive outcomes extend beyond individual commuters to encompass the broader community and local </a:t>
-            </a:r>
-            <a:r>
-              <a:rPr lang="en-US" dirty="0" smtClean="0">
-                <a:latin typeface="Times New Roman" panose="02020603050405020304" pitchFamily="18" charset="0"/>
-                <a:ea typeface="Open Sans"/>
-                <a:cs typeface="Open Sans"/>
-              </a:rPr>
-              <a:t>authorities</a:t>
+              <a:t>The optimization of the existing traffic light system represents a critical step toward mitigating urban traffic-related issues. By integrating advanced methodologies and technologies discussed in [1], we aim to alleviate the challenges posed by the conventional traffic control system. The inadequacies of the current system become evident in its limited adaptability to real-time traffic conditions and its lack of consideration for various factors such as traffic volume, patterns, and emergency vehicle prioritization. This deficiency leads to prolonged travel times for commuters and jeopardizes the timely response of emergency services, potentially endangering lives. Our project introduces a dynamic traffic management approach, utilizing real-time data to adjust signal timings according to the changing traffic density. By doing so, we anticipate a significant reduction in traffic, shorter travel durations, and an overall enhancement in the quality of life for urban residents. The project's positive outcomes extend beyond individual commuters to encompass the broader community and local authorities</a:t>
             </a:r>
             <a:endParaRPr lang="en-US" sz="1200" dirty="0">
               <a:effectLst/>
@@ -8889,13 +8775,6 @@
   <p:clrMapOvr>
     <a:masterClrMapping/>
   </p:clrMapOvr>
-  <p:timing>
-    <p:tnLst>
-      <p:par>
-        <p:cTn id="1" dur="indefinite" restart="never" nodeType="tmRoot"/>
-      </p:par>
-    </p:tnLst>
-  </p:timing>
 </p:sld>
 </file>
 
@@ -9065,13 +8944,6 @@
   <p:clrMapOvr>
     <a:masterClrMapping/>
   </p:clrMapOvr>
-  <p:timing>
-    <p:tnLst>
-      <p:par>
-        <p:cTn id="1" dur="indefinite" restart="never" nodeType="tmRoot"/>
-      </p:par>
-    </p:tnLst>
-  </p:timing>
 </p:sld>
 </file>
 
@@ -9170,11 +9042,7 @@
             <a:pPr algn="just"/>
             <a:r>
               <a:rPr lang="en-US" dirty="0"/>
-              <a:t>The motivation behind embarking on this project is multi-faceted, stemming from both personal and societal aspirations. As technology continues to shape our world, it becomes imperative to leverage its power to address pressing urban challenges like traffic problems. Here are some key reasons driving our enthusiasm for this </a:t>
-            </a:r>
-            <a:r>
-              <a:rPr lang="en-US" dirty="0" smtClean="0"/>
-              <a:t>project</a:t>
+              <a:t>The motivation behind embarking on this project is multi-faceted, stemming from both personal and societal aspirations. As technology continues to shape our world, it becomes imperative to leverage its power to address pressing urban challenges like traffic problems. Here are some key reasons driving our enthusiasm for this project</a:t>
             </a:r>
           </a:p>
           <a:p>
@@ -9191,11 +9059,7 @@
             </a:pPr>
             <a:r>
               <a:rPr lang="en-US" dirty="0"/>
-              <a:t>Exploration of AI and Applied Machine Learning: We're eager to delve into the world of AI and Machine Learning, particularly in computer vision and object detection, to address urban challenges like traffic issues</a:t>
-            </a:r>
-            <a:r>
-              <a:rPr lang="en-US" dirty="0" smtClean="0"/>
-              <a:t>.</a:t>
+              <a:t>Exploration of AI and Applied Machine Learning: We're eager to delve into the world of AI and Machine Learning, particularly in computer vision and object detection, to address urban challenges like traffic issues.</a:t>
             </a:r>
           </a:p>
           <a:p>
@@ -9274,13 +9138,6 @@
   <p:clrMapOvr>
     <a:masterClrMapping/>
   </p:clrMapOvr>
-  <p:timing>
-    <p:tnLst>
-      <p:par>
-        <p:cTn id="1" dur="indefinite" restart="never" nodeType="tmRoot"/>
-      </p:par>
-    </p:tnLst>
-  </p:timing>
 </p:sld>
 </file>
 
@@ -9340,7 +9197,7 @@
               <a:buSzPts val="3200"/>
             </a:pPr>
             <a:r>
-              <a:rPr lang="en-IN" sz="2400" b="1" dirty="0" smtClean="0">
+              <a:rPr lang="en-IN" sz="2400" b="1" dirty="0">
                 <a:latin typeface="Montserrat" panose="020B0604020202020204" charset="0"/>
               </a:rPr>
               <a:t>PROBLEM DEFINATION</a:t>
@@ -9379,45 +9236,16 @@
             <a:pPr algn="just"/>
             <a:r>
               <a:rPr lang="en-US" dirty="0"/>
-              <a:t>Developing a smart traffic management system </a:t>
-            </a:r>
-            <a:r>
-              <a:rPr lang="en-US" dirty="0" smtClean="0"/>
-              <a:t>to optimize </a:t>
+              <a:t>Developing a smart traffic management system to optimize traffic flow, while minimizing the travel time and maximizing mobility. The problem at hand is to design and implement a solution that effectively reduces traffic congestion. The solution should focus on minimizing traffic delays, improving travel times, reducing environmental impact, and enhancing overall urban mobility. While making the system </a:t>
+            </a:r>
+            <a:r>
+              <a:rPr lang="en-IN" dirty="0"/>
+              <a:t>practical</a:t>
             </a:r>
             <a:r>
               <a:rPr lang="en-US" dirty="0"/>
-              <a:t>traffic </a:t>
-            </a:r>
-            <a:r>
-              <a:rPr lang="en-US" dirty="0" smtClean="0"/>
-              <a:t>flow, </a:t>
-            </a:r>
-            <a:r>
-              <a:rPr lang="en-US" dirty="0"/>
-              <a:t>while minimizing the travel time and maximizing mobility. The problem at hand is to design and implement a solution that effectively reduces traffic congestion. The solution should focus on minimizing </a:t>
-            </a:r>
-            <a:r>
-              <a:rPr lang="en-US" dirty="0" smtClean="0"/>
-              <a:t>traffic </a:t>
-            </a:r>
-            <a:r>
-              <a:rPr lang="en-US" dirty="0"/>
-              <a:t>delays, improving travel times, reducing environmental impact, and enhancing overall urban mobility</a:t>
-            </a:r>
-            <a:r>
-              <a:rPr lang="en-US" dirty="0" smtClean="0"/>
-              <a:t>. While making the system </a:t>
-            </a:r>
-            <a:r>
-              <a:rPr lang="en-IN" dirty="0" smtClean="0"/>
-              <a:t>practical</a:t>
-            </a:r>
-            <a:r>
-              <a:rPr lang="en-US" dirty="0" smtClean="0"/>
               <a:t> to install on real traffic signals</a:t>
             </a:r>
-            <a:endParaRPr lang="en-US" dirty="0"/>
           </a:p>
         </p:txBody>
       </p:sp>
@@ -9431,13 +9259,6 @@
   <p:clrMapOvr>
     <a:masterClrMapping/>
   </p:clrMapOvr>
-  <p:timing>
-    <p:tnLst>
-      <p:par>
-        <p:cTn id="1" dur="indefinite" restart="never" nodeType="tmRoot"/>
-      </p:par>
-    </p:tnLst>
-  </p:timing>
 </p:sld>
 </file>
 
@@ -9497,7 +9318,7 @@
               <a:buSzPts val="3200"/>
             </a:pPr>
             <a:r>
-              <a:rPr lang="en-IN" sz="2400" b="1" dirty="0" smtClean="0">
+              <a:rPr lang="en-IN" sz="2400" b="1" dirty="0">
                 <a:latin typeface="Montserrat" panose="020B0604020202020204" charset="0"/>
               </a:rPr>
               <a:t>PROBLEM DEFINATION</a:t>
@@ -9536,45 +9357,16 @@
             <a:pPr algn="just"/>
             <a:r>
               <a:rPr lang="en-US" dirty="0"/>
-              <a:t>Developing a smart traffic management system </a:t>
-            </a:r>
-            <a:r>
-              <a:rPr lang="en-US" dirty="0" smtClean="0"/>
-              <a:t>to optimize </a:t>
+              <a:t>Developing a smart traffic management system to optimize traffic flow, while minimizing the travel time and maximizing mobility. The problem at hand is to design and implement a solution that effectively reduces traffic congestion. The solution should focus on minimizing traffic delays, improving travel times, reducing environmental impact, and enhancing overall urban mobility. While making the system </a:t>
+            </a:r>
+            <a:r>
+              <a:rPr lang="en-IN" dirty="0"/>
+              <a:t>practical</a:t>
             </a:r>
             <a:r>
               <a:rPr lang="en-US" dirty="0"/>
-              <a:t>traffic </a:t>
-            </a:r>
-            <a:r>
-              <a:rPr lang="en-US" dirty="0" smtClean="0"/>
-              <a:t>flow, </a:t>
-            </a:r>
-            <a:r>
-              <a:rPr lang="en-US" dirty="0"/>
-              <a:t>while minimizing the travel time and maximizing mobility. The problem at hand is to design and implement a solution that effectively reduces traffic congestion. The solution should focus on minimizing </a:t>
-            </a:r>
-            <a:r>
-              <a:rPr lang="en-US" dirty="0" smtClean="0"/>
-              <a:t>traffic </a:t>
-            </a:r>
-            <a:r>
-              <a:rPr lang="en-US" dirty="0"/>
-              <a:t>delays, improving travel times, reducing environmental impact, and enhancing overall urban mobility</a:t>
-            </a:r>
-            <a:r>
-              <a:rPr lang="en-US" dirty="0" smtClean="0"/>
-              <a:t>. While making the system </a:t>
-            </a:r>
-            <a:r>
-              <a:rPr lang="en-IN" dirty="0" smtClean="0"/>
-              <a:t>practical</a:t>
-            </a:r>
-            <a:r>
-              <a:rPr lang="en-US" dirty="0" smtClean="0"/>
               <a:t> to install on real traffic signals</a:t>
             </a:r>
-            <a:endParaRPr lang="en-US" dirty="0"/>
           </a:p>
         </p:txBody>
       </p:sp>
@@ -9588,13 +9380,6 @@
   <p:clrMapOvr>
     <a:masterClrMapping/>
   </p:clrMapOvr>
-  <p:timing>
-    <p:tnLst>
-      <p:par>
-        <p:cTn id="1" dur="indefinite" restart="never" nodeType="tmRoot"/>
-      </p:par>
-    </p:tnLst>
-  </p:timing>
 </p:sld>
 </file>
 
@@ -9654,7 +9439,7 @@
               <a:buSzPts val="3200"/>
             </a:pPr>
             <a:r>
-              <a:rPr lang="en-IN" sz="2400" b="1" dirty="0" smtClean="0">
+              <a:rPr lang="en-IN" sz="2400" b="1" dirty="0">
                 <a:latin typeface="Montserrat" panose="020B0604020202020204" charset="0"/>
               </a:rPr>
               <a:t>OUR SOLUTION</a:t>
@@ -9667,30 +9452,390 @@
       </p:sp>
       <p:sp>
         <p:nvSpPr>
-          <p:cNvPr id="113" name="Google Shape;113;p15"/>
+          <p:cNvPr id="2" name="TextBox 1">
+            <a:extLst>
+              <a:ext uri="{FF2B5EF4-FFF2-40B4-BE49-F238E27FC236}">
+                <a16:creationId xmlns:a16="http://schemas.microsoft.com/office/drawing/2014/main" id="{66899685-F4A3-6BA6-BFB9-CE84AC4E341C}"/>
+              </a:ext>
+            </a:extLst>
+          </p:cNvPr>
           <p:cNvSpPr txBox="1"/>
           <p:nvPr/>
         </p:nvSpPr>
         <p:spPr>
           <a:xfrm>
-            <a:off x="1210098" y="2001626"/>
-            <a:ext cx="7007437" cy="1459547"/>
+            <a:off x="765717" y="1115122"/>
+            <a:ext cx="7865327" cy="307777"/>
+          </a:xfrm>
+          <a:prstGeom prst="rect">
+            <a:avLst/>
+          </a:prstGeom>
+          <a:noFill/>
+        </p:spPr>
+        <p:txBody>
+          <a:bodyPr wrap="square" rtlCol="0">
+            <a:spAutoFit/>
+          </a:bodyPr>
+          <a:lstStyle/>
+          <a:p>
+            <a:pPr marL="285750" indent="-285750">
+              <a:buFont typeface="Arial" panose="020B0604020202020204" pitchFamily="34" charset="0"/>
+              <a:buChar char="•"/>
+            </a:pPr>
+            <a:r>
+              <a:rPr lang="en-US" dirty="0">
+                <a:latin typeface="Times New Roman" panose="02020603050405020304" pitchFamily="18" charset="0"/>
+                <a:cs typeface="Times New Roman" panose="02020603050405020304" pitchFamily="18" charset="0"/>
+              </a:rPr>
+              <a:t>  OBJECT DETECTION BY YOLO</a:t>
+            </a:r>
+          </a:p>
+        </p:txBody>
+      </p:sp>
+      <p:sp>
+        <p:nvSpPr>
+          <p:cNvPr id="3" name="TextBox 2">
+            <a:extLst>
+              <a:ext uri="{FF2B5EF4-FFF2-40B4-BE49-F238E27FC236}">
+                <a16:creationId xmlns:a16="http://schemas.microsoft.com/office/drawing/2014/main" id="{0039FC72-195F-932B-0DEE-36B0416319BD}"/>
+              </a:ext>
+            </a:extLst>
+          </p:cNvPr>
+          <p:cNvSpPr txBox="1"/>
+          <p:nvPr/>
+        </p:nvSpPr>
+        <p:spPr>
+          <a:xfrm>
+            <a:off x="3319644" y="1402199"/>
+            <a:ext cx="5868032" cy="1169551"/>
+          </a:xfrm>
+          <a:prstGeom prst="rect">
+            <a:avLst/>
+          </a:prstGeom>
+          <a:noFill/>
+        </p:spPr>
+        <p:txBody>
+          <a:bodyPr wrap="square" rtlCol="0">
+            <a:spAutoFit/>
+          </a:bodyPr>
+          <a:lstStyle/>
+          <a:p>
+            <a:endParaRPr lang="en-US" dirty="0">
+              <a:solidFill>
+                <a:schemeClr val="tx1"/>
+              </a:solidFill>
+              <a:latin typeface="Times New Roman" panose="02020603050405020304" pitchFamily="18" charset="0"/>
+              <a:cs typeface="Times New Roman" panose="02020603050405020304" pitchFamily="18" charset="0"/>
+            </a:endParaRPr>
+          </a:p>
+          <a:p>
+            <a:r>
+              <a:rPr lang="en-US" dirty="0">
+                <a:solidFill>
+                  <a:schemeClr val="tx1"/>
+                </a:solidFill>
+                <a:latin typeface="Times New Roman" panose="02020603050405020304" pitchFamily="18" charset="0"/>
+                <a:cs typeface="Times New Roman" panose="02020603050405020304" pitchFamily="18" charset="0"/>
+              </a:rPr>
+              <a:t>       </a:t>
+            </a:r>
+            <a:r>
+              <a:rPr lang="en-US" b="0" i="0" dirty="0">
+                <a:solidFill>
+                  <a:schemeClr val="tx1"/>
+                </a:solidFill>
+                <a:effectLst/>
+                <a:latin typeface="Times New Roman" panose="02020603050405020304" pitchFamily="18" charset="0"/>
+                <a:cs typeface="Times New Roman" panose="02020603050405020304" pitchFamily="18" charset="0"/>
+              </a:rPr>
+              <a:t>YOLO, which stands for "You Only Look Once," is a real-time object detection system that is widely used in computer vision and machine learning. It's a deep learning-based algorithm that can quickly and accurately identify and locate objects within images or video frames. </a:t>
+            </a:r>
+            <a:endParaRPr lang="en-US" dirty="0">
+              <a:solidFill>
+                <a:schemeClr val="tx1"/>
+              </a:solidFill>
+              <a:latin typeface="Times New Roman" panose="02020603050405020304" pitchFamily="18" charset="0"/>
+              <a:cs typeface="Times New Roman" panose="02020603050405020304" pitchFamily="18" charset="0"/>
+            </a:endParaRPr>
+          </a:p>
+        </p:txBody>
+      </p:sp>
+      <p:pic>
+        <p:nvPicPr>
+          <p:cNvPr id="5" name="Picture 4">
+            <a:extLst>
+              <a:ext uri="{FF2B5EF4-FFF2-40B4-BE49-F238E27FC236}">
+                <a16:creationId xmlns:a16="http://schemas.microsoft.com/office/drawing/2014/main" id="{C9D1278C-8C09-C676-FB03-2C3BC67E6C3A}"/>
+              </a:ext>
+            </a:extLst>
+          </p:cNvPr>
+          <p:cNvPicPr>
+            <a:picLocks noChangeAspect="1"/>
+          </p:cNvPicPr>
+          <p:nvPr/>
+        </p:nvPicPr>
+        <p:blipFill>
+          <a:blip r:embed="rId3"/>
+          <a:stretch>
+            <a:fillRect/>
+          </a:stretch>
+        </p:blipFill>
+        <p:spPr>
+          <a:xfrm>
+            <a:off x="823028" y="1652566"/>
+            <a:ext cx="2349352" cy="2933768"/>
+          </a:xfrm>
+          <a:prstGeom prst="rect">
+            <a:avLst/>
+          </a:prstGeom>
+        </p:spPr>
+      </p:pic>
+      <p:sp>
+        <p:nvSpPr>
+          <p:cNvPr id="7" name="TextBox 6">
+            <a:extLst>
+              <a:ext uri="{FF2B5EF4-FFF2-40B4-BE49-F238E27FC236}">
+                <a16:creationId xmlns:a16="http://schemas.microsoft.com/office/drawing/2014/main" id="{A7C13DA8-CE96-F211-6EB1-7D7A131B2044}"/>
+              </a:ext>
+            </a:extLst>
+          </p:cNvPr>
+          <p:cNvSpPr txBox="1"/>
+          <p:nvPr/>
+        </p:nvSpPr>
+        <p:spPr>
+          <a:xfrm>
+            <a:off x="979412" y="4622316"/>
+            <a:ext cx="2051824" cy="477054"/>
+          </a:xfrm>
+          <a:prstGeom prst="rect">
+            <a:avLst/>
+          </a:prstGeom>
+          <a:noFill/>
+        </p:spPr>
+        <p:txBody>
+          <a:bodyPr wrap="square" rtlCol="0">
+            <a:spAutoFit/>
+          </a:bodyPr>
+          <a:lstStyle/>
+          <a:p>
+            <a:pPr algn="ctr"/>
+            <a:r>
+              <a:rPr lang="en-US" dirty="0"/>
+              <a:t> </a:t>
+            </a:r>
+            <a:r>
+              <a:rPr lang="en-US" sz="1100" dirty="0">
+                <a:latin typeface="Times New Roman" panose="02020603050405020304" pitchFamily="18" charset="0"/>
+                <a:cs typeface="Times New Roman" panose="02020603050405020304" pitchFamily="18" charset="0"/>
+              </a:rPr>
+              <a:t>IMAGE CLASSIFICATION AND OBJECT POSITIONING </a:t>
+            </a:r>
+          </a:p>
+        </p:txBody>
+      </p:sp>
+      <p:sp>
+        <p:nvSpPr>
+          <p:cNvPr id="8" name="TextBox 7">
+            <a:extLst>
+              <a:ext uri="{FF2B5EF4-FFF2-40B4-BE49-F238E27FC236}">
+                <a16:creationId xmlns:a16="http://schemas.microsoft.com/office/drawing/2014/main" id="{46AFA300-4B54-8EC0-3432-2C741CBFDC4A}"/>
+              </a:ext>
+            </a:extLst>
+          </p:cNvPr>
+          <p:cNvSpPr txBox="1"/>
+          <p:nvPr/>
+        </p:nvSpPr>
+        <p:spPr>
+          <a:xfrm>
+            <a:off x="4527395" y="2438400"/>
+            <a:ext cx="1880839" cy="307777"/>
+          </a:xfrm>
+          <a:prstGeom prst="rect">
+            <a:avLst/>
+          </a:prstGeom>
+          <a:noFill/>
+        </p:spPr>
+        <p:txBody>
+          <a:bodyPr wrap="square" rtlCol="0">
+            <a:spAutoFit/>
+          </a:bodyPr>
+          <a:lstStyle/>
+          <a:p>
+            <a:r>
+              <a:rPr lang="en-US" dirty="0">
+                <a:latin typeface="Times New Roman" panose="02020603050405020304" pitchFamily="18" charset="0"/>
+                <a:cs typeface="Times New Roman" panose="02020603050405020304" pitchFamily="18" charset="0"/>
+              </a:rPr>
+              <a:t> </a:t>
+            </a:r>
+          </a:p>
+        </p:txBody>
+      </p:sp>
+      <p:sp>
+        <p:nvSpPr>
+          <p:cNvPr id="9" name="TextBox 8">
+            <a:extLst>
+              <a:ext uri="{FF2B5EF4-FFF2-40B4-BE49-F238E27FC236}">
+                <a16:creationId xmlns:a16="http://schemas.microsoft.com/office/drawing/2014/main" id="{FDDE5281-F8CA-8D83-2801-08ADF975C6A3}"/>
+              </a:ext>
+            </a:extLst>
+          </p:cNvPr>
+          <p:cNvSpPr txBox="1"/>
+          <p:nvPr/>
+        </p:nvSpPr>
+        <p:spPr>
+          <a:xfrm>
+            <a:off x="3350310" y="2876937"/>
+            <a:ext cx="2062976" cy="1277273"/>
+          </a:xfrm>
+          <a:prstGeom prst="rect">
+            <a:avLst/>
+          </a:prstGeom>
+          <a:noFill/>
+        </p:spPr>
+        <p:txBody>
+          <a:bodyPr wrap="square" rtlCol="0">
+            <a:spAutoFit/>
+          </a:bodyPr>
+          <a:lstStyle/>
+          <a:p>
+            <a:pPr algn="ctr"/>
+            <a:r>
+              <a:rPr lang="en-US" sz="1100" dirty="0">
+                <a:latin typeface="Times New Roman" panose="02020603050405020304" pitchFamily="18" charset="0"/>
+                <a:cs typeface="Times New Roman" panose="02020603050405020304" pitchFamily="18" charset="0"/>
+              </a:rPr>
+              <a:t>NEURAL NETWORK OUTPUT</a:t>
+            </a:r>
+          </a:p>
+          <a:p>
+            <a:pPr algn="ctr"/>
+            <a:endParaRPr lang="en-US" sz="1100" dirty="0">
+              <a:latin typeface="Times New Roman" panose="02020603050405020304" pitchFamily="18" charset="0"/>
+              <a:cs typeface="Times New Roman" panose="02020603050405020304" pitchFamily="18" charset="0"/>
+            </a:endParaRPr>
+          </a:p>
+          <a:p>
+            <a:pPr algn="ctr"/>
+            <a:r>
+              <a:rPr lang="en-US" sz="1100" dirty="0">
+                <a:latin typeface="Times New Roman" panose="02020603050405020304" pitchFamily="18" charset="0"/>
+                <a:cs typeface="Times New Roman" panose="02020603050405020304" pitchFamily="18" charset="0"/>
+              </a:rPr>
+              <a:t>Car = 1</a:t>
+            </a:r>
+          </a:p>
+          <a:p>
+            <a:pPr algn="ctr"/>
+            <a:r>
+              <a:rPr lang="en-US" sz="1100" dirty="0">
+                <a:latin typeface="Times New Roman" panose="02020603050405020304" pitchFamily="18" charset="0"/>
+                <a:cs typeface="Times New Roman" panose="02020603050405020304" pitchFamily="18" charset="0"/>
+              </a:rPr>
+              <a:t>Bike = 1</a:t>
+            </a:r>
+          </a:p>
+          <a:p>
+            <a:pPr algn="ctr"/>
+            <a:r>
+              <a:rPr lang="en-US" sz="1100" dirty="0">
+                <a:latin typeface="Times New Roman" panose="02020603050405020304" pitchFamily="18" charset="0"/>
+                <a:cs typeface="Times New Roman" panose="02020603050405020304" pitchFamily="18" charset="0"/>
+              </a:rPr>
+              <a:t>+</a:t>
+            </a:r>
+          </a:p>
+          <a:p>
+            <a:pPr algn="ctr"/>
+            <a:r>
+              <a:rPr lang="en-US" sz="1100" dirty="0">
+                <a:latin typeface="Times New Roman" panose="02020603050405020304" pitchFamily="18" charset="0"/>
+                <a:cs typeface="Times New Roman" panose="02020603050405020304" pitchFamily="18" charset="0"/>
+              </a:rPr>
+              <a:t>Bounding Box</a:t>
+            </a:r>
+          </a:p>
+        </p:txBody>
+      </p:sp>
+      <p:sp>
+        <p:nvSpPr>
+          <p:cNvPr id="12" name="TextBox 11">
+            <a:extLst>
+              <a:ext uri="{FF2B5EF4-FFF2-40B4-BE49-F238E27FC236}">
+                <a16:creationId xmlns:a16="http://schemas.microsoft.com/office/drawing/2014/main" id="{DD027D50-A396-9520-41A2-EE4793FA640C}"/>
+              </a:ext>
+            </a:extLst>
+          </p:cNvPr>
+          <p:cNvSpPr txBox="1"/>
+          <p:nvPr/>
+        </p:nvSpPr>
+        <p:spPr>
+          <a:xfrm>
+            <a:off x="2337976" y="2746177"/>
+            <a:ext cx="666521" cy="824193"/>
+          </a:xfrm>
+          <a:prstGeom prst="rect">
+            <a:avLst/>
+          </a:prstGeom>
+          <a:noFill/>
+        </p:spPr>
+        <p:style>
+          <a:lnRef idx="2">
+            <a:schemeClr val="accent2"/>
+          </a:lnRef>
+          <a:fillRef idx="1">
+            <a:schemeClr val="lt1"/>
+          </a:fillRef>
+          <a:effectRef idx="0">
+            <a:schemeClr val="accent2"/>
+          </a:effectRef>
+          <a:fontRef idx="minor">
+            <a:schemeClr val="dk1"/>
+          </a:fontRef>
+        </p:style>
+        <p:txBody>
+          <a:bodyPr wrap="square" rtlCol="0">
+            <a:spAutoFit/>
+          </a:bodyPr>
+          <a:lstStyle/>
+          <a:p>
+            <a:endParaRPr lang="en-US" dirty="0"/>
+          </a:p>
+        </p:txBody>
+      </p:sp>
+      <p:sp>
+        <p:nvSpPr>
+          <p:cNvPr id="13" name="TextBox 12">
+            <a:extLst>
+              <a:ext uri="{FF2B5EF4-FFF2-40B4-BE49-F238E27FC236}">
+                <a16:creationId xmlns:a16="http://schemas.microsoft.com/office/drawing/2014/main" id="{3FDDC618-F749-14B2-FE29-86267CF68062}"/>
+              </a:ext>
+            </a:extLst>
+          </p:cNvPr>
+          <p:cNvSpPr txBox="1"/>
+          <p:nvPr/>
+        </p:nvSpPr>
+        <p:spPr>
+          <a:xfrm>
+            <a:off x="840862" y="2369820"/>
+            <a:ext cx="1319184" cy="1120140"/>
           </a:xfrm>
           <a:prstGeom prst="rect">
             <a:avLst/>
           </a:prstGeom>
           <a:noFill/>
           <a:ln>
-            <a:noFill/>
+            <a:solidFill>
+              <a:srgbClr val="00B050"/>
+            </a:solidFill>
           </a:ln>
         </p:spPr>
         <p:txBody>
-          <a:bodyPr spcFirstLastPara="1" wrap="square" lIns="68569" tIns="34275" rIns="68569" bIns="34275" anchor="t" anchorCtr="0">
-            <a:noAutofit/>
+          <a:bodyPr wrap="square" rtlCol="0">
+            <a:spAutoFit/>
           </a:bodyPr>
           <a:lstStyle/>
           <a:p>
-            <a:pPr algn="just"/>
             <a:endParaRPr lang="en-US" dirty="0"/>
           </a:p>
         </p:txBody>
@@ -9705,17 +9850,1121 @@
   <p:clrMapOvr>
     <a:masterClrMapping/>
   </p:clrMapOvr>
-  <p:timing>
-    <p:tnLst>
-      <p:par>
-        <p:cTn id="1" dur="indefinite" restart="never" nodeType="tmRoot"/>
-      </p:par>
-    </p:tnLst>
-  </p:timing>
 </p:sld>
 </file>
 
 <file path=ppt/slides/slide8.xml><?xml version="1.0" encoding="utf-8"?>
+<p:sld xmlns:a="http://schemas.openxmlformats.org/drawingml/2006/main" xmlns:r="http://schemas.openxmlformats.org/officeDocument/2006/relationships" xmlns:p="http://schemas.openxmlformats.org/presentationml/2006/main">
+  <p:cSld>
+    <p:spTree>
+      <p:nvGrpSpPr>
+        <p:cNvPr id="1" name=""/>
+        <p:cNvGrpSpPr/>
+        <p:nvPr/>
+      </p:nvGrpSpPr>
+      <p:grpSpPr>
+        <a:xfrm>
+          <a:off x="0" y="0"/>
+          <a:ext cx="0" cy="0"/>
+          <a:chOff x="0" y="0"/>
+          <a:chExt cx="0" cy="0"/>
+        </a:xfrm>
+      </p:grpSpPr>
+      <p:sp>
+        <p:nvSpPr>
+          <p:cNvPr id="2" name="Slide Number Placeholder 1">
+            <a:extLst>
+              <a:ext uri="{FF2B5EF4-FFF2-40B4-BE49-F238E27FC236}">
+                <a16:creationId xmlns:a16="http://schemas.microsoft.com/office/drawing/2014/main" id="{83B733D0-0B94-7F1D-7B1A-DE22E028433E}"/>
+              </a:ext>
+            </a:extLst>
+          </p:cNvPr>
+          <p:cNvSpPr>
+            <a:spLocks noGrp="1"/>
+          </p:cNvSpPr>
+          <p:nvPr>
+            <p:ph type="sldNum" sz="quarter" idx="12"/>
+          </p:nvPr>
+        </p:nvSpPr>
+        <p:spPr/>
+        <p:txBody>
+          <a:bodyPr/>
+          <a:lstStyle/>
+          <a:p>
+            <a:pPr marL="0" lvl="0" indent="0" algn="r" rtl="0">
+              <a:spcBef>
+                <a:spcPts val="0"/>
+              </a:spcBef>
+              <a:spcAft>
+                <a:spcPts val="0"/>
+              </a:spcAft>
+              <a:buNone/>
+            </a:pPr>
+            <a:fld id="{00000000-1234-1234-1234-123412341234}" type="slidenum">
+              <a:rPr lang="en-US" smtClean="0"/>
+              <a:t>8</a:t>
+            </a:fld>
+            <a:endParaRPr lang="en-US"/>
+          </a:p>
+        </p:txBody>
+      </p:sp>
+      <p:pic>
+        <p:nvPicPr>
+          <p:cNvPr id="3" name="Picture 2">
+            <a:extLst>
+              <a:ext uri="{FF2B5EF4-FFF2-40B4-BE49-F238E27FC236}">
+                <a16:creationId xmlns:a16="http://schemas.microsoft.com/office/drawing/2014/main" id="{570E0F77-6CAB-F04F-C743-15EEADF837D8}"/>
+              </a:ext>
+            </a:extLst>
+          </p:cNvPr>
+          <p:cNvPicPr>
+            <a:picLocks noChangeAspect="1"/>
+          </p:cNvPicPr>
+          <p:nvPr/>
+        </p:nvPicPr>
+        <p:blipFill>
+          <a:blip r:embed="rId2"/>
+          <a:stretch>
+            <a:fillRect/>
+          </a:stretch>
+        </p:blipFill>
+        <p:spPr>
+          <a:xfrm>
+            <a:off x="390763" y="1545291"/>
+            <a:ext cx="1422797" cy="1777573"/>
+          </a:xfrm>
+          <a:prstGeom prst="rect">
+            <a:avLst/>
+          </a:prstGeom>
+        </p:spPr>
+      </p:pic>
+      <p:pic>
+        <p:nvPicPr>
+          <p:cNvPr id="4" name="Picture 3">
+            <a:extLst>
+              <a:ext uri="{FF2B5EF4-FFF2-40B4-BE49-F238E27FC236}">
+                <a16:creationId xmlns:a16="http://schemas.microsoft.com/office/drawing/2014/main" id="{DEA8D78F-8713-2296-7B9A-AA755BF78F39}"/>
+              </a:ext>
+            </a:extLst>
+          </p:cNvPr>
+          <p:cNvPicPr>
+            <a:picLocks noChangeAspect="1"/>
+          </p:cNvPicPr>
+          <p:nvPr/>
+        </p:nvPicPr>
+        <p:blipFill>
+          <a:blip r:embed="rId3"/>
+          <a:stretch>
+            <a:fillRect/>
+          </a:stretch>
+        </p:blipFill>
+        <p:spPr>
+          <a:xfrm>
+            <a:off x="363105" y="1937886"/>
+            <a:ext cx="896385" cy="764805"/>
+          </a:xfrm>
+          <a:prstGeom prst="rect">
+            <a:avLst/>
+          </a:prstGeom>
+        </p:spPr>
+      </p:pic>
+      <p:pic>
+        <p:nvPicPr>
+          <p:cNvPr id="5" name="Picture 4">
+            <a:extLst>
+              <a:ext uri="{FF2B5EF4-FFF2-40B4-BE49-F238E27FC236}">
+                <a16:creationId xmlns:a16="http://schemas.microsoft.com/office/drawing/2014/main" id="{14DD439A-FB57-ECAE-E212-272B5605514B}"/>
+              </a:ext>
+            </a:extLst>
+          </p:cNvPr>
+          <p:cNvPicPr>
+            <a:picLocks noChangeAspect="1"/>
+          </p:cNvPicPr>
+          <p:nvPr/>
+        </p:nvPicPr>
+        <p:blipFill>
+          <a:blip r:embed="rId4"/>
+          <a:stretch>
+            <a:fillRect/>
+          </a:stretch>
+        </p:blipFill>
+        <p:spPr>
+          <a:xfrm>
+            <a:off x="1330799" y="2151087"/>
+            <a:ext cx="374654" cy="549071"/>
+          </a:xfrm>
+          <a:prstGeom prst="rect">
+            <a:avLst/>
+          </a:prstGeom>
+        </p:spPr>
+      </p:pic>
+      <p:sp>
+        <p:nvSpPr>
+          <p:cNvPr id="8" name="Arrow: Right 7">
+            <a:extLst>
+              <a:ext uri="{FF2B5EF4-FFF2-40B4-BE49-F238E27FC236}">
+                <a16:creationId xmlns:a16="http://schemas.microsoft.com/office/drawing/2014/main" id="{93FB571F-9574-3DB4-EC34-E9015F10C62F}"/>
+              </a:ext>
+            </a:extLst>
+          </p:cNvPr>
+          <p:cNvSpPr/>
+          <p:nvPr/>
+        </p:nvSpPr>
+        <p:spPr>
+          <a:xfrm>
+            <a:off x="2135738" y="2194558"/>
+            <a:ext cx="845820" cy="251460"/>
+          </a:xfrm>
+          <a:prstGeom prst="rightArrow">
+            <a:avLst/>
+          </a:prstGeom>
+        </p:spPr>
+        <p:style>
+          <a:lnRef idx="2">
+            <a:schemeClr val="accent1">
+              <a:shade val="15000"/>
+            </a:schemeClr>
+          </a:lnRef>
+          <a:fillRef idx="1">
+            <a:schemeClr val="accent1"/>
+          </a:fillRef>
+          <a:effectRef idx="0">
+            <a:schemeClr val="accent1"/>
+          </a:effectRef>
+          <a:fontRef idx="minor">
+            <a:schemeClr val="lt1"/>
+          </a:fontRef>
+        </p:style>
+        <p:txBody>
+          <a:bodyPr rtlCol="0" anchor="ctr"/>
+          <a:lstStyle/>
+          <a:p>
+            <a:pPr algn="ctr"/>
+            <a:endParaRPr lang="en-US"/>
+          </a:p>
+        </p:txBody>
+      </p:sp>
+      <p:sp>
+        <p:nvSpPr>
+          <p:cNvPr id="15" name="Oval 14">
+            <a:extLst>
+              <a:ext uri="{FF2B5EF4-FFF2-40B4-BE49-F238E27FC236}">
+                <a16:creationId xmlns:a16="http://schemas.microsoft.com/office/drawing/2014/main" id="{649A9503-414A-8690-126C-3BCDCC185E01}"/>
+              </a:ext>
+            </a:extLst>
+          </p:cNvPr>
+          <p:cNvSpPr/>
+          <p:nvPr/>
+        </p:nvSpPr>
+        <p:spPr>
+          <a:xfrm>
+            <a:off x="774539" y="2247900"/>
+            <a:ext cx="73516" cy="53340"/>
+          </a:xfrm>
+          <a:prstGeom prst="ellipse">
+            <a:avLst/>
+          </a:prstGeom>
+          <a:solidFill>
+            <a:srgbClr val="FFFF00"/>
+          </a:solidFill>
+          <a:ln>
+            <a:solidFill>
+              <a:srgbClr val="FFFF00"/>
+            </a:solidFill>
+          </a:ln>
+        </p:spPr>
+        <p:style>
+          <a:lnRef idx="2">
+            <a:schemeClr val="accent1">
+              <a:shade val="15000"/>
+            </a:schemeClr>
+          </a:lnRef>
+          <a:fillRef idx="1">
+            <a:schemeClr val="accent1"/>
+          </a:fillRef>
+          <a:effectRef idx="0">
+            <a:schemeClr val="accent1"/>
+          </a:effectRef>
+          <a:fontRef idx="minor">
+            <a:schemeClr val="lt1"/>
+          </a:fontRef>
+        </p:style>
+        <p:txBody>
+          <a:bodyPr rtlCol="0" anchor="ctr"/>
+          <a:lstStyle/>
+          <a:p>
+            <a:pPr algn="ctr"/>
+            <a:endParaRPr lang="en-US">
+              <a:solidFill>
+                <a:schemeClr val="tx1"/>
+              </a:solidFill>
+            </a:endParaRPr>
+          </a:p>
+        </p:txBody>
+      </p:sp>
+      <p:sp>
+        <p:nvSpPr>
+          <p:cNvPr id="16" name="Oval 15">
+            <a:extLst>
+              <a:ext uri="{FF2B5EF4-FFF2-40B4-BE49-F238E27FC236}">
+                <a16:creationId xmlns:a16="http://schemas.microsoft.com/office/drawing/2014/main" id="{84783232-C08A-BA0B-0692-69584A7B20B6}"/>
+              </a:ext>
+            </a:extLst>
+          </p:cNvPr>
+          <p:cNvSpPr/>
+          <p:nvPr/>
+        </p:nvSpPr>
+        <p:spPr>
+          <a:xfrm>
+            <a:off x="1489056" y="2379903"/>
+            <a:ext cx="58139" cy="45719"/>
+          </a:xfrm>
+          <a:prstGeom prst="ellipse">
+            <a:avLst/>
+          </a:prstGeom>
+          <a:solidFill>
+            <a:srgbClr val="FFFF00"/>
+          </a:solidFill>
+          <a:ln>
+            <a:solidFill>
+              <a:srgbClr val="FFFF00"/>
+            </a:solidFill>
+          </a:ln>
+        </p:spPr>
+        <p:style>
+          <a:lnRef idx="2">
+            <a:schemeClr val="accent1">
+              <a:shade val="15000"/>
+            </a:schemeClr>
+          </a:lnRef>
+          <a:fillRef idx="1">
+            <a:schemeClr val="accent1"/>
+          </a:fillRef>
+          <a:effectRef idx="0">
+            <a:schemeClr val="accent1"/>
+          </a:effectRef>
+          <a:fontRef idx="minor">
+            <a:schemeClr val="lt1"/>
+          </a:fontRef>
+        </p:style>
+        <p:txBody>
+          <a:bodyPr rtlCol="0" anchor="ctr"/>
+          <a:lstStyle/>
+          <a:p>
+            <a:pPr algn="ctr"/>
+            <a:endParaRPr lang="en-US">
+              <a:solidFill>
+                <a:schemeClr val="tx1"/>
+              </a:solidFill>
+            </a:endParaRPr>
+          </a:p>
+        </p:txBody>
+      </p:sp>
+      <p:sp>
+        <p:nvSpPr>
+          <p:cNvPr id="28" name="TextBox 27">
+            <a:extLst>
+              <a:ext uri="{FF2B5EF4-FFF2-40B4-BE49-F238E27FC236}">
+                <a16:creationId xmlns:a16="http://schemas.microsoft.com/office/drawing/2014/main" id="{D8B79E1C-7639-28DB-0B27-74063A8E7F89}"/>
+              </a:ext>
+            </a:extLst>
+          </p:cNvPr>
+          <p:cNvSpPr txBox="1"/>
+          <p:nvPr/>
+        </p:nvSpPr>
+        <p:spPr>
+          <a:xfrm>
+            <a:off x="739140" y="205740"/>
+            <a:ext cx="4834889" cy="307777"/>
+          </a:xfrm>
+          <a:prstGeom prst="rect">
+            <a:avLst/>
+          </a:prstGeom>
+          <a:noFill/>
+        </p:spPr>
+        <p:txBody>
+          <a:bodyPr wrap="square" rtlCol="0">
+            <a:spAutoFit/>
+          </a:bodyPr>
+          <a:lstStyle/>
+          <a:p>
+            <a:pPr marL="285750" indent="-285750">
+              <a:buFont typeface="Wingdings" panose="05000000000000000000" pitchFamily="2" charset="2"/>
+              <a:buChar char="§"/>
+            </a:pPr>
+            <a:r>
+              <a:rPr lang="en-US" dirty="0">
+                <a:latin typeface="Times New Roman" panose="02020603050405020304" pitchFamily="18" charset="0"/>
+                <a:cs typeface="Times New Roman" panose="02020603050405020304" pitchFamily="18" charset="0"/>
+              </a:rPr>
+              <a:t>WORKING OF YOLO</a:t>
+            </a:r>
+          </a:p>
+        </p:txBody>
+      </p:sp>
+      <p:sp>
+        <p:nvSpPr>
+          <p:cNvPr id="31" name="TextBox 30">
+            <a:extLst>
+              <a:ext uri="{FF2B5EF4-FFF2-40B4-BE49-F238E27FC236}">
+                <a16:creationId xmlns:a16="http://schemas.microsoft.com/office/drawing/2014/main" id="{BCB7F129-DB65-D340-7835-3859009DF116}"/>
+              </a:ext>
+            </a:extLst>
+          </p:cNvPr>
+          <p:cNvSpPr txBox="1"/>
+          <p:nvPr/>
+        </p:nvSpPr>
+        <p:spPr>
+          <a:xfrm>
+            <a:off x="998118" y="664102"/>
+            <a:ext cx="7399221" cy="954107"/>
+          </a:xfrm>
+          <a:prstGeom prst="rect">
+            <a:avLst/>
+          </a:prstGeom>
+          <a:noFill/>
+        </p:spPr>
+        <p:txBody>
+          <a:bodyPr wrap="square" rtlCol="0">
+            <a:spAutoFit/>
+          </a:bodyPr>
+          <a:lstStyle/>
+          <a:p>
+            <a:pPr algn="l"/>
+            <a:r>
+              <a:rPr lang="en-US" b="0" i="0" dirty="0">
+                <a:solidFill>
+                  <a:schemeClr val="tx1"/>
+                </a:solidFill>
+                <a:effectLst/>
+                <a:latin typeface="Times New Roman" panose="02020603050405020304" pitchFamily="18" charset="0"/>
+                <a:cs typeface="Times New Roman" panose="02020603050405020304" pitchFamily="18" charset="0"/>
+              </a:rPr>
+              <a:t>YOLO takes an image or a video frame as input. The input image is divided into a grid, typically, a grid of cells (e.g., 19x19 or 13x13).</a:t>
+            </a:r>
+          </a:p>
+          <a:p>
+            <a:br>
+              <a:rPr lang="en-US" dirty="0"/>
+            </a:br>
+            <a:endParaRPr lang="en-US" dirty="0"/>
+          </a:p>
+        </p:txBody>
+      </p:sp>
+      <p:pic>
+        <p:nvPicPr>
+          <p:cNvPr id="32" name="Picture 31">
+            <a:extLst>
+              <a:ext uri="{FF2B5EF4-FFF2-40B4-BE49-F238E27FC236}">
+                <a16:creationId xmlns:a16="http://schemas.microsoft.com/office/drawing/2014/main" id="{7D511DF6-8C8E-B72E-C674-8FE731D8B6D6}"/>
+              </a:ext>
+            </a:extLst>
+          </p:cNvPr>
+          <p:cNvPicPr>
+            <a:picLocks noChangeAspect="1"/>
+          </p:cNvPicPr>
+          <p:nvPr/>
+        </p:nvPicPr>
+        <p:blipFill>
+          <a:blip r:embed="rId2"/>
+          <a:stretch>
+            <a:fillRect/>
+          </a:stretch>
+        </p:blipFill>
+        <p:spPr>
+          <a:xfrm>
+            <a:off x="3128582" y="1557231"/>
+            <a:ext cx="1422797" cy="1777573"/>
+          </a:xfrm>
+          <a:prstGeom prst="rect">
+            <a:avLst/>
+          </a:prstGeom>
+        </p:spPr>
+      </p:pic>
+      <p:pic>
+        <p:nvPicPr>
+          <p:cNvPr id="33" name="Picture 32">
+            <a:extLst>
+              <a:ext uri="{FF2B5EF4-FFF2-40B4-BE49-F238E27FC236}">
+                <a16:creationId xmlns:a16="http://schemas.microsoft.com/office/drawing/2014/main" id="{56BF03EB-EC22-9472-B981-D9B2E1B3F7C4}"/>
+              </a:ext>
+            </a:extLst>
+          </p:cNvPr>
+          <p:cNvPicPr>
+            <a:picLocks noChangeAspect="1"/>
+          </p:cNvPicPr>
+          <p:nvPr/>
+        </p:nvPicPr>
+        <p:blipFill>
+          <a:blip r:embed="rId3"/>
+          <a:stretch>
+            <a:fillRect/>
+          </a:stretch>
+        </p:blipFill>
+        <p:spPr>
+          <a:xfrm>
+            <a:off x="3128582" y="1954601"/>
+            <a:ext cx="896385" cy="764805"/>
+          </a:xfrm>
+          <a:prstGeom prst="rect">
+            <a:avLst/>
+          </a:prstGeom>
+        </p:spPr>
+      </p:pic>
+      <p:pic>
+        <p:nvPicPr>
+          <p:cNvPr id="34" name="Picture 33">
+            <a:extLst>
+              <a:ext uri="{FF2B5EF4-FFF2-40B4-BE49-F238E27FC236}">
+                <a16:creationId xmlns:a16="http://schemas.microsoft.com/office/drawing/2014/main" id="{5EDF094A-A6B3-8A05-C670-4C3E32134FEE}"/>
+              </a:ext>
+            </a:extLst>
+          </p:cNvPr>
+          <p:cNvPicPr>
+            <a:picLocks noChangeAspect="1"/>
+          </p:cNvPicPr>
+          <p:nvPr/>
+        </p:nvPicPr>
+        <p:blipFill>
+          <a:blip r:embed="rId4"/>
+          <a:stretch>
+            <a:fillRect/>
+          </a:stretch>
+        </p:blipFill>
+        <p:spPr>
+          <a:xfrm>
+            <a:off x="4033889" y="2196584"/>
+            <a:ext cx="374654" cy="549071"/>
+          </a:xfrm>
+          <a:prstGeom prst="rect">
+            <a:avLst/>
+          </a:prstGeom>
+        </p:spPr>
+      </p:pic>
+      <p:sp>
+        <p:nvSpPr>
+          <p:cNvPr id="36" name="Oval 35">
+            <a:extLst>
+              <a:ext uri="{FF2B5EF4-FFF2-40B4-BE49-F238E27FC236}">
+                <a16:creationId xmlns:a16="http://schemas.microsoft.com/office/drawing/2014/main" id="{1DE945CD-3207-BEAD-7EF5-5A2BADB889EE}"/>
+              </a:ext>
+            </a:extLst>
+          </p:cNvPr>
+          <p:cNvSpPr/>
+          <p:nvPr/>
+        </p:nvSpPr>
+        <p:spPr>
+          <a:xfrm>
+            <a:off x="3498162" y="2320288"/>
+            <a:ext cx="73516" cy="53340"/>
+          </a:xfrm>
+          <a:prstGeom prst="ellipse">
+            <a:avLst/>
+          </a:prstGeom>
+          <a:solidFill>
+            <a:srgbClr val="FFFF00"/>
+          </a:solidFill>
+          <a:ln>
+            <a:solidFill>
+              <a:srgbClr val="FFFF00"/>
+            </a:solidFill>
+          </a:ln>
+        </p:spPr>
+        <p:style>
+          <a:lnRef idx="2">
+            <a:schemeClr val="accent1">
+              <a:shade val="15000"/>
+            </a:schemeClr>
+          </a:lnRef>
+          <a:fillRef idx="1">
+            <a:schemeClr val="accent1"/>
+          </a:fillRef>
+          <a:effectRef idx="0">
+            <a:schemeClr val="accent1"/>
+          </a:effectRef>
+          <a:fontRef idx="minor">
+            <a:schemeClr val="lt1"/>
+          </a:fontRef>
+        </p:style>
+        <p:txBody>
+          <a:bodyPr rtlCol="0" anchor="ctr"/>
+          <a:lstStyle/>
+          <a:p>
+            <a:pPr algn="ctr"/>
+            <a:endParaRPr lang="en-US">
+              <a:solidFill>
+                <a:schemeClr val="tx1"/>
+              </a:solidFill>
+            </a:endParaRPr>
+          </a:p>
+        </p:txBody>
+      </p:sp>
+      <p:sp>
+        <p:nvSpPr>
+          <p:cNvPr id="37" name="Oval 36">
+            <a:extLst>
+              <a:ext uri="{FF2B5EF4-FFF2-40B4-BE49-F238E27FC236}">
+                <a16:creationId xmlns:a16="http://schemas.microsoft.com/office/drawing/2014/main" id="{5E453547-4F18-BE1F-74E5-5C36867FF979}"/>
+              </a:ext>
+            </a:extLst>
+          </p:cNvPr>
+          <p:cNvSpPr/>
+          <p:nvPr/>
+        </p:nvSpPr>
+        <p:spPr>
+          <a:xfrm>
+            <a:off x="4192146" y="2434077"/>
+            <a:ext cx="58139" cy="45719"/>
+          </a:xfrm>
+          <a:prstGeom prst="ellipse">
+            <a:avLst/>
+          </a:prstGeom>
+          <a:solidFill>
+            <a:srgbClr val="FFFF00"/>
+          </a:solidFill>
+          <a:ln>
+            <a:solidFill>
+              <a:srgbClr val="FFFF00"/>
+            </a:solidFill>
+          </a:ln>
+        </p:spPr>
+        <p:style>
+          <a:lnRef idx="2">
+            <a:schemeClr val="accent1">
+              <a:shade val="15000"/>
+            </a:schemeClr>
+          </a:lnRef>
+          <a:fillRef idx="1">
+            <a:schemeClr val="accent1"/>
+          </a:fillRef>
+          <a:effectRef idx="0">
+            <a:schemeClr val="accent1"/>
+          </a:effectRef>
+          <a:fontRef idx="minor">
+            <a:schemeClr val="lt1"/>
+          </a:fontRef>
+        </p:style>
+        <p:txBody>
+          <a:bodyPr rtlCol="0" anchor="ctr"/>
+          <a:lstStyle/>
+          <a:p>
+            <a:pPr algn="ctr"/>
+            <a:endParaRPr lang="en-US">
+              <a:solidFill>
+                <a:schemeClr val="tx1"/>
+              </a:solidFill>
+            </a:endParaRPr>
+          </a:p>
+        </p:txBody>
+      </p:sp>
+      <p:cxnSp>
+        <p:nvCxnSpPr>
+          <p:cNvPr id="39" name="Straight Connector 38">
+            <a:extLst>
+              <a:ext uri="{FF2B5EF4-FFF2-40B4-BE49-F238E27FC236}">
+                <a16:creationId xmlns:a16="http://schemas.microsoft.com/office/drawing/2014/main" id="{DD43BDA0-245E-5E41-F815-49D4D78342D6}"/>
+              </a:ext>
+            </a:extLst>
+          </p:cNvPr>
+          <p:cNvCxnSpPr/>
+          <p:nvPr/>
+        </p:nvCxnSpPr>
+        <p:spPr>
+          <a:xfrm>
+            <a:off x="3582714" y="1557231"/>
+            <a:ext cx="0" cy="1789513"/>
+          </a:xfrm>
+          <a:prstGeom prst="line">
+            <a:avLst/>
+          </a:prstGeom>
+          <a:ln w="28575"/>
+        </p:spPr>
+        <p:style>
+          <a:lnRef idx="1">
+            <a:schemeClr val="accent1"/>
+          </a:lnRef>
+          <a:fillRef idx="0">
+            <a:schemeClr val="accent1"/>
+          </a:fillRef>
+          <a:effectRef idx="0">
+            <a:schemeClr val="accent1"/>
+          </a:effectRef>
+          <a:fontRef idx="minor">
+            <a:schemeClr val="tx1"/>
+          </a:fontRef>
+        </p:style>
+      </p:cxnSp>
+      <p:cxnSp>
+        <p:nvCxnSpPr>
+          <p:cNvPr id="40" name="Straight Connector 39">
+            <a:extLst>
+              <a:ext uri="{FF2B5EF4-FFF2-40B4-BE49-F238E27FC236}">
+                <a16:creationId xmlns:a16="http://schemas.microsoft.com/office/drawing/2014/main" id="{9C7A57AB-232D-09E5-6029-FC816FA94B73}"/>
+              </a:ext>
+            </a:extLst>
+          </p:cNvPr>
+          <p:cNvCxnSpPr/>
+          <p:nvPr/>
+        </p:nvCxnSpPr>
+        <p:spPr>
+          <a:xfrm>
+            <a:off x="4094849" y="1545291"/>
+            <a:ext cx="0" cy="1789513"/>
+          </a:xfrm>
+          <a:prstGeom prst="line">
+            <a:avLst/>
+          </a:prstGeom>
+          <a:ln w="28575"/>
+        </p:spPr>
+        <p:style>
+          <a:lnRef idx="1">
+            <a:schemeClr val="accent1"/>
+          </a:lnRef>
+          <a:fillRef idx="0">
+            <a:schemeClr val="accent1"/>
+          </a:fillRef>
+          <a:effectRef idx="0">
+            <a:schemeClr val="accent1"/>
+          </a:effectRef>
+          <a:fontRef idx="minor">
+            <a:schemeClr val="tx1"/>
+          </a:fontRef>
+        </p:style>
+      </p:cxnSp>
+      <p:cxnSp>
+        <p:nvCxnSpPr>
+          <p:cNvPr id="42" name="Straight Connector 41">
+            <a:extLst>
+              <a:ext uri="{FF2B5EF4-FFF2-40B4-BE49-F238E27FC236}">
+                <a16:creationId xmlns:a16="http://schemas.microsoft.com/office/drawing/2014/main" id="{631E2E96-3DA3-AAEE-6CCC-ED10C76C628C}"/>
+              </a:ext>
+            </a:extLst>
+          </p:cNvPr>
+          <p:cNvCxnSpPr/>
+          <p:nvPr/>
+        </p:nvCxnSpPr>
+        <p:spPr>
+          <a:xfrm>
+            <a:off x="3132765" y="2080260"/>
+            <a:ext cx="1443418" cy="0"/>
+          </a:xfrm>
+          <a:prstGeom prst="line">
+            <a:avLst/>
+          </a:prstGeom>
+          <a:ln w="28575"/>
+        </p:spPr>
+        <p:style>
+          <a:lnRef idx="1">
+            <a:schemeClr val="accent1"/>
+          </a:lnRef>
+          <a:fillRef idx="0">
+            <a:schemeClr val="accent1"/>
+          </a:fillRef>
+          <a:effectRef idx="0">
+            <a:schemeClr val="accent1"/>
+          </a:effectRef>
+          <a:fontRef idx="minor">
+            <a:schemeClr val="tx1"/>
+          </a:fontRef>
+        </p:style>
+      </p:cxnSp>
+      <p:cxnSp>
+        <p:nvCxnSpPr>
+          <p:cNvPr id="43" name="Straight Connector 42">
+            <a:extLst>
+              <a:ext uri="{FF2B5EF4-FFF2-40B4-BE49-F238E27FC236}">
+                <a16:creationId xmlns:a16="http://schemas.microsoft.com/office/drawing/2014/main" id="{1FBF0AFB-1D1E-12DC-4757-785D1E3B570D}"/>
+              </a:ext>
+            </a:extLst>
+          </p:cNvPr>
+          <p:cNvCxnSpPr/>
+          <p:nvPr/>
+        </p:nvCxnSpPr>
+        <p:spPr>
+          <a:xfrm>
+            <a:off x="3118271" y="2798995"/>
+            <a:ext cx="1443418" cy="0"/>
+          </a:xfrm>
+          <a:prstGeom prst="line">
+            <a:avLst/>
+          </a:prstGeom>
+          <a:ln w="28575"/>
+        </p:spPr>
+        <p:style>
+          <a:lnRef idx="1">
+            <a:schemeClr val="accent1"/>
+          </a:lnRef>
+          <a:fillRef idx="0">
+            <a:schemeClr val="accent1"/>
+          </a:fillRef>
+          <a:effectRef idx="0">
+            <a:schemeClr val="accent1"/>
+          </a:effectRef>
+          <a:fontRef idx="minor">
+            <a:schemeClr val="tx1"/>
+          </a:fontRef>
+        </p:style>
+      </p:cxnSp>
+      <p:sp>
+        <p:nvSpPr>
+          <p:cNvPr id="44" name="Arrow: Right 43">
+            <a:extLst>
+              <a:ext uri="{FF2B5EF4-FFF2-40B4-BE49-F238E27FC236}">
+                <a16:creationId xmlns:a16="http://schemas.microsoft.com/office/drawing/2014/main" id="{1CE5D6EA-5A4B-4173-1CF8-CDC0851EC5B5}"/>
+              </a:ext>
+            </a:extLst>
+          </p:cNvPr>
+          <p:cNvSpPr/>
+          <p:nvPr/>
+        </p:nvSpPr>
+        <p:spPr>
+          <a:xfrm>
+            <a:off x="4784260" y="2156370"/>
+            <a:ext cx="845820" cy="251460"/>
+          </a:xfrm>
+          <a:prstGeom prst="rightArrow">
+            <a:avLst/>
+          </a:prstGeom>
+        </p:spPr>
+        <p:style>
+          <a:lnRef idx="2">
+            <a:schemeClr val="accent1">
+              <a:shade val="15000"/>
+            </a:schemeClr>
+          </a:lnRef>
+          <a:fillRef idx="1">
+            <a:schemeClr val="accent1"/>
+          </a:fillRef>
+          <a:effectRef idx="0">
+            <a:schemeClr val="accent1"/>
+          </a:effectRef>
+          <a:fontRef idx="minor">
+            <a:schemeClr val="lt1"/>
+          </a:fontRef>
+        </p:style>
+        <p:txBody>
+          <a:bodyPr rtlCol="0" anchor="ctr"/>
+          <a:lstStyle/>
+          <a:p>
+            <a:pPr algn="ctr"/>
+            <a:endParaRPr lang="en-US"/>
+          </a:p>
+        </p:txBody>
+      </p:sp>
+      <p:sp>
+        <p:nvSpPr>
+          <p:cNvPr id="49" name="TextBox 48">
+            <a:extLst>
+              <a:ext uri="{FF2B5EF4-FFF2-40B4-BE49-F238E27FC236}">
+                <a16:creationId xmlns:a16="http://schemas.microsoft.com/office/drawing/2014/main" id="{875250CD-870D-6121-2E10-9A3DA57A8722}"/>
+              </a:ext>
+            </a:extLst>
+          </p:cNvPr>
+          <p:cNvSpPr txBox="1"/>
+          <p:nvPr/>
+        </p:nvSpPr>
+        <p:spPr>
+          <a:xfrm>
+            <a:off x="5949659" y="1343738"/>
+            <a:ext cx="508290" cy="2468433"/>
+          </a:xfrm>
+          <a:prstGeom prst="rect">
+            <a:avLst/>
+          </a:prstGeom>
+          <a:noFill/>
+        </p:spPr>
+        <p:txBody>
+          <a:bodyPr wrap="square" rtlCol="0">
+            <a:spAutoFit/>
+          </a:bodyPr>
+          <a:lstStyle/>
+          <a:p>
+            <a:pPr>
+              <a:lnSpc>
+                <a:spcPct val="150000"/>
+              </a:lnSpc>
+              <a:spcBef>
+                <a:spcPts val="200"/>
+              </a:spcBef>
+            </a:pPr>
+            <a:r>
+              <a:rPr lang="en-US" dirty="0"/>
+              <a:t>Pw</a:t>
+            </a:r>
+          </a:p>
+          <a:p>
+            <a:pPr>
+              <a:lnSpc>
+                <a:spcPct val="150000"/>
+              </a:lnSpc>
+              <a:spcBef>
+                <a:spcPts val="200"/>
+              </a:spcBef>
+            </a:pPr>
+            <a:r>
+              <a:rPr lang="en-US" dirty="0" err="1"/>
+              <a:t>Bw</a:t>
+            </a:r>
+            <a:endParaRPr lang="en-US" dirty="0"/>
+          </a:p>
+          <a:p>
+            <a:pPr>
+              <a:lnSpc>
+                <a:spcPct val="150000"/>
+              </a:lnSpc>
+              <a:spcBef>
+                <a:spcPts val="200"/>
+              </a:spcBef>
+            </a:pPr>
+            <a:r>
+              <a:rPr lang="en-US" dirty="0"/>
+              <a:t>By</a:t>
+            </a:r>
+          </a:p>
+          <a:p>
+            <a:pPr>
+              <a:lnSpc>
+                <a:spcPct val="150000"/>
+              </a:lnSpc>
+              <a:spcBef>
+                <a:spcPts val="200"/>
+              </a:spcBef>
+            </a:pPr>
+            <a:r>
+              <a:rPr lang="en-US" dirty="0" err="1"/>
+              <a:t>Bw</a:t>
+            </a:r>
+            <a:endParaRPr lang="en-US" dirty="0"/>
+          </a:p>
+          <a:p>
+            <a:pPr>
+              <a:lnSpc>
+                <a:spcPct val="150000"/>
+              </a:lnSpc>
+              <a:spcBef>
+                <a:spcPts val="200"/>
+              </a:spcBef>
+            </a:pPr>
+            <a:r>
+              <a:rPr lang="en-US" dirty="0" err="1"/>
+              <a:t>Bh</a:t>
+            </a:r>
+            <a:endParaRPr lang="en-US" dirty="0"/>
+          </a:p>
+          <a:p>
+            <a:pPr>
+              <a:lnSpc>
+                <a:spcPct val="150000"/>
+              </a:lnSpc>
+              <a:spcBef>
+                <a:spcPts val="200"/>
+              </a:spcBef>
+            </a:pPr>
+            <a:r>
+              <a:rPr lang="en-US" dirty="0"/>
+              <a:t>C1</a:t>
+            </a:r>
+          </a:p>
+          <a:p>
+            <a:pPr>
+              <a:lnSpc>
+                <a:spcPct val="150000"/>
+              </a:lnSpc>
+              <a:spcBef>
+                <a:spcPts val="200"/>
+              </a:spcBef>
+            </a:pPr>
+            <a:r>
+              <a:rPr lang="en-US" dirty="0"/>
+              <a:t>C2</a:t>
+            </a:r>
+          </a:p>
+        </p:txBody>
+      </p:sp>
+      <p:sp>
+        <p:nvSpPr>
+          <p:cNvPr id="50" name="Left Brace 49">
+            <a:extLst>
+              <a:ext uri="{FF2B5EF4-FFF2-40B4-BE49-F238E27FC236}">
+                <a16:creationId xmlns:a16="http://schemas.microsoft.com/office/drawing/2014/main" id="{FBA3B6C7-8640-FA25-BF94-D9BC67ED5CAD}"/>
+              </a:ext>
+            </a:extLst>
+          </p:cNvPr>
+          <p:cNvSpPr/>
+          <p:nvPr/>
+        </p:nvSpPr>
+        <p:spPr>
+          <a:xfrm>
+            <a:off x="5801739" y="1285100"/>
+            <a:ext cx="180929" cy="2527071"/>
+          </a:xfrm>
+          <a:prstGeom prst="leftBrace">
+            <a:avLst/>
+          </a:prstGeom>
+        </p:spPr>
+        <p:style>
+          <a:lnRef idx="1">
+            <a:schemeClr val="accent1"/>
+          </a:lnRef>
+          <a:fillRef idx="0">
+            <a:schemeClr val="accent1"/>
+          </a:fillRef>
+          <a:effectRef idx="0">
+            <a:schemeClr val="accent1"/>
+          </a:effectRef>
+          <a:fontRef idx="minor">
+            <a:schemeClr val="tx1"/>
+          </a:fontRef>
+        </p:style>
+        <p:txBody>
+          <a:bodyPr rtlCol="0" anchor="ctr"/>
+          <a:lstStyle/>
+          <a:p>
+            <a:pPr algn="ctr"/>
+            <a:endParaRPr lang="en-US" dirty="0"/>
+          </a:p>
+        </p:txBody>
+      </p:sp>
+      <p:sp>
+        <p:nvSpPr>
+          <p:cNvPr id="51" name="Right Brace 50">
+            <a:extLst>
+              <a:ext uri="{FF2B5EF4-FFF2-40B4-BE49-F238E27FC236}">
+                <a16:creationId xmlns:a16="http://schemas.microsoft.com/office/drawing/2014/main" id="{7E0021B6-0235-0DBC-3AD7-E03BE9B1C29F}"/>
+              </a:ext>
+            </a:extLst>
+          </p:cNvPr>
+          <p:cNvSpPr/>
+          <p:nvPr/>
+        </p:nvSpPr>
+        <p:spPr>
+          <a:xfrm>
+            <a:off x="6367484" y="1285099"/>
+            <a:ext cx="180929" cy="2527071"/>
+          </a:xfrm>
+          <a:prstGeom prst="rightBrace">
+            <a:avLst/>
+          </a:prstGeom>
+        </p:spPr>
+        <p:style>
+          <a:lnRef idx="1">
+            <a:schemeClr val="accent1"/>
+          </a:lnRef>
+          <a:fillRef idx="0">
+            <a:schemeClr val="accent1"/>
+          </a:fillRef>
+          <a:effectRef idx="0">
+            <a:schemeClr val="accent1"/>
+          </a:effectRef>
+          <a:fontRef idx="minor">
+            <a:schemeClr val="tx1"/>
+          </a:fontRef>
+        </p:style>
+        <p:txBody>
+          <a:bodyPr rtlCol="0" anchor="ctr"/>
+          <a:lstStyle/>
+          <a:p>
+            <a:pPr algn="ctr"/>
+            <a:endParaRPr lang="en-US"/>
+          </a:p>
+        </p:txBody>
+      </p:sp>
+      <p:sp>
+        <p:nvSpPr>
+          <p:cNvPr id="52" name="TextBox 51">
+            <a:extLst>
+              <a:ext uri="{FF2B5EF4-FFF2-40B4-BE49-F238E27FC236}">
+                <a16:creationId xmlns:a16="http://schemas.microsoft.com/office/drawing/2014/main" id="{A8FFEADD-CDA1-002B-3633-39052456CDC8}"/>
+              </a:ext>
+            </a:extLst>
+          </p:cNvPr>
+          <p:cNvSpPr txBox="1"/>
+          <p:nvPr/>
+        </p:nvSpPr>
+        <p:spPr>
+          <a:xfrm>
+            <a:off x="341232" y="3479062"/>
+            <a:ext cx="1521857" cy="307777"/>
+          </a:xfrm>
+          <a:prstGeom prst="rect">
+            <a:avLst/>
+          </a:prstGeom>
+          <a:noFill/>
+        </p:spPr>
+        <p:txBody>
+          <a:bodyPr wrap="square" rtlCol="0">
+            <a:spAutoFit/>
+          </a:bodyPr>
+          <a:lstStyle/>
+          <a:p>
+            <a:pPr algn="ctr"/>
+            <a:r>
+              <a:rPr lang="en-US" dirty="0">
+                <a:latin typeface="Times New Roman" panose="02020603050405020304" pitchFamily="18" charset="0"/>
+                <a:cs typeface="Times New Roman" panose="02020603050405020304" pitchFamily="18" charset="0"/>
+              </a:rPr>
+              <a:t>Input Image </a:t>
+            </a:r>
+          </a:p>
+        </p:txBody>
+      </p:sp>
+      <p:sp>
+        <p:nvSpPr>
+          <p:cNvPr id="54" name="TextBox 53">
+            <a:extLst>
+              <a:ext uri="{FF2B5EF4-FFF2-40B4-BE49-F238E27FC236}">
+                <a16:creationId xmlns:a16="http://schemas.microsoft.com/office/drawing/2014/main" id="{E4D7A56B-29F0-B4DD-7A11-69120E623366}"/>
+              </a:ext>
+            </a:extLst>
+          </p:cNvPr>
+          <p:cNvSpPr txBox="1"/>
+          <p:nvPr/>
+        </p:nvSpPr>
+        <p:spPr>
+          <a:xfrm>
+            <a:off x="3113009" y="3529885"/>
+            <a:ext cx="1422796" cy="461665"/>
+          </a:xfrm>
+          <a:prstGeom prst="rect">
+            <a:avLst/>
+          </a:prstGeom>
+          <a:noFill/>
+        </p:spPr>
+        <p:txBody>
+          <a:bodyPr wrap="square" rtlCol="0">
+            <a:spAutoFit/>
+          </a:bodyPr>
+          <a:lstStyle/>
+          <a:p>
+            <a:pPr algn="ctr"/>
+            <a:r>
+              <a:rPr lang="en-US" sz="1200" dirty="0">
+                <a:latin typeface="Times New Roman" panose="02020603050405020304" pitchFamily="18" charset="0"/>
+                <a:cs typeface="Times New Roman" panose="02020603050405020304" pitchFamily="18" charset="0"/>
+              </a:rPr>
+              <a:t> Dividing Input Image into Grids</a:t>
+            </a:r>
+            <a:endParaRPr lang="en-US" dirty="0">
+              <a:latin typeface="Times New Roman" panose="02020603050405020304" pitchFamily="18" charset="0"/>
+              <a:cs typeface="Times New Roman" panose="02020603050405020304" pitchFamily="18" charset="0"/>
+            </a:endParaRPr>
+          </a:p>
+        </p:txBody>
+      </p:sp>
+    </p:spTree>
+    <p:extLst>
+      <p:ext uri="{BB962C8B-B14F-4D97-AF65-F5344CB8AC3E}">
+        <p14:creationId xmlns:p14="http://schemas.microsoft.com/office/powerpoint/2010/main" val="1298955611"/>
+      </p:ext>
+    </p:extLst>
+  </p:cSld>
+  <p:clrMapOvr>
+    <a:masterClrMapping/>
+  </p:clrMapOvr>
+</p:sld>
+</file>
+
+<file path=ppt/slides/slide9.xml><?xml version="1.0" encoding="utf-8"?>
 <p:sld xmlns:a="http://schemas.openxmlformats.org/drawingml/2006/main" xmlns:r="http://schemas.openxmlformats.org/officeDocument/2006/relationships" xmlns:p="http://schemas.openxmlformats.org/presentationml/2006/main">
   <p:cSld>
     <p:spTree>
@@ -9772,7 +11021,7 @@
             </a:pPr>
             <a:r>
               <a:rPr lang="en-US" sz="2400" dirty="0"/>
-              <a:t>          FLOW CHART	/ ALGORITHM</a:t>
+              <a:t>          FLOW CHART/ ALGORITHM</a:t>
             </a:r>
             <a:endParaRPr sz="2400" dirty="0"/>
           </a:p>
@@ -9810,7 +11059,7 @@
             <a:fld id="{00000000-1234-1234-1234-123412341234}" type="slidenum">
               <a:rPr lang="en-US"/>
               <a:pPr/>
-              <a:t>8</a:t>
+              <a:t>9</a:t>
             </a:fld>
             <a:endParaRPr/>
           </a:p>
@@ -9945,253 +11194,6 @@
   <p:clrMapOvr>
     <a:masterClrMapping/>
   </p:clrMapOvr>
-  <p:timing>
-    <p:tnLst>
-      <p:par>
-        <p:cTn id="1" dur="indefinite" restart="never" nodeType="tmRoot"/>
-      </p:par>
-    </p:tnLst>
-  </p:timing>
-</p:sld>
-</file>
-
-<file path=ppt/slides/slide9.xml><?xml version="1.0" encoding="utf-8"?>
-<p:sld xmlns:a="http://schemas.openxmlformats.org/drawingml/2006/main" xmlns:r="http://schemas.openxmlformats.org/officeDocument/2006/relationships" xmlns:p="http://schemas.openxmlformats.org/presentationml/2006/main">
-  <p:cSld>
-    <p:spTree>
-      <p:nvGrpSpPr>
-        <p:cNvPr id="1" name="Shape 159"/>
-        <p:cNvGrpSpPr/>
-        <p:nvPr/>
-      </p:nvGrpSpPr>
-      <p:grpSpPr>
-        <a:xfrm>
-          <a:off x="0" y="0"/>
-          <a:ext cx="0" cy="0"/>
-          <a:chOff x="0" y="0"/>
-          <a:chExt cx="0" cy="0"/>
-        </a:xfrm>
-      </p:grpSpPr>
-      <p:sp>
-        <p:nvSpPr>
-          <p:cNvPr id="160" name="Google Shape;160;p20"/>
-          <p:cNvSpPr txBox="1">
-            <a:spLocks noGrp="1"/>
-          </p:cNvSpPr>
-          <p:nvPr>
-            <p:ph type="title"/>
-          </p:nvPr>
-        </p:nvSpPr>
-        <p:spPr>
-          <a:xfrm>
-            <a:off x="1428750" y="1543050"/>
-            <a:ext cx="6172200" cy="514350"/>
-          </a:xfrm>
-          <a:prstGeom prst="rect">
-            <a:avLst/>
-          </a:prstGeom>
-          <a:noFill/>
-          <a:ln>
-            <a:noFill/>
-          </a:ln>
-        </p:spPr>
-        <p:txBody>
-          <a:bodyPr spcFirstLastPara="1" vert="horz" wrap="square" lIns="68569" tIns="34275" rIns="68569" bIns="34275" rtlCol="0" anchor="ctr" anchorCtr="0">
-            <a:normAutofit/>
-          </a:bodyPr>
-          <a:lstStyle/>
-          <a:p>
-            <a:pPr algn="ctr">
-              <a:spcBef>
-                <a:spcPts val="0"/>
-              </a:spcBef>
-              <a:buClr>
-                <a:schemeClr val="dk1"/>
-              </a:buClr>
-              <a:buSzPts val="3200"/>
-            </a:pPr>
-            <a:r>
-              <a:rPr lang="en-US" sz="2400" dirty="0"/>
-              <a:t>      RESULTS	</a:t>
-            </a:r>
-            <a:endParaRPr sz="2400" dirty="0"/>
-          </a:p>
-        </p:txBody>
-      </p:sp>
-      <p:sp>
-        <p:nvSpPr>
-          <p:cNvPr id="163" name="Google Shape;163;p20"/>
-          <p:cNvSpPr txBox="1">
-            <a:spLocks noGrp="1"/>
-          </p:cNvSpPr>
-          <p:nvPr>
-            <p:ph type="sldNum" idx="12"/>
-          </p:nvPr>
-        </p:nvSpPr>
-        <p:spPr>
-          <a:xfrm>
-            <a:off x="6057900" y="4767263"/>
-            <a:ext cx="1600200" cy="273844"/>
-          </a:xfrm>
-          <a:prstGeom prst="rect">
-            <a:avLst/>
-          </a:prstGeom>
-          <a:noFill/>
-          <a:ln>
-            <a:noFill/>
-          </a:ln>
-        </p:spPr>
-        <p:txBody>
-          <a:bodyPr spcFirstLastPara="1" vert="horz" wrap="square" lIns="68569" tIns="34275" rIns="68569" bIns="34275" rtlCol="0" anchor="ctr" anchorCtr="0">
-            <a:noAutofit/>
-          </a:bodyPr>
-          <a:lstStyle/>
-          <a:p>
-            <a:fld id="{00000000-1234-1234-1234-123412341234}" type="slidenum">
-              <a:rPr lang="en-US"/>
-              <a:pPr/>
-              <a:t>9</a:t>
-            </a:fld>
-            <a:endParaRPr/>
-          </a:p>
-        </p:txBody>
-      </p:sp>
-      <p:sp>
-        <p:nvSpPr>
-          <p:cNvPr id="164" name="Google Shape;164;p20"/>
-          <p:cNvSpPr txBox="1"/>
-          <p:nvPr/>
-        </p:nvSpPr>
-        <p:spPr>
-          <a:xfrm>
-            <a:off x="1485900" y="2286000"/>
-            <a:ext cx="6172200" cy="2343150"/>
-          </a:xfrm>
-          <a:prstGeom prst="rect">
-            <a:avLst/>
-          </a:prstGeom>
-          <a:noFill/>
-          <a:ln>
-            <a:noFill/>
-          </a:ln>
-        </p:spPr>
-        <p:txBody>
-          <a:bodyPr spcFirstLastPara="1" wrap="square" lIns="68569" tIns="34275" rIns="68569" bIns="34275" anchor="t" anchorCtr="0">
-            <a:normAutofit/>
-          </a:bodyPr>
-          <a:lstStyle/>
-          <a:p>
-            <a:pPr marL="257175" indent="-257175">
-              <a:buClr>
-                <a:schemeClr val="dk1"/>
-              </a:buClr>
-              <a:buSzPts val="3200"/>
-            </a:pPr>
-            <a:endParaRPr sz="2400">
-              <a:solidFill>
-                <a:schemeClr val="dk1"/>
-              </a:solidFill>
-              <a:latin typeface="Calibri"/>
-              <a:ea typeface="Calibri"/>
-              <a:cs typeface="Calibri"/>
-              <a:sym typeface="Calibri"/>
-            </a:endParaRPr>
-          </a:p>
-        </p:txBody>
-      </p:sp>
-      <p:sp>
-        <p:nvSpPr>
-          <p:cNvPr id="165" name="Google Shape;165;p20"/>
-          <p:cNvSpPr txBox="1"/>
-          <p:nvPr/>
-        </p:nvSpPr>
-        <p:spPr>
-          <a:xfrm>
-            <a:off x="1543050" y="3486150"/>
-            <a:ext cx="6172200" cy="571500"/>
-          </a:xfrm>
-          <a:prstGeom prst="rect">
-            <a:avLst/>
-          </a:prstGeom>
-          <a:noFill/>
-          <a:ln>
-            <a:noFill/>
-          </a:ln>
-        </p:spPr>
-        <p:txBody>
-          <a:bodyPr spcFirstLastPara="1" wrap="square" lIns="68569" tIns="34275" rIns="68569" bIns="34275" anchor="ctr" anchorCtr="0">
-            <a:normAutofit/>
-          </a:bodyPr>
-          <a:lstStyle/>
-          <a:p>
-            <a:pPr>
-              <a:buClr>
-                <a:schemeClr val="dk1"/>
-              </a:buClr>
-              <a:buSzPts val="3200"/>
-            </a:pPr>
-            <a:endParaRPr sz="2400">
-              <a:solidFill>
-                <a:schemeClr val="dk1"/>
-              </a:solidFill>
-              <a:latin typeface="Calibri"/>
-              <a:ea typeface="Calibri"/>
-              <a:cs typeface="Calibri"/>
-              <a:sym typeface="Calibri"/>
-            </a:endParaRPr>
-          </a:p>
-        </p:txBody>
-      </p:sp>
-      <p:pic>
-        <p:nvPicPr>
-          <p:cNvPr id="8" name="Picture 7" descr="C:\Users\KrupaShankari\Downloads\Revised_ISE_Logo.png"/>
-          <p:cNvPicPr/>
-          <p:nvPr/>
-        </p:nvPicPr>
-        <p:blipFill>
-          <a:blip r:embed="rId3" cstate="print">
-            <a:extLst>
-              <a:ext uri="{28A0092B-C50C-407E-A947-70E740481C1C}">
-                <a14:useLocalDpi xmlns:a14="http://schemas.microsoft.com/office/drawing/2010/main" val="0"/>
-              </a:ext>
-            </a:extLst>
-          </a:blip>
-          <a:srcRect/>
-          <a:stretch>
-            <a:fillRect/>
-          </a:stretch>
-        </p:blipFill>
-        <p:spPr bwMode="auto">
-          <a:xfrm>
-            <a:off x="1543929" y="332491"/>
-            <a:ext cx="6045591" cy="1113656"/>
-          </a:xfrm>
-          <a:prstGeom prst="rect">
-            <a:avLst/>
-          </a:prstGeom>
-          <a:noFill/>
-          <a:ln>
-            <a:noFill/>
-          </a:ln>
-        </p:spPr>
-      </p:pic>
-    </p:spTree>
-    <p:extLst>
-      <p:ext uri="{BB962C8B-B14F-4D97-AF65-F5344CB8AC3E}">
-        <p14:creationId xmlns:p14="http://schemas.microsoft.com/office/powerpoint/2010/main" val="1211255944"/>
-      </p:ext>
-    </p:extLst>
-  </p:cSld>
-  <p:clrMapOvr>
-    <a:masterClrMapping/>
-  </p:clrMapOvr>
-  <p:timing>
-    <p:tnLst>
-      <p:par>
-        <p:cTn id="1" dur="indefinite" restart="never" nodeType="tmRoot"/>
-      </p:par>
-    </p:tnLst>
-  </p:timing>
 </p:sld>
 </file>
 
